--- a/IMS_NEW.pptx
+++ b/IMS_NEW.pptx
@@ -11,10 +11,10 @@
     <p:sldMasterId id="2147483718" r:id="rId7"/>
   </p:sldMasterIdLst>
   <p:notesMasterIdLst>
-    <p:notesMasterId r:id="rId17"/>
+    <p:notesMasterId r:id="rId18"/>
   </p:notesMasterIdLst>
   <p:handoutMasterIdLst>
-    <p:handoutMasterId r:id="rId18"/>
+    <p:handoutMasterId r:id="rId19"/>
   </p:handoutMasterIdLst>
   <p:sldIdLst>
     <p:sldId id="256" r:id="rId8"/>
@@ -23,9 +23,10 @@
     <p:sldId id="259" r:id="rId11"/>
     <p:sldId id="260" r:id="rId12"/>
     <p:sldId id="261" r:id="rId13"/>
-    <p:sldId id="262" r:id="rId14"/>
-    <p:sldId id="263" r:id="rId15"/>
-    <p:sldId id="264" r:id="rId16"/>
+    <p:sldId id="265" r:id="rId14"/>
+    <p:sldId id="262" r:id="rId15"/>
+    <p:sldId id="263" r:id="rId16"/>
+    <p:sldId id="264" r:id="rId17"/>
   </p:sldIdLst>
   <p:sldSz cx="9144000" cy="6858000" type="screen4x3"/>
   <p:notesSz cx="9874250" cy="6797675"/>
@@ -225,7 +226,7 @@
           <a:p>
             <a:fld id="{FE9F37E1-976C-4D68-AAA1-E18BCAC423B3}" type="datetimeFigureOut">
               <a:rPr lang="zh-TW" altLang="en-US" smtClean="0"/>
-              <a:t>2025/3/11</a:t>
+              <a:t>2025/3/12</a:t>
             </a:fld>
             <a:endParaRPr lang="zh-TW" altLang="en-US"/>
           </a:p>
@@ -390,7 +391,7 @@
           <a:p>
             <a:fld id="{6F765A04-DEC0-490E-BE54-AD23B90E8F9F}" type="datetimeFigureOut">
               <a:rPr lang="zh-TW" altLang="en-US" smtClean="0"/>
-              <a:t>2025/3/11</a:t>
+              <a:t>2025/3/12</a:t>
             </a:fld>
             <a:endParaRPr lang="zh-TW" altLang="en-US"/>
           </a:p>
@@ -746,6 +747,114 @@
   <p:cSld>
     <p:spTree>
       <p:nvGrpSpPr>
+        <p:cNvPr id="1" name="">
+          <a:extLst>
+            <a:ext uri="{FF2B5EF4-FFF2-40B4-BE49-F238E27FC236}">
+              <a16:creationId xmlns:a16="http://schemas.microsoft.com/office/drawing/2014/main" id="{335CAA7B-7BE7-DE11-74DD-F05DAC3797A1}"/>
+            </a:ext>
+          </a:extLst>
+        </p:cNvPr>
+        <p:cNvGrpSpPr/>
+        <p:nvPr/>
+      </p:nvGrpSpPr>
+      <p:grpSpPr>
+        <a:xfrm>
+          <a:off x="0" y="0"/>
+          <a:ext cx="0" cy="0"/>
+          <a:chOff x="0" y="0"/>
+          <a:chExt cx="0" cy="0"/>
+        </a:xfrm>
+      </p:grpSpPr>
+      <p:sp>
+        <p:nvSpPr>
+          <p:cNvPr id="2" name="投影片影像版面配置區 1">
+            <a:extLst>
+              <a:ext uri="{FF2B5EF4-FFF2-40B4-BE49-F238E27FC236}">
+                <a16:creationId xmlns:a16="http://schemas.microsoft.com/office/drawing/2014/main" id="{809857FB-7B29-F0E0-7081-36B032CC21F7}"/>
+              </a:ext>
+            </a:extLst>
+          </p:cNvPr>
+          <p:cNvSpPr>
+            <a:spLocks noGrp="1" noRot="1" noChangeAspect="1"/>
+          </p:cNvSpPr>
+          <p:nvPr>
+            <p:ph type="sldImg"/>
+          </p:nvPr>
+        </p:nvSpPr>
+        <p:spPr/>
+      </p:sp>
+      <p:sp>
+        <p:nvSpPr>
+          <p:cNvPr id="3" name="備忘稿版面配置區 2">
+            <a:extLst>
+              <a:ext uri="{FF2B5EF4-FFF2-40B4-BE49-F238E27FC236}">
+                <a16:creationId xmlns:a16="http://schemas.microsoft.com/office/drawing/2014/main" id="{3BA73E59-1CAF-3CA6-C444-977D43D6DAA8}"/>
+              </a:ext>
+            </a:extLst>
+          </p:cNvPr>
+          <p:cNvSpPr>
+            <a:spLocks noGrp="1"/>
+          </p:cNvSpPr>
+          <p:nvPr>
+            <p:ph type="body" idx="1"/>
+          </p:nvPr>
+        </p:nvSpPr>
+        <p:spPr/>
+        <p:txBody>
+          <a:bodyPr/>
+          <a:lstStyle/>
+          <a:p>
+            <a:endParaRPr lang="zh-TW" altLang="en-US" dirty="0"/>
+          </a:p>
+        </p:txBody>
+      </p:sp>
+      <p:sp>
+        <p:nvSpPr>
+          <p:cNvPr id="4" name="投影片編號版面配置區 3">
+            <a:extLst>
+              <a:ext uri="{FF2B5EF4-FFF2-40B4-BE49-F238E27FC236}">
+                <a16:creationId xmlns:a16="http://schemas.microsoft.com/office/drawing/2014/main" id="{C94648DE-5B27-B9FC-DB01-F69B91020ACD}"/>
+              </a:ext>
+            </a:extLst>
+          </p:cNvPr>
+          <p:cNvSpPr>
+            <a:spLocks noGrp="1"/>
+          </p:cNvSpPr>
+          <p:nvPr>
+            <p:ph type="sldNum" sz="quarter" idx="5"/>
+          </p:nvPr>
+        </p:nvSpPr>
+        <p:spPr/>
+        <p:txBody>
+          <a:bodyPr/>
+          <a:lstStyle/>
+          <a:p>
+            <a:fld id="{A390520D-9A8A-4E05-BB16-8C1AC1960EEA}" type="slidenum">
+              <a:rPr lang="zh-TW" altLang="en-US" smtClean="0"/>
+              <a:t>7</a:t>
+            </a:fld>
+            <a:endParaRPr lang="zh-TW" altLang="en-US"/>
+          </a:p>
+        </p:txBody>
+      </p:sp>
+    </p:spTree>
+    <p:extLst>
+      <p:ext uri="{BB962C8B-B14F-4D97-AF65-F5344CB8AC3E}">
+        <p14:creationId xmlns:p14="http://schemas.microsoft.com/office/powerpoint/2010/main" val="2742060967"/>
+      </p:ext>
+    </p:extLst>
+  </p:cSld>
+  <p:clrMapOvr>
+    <a:masterClrMapping/>
+  </p:clrMapOvr>
+</p:notes>
+</file>
+
+<file path=ppt/notesSlides/notesSlide3.xml><?xml version="1.0" encoding="utf-8"?>
+<p:notes xmlns:a="http://schemas.openxmlformats.org/drawingml/2006/main" xmlns:r="http://schemas.openxmlformats.org/officeDocument/2006/relationships" xmlns:p="http://schemas.openxmlformats.org/presentationml/2006/main">
+  <p:cSld>
+    <p:spTree>
+      <p:nvGrpSpPr>
         <p:cNvPr id="1" name=""/>
         <p:cNvGrpSpPr/>
         <p:nvPr/>
@@ -806,7 +915,7 @@
           <a:p>
             <a:fld id="{A390520D-9A8A-4E05-BB16-8C1AC1960EEA}" type="slidenum">
               <a:rPr lang="zh-TW" altLang="en-US" smtClean="0"/>
-              <a:t>7</a:t>
+              <a:t>8</a:t>
             </a:fld>
             <a:endParaRPr lang="zh-TW" altLang="en-US"/>
           </a:p>
@@ -825,7 +934,7 @@
 </p:notes>
 </file>
 
-<file path=ppt/notesSlides/notesSlide3.xml><?xml version="1.0" encoding="utf-8"?>
+<file path=ppt/notesSlides/notesSlide4.xml><?xml version="1.0" encoding="utf-8"?>
 <p:notes xmlns:a="http://schemas.openxmlformats.org/drawingml/2006/main" xmlns:r="http://schemas.openxmlformats.org/officeDocument/2006/relationships" xmlns:p="http://schemas.openxmlformats.org/presentationml/2006/main">
   <p:cSld>
     <p:spTree>
@@ -914,7 +1023,7 @@
           <a:p>
             <a:fld id="{A390520D-9A8A-4E05-BB16-8C1AC1960EEA}" type="slidenum">
               <a:rPr lang="zh-TW" altLang="en-US" smtClean="0"/>
-              <a:t>8</a:t>
+              <a:t>9</a:t>
             </a:fld>
             <a:endParaRPr lang="zh-TW" altLang="en-US"/>
           </a:p>
@@ -933,7 +1042,7 @@
 </p:notes>
 </file>
 
-<file path=ppt/notesSlides/notesSlide4.xml><?xml version="1.0" encoding="utf-8"?>
+<file path=ppt/notesSlides/notesSlide5.xml><?xml version="1.0" encoding="utf-8"?>
 <p:notes xmlns:a="http://schemas.openxmlformats.org/drawingml/2006/main" xmlns:r="http://schemas.openxmlformats.org/officeDocument/2006/relationships" xmlns:p="http://schemas.openxmlformats.org/presentationml/2006/main">
   <p:cSld>
     <p:spTree>
@@ -1022,7 +1131,7 @@
           <a:p>
             <a:fld id="{A390520D-9A8A-4E05-BB16-8C1AC1960EEA}" type="slidenum">
               <a:rPr lang="zh-TW" altLang="en-US" smtClean="0"/>
-              <a:t>9</a:t>
+              <a:t>10</a:t>
             </a:fld>
             <a:endParaRPr lang="zh-TW" altLang="en-US"/>
           </a:p>
@@ -1090,7 +1199,7 @@
           </a:ln>
           <a:extLst>
             <a:ext uri="{91240B29-F687-4f45-9708-019B960494DF}">
-              <a14:hiddenLine xmlns="" xmlns:a14="http://schemas.microsoft.com/office/drawing/2010/main" w="9525">
+              <a14:hiddenLine xmlns:a14="http://schemas.microsoft.com/office/drawing/2010/main" xmlns="" w="9525">
                 <a:solidFill>
                   <a:srgbClr val="000000"/>
                 </a:solidFill>
@@ -1144,14 +1253,14 @@
           </a:ln>
           <a:extLst>
             <a:ext uri="{909E8E84-426E-40dd-AFC4-6F175D3DCCD1}">
-              <a14:hiddenFill xmlns="" xmlns:a14="http://schemas.microsoft.com/office/drawing/2010/main">
+              <a14:hiddenFill xmlns:a14="http://schemas.microsoft.com/office/drawing/2010/main" xmlns="">
                 <a:solidFill>
                   <a:srgbClr val="FFFFFF"/>
                 </a:solidFill>
               </a14:hiddenFill>
             </a:ext>
             <a:ext uri="{91240B29-F687-4f45-9708-019B960494DF}">
-              <a14:hiddenLine xmlns="" xmlns:a14="http://schemas.microsoft.com/office/drawing/2010/main" w="9525">
+              <a14:hiddenLine xmlns:a14="http://schemas.microsoft.com/office/drawing/2010/main" xmlns="" w="9525">
                 <a:solidFill>
                   <a:srgbClr val="000000"/>
                 </a:solidFill>
@@ -1187,7 +1296,7 @@
           </a:ln>
           <a:extLst>
             <a:ext uri="{91240B29-F687-4f45-9708-019B960494DF}">
-              <a14:hiddenLine xmlns="" xmlns:a14="http://schemas.microsoft.com/office/drawing/2010/main" w="9525">
+              <a14:hiddenLine xmlns:a14="http://schemas.microsoft.com/office/drawing/2010/main" xmlns="" w="9525">
                 <a:solidFill>
                   <a:srgbClr val="000000"/>
                 </a:solidFill>
@@ -1503,7 +1612,7 @@
           </a:ln>
           <a:extLst>
             <a:ext uri="{91240B29-F687-4f45-9708-019B960494DF}">
-              <a14:hiddenLine xmlns="" xmlns:a14="http://schemas.microsoft.com/office/drawing/2010/main" w="9525">
+              <a14:hiddenLine xmlns:a14="http://schemas.microsoft.com/office/drawing/2010/main" xmlns="" w="9525">
                 <a:solidFill>
                   <a:srgbClr val="000000"/>
                 </a:solidFill>
@@ -1554,7 +1663,7 @@
           </a:ln>
           <a:extLst>
             <a:ext uri="{91240B29-F687-4f45-9708-019B960494DF}">
-              <a14:hiddenLine xmlns="" xmlns:a14="http://schemas.microsoft.com/office/drawing/2010/main" w="9525">
+              <a14:hiddenLine xmlns:a14="http://schemas.microsoft.com/office/drawing/2010/main" xmlns="" w="9525">
                 <a:solidFill>
                   <a:srgbClr val="000000"/>
                 </a:solidFill>
@@ -12784,7 +12893,7 @@
           </a:ln>
           <a:extLst>
             <a:ext uri="{91240B29-F687-4f45-9708-019B960494DF}">
-              <a14:hiddenLine xmlns="" xmlns:a14="http://schemas.microsoft.com/office/drawing/2010/main" w="9525">
+              <a14:hiddenLine xmlns:a14="http://schemas.microsoft.com/office/drawing/2010/main" xmlns="" w="9525">
                 <a:solidFill>
                   <a:srgbClr val="000000"/>
                 </a:solidFill>
@@ -13113,14 +13222,14 @@
           </a:ln>
           <a:extLst>
             <a:ext uri="{909E8E84-426E-40dd-AFC4-6F175D3DCCD1}">
-              <a14:hiddenFill xmlns="" xmlns:a14="http://schemas.microsoft.com/office/drawing/2010/main">
+              <a14:hiddenFill xmlns:a14="http://schemas.microsoft.com/office/drawing/2010/main" xmlns="">
                 <a:solidFill>
                   <a:srgbClr val="FFFFFF"/>
                 </a:solidFill>
               </a14:hiddenFill>
             </a:ext>
             <a:ext uri="{91240B29-F687-4f45-9708-019B960494DF}">
-              <a14:hiddenLine xmlns="" xmlns:a14="http://schemas.microsoft.com/office/drawing/2010/main" w="9525">
+              <a14:hiddenLine xmlns:a14="http://schemas.microsoft.com/office/drawing/2010/main" xmlns="" w="9525">
                 <a:solidFill>
                   <a:srgbClr val="000000"/>
                 </a:solidFill>
@@ -13196,14 +13305,14 @@
           </a:ln>
           <a:extLst>
             <a:ext uri="{909E8E84-426E-40dd-AFC4-6F175D3DCCD1}">
-              <a14:hiddenFill xmlns="" xmlns:a14="http://schemas.microsoft.com/office/drawing/2010/main">
+              <a14:hiddenFill xmlns:a14="http://schemas.microsoft.com/office/drawing/2010/main" xmlns="">
                 <a:solidFill>
                   <a:srgbClr val="FFFFFF"/>
                 </a:solidFill>
               </a14:hiddenFill>
             </a:ext>
             <a:ext uri="{91240B29-F687-4f45-9708-019B960494DF}">
-              <a14:hiddenLine xmlns="" xmlns:a14="http://schemas.microsoft.com/office/drawing/2010/main" w="9525">
+              <a14:hiddenLine xmlns:a14="http://schemas.microsoft.com/office/drawing/2010/main" xmlns="" w="9525">
                 <a:solidFill>
                   <a:srgbClr val="000000"/>
                 </a:solidFill>
@@ -13274,14 +13383,14 @@
           </a:ln>
           <a:extLst>
             <a:ext uri="{909E8E84-426E-40dd-AFC4-6F175D3DCCD1}">
-              <a14:hiddenFill xmlns="" xmlns:a14="http://schemas.microsoft.com/office/drawing/2010/main">
+              <a14:hiddenFill xmlns:a14="http://schemas.microsoft.com/office/drawing/2010/main" xmlns="">
                 <a:solidFill>
                   <a:srgbClr val="FFFFFF"/>
                 </a:solidFill>
               </a14:hiddenFill>
             </a:ext>
             <a:ext uri="{91240B29-F687-4f45-9708-019B960494DF}">
-              <a14:hiddenLine xmlns="" xmlns:a14="http://schemas.microsoft.com/office/drawing/2010/main" w="9525">
+              <a14:hiddenLine xmlns:a14="http://schemas.microsoft.com/office/drawing/2010/main" xmlns="" w="9525">
                 <a:solidFill>
                   <a:srgbClr val="000000"/>
                 </a:solidFill>
@@ -13344,7 +13453,7 @@
           </a:ln>
           <a:extLst>
             <a:ext uri="{91240B29-F687-4f45-9708-019B960494DF}">
-              <a14:hiddenLine xmlns="" xmlns:a14="http://schemas.microsoft.com/office/drawing/2010/main" w="9525">
+              <a14:hiddenLine xmlns:a14="http://schemas.microsoft.com/office/drawing/2010/main" xmlns="" w="9525">
                 <a:solidFill>
                   <a:srgbClr val="000000"/>
                 </a:solidFill>
@@ -20867,6 +20976,775 @@
 </p:sld>
 </file>
 
+<file path=ppt/slides/slide10.xml><?xml version="1.0" encoding="utf-8"?>
+<p:sld xmlns:a="http://schemas.openxmlformats.org/drawingml/2006/main" xmlns:r="http://schemas.openxmlformats.org/officeDocument/2006/relationships" xmlns:p="http://schemas.openxmlformats.org/presentationml/2006/main">
+  <p:cSld>
+    <p:spTree>
+      <p:nvGrpSpPr>
+        <p:cNvPr id="1" name="">
+          <a:extLst>
+            <a:ext uri="{FF2B5EF4-FFF2-40B4-BE49-F238E27FC236}">
+              <a16:creationId xmlns:a16="http://schemas.microsoft.com/office/drawing/2014/main" id="{DDC8BCDB-32BD-0FB5-102A-754B85AAE1C1}"/>
+            </a:ext>
+          </a:extLst>
+        </p:cNvPr>
+        <p:cNvGrpSpPr/>
+        <p:nvPr/>
+      </p:nvGrpSpPr>
+      <p:grpSpPr>
+        <a:xfrm>
+          <a:off x="0" y="0"/>
+          <a:ext cx="0" cy="0"/>
+          <a:chOff x="0" y="0"/>
+          <a:chExt cx="0" cy="0"/>
+        </a:xfrm>
+      </p:grpSpPr>
+      <p:sp>
+        <p:nvSpPr>
+          <p:cNvPr id="2" name="標題 1">
+            <a:extLst>
+              <a:ext uri="{FF2B5EF4-FFF2-40B4-BE49-F238E27FC236}">
+                <a16:creationId xmlns:a16="http://schemas.microsoft.com/office/drawing/2014/main" id="{FFBC242B-EB01-8ABA-E1A3-8CEEC0373620}"/>
+              </a:ext>
+            </a:extLst>
+          </p:cNvPr>
+          <p:cNvSpPr>
+            <a:spLocks noGrp="1"/>
+          </p:cNvSpPr>
+          <p:nvPr>
+            <p:ph type="title"/>
+          </p:nvPr>
+        </p:nvSpPr>
+        <p:spPr/>
+        <p:txBody>
+          <a:bodyPr/>
+          <a:lstStyle/>
+          <a:p>
+            <a:r>
+              <a:rPr lang="en-US" altLang="zh-TW" dirty="0"/>
+              <a:t>Problems of Best-Match TCAM</a:t>
+            </a:r>
+            <a:endParaRPr lang="zh-TW" altLang="en-US" dirty="0"/>
+          </a:p>
+        </p:txBody>
+      </p:sp>
+      <p:sp>
+        <p:nvSpPr>
+          <p:cNvPr id="3" name="內容版面配置區 2">
+            <a:extLst>
+              <a:ext uri="{FF2B5EF4-FFF2-40B4-BE49-F238E27FC236}">
+                <a16:creationId xmlns:a16="http://schemas.microsoft.com/office/drawing/2014/main" id="{2E06B901-649B-81E2-6392-AE50F59BB6EB}"/>
+              </a:ext>
+            </a:extLst>
+          </p:cNvPr>
+          <p:cNvSpPr>
+            <a:spLocks noGrp="1"/>
+          </p:cNvSpPr>
+          <p:nvPr>
+            <p:ph idx="1"/>
+          </p:nvPr>
+        </p:nvSpPr>
+        <p:spPr/>
+        <p:txBody>
+          <a:bodyPr/>
+          <a:lstStyle/>
+          <a:p>
+            <a:r>
+              <a:rPr lang="en-US" altLang="zh-TW" dirty="0"/>
+              <a:t>Analog non-idealities</a:t>
+            </a:r>
+          </a:p>
+          <a:p>
+            <a:pPr lvl="1"/>
+            <a:r>
+              <a:rPr lang="en-US" altLang="zh-TW" b="0" dirty="0"/>
+              <a:t>Noise-aware training</a:t>
+            </a:r>
+          </a:p>
+          <a:p>
+            <a:pPr lvl="2"/>
+            <a:r>
+              <a:rPr lang="en-US" altLang="zh-TW" b="0" dirty="0"/>
+              <a:t>Noise of analog circuits could hazard our performance</a:t>
+            </a:r>
+          </a:p>
+          <a:p>
+            <a:pPr lvl="2"/>
+            <a:r>
+              <a:rPr lang="en-US" altLang="zh-TW" b="0" dirty="0"/>
+              <a:t>Inject noise into model to make it noise-resistant</a:t>
+            </a:r>
+          </a:p>
+          <a:p>
+            <a:pPr lvl="1"/>
+            <a:endParaRPr lang="zh-TW" altLang="en-US" dirty="0"/>
+          </a:p>
+        </p:txBody>
+      </p:sp>
+      <p:pic>
+        <p:nvPicPr>
+          <p:cNvPr id="4" name="圖片 3">
+            <a:extLst>
+              <a:ext uri="{FF2B5EF4-FFF2-40B4-BE49-F238E27FC236}">
+                <a16:creationId xmlns:a16="http://schemas.microsoft.com/office/drawing/2014/main" id="{66A63A3F-BBA7-80CF-0A00-25CC96E37264}"/>
+              </a:ext>
+            </a:extLst>
+          </p:cNvPr>
+          <p:cNvPicPr>
+            <a:picLocks noChangeAspect="1"/>
+          </p:cNvPicPr>
+          <p:nvPr/>
+        </p:nvPicPr>
+        <p:blipFill>
+          <a:blip r:embed="rId3"/>
+          <a:stretch>
+            <a:fillRect/>
+          </a:stretch>
+        </p:blipFill>
+        <p:spPr>
+          <a:xfrm>
+            <a:off x="5746672" y="2946848"/>
+            <a:ext cx="3393694" cy="2116393"/>
+          </a:xfrm>
+          <a:prstGeom prst="rect">
+            <a:avLst/>
+          </a:prstGeom>
+        </p:spPr>
+      </p:pic>
+      <p:sp>
+        <p:nvSpPr>
+          <p:cNvPr id="5" name="文字方塊 4">
+            <a:extLst>
+              <a:ext uri="{FF2B5EF4-FFF2-40B4-BE49-F238E27FC236}">
+                <a16:creationId xmlns:a16="http://schemas.microsoft.com/office/drawing/2014/main" id="{28E2E026-8625-0535-7CB5-32224904AF3E}"/>
+              </a:ext>
+            </a:extLst>
+          </p:cNvPr>
+          <p:cNvSpPr txBox="1"/>
+          <p:nvPr/>
+        </p:nvSpPr>
+        <p:spPr>
+          <a:xfrm>
+            <a:off x="6291078" y="4017795"/>
+            <a:ext cx="1158121" cy="584775"/>
+          </a:xfrm>
+          <a:prstGeom prst="rect">
+            <a:avLst/>
+          </a:prstGeom>
+          <a:solidFill>
+            <a:srgbClr val="E7D4E6"/>
+          </a:solidFill>
+        </p:spPr>
+        <p:txBody>
+          <a:bodyPr wrap="square">
+            <a:spAutoFit/>
+          </a:bodyPr>
+          <a:lstStyle/>
+          <a:p>
+            <a:r>
+              <a:rPr lang="en-US" altLang="zh-TW" sz="1600" b="0" dirty="0"/>
+              <a:t>w/o noise injection</a:t>
+            </a:r>
+          </a:p>
+        </p:txBody>
+      </p:sp>
+      <p:cxnSp>
+        <p:nvCxnSpPr>
+          <p:cNvPr id="6" name="直線單箭頭接點 5">
+            <a:extLst>
+              <a:ext uri="{FF2B5EF4-FFF2-40B4-BE49-F238E27FC236}">
+                <a16:creationId xmlns:a16="http://schemas.microsoft.com/office/drawing/2014/main" id="{4253543A-3C94-6495-1F14-FA68E2FFFEDA}"/>
+              </a:ext>
+            </a:extLst>
+          </p:cNvPr>
+          <p:cNvCxnSpPr>
+            <a:cxnSpLocks/>
+          </p:cNvCxnSpPr>
+          <p:nvPr/>
+        </p:nvCxnSpPr>
+        <p:spPr bwMode="auto">
+          <a:xfrm flipV="1">
+            <a:off x="7409099" y="3870291"/>
+            <a:ext cx="312813" cy="295007"/>
+          </a:xfrm>
+          <a:prstGeom prst="straightConnector1">
+            <a:avLst/>
+          </a:prstGeom>
+          <a:solidFill>
+            <a:schemeClr val="accent1"/>
+          </a:solidFill>
+          <a:ln w="28575" cap="flat" cmpd="sng" algn="ctr">
+            <a:solidFill>
+              <a:schemeClr val="tx1"/>
+            </a:solidFill>
+            <a:prstDash val="solid"/>
+            <a:round/>
+            <a:headEnd type="none" w="med" len="med"/>
+            <a:tailEnd type="triangle"/>
+          </a:ln>
+          <a:effectLst/>
+          <a:extLst>
+            <a:ext uri="{AF507438-7753-43E0-B8FC-AC1667EBCBE1}">
+              <a14:hiddenEffects xmlns:a14="http://schemas.microsoft.com/office/drawing/2010/main">
+                <a:effectLst>
+                  <a:outerShdw dist="35921" dir="2700000" algn="ctr" rotWithShape="0">
+                    <a:schemeClr val="bg2"/>
+                  </a:outerShdw>
+                </a:effectLst>
+              </a14:hiddenEffects>
+            </a:ext>
+          </a:extLst>
+        </p:spPr>
+      </p:cxnSp>
+      <p:sp>
+        <p:nvSpPr>
+          <p:cNvPr id="7" name="文字方塊 6">
+            <a:extLst>
+              <a:ext uri="{FF2B5EF4-FFF2-40B4-BE49-F238E27FC236}">
+                <a16:creationId xmlns:a16="http://schemas.microsoft.com/office/drawing/2014/main" id="{76C284C7-C5C2-0CD1-BE92-E0D259015FB0}"/>
+              </a:ext>
+            </a:extLst>
+          </p:cNvPr>
+          <p:cNvSpPr txBox="1"/>
+          <p:nvPr/>
+        </p:nvSpPr>
+        <p:spPr>
+          <a:xfrm>
+            <a:off x="7979305" y="2096473"/>
+            <a:ext cx="972378" cy="584775"/>
+          </a:xfrm>
+          <a:prstGeom prst="rect">
+            <a:avLst/>
+          </a:prstGeom>
+          <a:noFill/>
+        </p:spPr>
+        <p:txBody>
+          <a:bodyPr wrap="square">
+            <a:spAutoFit/>
+          </a:bodyPr>
+          <a:lstStyle/>
+          <a:p>
+            <a:r>
+              <a:rPr lang="en-US" altLang="zh-TW" sz="1600" b="0" dirty="0"/>
+              <a:t>w/ noise </a:t>
+            </a:r>
+          </a:p>
+          <a:p>
+            <a:r>
+              <a:rPr lang="en-US" altLang="zh-TW" sz="1600" b="0" dirty="0"/>
+              <a:t>injection</a:t>
+            </a:r>
+          </a:p>
+        </p:txBody>
+      </p:sp>
+      <p:cxnSp>
+        <p:nvCxnSpPr>
+          <p:cNvPr id="8" name="直線單箭頭接點 7">
+            <a:extLst>
+              <a:ext uri="{FF2B5EF4-FFF2-40B4-BE49-F238E27FC236}">
+                <a16:creationId xmlns:a16="http://schemas.microsoft.com/office/drawing/2014/main" id="{96F8B4DB-0EFF-BA3A-87C4-6259942FB7AD}"/>
+              </a:ext>
+            </a:extLst>
+          </p:cNvPr>
+          <p:cNvCxnSpPr>
+            <a:cxnSpLocks/>
+            <a:stCxn id="7" idx="2"/>
+          </p:cNvCxnSpPr>
+          <p:nvPr/>
+        </p:nvCxnSpPr>
+        <p:spPr bwMode="auto">
+          <a:xfrm flipH="1">
+            <a:off x="8316416" y="2681248"/>
+            <a:ext cx="149078" cy="283293"/>
+          </a:xfrm>
+          <a:prstGeom prst="straightConnector1">
+            <a:avLst/>
+          </a:prstGeom>
+          <a:solidFill>
+            <a:schemeClr val="accent1"/>
+          </a:solidFill>
+          <a:ln w="28575" cap="flat" cmpd="sng" algn="ctr">
+            <a:solidFill>
+              <a:schemeClr val="tx1"/>
+            </a:solidFill>
+            <a:prstDash val="solid"/>
+            <a:round/>
+            <a:headEnd type="none" w="med" len="med"/>
+            <a:tailEnd type="triangle"/>
+          </a:ln>
+          <a:effectLst/>
+          <a:extLst>
+            <a:ext uri="{AF507438-7753-43E0-B8FC-AC1667EBCBE1}">
+              <a14:hiddenEffects xmlns:a14="http://schemas.microsoft.com/office/drawing/2010/main">
+                <a:effectLst>
+                  <a:outerShdw dist="35921" dir="2700000" algn="ctr" rotWithShape="0">
+                    <a:schemeClr val="bg2"/>
+                  </a:outerShdw>
+                </a:effectLst>
+              </a14:hiddenEffects>
+            </a:ext>
+          </a:extLst>
+        </p:spPr>
+      </p:cxnSp>
+      <p:pic>
+        <p:nvPicPr>
+          <p:cNvPr id="9" name="Picture 2" descr="何謂Artificial Neural Network?. 介紹ANN 基本元素名詞，激勵 ...">
+            <a:extLst>
+              <a:ext uri="{FF2B5EF4-FFF2-40B4-BE49-F238E27FC236}">
+                <a16:creationId xmlns:a16="http://schemas.microsoft.com/office/drawing/2014/main" id="{C8157196-CBD1-9E69-7C28-FD340BF73301}"/>
+              </a:ext>
+            </a:extLst>
+          </p:cNvPr>
+          <p:cNvPicPr>
+            <a:picLocks noChangeAspect="1" noChangeArrowheads="1"/>
+          </p:cNvPicPr>
+          <p:nvPr/>
+        </p:nvPicPr>
+        <p:blipFill rotWithShape="1">
+          <a:blip r:embed="rId4" cstate="print">
+            <a:extLst>
+              <a:ext uri="{28A0092B-C50C-407E-A947-70E740481C1C}">
+                <a14:useLocalDpi xmlns:a14="http://schemas.microsoft.com/office/drawing/2010/main" val="0"/>
+              </a:ext>
+            </a:extLst>
+          </a:blip>
+          <a:srcRect r="4294" b="12117"/>
+          <a:stretch/>
+        </p:blipFill>
+        <p:spPr bwMode="auto">
+          <a:xfrm>
+            <a:off x="3241671" y="3118468"/>
+            <a:ext cx="2425757" cy="1457133"/>
+          </a:xfrm>
+          <a:prstGeom prst="rect">
+            <a:avLst/>
+          </a:prstGeom>
+          <a:noFill/>
+          <a:extLst>
+            <a:ext uri="{909E8E84-426E-40DD-AFC4-6F175D3DCCD1}">
+              <a14:hiddenFill xmlns:a14="http://schemas.microsoft.com/office/drawing/2010/main">
+                <a:solidFill>
+                  <a:srgbClr val="FFFFFF"/>
+                </a:solidFill>
+              </a14:hiddenFill>
+            </a:ext>
+          </a:extLst>
+        </p:spPr>
+      </p:pic>
+      <p:cxnSp>
+        <p:nvCxnSpPr>
+          <p:cNvPr id="10" name="直線單箭頭接點 9">
+            <a:extLst>
+              <a:ext uri="{FF2B5EF4-FFF2-40B4-BE49-F238E27FC236}">
+                <a16:creationId xmlns:a16="http://schemas.microsoft.com/office/drawing/2014/main" id="{5F3BD801-D38F-CB3E-51EB-9CEA1BB2A5F3}"/>
+              </a:ext>
+            </a:extLst>
+          </p:cNvPr>
+          <p:cNvCxnSpPr>
+            <a:endCxn id="9" idx="2"/>
+          </p:cNvCxnSpPr>
+          <p:nvPr/>
+        </p:nvCxnSpPr>
+        <p:spPr bwMode="auto">
+          <a:xfrm flipH="1" flipV="1">
+            <a:off x="4454550" y="4575601"/>
+            <a:ext cx="388929" cy="565351"/>
+          </a:xfrm>
+          <a:prstGeom prst="straightConnector1">
+            <a:avLst/>
+          </a:prstGeom>
+          <a:solidFill>
+            <a:schemeClr val="accent1"/>
+          </a:solidFill>
+          <a:ln w="28575" cap="flat" cmpd="sng" algn="ctr">
+            <a:solidFill>
+              <a:schemeClr val="tx1"/>
+            </a:solidFill>
+            <a:prstDash val="solid"/>
+            <a:round/>
+            <a:headEnd type="none" w="med" len="med"/>
+            <a:tailEnd type="triangle"/>
+          </a:ln>
+          <a:effectLst/>
+          <a:extLst>
+            <a:ext uri="{AF507438-7753-43E0-B8FC-AC1667EBCBE1}">
+              <a14:hiddenEffects xmlns:a14="http://schemas.microsoft.com/office/drawing/2010/main">
+                <a:effectLst>
+                  <a:outerShdw dist="35921" dir="2700000" algn="ctr" rotWithShape="0">
+                    <a:schemeClr val="bg2"/>
+                  </a:outerShdw>
+                </a:effectLst>
+              </a14:hiddenEffects>
+            </a:ext>
+          </a:extLst>
+        </p:spPr>
+      </p:cxnSp>
+      <mc:AlternateContent xmlns:mc="http://schemas.openxmlformats.org/markup-compatibility/2006">
+        <mc:Choice xmlns:a14="http://schemas.microsoft.com/office/drawing/2010/main" Requires="a14">
+          <p:sp>
+            <p:nvSpPr>
+              <p:cNvPr id="11" name="文字方塊 10">
+                <a:extLst>
+                  <a:ext uri="{FF2B5EF4-FFF2-40B4-BE49-F238E27FC236}">
+                    <a16:creationId xmlns:a16="http://schemas.microsoft.com/office/drawing/2014/main" id="{0119E757-7643-B4FC-B458-7404C9092D50}"/>
+                  </a:ext>
+                </a:extLst>
+              </p:cNvPr>
+              <p:cNvSpPr txBox="1"/>
+              <p:nvPr/>
+            </p:nvSpPr>
+            <p:spPr>
+              <a:xfrm>
+                <a:off x="3768826" y="5176327"/>
+                <a:ext cx="2149306" cy="246221"/>
+              </a:xfrm>
+              <a:prstGeom prst="rect">
+                <a:avLst/>
+              </a:prstGeom>
+              <a:noFill/>
+            </p:spPr>
+            <p:txBody>
+              <a:bodyPr wrap="none" lIns="0" tIns="0" rIns="0" bIns="0" rtlCol="0">
+                <a:spAutoFit/>
+              </a:bodyPr>
+              <a:lstStyle/>
+              <a:p>
+                <a:pPr/>
+                <a14:m>
+                  <m:oMathPara xmlns:m="http://schemas.openxmlformats.org/officeDocument/2006/math">
+                    <m:oMathParaPr>
+                      <m:jc m:val="centerGroup"/>
+                    </m:oMathParaPr>
+                    <m:oMath xmlns:m="http://schemas.openxmlformats.org/officeDocument/2006/math">
+                      <m:r>
+                        <a:rPr lang="en-US" altLang="zh-TW" sz="1600" b="1" i="1" smtClean="0">
+                          <a:latin typeface="Cambria Math" panose="02040503050406030204" pitchFamily="18" charset="0"/>
+                        </a:rPr>
+                        <m:t>𝒇</m:t>
+                      </m:r>
+                      <m:d>
+                        <m:dPr>
+                          <m:ctrlPr>
+                            <a:rPr lang="en-US" altLang="zh-TW" sz="1600" b="1" i="1" smtClean="0">
+                              <a:latin typeface="Cambria Math" panose="02040503050406030204" pitchFamily="18" charset="0"/>
+                            </a:rPr>
+                          </m:ctrlPr>
+                        </m:dPr>
+                        <m:e>
+                          <m:r>
+                            <a:rPr lang="en-US" altLang="zh-TW" sz="1600" b="1" i="1" smtClean="0">
+                              <a:latin typeface="Cambria Math" panose="02040503050406030204" pitchFamily="18" charset="0"/>
+                            </a:rPr>
+                            <m:t>𝜽</m:t>
+                          </m:r>
+                        </m:e>
+                      </m:d>
+                      <m:r>
+                        <a:rPr lang="en-US" altLang="zh-TW" sz="1600" b="1" i="1" smtClean="0">
+                          <a:latin typeface="Cambria Math" panose="02040503050406030204" pitchFamily="18" charset="0"/>
+                        </a:rPr>
+                        <m:t> ~ </m:t>
+                      </m:r>
+                      <m:r>
+                        <a:rPr lang="en-US" altLang="zh-TW" sz="1600" b="1" i="1" smtClean="0">
+                          <a:latin typeface="Cambria Math" panose="02040503050406030204" pitchFamily="18" charset="0"/>
+                        </a:rPr>
+                        <m:t>𝑮𝒂𝒖𝒔𝒔𝒊𝒂𝒏</m:t>
+                      </m:r>
+                      <m:d>
+                        <m:dPr>
+                          <m:ctrlPr>
+                            <a:rPr lang="en-US" altLang="zh-TW" sz="1600" b="1" i="1" smtClean="0">
+                              <a:latin typeface="Cambria Math" panose="02040503050406030204" pitchFamily="18" charset="0"/>
+                            </a:rPr>
+                          </m:ctrlPr>
+                        </m:dPr>
+                        <m:e>
+                          <m:r>
+                            <a:rPr lang="en-US" altLang="zh-TW" sz="1600" b="1" i="1" smtClean="0">
+                              <a:latin typeface="Cambria Math" panose="02040503050406030204" pitchFamily="18" charset="0"/>
+                            </a:rPr>
+                            <m:t>𝟎</m:t>
+                          </m:r>
+                          <m:r>
+                            <a:rPr lang="en-US" altLang="zh-TW" sz="1600" b="1" i="1" smtClean="0">
+                              <a:latin typeface="Cambria Math" panose="02040503050406030204" pitchFamily="18" charset="0"/>
+                            </a:rPr>
+                            <m:t>,</m:t>
+                          </m:r>
+                          <m:r>
+                            <a:rPr lang="en-US" altLang="zh-TW" sz="1600" b="1" i="1" smtClean="0">
+                              <a:latin typeface="Cambria Math" panose="02040503050406030204" pitchFamily="18" charset="0"/>
+                            </a:rPr>
+                            <m:t>𝝈</m:t>
+                          </m:r>
+                        </m:e>
+                      </m:d>
+                    </m:oMath>
+                  </m:oMathPara>
+                </a14:m>
+                <a:endParaRPr lang="zh-TW" altLang="en-US" sz="1600" dirty="0"/>
+              </a:p>
+            </p:txBody>
+          </p:sp>
+        </mc:Choice>
+        <mc:Fallback>
+          <p:sp>
+            <p:nvSpPr>
+              <p:cNvPr id="11" name="文字方塊 10">
+                <a:extLst>
+                  <a:ext uri="{FF2B5EF4-FFF2-40B4-BE49-F238E27FC236}">
+                    <a16:creationId xmlns:a16="http://schemas.microsoft.com/office/drawing/2014/main" id="{0119E757-7643-B4FC-B458-7404C9092D50}"/>
+                  </a:ext>
+                </a:extLst>
+              </p:cNvPr>
+              <p:cNvSpPr txBox="1">
+                <a:spLocks noRot="1" noChangeAspect="1" noMove="1" noResize="1" noEditPoints="1" noAdjustHandles="1" noChangeArrowheads="1" noChangeShapeType="1" noTextEdit="1"/>
+              </p:cNvSpPr>
+              <p:nvPr/>
+            </p:nvSpPr>
+            <p:spPr>
+              <a:xfrm>
+                <a:off x="3768826" y="5176327"/>
+                <a:ext cx="2149306" cy="246221"/>
+              </a:xfrm>
+              <a:prstGeom prst="rect">
+                <a:avLst/>
+              </a:prstGeom>
+              <a:blipFill>
+                <a:blip r:embed="rId5"/>
+                <a:stretch>
+                  <a:fillRect l="-2550" b="-34146"/>
+                </a:stretch>
+              </a:blipFill>
+            </p:spPr>
+            <p:txBody>
+              <a:bodyPr/>
+              <a:lstStyle/>
+              <a:p>
+                <a:r>
+                  <a:rPr lang="zh-TW" altLang="en-US">
+                    <a:noFill/>
+                  </a:rPr>
+                  <a:t> </a:t>
+                </a:r>
+              </a:p>
+            </p:txBody>
+          </p:sp>
+        </mc:Fallback>
+      </mc:AlternateContent>
+      <p:sp>
+        <p:nvSpPr>
+          <p:cNvPr id="12" name="文字方塊 11">
+            <a:extLst>
+              <a:ext uri="{FF2B5EF4-FFF2-40B4-BE49-F238E27FC236}">
+                <a16:creationId xmlns:a16="http://schemas.microsoft.com/office/drawing/2014/main" id="{8B42404C-ADA1-84EE-6A28-6C334D02707C}"/>
+              </a:ext>
+            </a:extLst>
+          </p:cNvPr>
+          <p:cNvSpPr txBox="1"/>
+          <p:nvPr/>
+        </p:nvSpPr>
+        <p:spPr>
+          <a:xfrm>
+            <a:off x="3735183" y="5477733"/>
+            <a:ext cx="2182949" cy="830997"/>
+          </a:xfrm>
+          <a:prstGeom prst="rect">
+            <a:avLst/>
+          </a:prstGeom>
+          <a:noFill/>
+        </p:spPr>
+        <p:txBody>
+          <a:bodyPr wrap="square">
+            <a:spAutoFit/>
+          </a:bodyPr>
+          <a:lstStyle/>
+          <a:p>
+            <a:pPr algn="ctr"/>
+            <a:r>
+              <a:rPr lang="en-US" altLang="zh-TW" sz="1600" b="0" dirty="0"/>
+              <a:t>or more complicated</a:t>
+            </a:r>
+          </a:p>
+          <a:p>
+            <a:pPr algn="ctr"/>
+            <a:r>
+              <a:rPr lang="en-US" altLang="zh-TW" sz="1600" b="1" dirty="0"/>
+              <a:t>device noise model </a:t>
+            </a:r>
+            <a:r>
+              <a:rPr lang="en-US" altLang="zh-TW" sz="1600" b="0" dirty="0"/>
+              <a:t>(costly)</a:t>
+            </a:r>
+          </a:p>
+        </p:txBody>
+      </p:sp>
+      <p:pic>
+        <p:nvPicPr>
+          <p:cNvPr id="13" name="圖片 12">
+            <a:extLst>
+              <a:ext uri="{FF2B5EF4-FFF2-40B4-BE49-F238E27FC236}">
+                <a16:creationId xmlns:a16="http://schemas.microsoft.com/office/drawing/2014/main" id="{FC0C531A-F803-C193-270D-F38DAEEA1454}"/>
+              </a:ext>
+            </a:extLst>
+          </p:cNvPr>
+          <p:cNvPicPr>
+            <a:picLocks noChangeAspect="1"/>
+          </p:cNvPicPr>
+          <p:nvPr/>
+        </p:nvPicPr>
+        <p:blipFill>
+          <a:blip r:embed="rId6" cstate="print">
+            <a:extLst>
+              <a:ext uri="{28A0092B-C50C-407E-A947-70E740481C1C}">
+                <a14:useLocalDpi xmlns:a14="http://schemas.microsoft.com/office/drawing/2010/main" val="0"/>
+              </a:ext>
+            </a:extLst>
+          </a:blip>
+          <a:stretch>
+            <a:fillRect/>
+          </a:stretch>
+        </p:blipFill>
+        <p:spPr>
+          <a:xfrm>
+            <a:off x="518214" y="2964541"/>
+            <a:ext cx="2271325" cy="2064281"/>
+          </a:xfrm>
+          <a:prstGeom prst="rect">
+            <a:avLst/>
+          </a:prstGeom>
+        </p:spPr>
+      </p:pic>
+      <p:pic>
+        <p:nvPicPr>
+          <p:cNvPr id="15" name="圖片 14">
+            <a:extLst>
+              <a:ext uri="{FF2B5EF4-FFF2-40B4-BE49-F238E27FC236}">
+                <a16:creationId xmlns:a16="http://schemas.microsoft.com/office/drawing/2014/main" id="{2A293935-229E-395A-4DCA-345426EC9F4E}"/>
+              </a:ext>
+            </a:extLst>
+          </p:cNvPr>
+          <p:cNvPicPr>
+            <a:picLocks noChangeAspect="1"/>
+          </p:cNvPicPr>
+          <p:nvPr/>
+        </p:nvPicPr>
+        <p:blipFill>
+          <a:blip r:embed="rId7"/>
+          <a:srcRect t="1443"/>
+          <a:stretch/>
+        </p:blipFill>
+        <p:spPr>
+          <a:xfrm>
+            <a:off x="-1" y="5009522"/>
+            <a:ext cx="3715765" cy="1848478"/>
+          </a:xfrm>
+          <a:prstGeom prst="rect">
+            <a:avLst/>
+          </a:prstGeom>
+        </p:spPr>
+      </p:pic>
+      <p:pic>
+        <p:nvPicPr>
+          <p:cNvPr id="21" name="圖形 20" descr="笑臉 (實心填滿) 以實心填滿">
+            <a:extLst>
+              <a:ext uri="{FF2B5EF4-FFF2-40B4-BE49-F238E27FC236}">
+                <a16:creationId xmlns:a16="http://schemas.microsoft.com/office/drawing/2014/main" id="{BE73FBAF-294C-539C-A0E6-D915B01942C0}"/>
+              </a:ext>
+            </a:extLst>
+          </p:cNvPr>
+          <p:cNvPicPr>
+            <a:picLocks noChangeAspect="1"/>
+          </p:cNvPicPr>
+          <p:nvPr/>
+        </p:nvPicPr>
+        <p:blipFill>
+          <a:blip r:embed="rId8">
+            <a:extLst>
+              <a:ext uri="{96DAC541-7B7A-43D3-8B79-37D633B846F1}">
+                <asvg:svgBlip xmlns:asvg="http://schemas.microsoft.com/office/drawing/2016/SVG/main" r:embed="rId9"/>
+              </a:ext>
+            </a:extLst>
+          </a:blip>
+          <a:stretch>
+            <a:fillRect/>
+          </a:stretch>
+        </p:blipFill>
+        <p:spPr>
+          <a:xfrm>
+            <a:off x="7565505" y="2166081"/>
+            <a:ext cx="431978" cy="431978"/>
+          </a:xfrm>
+          <a:prstGeom prst="rect">
+            <a:avLst/>
+          </a:prstGeom>
+        </p:spPr>
+      </p:pic>
+      <p:sp>
+        <p:nvSpPr>
+          <p:cNvPr id="23" name="文字方塊 22">
+            <a:extLst>
+              <a:ext uri="{FF2B5EF4-FFF2-40B4-BE49-F238E27FC236}">
+                <a16:creationId xmlns:a16="http://schemas.microsoft.com/office/drawing/2014/main" id="{72032188-F6ED-D242-BF72-22A0DE2AB9F0}"/>
+              </a:ext>
+            </a:extLst>
+          </p:cNvPr>
+          <p:cNvSpPr txBox="1"/>
+          <p:nvPr/>
+        </p:nvSpPr>
+        <p:spPr>
+          <a:xfrm>
+            <a:off x="1907704" y="5167689"/>
+            <a:ext cx="792088" cy="369332"/>
+          </a:xfrm>
+          <a:prstGeom prst="rect">
+            <a:avLst/>
+          </a:prstGeom>
+          <a:solidFill>
+            <a:schemeClr val="bg1"/>
+          </a:solidFill>
+          <a:ln>
+            <a:solidFill>
+              <a:schemeClr val="tx1"/>
+            </a:solidFill>
+          </a:ln>
+        </p:spPr>
+        <p:txBody>
+          <a:bodyPr wrap="square">
+            <a:spAutoFit/>
+          </a:bodyPr>
+          <a:lstStyle/>
+          <a:p>
+            <a:r>
+              <a:rPr lang="en-US" altLang="zh-TW" dirty="0">
+                <a:solidFill>
+                  <a:srgbClr val="FF0000"/>
+                </a:solidFill>
+              </a:rPr>
+              <a:t>Noisy!</a:t>
+            </a:r>
+            <a:endParaRPr lang="zh-TW" altLang="en-US" dirty="0">
+              <a:solidFill>
+                <a:srgbClr val="FF0000"/>
+              </a:solidFill>
+            </a:endParaRPr>
+          </a:p>
+        </p:txBody>
+      </p:sp>
+    </p:spTree>
+    <p:extLst>
+      <p:ext uri="{BB962C8B-B14F-4D97-AF65-F5344CB8AC3E}">
+        <p14:creationId xmlns:p14="http://schemas.microsoft.com/office/powerpoint/2010/main" val="2553953991"/>
+      </p:ext>
+    </p:extLst>
+  </p:cSld>
+  <p:clrMapOvr>
+    <a:masterClrMapping/>
+  </p:clrMapOvr>
+</p:sld>
+</file>
+
 <file path=ppt/slides/slide2.xml><?xml version="1.0" encoding="utf-8"?>
 <p:sld xmlns:a="http://schemas.openxmlformats.org/drawingml/2006/main" xmlns:r="http://schemas.openxmlformats.org/officeDocument/2006/relationships" xmlns:p="http://schemas.openxmlformats.org/presentationml/2006/main">
   <p:cSld>
@@ -20952,6 +21830,13 @@
             </a:r>
           </a:p>
           <a:p>
+            <a:pPr lvl="1"/>
+            <a:r>
+              <a:rPr lang="en-US" altLang="zh-TW" sz="2200" dirty="0"/>
+              <a:t>Volatile vs Non-volatile</a:t>
+            </a:r>
+          </a:p>
+          <a:p>
             <a:r>
               <a:rPr lang="en-US" altLang="zh-TW" sz="2400" dirty="0"/>
               <a:t>Searching methods</a:t>
@@ -20967,7 +21852,7 @@
           <a:p>
             <a:r>
               <a:rPr lang="en-US" altLang="zh-TW" sz="2400" dirty="0"/>
-              <a:t>Encoding schemes for Exact-Match searching method</a:t>
+              <a:t>Distance metrics and its realization </a:t>
             </a:r>
           </a:p>
           <a:p>
@@ -20981,7 +21866,7 @@
             <a:pPr lvl="1"/>
             <a:r>
               <a:rPr lang="en-US" altLang="zh-TW" sz="2200" dirty="0"/>
-              <a:t>Hamming distance</a:t>
+              <a:t>L-1 norm</a:t>
             </a:r>
           </a:p>
           <a:p>
@@ -20994,14 +21879,7 @@
             <a:pPr lvl="1"/>
             <a:r>
               <a:rPr lang="en-US" altLang="zh-TW" sz="2200" dirty="0"/>
-              <a:t>Analog non-idealities</a:t>
-            </a:r>
-          </a:p>
-          <a:p>
-            <a:pPr lvl="1"/>
-            <a:r>
-              <a:rPr lang="en-US" altLang="zh-TW" sz="2200" dirty="0"/>
-              <a:t>Noise-resistant training</a:t>
+              <a:t>Methods to tackle analog non-idealities</a:t>
             </a:r>
             <a:endParaRPr lang="zh-TW" altLang="en-US" sz="2200" dirty="0"/>
           </a:p>
@@ -30467,6 +31345,629 @@
   <p:cSld>
     <p:spTree>
       <p:nvGrpSpPr>
+        <p:cNvPr id="1" name="">
+          <a:extLst>
+            <a:ext uri="{FF2B5EF4-FFF2-40B4-BE49-F238E27FC236}">
+              <a16:creationId xmlns:a16="http://schemas.microsoft.com/office/drawing/2014/main" id="{02AF4E3F-EAD9-8A6F-107E-F903736A44DA}"/>
+            </a:ext>
+          </a:extLst>
+        </p:cNvPr>
+        <p:cNvGrpSpPr/>
+        <p:nvPr/>
+      </p:nvGrpSpPr>
+      <p:grpSpPr>
+        <a:xfrm>
+          <a:off x="0" y="0"/>
+          <a:ext cx="0" cy="0"/>
+          <a:chOff x="0" y="0"/>
+          <a:chExt cx="0" cy="0"/>
+        </a:xfrm>
+      </p:grpSpPr>
+      <p:sp>
+        <p:nvSpPr>
+          <p:cNvPr id="2" name="標題 1">
+            <a:extLst>
+              <a:ext uri="{FF2B5EF4-FFF2-40B4-BE49-F238E27FC236}">
+                <a16:creationId xmlns:a16="http://schemas.microsoft.com/office/drawing/2014/main" id="{004D074B-39B3-F162-ACD7-AC990F20AA9B}"/>
+              </a:ext>
+            </a:extLst>
+          </p:cNvPr>
+          <p:cNvSpPr>
+            <a:spLocks noGrp="1"/>
+          </p:cNvSpPr>
+          <p:nvPr>
+            <p:ph type="title"/>
+          </p:nvPr>
+        </p:nvSpPr>
+        <p:spPr/>
+        <p:txBody>
+          <a:bodyPr/>
+          <a:lstStyle/>
+          <a:p>
+            <a:r>
+              <a:rPr lang="en-US" altLang="zh-TW" dirty="0"/>
+              <a:t>Distance metric</a:t>
+            </a:r>
+            <a:endParaRPr lang="zh-TW" altLang="en-US" dirty="0"/>
+          </a:p>
+        </p:txBody>
+      </p:sp>
+      <p:sp>
+        <p:nvSpPr>
+          <p:cNvPr id="3" name="內容版面配置區 2">
+            <a:extLst>
+              <a:ext uri="{FF2B5EF4-FFF2-40B4-BE49-F238E27FC236}">
+                <a16:creationId xmlns:a16="http://schemas.microsoft.com/office/drawing/2014/main" id="{1BFE3048-3282-FC8E-8AD8-83C1E1A087B8}"/>
+              </a:ext>
+            </a:extLst>
+          </p:cNvPr>
+          <p:cNvSpPr>
+            <a:spLocks noGrp="1"/>
+          </p:cNvSpPr>
+          <p:nvPr>
+            <p:ph idx="1"/>
+          </p:nvPr>
+        </p:nvSpPr>
+        <p:spPr/>
+        <p:txBody>
+          <a:bodyPr/>
+          <a:lstStyle/>
+          <a:p>
+            <a:r>
+              <a:rPr lang="en-US" altLang="zh-TW" dirty="0"/>
+              <a:t>Cosine similarity</a:t>
+            </a:r>
+          </a:p>
+          <a:p>
+            <a:pPr lvl="1"/>
+            <a:endParaRPr lang="zh-TW" altLang="en-US" dirty="0"/>
+          </a:p>
+        </p:txBody>
+      </p:sp>
+      <p:cxnSp>
+        <p:nvCxnSpPr>
+          <p:cNvPr id="8" name="直線單箭頭接點 7">
+            <a:extLst>
+              <a:ext uri="{FF2B5EF4-FFF2-40B4-BE49-F238E27FC236}">
+                <a16:creationId xmlns:a16="http://schemas.microsoft.com/office/drawing/2014/main" id="{2C12726B-C6DC-FC55-B9A9-907F84EE71DC}"/>
+              </a:ext>
+            </a:extLst>
+          </p:cNvPr>
+          <p:cNvCxnSpPr>
+            <a:cxnSpLocks/>
+          </p:cNvCxnSpPr>
+          <p:nvPr/>
+        </p:nvCxnSpPr>
+        <p:spPr bwMode="auto">
+          <a:xfrm flipV="1">
+            <a:off x="827584" y="4149080"/>
+            <a:ext cx="2304256" cy="720080"/>
+          </a:xfrm>
+          <a:prstGeom prst="straightConnector1">
+            <a:avLst/>
+          </a:prstGeom>
+          <a:noFill/>
+          <a:ln w="38100" cap="flat" cmpd="sng" algn="ctr">
+            <a:solidFill>
+              <a:srgbClr val="019901"/>
+            </a:solidFill>
+            <a:prstDash val="solid"/>
+            <a:round/>
+            <a:headEnd type="none" w="med" len="med"/>
+            <a:tailEnd type="triangle"/>
+          </a:ln>
+          <a:effectLst/>
+        </p:spPr>
+      </p:cxnSp>
+      <p:cxnSp>
+        <p:nvCxnSpPr>
+          <p:cNvPr id="10" name="直線單箭頭接點 9">
+            <a:extLst>
+              <a:ext uri="{FF2B5EF4-FFF2-40B4-BE49-F238E27FC236}">
+                <a16:creationId xmlns:a16="http://schemas.microsoft.com/office/drawing/2014/main" id="{BB99846B-177D-E4BA-53EB-CF420AF9CFDA}"/>
+              </a:ext>
+            </a:extLst>
+          </p:cNvPr>
+          <p:cNvCxnSpPr>
+            <a:cxnSpLocks/>
+          </p:cNvCxnSpPr>
+          <p:nvPr/>
+        </p:nvCxnSpPr>
+        <p:spPr bwMode="auto">
+          <a:xfrm flipV="1">
+            <a:off x="827583" y="3032956"/>
+            <a:ext cx="1152129" cy="1836203"/>
+          </a:xfrm>
+          <a:prstGeom prst="straightConnector1">
+            <a:avLst/>
+          </a:prstGeom>
+          <a:noFill/>
+          <a:ln w="38100" cap="flat" cmpd="sng" algn="ctr">
+            <a:solidFill>
+              <a:srgbClr val="0000FF"/>
+            </a:solidFill>
+            <a:prstDash val="solid"/>
+            <a:round/>
+            <a:headEnd type="none" w="med" len="med"/>
+            <a:tailEnd type="triangle"/>
+          </a:ln>
+          <a:effectLst/>
+        </p:spPr>
+      </p:cxnSp>
+      <p:cxnSp>
+        <p:nvCxnSpPr>
+          <p:cNvPr id="5" name="直線單箭頭接點 4">
+            <a:extLst>
+              <a:ext uri="{FF2B5EF4-FFF2-40B4-BE49-F238E27FC236}">
+                <a16:creationId xmlns:a16="http://schemas.microsoft.com/office/drawing/2014/main" id="{CECEDD02-F548-6300-437A-B89C1E849559}"/>
+              </a:ext>
+            </a:extLst>
+          </p:cNvPr>
+          <p:cNvCxnSpPr/>
+          <p:nvPr/>
+        </p:nvCxnSpPr>
+        <p:spPr bwMode="auto">
+          <a:xfrm flipV="1">
+            <a:off x="827584" y="2636912"/>
+            <a:ext cx="0" cy="2592288"/>
+          </a:xfrm>
+          <a:prstGeom prst="straightConnector1">
+            <a:avLst/>
+          </a:prstGeom>
+          <a:noFill/>
+          <a:ln w="38100" cap="flat" cmpd="sng" algn="ctr">
+            <a:solidFill>
+              <a:schemeClr val="tx1"/>
+            </a:solidFill>
+            <a:prstDash val="solid"/>
+            <a:round/>
+            <a:headEnd type="none" w="med" len="med"/>
+            <a:tailEnd type="triangle"/>
+          </a:ln>
+          <a:effectLst/>
+        </p:spPr>
+      </p:cxnSp>
+      <p:cxnSp>
+        <p:nvCxnSpPr>
+          <p:cNvPr id="6" name="直線單箭頭接點 5">
+            <a:extLst>
+              <a:ext uri="{FF2B5EF4-FFF2-40B4-BE49-F238E27FC236}">
+                <a16:creationId xmlns:a16="http://schemas.microsoft.com/office/drawing/2014/main" id="{2DACDCAC-C4CC-4D03-2A71-70C5F9A7C05C}"/>
+              </a:ext>
+            </a:extLst>
+          </p:cNvPr>
+          <p:cNvCxnSpPr>
+            <a:cxnSpLocks/>
+          </p:cNvCxnSpPr>
+          <p:nvPr/>
+        </p:nvCxnSpPr>
+        <p:spPr bwMode="auto">
+          <a:xfrm>
+            <a:off x="251520" y="4869160"/>
+            <a:ext cx="3159968" cy="0"/>
+          </a:xfrm>
+          <a:prstGeom prst="straightConnector1">
+            <a:avLst/>
+          </a:prstGeom>
+          <a:noFill/>
+          <a:ln w="38100" cap="flat" cmpd="sng" algn="ctr">
+            <a:solidFill>
+              <a:schemeClr val="tx1"/>
+            </a:solidFill>
+            <a:prstDash val="solid"/>
+            <a:round/>
+            <a:headEnd type="none" w="med" len="med"/>
+            <a:tailEnd type="triangle"/>
+          </a:ln>
+          <a:effectLst/>
+        </p:spPr>
+      </p:cxnSp>
+      <p:sp>
+        <p:nvSpPr>
+          <p:cNvPr id="12" name="弧形 11">
+            <a:extLst>
+              <a:ext uri="{FF2B5EF4-FFF2-40B4-BE49-F238E27FC236}">
+                <a16:creationId xmlns:a16="http://schemas.microsoft.com/office/drawing/2014/main" id="{2364828A-33F7-04F0-D0CC-5D36DD89C44E}"/>
+              </a:ext>
+            </a:extLst>
+          </p:cNvPr>
+          <p:cNvSpPr/>
+          <p:nvPr/>
+        </p:nvSpPr>
+        <p:spPr bwMode="auto">
+          <a:xfrm>
+            <a:off x="899591" y="4293096"/>
+            <a:ext cx="648073" cy="888503"/>
+          </a:xfrm>
+          <a:prstGeom prst="arc">
+            <a:avLst>
+              <a:gd name="adj1" fmla="val 16044022"/>
+              <a:gd name="adj2" fmla="val 20462012"/>
+            </a:avLst>
+          </a:prstGeom>
+          <a:noFill/>
+          <a:ln w="28575" cap="flat" cmpd="sng" algn="ctr">
+            <a:solidFill>
+              <a:srgbClr val="00B0F0"/>
+            </a:solidFill>
+            <a:prstDash val="solid"/>
+            <a:round/>
+            <a:headEnd type="none" w="med" len="med"/>
+            <a:tailEnd type="none" w="med" len="med"/>
+          </a:ln>
+          <a:effectLst/>
+        </p:spPr>
+        <p:txBody>
+          <a:bodyPr vert="horz" wrap="square" lIns="91440" tIns="45720" rIns="91440" bIns="45720" numCol="1" rtlCol="0" anchor="t" anchorCtr="0" compatLnSpc="1">
+            <a:prstTxWarp prst="textNoShape">
+              <a:avLst/>
+            </a:prstTxWarp>
+          </a:bodyPr>
+          <a:lstStyle/>
+          <a:p>
+            <a:pPr marL="0" marR="0" indent="0" algn="l" defTabSz="914400" rtl="0" eaLnBrk="1" fontAlgn="base" latinLnBrk="0" hangingPunct="1">
+              <a:lnSpc>
+                <a:spcPct val="100000"/>
+              </a:lnSpc>
+              <a:spcBef>
+                <a:spcPct val="0"/>
+              </a:spcBef>
+              <a:spcAft>
+                <a:spcPct val="0"/>
+              </a:spcAft>
+              <a:buClrTx/>
+              <a:buSzTx/>
+              <a:buFontTx/>
+              <a:buNone/>
+              <a:tabLst/>
+            </a:pPr>
+            <a:endParaRPr kumimoji="1" lang="zh-TW" altLang="en-US" sz="1800" b="0" i="0" u="none" strike="noStrike" cap="none" normalizeH="0" baseline="0">
+              <a:ln>
+                <a:noFill/>
+              </a:ln>
+              <a:solidFill>
+                <a:schemeClr val="tx1"/>
+              </a:solidFill>
+              <a:effectLst/>
+              <a:latin typeface="Arial" charset="0"/>
+              <a:ea typeface="新細明體" charset="-120"/>
+            </a:endParaRPr>
+          </a:p>
+        </p:txBody>
+      </p:sp>
+      <mc:AlternateContent xmlns:mc="http://schemas.openxmlformats.org/markup-compatibility/2006">
+        <mc:Choice xmlns:a14="http://schemas.microsoft.com/office/drawing/2010/main" Requires="a14">
+          <p:sp>
+            <p:nvSpPr>
+              <p:cNvPr id="14" name="文字方塊 13">
+                <a:extLst>
+                  <a:ext uri="{FF2B5EF4-FFF2-40B4-BE49-F238E27FC236}">
+                    <a16:creationId xmlns:a16="http://schemas.microsoft.com/office/drawing/2014/main" id="{A874D8E9-BC65-5C66-DE3A-2A1BFD321430}"/>
+                  </a:ext>
+                </a:extLst>
+              </p:cNvPr>
+              <p:cNvSpPr txBox="1"/>
+              <p:nvPr/>
+            </p:nvSpPr>
+            <p:spPr>
+              <a:xfrm>
+                <a:off x="1376772" y="4101155"/>
+                <a:ext cx="341784" cy="383881"/>
+              </a:xfrm>
+              <a:prstGeom prst="rect">
+                <a:avLst/>
+              </a:prstGeom>
+              <a:noFill/>
+            </p:spPr>
+            <p:txBody>
+              <a:bodyPr wrap="square">
+                <a:spAutoFit/>
+              </a:bodyPr>
+              <a:lstStyle/>
+              <a:p>
+                <a14:m>
+                  <m:oMathPara xmlns:m="http://schemas.openxmlformats.org/officeDocument/2006/math">
+                    <m:oMathParaPr>
+                      <m:jc m:val="centerGroup"/>
+                    </m:oMathParaPr>
+                    <m:oMath xmlns:m="http://schemas.openxmlformats.org/officeDocument/2006/math">
+                      <m:r>
+                        <m:rPr>
+                          <m:sty m:val="p"/>
+                        </m:rPr>
+                        <a:rPr lang="en-US" altLang="zh-TW" b="0" i="0" smtClean="0">
+                          <a:latin typeface="Cambria Math" panose="02040503050406030204" pitchFamily="18" charset="0"/>
+                        </a:rPr>
+                        <m:t>θ</m:t>
+                      </m:r>
+                    </m:oMath>
+                  </m:oMathPara>
+                </a14:m>
+                <a:endParaRPr lang="zh-TW" altLang="en-US" dirty="0"/>
+              </a:p>
+            </p:txBody>
+          </p:sp>
+        </mc:Choice>
+        <mc:Fallback>
+          <p:sp>
+            <p:nvSpPr>
+              <p:cNvPr id="14" name="文字方塊 13">
+                <a:extLst>
+                  <a:ext uri="{FF2B5EF4-FFF2-40B4-BE49-F238E27FC236}">
+                    <a16:creationId xmlns:a16="http://schemas.microsoft.com/office/drawing/2014/main" id="{A874D8E9-BC65-5C66-DE3A-2A1BFD321430}"/>
+                  </a:ext>
+                </a:extLst>
+              </p:cNvPr>
+              <p:cNvSpPr txBox="1">
+                <a:spLocks noRot="1" noChangeAspect="1" noMove="1" noResize="1" noEditPoints="1" noAdjustHandles="1" noChangeArrowheads="1" noChangeShapeType="1" noTextEdit="1"/>
+              </p:cNvSpPr>
+              <p:nvPr/>
+            </p:nvSpPr>
+            <p:spPr>
+              <a:xfrm>
+                <a:off x="1376772" y="4101155"/>
+                <a:ext cx="341784" cy="383881"/>
+              </a:xfrm>
+              <a:prstGeom prst="rect">
+                <a:avLst/>
+              </a:prstGeom>
+              <a:blipFill>
+                <a:blip r:embed="rId3"/>
+                <a:stretch>
+                  <a:fillRect/>
+                </a:stretch>
+              </a:blipFill>
+            </p:spPr>
+            <p:txBody>
+              <a:bodyPr/>
+              <a:lstStyle/>
+              <a:p>
+                <a:r>
+                  <a:rPr lang="zh-TW" altLang="en-US">
+                    <a:noFill/>
+                  </a:rPr>
+                  <a:t> </a:t>
+                </a:r>
+              </a:p>
+            </p:txBody>
+          </p:sp>
+        </mc:Fallback>
+      </mc:AlternateContent>
+      <p:pic>
+        <p:nvPicPr>
+          <p:cNvPr id="16" name="圖片 15">
+            <a:extLst>
+              <a:ext uri="{FF2B5EF4-FFF2-40B4-BE49-F238E27FC236}">
+                <a16:creationId xmlns:a16="http://schemas.microsoft.com/office/drawing/2014/main" id="{96965071-BC68-3C8A-C33B-D0C0B4B4E729}"/>
+              </a:ext>
+            </a:extLst>
+          </p:cNvPr>
+          <p:cNvPicPr>
+            <a:picLocks noChangeAspect="1"/>
+          </p:cNvPicPr>
+          <p:nvPr/>
+        </p:nvPicPr>
+        <p:blipFill>
+          <a:blip r:embed="rId4"/>
+          <a:srcRect l="655" t="8930" b="-1"/>
+          <a:stretch/>
+        </p:blipFill>
+        <p:spPr>
+          <a:xfrm>
+            <a:off x="2486554" y="2886508"/>
+            <a:ext cx="6312449" cy="720080"/>
+          </a:xfrm>
+          <a:prstGeom prst="rect">
+            <a:avLst/>
+          </a:prstGeom>
+        </p:spPr>
+      </p:pic>
+      <p:cxnSp>
+        <p:nvCxnSpPr>
+          <p:cNvPr id="18" name="直線單箭頭接點 17">
+            <a:extLst>
+              <a:ext uri="{FF2B5EF4-FFF2-40B4-BE49-F238E27FC236}">
+                <a16:creationId xmlns:a16="http://schemas.microsoft.com/office/drawing/2014/main" id="{F3B21408-A04F-3481-1FAE-794C8AC473E8}"/>
+              </a:ext>
+            </a:extLst>
+          </p:cNvPr>
+          <p:cNvCxnSpPr>
+            <a:cxnSpLocks/>
+            <a:stCxn id="21" idx="0"/>
+          </p:cNvCxnSpPr>
+          <p:nvPr/>
+        </p:nvCxnSpPr>
+        <p:spPr bwMode="auto">
+          <a:xfrm flipV="1">
+            <a:off x="6611467" y="3749167"/>
+            <a:ext cx="696837" cy="735869"/>
+          </a:xfrm>
+          <a:prstGeom prst="straightConnector1">
+            <a:avLst/>
+          </a:prstGeom>
+          <a:ln w="38100">
+            <a:headEnd type="none" w="med" len="med"/>
+            <a:tailEnd type="triangle"/>
+          </a:ln>
+        </p:spPr>
+        <p:style>
+          <a:lnRef idx="1">
+            <a:schemeClr val="dk1"/>
+          </a:lnRef>
+          <a:fillRef idx="0">
+            <a:schemeClr val="dk1"/>
+          </a:fillRef>
+          <a:effectRef idx="0">
+            <a:schemeClr val="dk1"/>
+          </a:effectRef>
+          <a:fontRef idx="minor">
+            <a:schemeClr val="tx1"/>
+          </a:fontRef>
+        </p:style>
+      </p:cxnSp>
+      <p:sp>
+        <p:nvSpPr>
+          <p:cNvPr id="21" name="文字方塊 20">
+            <a:extLst>
+              <a:ext uri="{FF2B5EF4-FFF2-40B4-BE49-F238E27FC236}">
+                <a16:creationId xmlns:a16="http://schemas.microsoft.com/office/drawing/2014/main" id="{92AA35D4-1BAD-D842-6D91-B60D2D71A361}"/>
+              </a:ext>
+            </a:extLst>
+          </p:cNvPr>
+          <p:cNvSpPr txBox="1"/>
+          <p:nvPr/>
+        </p:nvSpPr>
+        <p:spPr>
+          <a:xfrm>
+            <a:off x="5220072" y="4485036"/>
+            <a:ext cx="2782789" cy="646331"/>
+          </a:xfrm>
+          <a:prstGeom prst="rect">
+            <a:avLst/>
+          </a:prstGeom>
+          <a:noFill/>
+        </p:spPr>
+        <p:txBody>
+          <a:bodyPr wrap="square">
+            <a:spAutoFit/>
+          </a:bodyPr>
+          <a:lstStyle/>
+          <a:p>
+            <a:pPr algn="ctr"/>
+            <a:r>
+              <a:rPr lang="en-US" altLang="zh-TW" dirty="0"/>
+              <a:t>Not friendly for direct hardware implementation</a:t>
+            </a:r>
+          </a:p>
+        </p:txBody>
+      </p:sp>
+      <p:pic>
+        <p:nvPicPr>
+          <p:cNvPr id="25" name="圖片 24">
+            <a:extLst>
+              <a:ext uri="{FF2B5EF4-FFF2-40B4-BE49-F238E27FC236}">
+                <a16:creationId xmlns:a16="http://schemas.microsoft.com/office/drawing/2014/main" id="{05488130-5569-D381-3499-25443267D5A9}"/>
+              </a:ext>
+            </a:extLst>
+          </p:cNvPr>
+          <p:cNvPicPr>
+            <a:picLocks noChangeAspect="1"/>
+          </p:cNvPicPr>
+          <p:nvPr/>
+        </p:nvPicPr>
+        <p:blipFill>
+          <a:blip r:embed="rId5"/>
+          <a:srcRect l="6688" t="33200" r="5900" b="44400"/>
+          <a:stretch/>
+        </p:blipFill>
+        <p:spPr>
+          <a:xfrm>
+            <a:off x="1024012" y="5633684"/>
+            <a:ext cx="3033634" cy="437281"/>
+          </a:xfrm>
+          <a:prstGeom prst="rect">
+            <a:avLst/>
+          </a:prstGeom>
+        </p:spPr>
+      </p:pic>
+      <p:sp>
+        <p:nvSpPr>
+          <p:cNvPr id="27" name="文字方塊 26">
+            <a:extLst>
+              <a:ext uri="{FF2B5EF4-FFF2-40B4-BE49-F238E27FC236}">
+                <a16:creationId xmlns:a16="http://schemas.microsoft.com/office/drawing/2014/main" id="{55B13F11-4BA3-5B6B-7754-08DBBB001769}"/>
+              </a:ext>
+            </a:extLst>
+          </p:cNvPr>
+          <p:cNvSpPr txBox="1"/>
+          <p:nvPr/>
+        </p:nvSpPr>
+        <p:spPr>
+          <a:xfrm>
+            <a:off x="4778836" y="5538913"/>
+            <a:ext cx="3927448" cy="646331"/>
+          </a:xfrm>
+          <a:prstGeom prst="rect">
+            <a:avLst/>
+          </a:prstGeom>
+          <a:noFill/>
+        </p:spPr>
+        <p:txBody>
+          <a:bodyPr wrap="square">
+            <a:spAutoFit/>
+          </a:bodyPr>
+          <a:lstStyle/>
+          <a:p>
+            <a:pPr algn="ctr"/>
+            <a:r>
+              <a:rPr lang="en-US" altLang="zh-TW" dirty="0"/>
+              <a:t>Need some distance metric that can be easily computed with binary data</a:t>
+            </a:r>
+          </a:p>
+        </p:txBody>
+      </p:sp>
+      <p:cxnSp>
+        <p:nvCxnSpPr>
+          <p:cNvPr id="28" name="直線單箭頭接點 27">
+            <a:extLst>
+              <a:ext uri="{FF2B5EF4-FFF2-40B4-BE49-F238E27FC236}">
+                <a16:creationId xmlns:a16="http://schemas.microsoft.com/office/drawing/2014/main" id="{E56020D5-A568-D839-3D7B-4DD14E02ABB4}"/>
+              </a:ext>
+            </a:extLst>
+          </p:cNvPr>
+          <p:cNvCxnSpPr>
+            <a:cxnSpLocks/>
+            <a:stCxn id="27" idx="1"/>
+            <a:endCxn id="25" idx="3"/>
+          </p:cNvCxnSpPr>
+          <p:nvPr/>
+        </p:nvCxnSpPr>
+        <p:spPr bwMode="auto">
+          <a:xfrm flipH="1" flipV="1">
+            <a:off x="4057646" y="5852325"/>
+            <a:ext cx="721190" cy="9754"/>
+          </a:xfrm>
+          <a:prstGeom prst="straightConnector1">
+            <a:avLst/>
+          </a:prstGeom>
+          <a:ln w="38100">
+            <a:headEnd type="none" w="med" len="med"/>
+            <a:tailEnd type="triangle"/>
+          </a:ln>
+        </p:spPr>
+        <p:style>
+          <a:lnRef idx="1">
+            <a:schemeClr val="dk1"/>
+          </a:lnRef>
+          <a:fillRef idx="0">
+            <a:schemeClr val="dk1"/>
+          </a:fillRef>
+          <a:effectRef idx="0">
+            <a:schemeClr val="dk1"/>
+          </a:effectRef>
+          <a:fontRef idx="minor">
+            <a:schemeClr val="tx1"/>
+          </a:fontRef>
+        </p:style>
+      </p:cxnSp>
+    </p:spTree>
+    <p:extLst>
+      <p:ext uri="{BB962C8B-B14F-4D97-AF65-F5344CB8AC3E}">
+        <p14:creationId xmlns:p14="http://schemas.microsoft.com/office/powerpoint/2010/main" val="227314320"/>
+      </p:ext>
+    </p:extLst>
+  </p:cSld>
+  <p:clrMapOvr>
+    <a:masterClrMapping/>
+  </p:clrMapOvr>
+</p:sld>
+</file>
+
+<file path=ppt/slides/slide8.xml><?xml version="1.0" encoding="utf-8"?>
+<p:sld xmlns:a="http://schemas.openxmlformats.org/drawingml/2006/main" xmlns:r="http://schemas.openxmlformats.org/officeDocument/2006/relationships" xmlns:p="http://schemas.openxmlformats.org/presentationml/2006/main">
+  <p:cSld>
+    <p:spTree>
+      <p:nvGrpSpPr>
         <p:cNvPr id="1" name=""/>
         <p:cNvGrpSpPr/>
         <p:nvPr/>
@@ -30502,14 +32003,14 @@
           <a:p>
             <a:r>
               <a:rPr lang="en-US" altLang="zh-TW" dirty="0"/>
-              <a:t>Encoding Schemes</a:t>
+              <a:t>Distance metric</a:t>
             </a:r>
             <a:endParaRPr lang="zh-TW" altLang="en-US" dirty="0"/>
           </a:p>
         </p:txBody>
       </p:sp>
-      <mc:AlternateContent xmlns:mc="http://schemas.openxmlformats.org/markup-compatibility/2006">
-        <mc:Choice xmlns:a14="http://schemas.microsoft.com/office/drawing/2010/main" Requires="a14">
+      <mc:AlternateContent xmlns:mc="http://schemas.openxmlformats.org/markup-compatibility/2006" xmlns:a14="http://schemas.microsoft.com/office/drawing/2010/main">
+        <mc:Choice Requires="a14">
           <p:sp>
             <p:nvSpPr>
               <p:cNvPr id="3" name="內容版面配置區 2">
@@ -30631,7 +32132,7 @@
             </p:txBody>
           </p:sp>
         </mc:Choice>
-        <mc:Fallback>
+        <mc:Fallback xmlns="">
           <p:sp>
             <p:nvSpPr>
               <p:cNvPr id="3" name="內容版面配置區 2">
@@ -36320,7 +37821,7 @@
 </p:sld>
 </file>
 
-<file path=ppt/slides/slide8.xml><?xml version="1.0" encoding="utf-8"?>
+<file path=ppt/slides/slide9.xml><?xml version="1.0" encoding="utf-8"?>
 <p:sld xmlns:a="http://schemas.openxmlformats.org/drawingml/2006/main" xmlns:r="http://schemas.openxmlformats.org/officeDocument/2006/relationships" xmlns:p="http://schemas.openxmlformats.org/presentationml/2006/main">
   <p:cSld>
     <p:spTree>
@@ -36366,7 +37867,7 @@
           <a:p>
             <a:r>
               <a:rPr lang="en-US" altLang="zh-TW" dirty="0"/>
-              <a:t>Encoding Schemes</a:t>
+              <a:t>Distance metric</a:t>
             </a:r>
             <a:endParaRPr lang="zh-TW" altLang="en-US" dirty="0"/>
           </a:p>
@@ -36395,11 +37896,2421 @@
           <a:p>
             <a:r>
               <a:rPr lang="en-US" altLang="zh-TW" dirty="0"/>
-              <a:t>L-1 norm</a:t>
+              <a:t>L-1 norm ( Hamming distance)</a:t>
             </a:r>
           </a:p>
           <a:p>
             <a:pPr lvl="1"/>
+            <a:r>
+              <a:rPr lang="en-US" altLang="zh-TW" dirty="0"/>
+              <a:t>Finds the difference of bit data</a:t>
+            </a:r>
+          </a:p>
+          <a:p>
+            <a:pPr lvl="1"/>
+            <a:endParaRPr lang="zh-TW" altLang="en-US" dirty="0"/>
+          </a:p>
+        </p:txBody>
+      </p:sp>
+      <p:cxnSp>
+        <p:nvCxnSpPr>
+          <p:cNvPr id="59" name="直線接點 58">
+            <a:extLst>
+              <a:ext uri="{FF2B5EF4-FFF2-40B4-BE49-F238E27FC236}">
+                <a16:creationId xmlns:a16="http://schemas.microsoft.com/office/drawing/2014/main" id="{9AB51899-A033-10F4-8F6E-709038E37C60}"/>
+              </a:ext>
+            </a:extLst>
+          </p:cNvPr>
+          <p:cNvCxnSpPr>
+            <a:cxnSpLocks/>
+          </p:cNvCxnSpPr>
+          <p:nvPr/>
+        </p:nvCxnSpPr>
+        <p:spPr bwMode="auto">
+          <a:xfrm>
+            <a:off x="3199723" y="4003400"/>
+            <a:ext cx="992914" cy="0"/>
+          </a:xfrm>
+          <a:prstGeom prst="line">
+            <a:avLst/>
+          </a:prstGeom>
+          <a:ln w="38100">
+            <a:headEnd type="none" w="med" len="med"/>
+            <a:tailEnd type="none" w="med" len="med"/>
+          </a:ln>
+        </p:spPr>
+        <p:style>
+          <a:lnRef idx="1">
+            <a:schemeClr val="dk1"/>
+          </a:lnRef>
+          <a:fillRef idx="0">
+            <a:schemeClr val="dk1"/>
+          </a:fillRef>
+          <a:effectRef idx="0">
+            <a:schemeClr val="dk1"/>
+          </a:effectRef>
+          <a:fontRef idx="minor">
+            <a:schemeClr val="tx1"/>
+          </a:fontRef>
+        </p:style>
+      </p:cxnSp>
+      <p:cxnSp>
+        <p:nvCxnSpPr>
+          <p:cNvPr id="64" name="直線接點 63">
+            <a:extLst>
+              <a:ext uri="{FF2B5EF4-FFF2-40B4-BE49-F238E27FC236}">
+                <a16:creationId xmlns:a16="http://schemas.microsoft.com/office/drawing/2014/main" id="{42406AF7-A6A1-CC0C-136D-7A74367EEE7E}"/>
+              </a:ext>
+            </a:extLst>
+          </p:cNvPr>
+          <p:cNvCxnSpPr>
+            <a:cxnSpLocks/>
+          </p:cNvCxnSpPr>
+          <p:nvPr/>
+        </p:nvCxnSpPr>
+        <p:spPr bwMode="auto">
+          <a:xfrm flipV="1">
+            <a:off x="4210231" y="3474211"/>
+            <a:ext cx="0" cy="1080120"/>
+          </a:xfrm>
+          <a:prstGeom prst="line">
+            <a:avLst/>
+          </a:prstGeom>
+          <a:ln w="38100">
+            <a:headEnd type="none" w="med" len="med"/>
+            <a:tailEnd type="none" w="med" len="med"/>
+          </a:ln>
+        </p:spPr>
+        <p:style>
+          <a:lnRef idx="1">
+            <a:schemeClr val="dk1"/>
+          </a:lnRef>
+          <a:fillRef idx="0">
+            <a:schemeClr val="dk1"/>
+          </a:fillRef>
+          <a:effectRef idx="0">
+            <a:schemeClr val="dk1"/>
+          </a:effectRef>
+          <a:fontRef idx="minor">
+            <a:schemeClr val="tx1"/>
+          </a:fontRef>
+        </p:style>
+      </p:cxnSp>
+      <p:sp>
+        <p:nvSpPr>
+          <p:cNvPr id="71" name="等腰三角形 70">
+            <a:extLst>
+              <a:ext uri="{FF2B5EF4-FFF2-40B4-BE49-F238E27FC236}">
+                <a16:creationId xmlns:a16="http://schemas.microsoft.com/office/drawing/2014/main" id="{41A49A62-2C46-2C88-76EE-3942AE7EC9FA}"/>
+              </a:ext>
+            </a:extLst>
+          </p:cNvPr>
+          <p:cNvSpPr/>
+          <p:nvPr/>
+        </p:nvSpPr>
+        <p:spPr bwMode="auto">
+          <a:xfrm rot="5400000">
+            <a:off x="4654782" y="3163832"/>
+            <a:ext cx="720080" cy="620759"/>
+          </a:xfrm>
+          <a:prstGeom prst="triangle">
+            <a:avLst/>
+          </a:prstGeom>
+          <a:solidFill>
+            <a:srgbClr val="FF0000"/>
+          </a:solidFill>
+          <a:ln>
+            <a:solidFill>
+              <a:schemeClr val="tx1"/>
+            </a:solidFill>
+            <a:headEnd type="none" w="med" len="med"/>
+            <a:tailEnd type="triangle" w="med" len="med"/>
+          </a:ln>
+        </p:spPr>
+        <p:style>
+          <a:lnRef idx="2">
+            <a:schemeClr val="accent5"/>
+          </a:lnRef>
+          <a:fillRef idx="1">
+            <a:schemeClr val="lt1"/>
+          </a:fillRef>
+          <a:effectRef idx="0">
+            <a:schemeClr val="accent5"/>
+          </a:effectRef>
+          <a:fontRef idx="minor">
+            <a:schemeClr val="dk1"/>
+          </a:fontRef>
+        </p:style>
+        <p:txBody>
+          <a:bodyPr vert="horz" wrap="square" lIns="91440" tIns="45720" rIns="91440" bIns="45720" numCol="1" rtlCol="0" anchor="t" anchorCtr="0" compatLnSpc="1">
+            <a:prstTxWarp prst="textNoShape">
+              <a:avLst/>
+            </a:prstTxWarp>
+          </a:bodyPr>
+          <a:lstStyle/>
+          <a:p>
+            <a:pPr marL="0" marR="0" indent="0" algn="l" defTabSz="914400" rtl="0" eaLnBrk="1" fontAlgn="base" latinLnBrk="0" hangingPunct="1">
+              <a:lnSpc>
+                <a:spcPct val="100000"/>
+              </a:lnSpc>
+              <a:spcBef>
+                <a:spcPct val="0"/>
+              </a:spcBef>
+              <a:spcAft>
+                <a:spcPct val="0"/>
+              </a:spcAft>
+              <a:buClrTx/>
+              <a:buSzTx/>
+              <a:buFontTx/>
+              <a:buNone/>
+              <a:tabLst/>
+            </a:pPr>
+            <a:endParaRPr kumimoji="1" lang="zh-TW" altLang="en-US" sz="1100" b="0" i="0" u="none" strike="noStrike" cap="none" normalizeH="0" baseline="0" dirty="0">
+              <a:ln>
+                <a:noFill/>
+              </a:ln>
+              <a:solidFill>
+                <a:schemeClr val="tx1"/>
+              </a:solidFill>
+              <a:effectLst/>
+              <a:latin typeface="Arial" charset="0"/>
+              <a:ea typeface="新細明體" charset="-120"/>
+            </a:endParaRPr>
+          </a:p>
+        </p:txBody>
+      </p:sp>
+      <p:cxnSp>
+        <p:nvCxnSpPr>
+          <p:cNvPr id="72" name="直線接點 71">
+            <a:extLst>
+              <a:ext uri="{FF2B5EF4-FFF2-40B4-BE49-F238E27FC236}">
+                <a16:creationId xmlns:a16="http://schemas.microsoft.com/office/drawing/2014/main" id="{C5DEE675-06AD-69AD-57CC-EA8F7B48FE73}"/>
+              </a:ext>
+            </a:extLst>
+          </p:cNvPr>
+          <p:cNvCxnSpPr>
+            <a:cxnSpLocks/>
+            <a:endCxn id="71" idx="3"/>
+          </p:cNvCxnSpPr>
+          <p:nvPr/>
+        </p:nvCxnSpPr>
+        <p:spPr bwMode="auto">
+          <a:xfrm>
+            <a:off x="4192637" y="3474211"/>
+            <a:ext cx="511806" cy="1"/>
+          </a:xfrm>
+          <a:prstGeom prst="line">
+            <a:avLst/>
+          </a:prstGeom>
+          <a:ln w="38100">
+            <a:headEnd type="none" w="med" len="med"/>
+            <a:tailEnd type="none" w="med" len="med"/>
+          </a:ln>
+        </p:spPr>
+        <p:style>
+          <a:lnRef idx="1">
+            <a:schemeClr val="dk1"/>
+          </a:lnRef>
+          <a:fillRef idx="0">
+            <a:schemeClr val="dk1"/>
+          </a:fillRef>
+          <a:effectRef idx="0">
+            <a:schemeClr val="dk1"/>
+          </a:effectRef>
+          <a:fontRef idx="minor">
+            <a:schemeClr val="tx1"/>
+          </a:fontRef>
+        </p:style>
+      </p:cxnSp>
+      <p:sp>
+        <p:nvSpPr>
+          <p:cNvPr id="73" name="等腰三角形 72">
+            <a:extLst>
+              <a:ext uri="{FF2B5EF4-FFF2-40B4-BE49-F238E27FC236}">
+                <a16:creationId xmlns:a16="http://schemas.microsoft.com/office/drawing/2014/main" id="{1D5EBFC8-FB81-C3E5-6BBB-BF4EE8CFE3FB}"/>
+              </a:ext>
+            </a:extLst>
+          </p:cNvPr>
+          <p:cNvSpPr/>
+          <p:nvPr/>
+        </p:nvSpPr>
+        <p:spPr bwMode="auto">
+          <a:xfrm rot="5400000">
+            <a:off x="4661641" y="4227002"/>
+            <a:ext cx="720080" cy="620759"/>
+          </a:xfrm>
+          <a:prstGeom prst="triangle">
+            <a:avLst/>
+          </a:prstGeom>
+          <a:solidFill>
+            <a:srgbClr val="00B0F0"/>
+          </a:solidFill>
+          <a:ln>
+            <a:solidFill>
+              <a:schemeClr val="tx1"/>
+            </a:solidFill>
+            <a:headEnd type="none" w="med" len="med"/>
+            <a:tailEnd type="triangle" w="med" len="med"/>
+          </a:ln>
+        </p:spPr>
+        <p:style>
+          <a:lnRef idx="2">
+            <a:schemeClr val="accent5"/>
+          </a:lnRef>
+          <a:fillRef idx="1">
+            <a:schemeClr val="lt1"/>
+          </a:fillRef>
+          <a:effectRef idx="0">
+            <a:schemeClr val="accent5"/>
+          </a:effectRef>
+          <a:fontRef idx="minor">
+            <a:schemeClr val="dk1"/>
+          </a:fontRef>
+        </p:style>
+        <p:txBody>
+          <a:bodyPr vert="horz" wrap="square" lIns="91440" tIns="45720" rIns="91440" bIns="45720" numCol="1" rtlCol="0" anchor="t" anchorCtr="0" compatLnSpc="1">
+            <a:prstTxWarp prst="textNoShape">
+              <a:avLst/>
+            </a:prstTxWarp>
+          </a:bodyPr>
+          <a:lstStyle/>
+          <a:p>
+            <a:pPr marL="0" marR="0" indent="0" algn="l" defTabSz="914400" rtl="0" eaLnBrk="1" fontAlgn="base" latinLnBrk="0" hangingPunct="1">
+              <a:lnSpc>
+                <a:spcPct val="100000"/>
+              </a:lnSpc>
+              <a:spcBef>
+                <a:spcPct val="0"/>
+              </a:spcBef>
+              <a:spcAft>
+                <a:spcPct val="0"/>
+              </a:spcAft>
+              <a:buClrTx/>
+              <a:buSzTx/>
+              <a:buFontTx/>
+              <a:buNone/>
+              <a:tabLst/>
+            </a:pPr>
+            <a:endParaRPr kumimoji="1" lang="zh-TW" altLang="en-US" sz="1100" b="0" i="0" u="none" strike="noStrike" cap="none" normalizeH="0" baseline="0" dirty="0">
+              <a:ln>
+                <a:noFill/>
+              </a:ln>
+              <a:solidFill>
+                <a:schemeClr val="tx1"/>
+              </a:solidFill>
+              <a:effectLst/>
+              <a:latin typeface="Arial" charset="0"/>
+              <a:ea typeface="新細明體" charset="-120"/>
+            </a:endParaRPr>
+          </a:p>
+        </p:txBody>
+      </p:sp>
+      <p:cxnSp>
+        <p:nvCxnSpPr>
+          <p:cNvPr id="74" name="直線接點 73">
+            <a:extLst>
+              <a:ext uri="{FF2B5EF4-FFF2-40B4-BE49-F238E27FC236}">
+                <a16:creationId xmlns:a16="http://schemas.microsoft.com/office/drawing/2014/main" id="{B022AE0F-4DCD-067D-1657-0F502E53DE83}"/>
+              </a:ext>
+            </a:extLst>
+          </p:cNvPr>
+          <p:cNvCxnSpPr>
+            <a:cxnSpLocks/>
+            <a:endCxn id="73" idx="3"/>
+          </p:cNvCxnSpPr>
+          <p:nvPr/>
+        </p:nvCxnSpPr>
+        <p:spPr bwMode="auto">
+          <a:xfrm>
+            <a:off x="4199496" y="4537381"/>
+            <a:ext cx="511806" cy="1"/>
+          </a:xfrm>
+          <a:prstGeom prst="line">
+            <a:avLst/>
+          </a:prstGeom>
+          <a:ln w="38100">
+            <a:headEnd type="none" w="med" len="med"/>
+            <a:tailEnd type="none" w="med" len="med"/>
+          </a:ln>
+        </p:spPr>
+        <p:style>
+          <a:lnRef idx="1">
+            <a:schemeClr val="dk1"/>
+          </a:lnRef>
+          <a:fillRef idx="0">
+            <a:schemeClr val="dk1"/>
+          </a:fillRef>
+          <a:effectRef idx="0">
+            <a:schemeClr val="dk1"/>
+          </a:effectRef>
+          <a:fontRef idx="minor">
+            <a:schemeClr val="tx1"/>
+          </a:fontRef>
+        </p:style>
+      </p:cxnSp>
+      <p:sp>
+        <p:nvSpPr>
+          <p:cNvPr id="79" name="文字方塊 78">
+            <a:extLst>
+              <a:ext uri="{FF2B5EF4-FFF2-40B4-BE49-F238E27FC236}">
+                <a16:creationId xmlns:a16="http://schemas.microsoft.com/office/drawing/2014/main" id="{F8290858-B859-7614-79EF-9FCFCE8DBDE5}"/>
+              </a:ext>
+            </a:extLst>
+          </p:cNvPr>
+          <p:cNvSpPr txBox="1"/>
+          <p:nvPr/>
+        </p:nvSpPr>
+        <p:spPr>
+          <a:xfrm>
+            <a:off x="3103066" y="3674718"/>
+            <a:ext cx="554662" cy="369332"/>
+          </a:xfrm>
+          <a:prstGeom prst="rect">
+            <a:avLst/>
+          </a:prstGeom>
+          <a:noFill/>
+        </p:spPr>
+        <p:txBody>
+          <a:bodyPr wrap="square">
+            <a:spAutoFit/>
+          </a:bodyPr>
+          <a:lstStyle/>
+          <a:p>
+            <a:r>
+              <a:rPr lang="en-US" altLang="zh-TW" dirty="0"/>
+              <a:t>V</a:t>
+            </a:r>
+            <a:endParaRPr lang="zh-TW" altLang="en-US" dirty="0"/>
+          </a:p>
+        </p:txBody>
+      </p:sp>
+      <p:sp>
+        <p:nvSpPr>
+          <p:cNvPr id="80" name="文字方塊 79">
+            <a:extLst>
+              <a:ext uri="{FF2B5EF4-FFF2-40B4-BE49-F238E27FC236}">
+                <a16:creationId xmlns:a16="http://schemas.microsoft.com/office/drawing/2014/main" id="{BF76FE09-14E2-F084-01CD-13C7CCC7EE5A}"/>
+              </a:ext>
+            </a:extLst>
+          </p:cNvPr>
+          <p:cNvSpPr txBox="1"/>
+          <p:nvPr/>
+        </p:nvSpPr>
+        <p:spPr>
+          <a:xfrm>
+            <a:off x="3698167" y="4910045"/>
+            <a:ext cx="2178954" cy="369332"/>
+          </a:xfrm>
+          <a:prstGeom prst="rect">
+            <a:avLst/>
+          </a:prstGeom>
+          <a:noFill/>
+        </p:spPr>
+        <p:txBody>
+          <a:bodyPr wrap="square">
+            <a:spAutoFit/>
+          </a:bodyPr>
+          <a:lstStyle/>
+          <a:p>
+            <a:r>
+              <a:rPr lang="en-US" altLang="zh-TW" b="1" dirty="0">
+                <a:solidFill>
+                  <a:srgbClr val="00B0F0"/>
+                </a:solidFill>
+              </a:rPr>
+              <a:t>Low Vt </a:t>
+            </a:r>
+            <a:r>
+              <a:rPr lang="en-US" altLang="zh-TW" dirty="0"/>
+              <a:t>Sence Amp</a:t>
+            </a:r>
+            <a:endParaRPr lang="zh-TW" altLang="en-US" dirty="0"/>
+          </a:p>
+        </p:txBody>
+      </p:sp>
+      <p:sp>
+        <p:nvSpPr>
+          <p:cNvPr id="81" name="文字方塊 80">
+            <a:extLst>
+              <a:ext uri="{FF2B5EF4-FFF2-40B4-BE49-F238E27FC236}">
+                <a16:creationId xmlns:a16="http://schemas.microsoft.com/office/drawing/2014/main" id="{867371A2-D5E1-D2BA-B882-7C74FCE07B0C}"/>
+              </a:ext>
+            </a:extLst>
+          </p:cNvPr>
+          <p:cNvSpPr txBox="1"/>
+          <p:nvPr/>
+        </p:nvSpPr>
+        <p:spPr>
+          <a:xfrm>
+            <a:off x="3696180" y="2755565"/>
+            <a:ext cx="2271644" cy="369332"/>
+          </a:xfrm>
+          <a:prstGeom prst="rect">
+            <a:avLst/>
+          </a:prstGeom>
+          <a:noFill/>
+        </p:spPr>
+        <p:txBody>
+          <a:bodyPr wrap="square">
+            <a:spAutoFit/>
+          </a:bodyPr>
+          <a:lstStyle/>
+          <a:p>
+            <a:r>
+              <a:rPr lang="en-US" altLang="zh-TW" b="1" dirty="0">
+                <a:solidFill>
+                  <a:srgbClr val="FF0000"/>
+                </a:solidFill>
+              </a:rPr>
+              <a:t>High Vt </a:t>
+            </a:r>
+            <a:r>
+              <a:rPr lang="en-US" altLang="zh-TW" dirty="0"/>
+              <a:t>Sence Amp</a:t>
+            </a:r>
+            <a:endParaRPr lang="zh-TW" altLang="en-US" dirty="0"/>
+          </a:p>
+        </p:txBody>
+      </p:sp>
+      <p:cxnSp>
+        <p:nvCxnSpPr>
+          <p:cNvPr id="82" name="直線接點 81">
+            <a:extLst>
+              <a:ext uri="{FF2B5EF4-FFF2-40B4-BE49-F238E27FC236}">
+                <a16:creationId xmlns:a16="http://schemas.microsoft.com/office/drawing/2014/main" id="{3BC12431-A382-A627-753D-DE94B83E7EE2}"/>
+              </a:ext>
+            </a:extLst>
+          </p:cNvPr>
+          <p:cNvCxnSpPr>
+            <a:cxnSpLocks/>
+            <a:stCxn id="71" idx="0"/>
+          </p:cNvCxnSpPr>
+          <p:nvPr/>
+        </p:nvCxnSpPr>
+        <p:spPr bwMode="auto">
+          <a:xfrm flipV="1">
+            <a:off x="5325202" y="3468297"/>
+            <a:ext cx="301432" cy="5915"/>
+          </a:xfrm>
+          <a:prstGeom prst="line">
+            <a:avLst/>
+          </a:prstGeom>
+          <a:ln w="38100">
+            <a:headEnd type="none" w="med" len="med"/>
+            <a:tailEnd type="none" w="med" len="med"/>
+          </a:ln>
+        </p:spPr>
+        <p:style>
+          <a:lnRef idx="1">
+            <a:schemeClr val="dk1"/>
+          </a:lnRef>
+          <a:fillRef idx="0">
+            <a:schemeClr val="dk1"/>
+          </a:fillRef>
+          <a:effectRef idx="0">
+            <a:schemeClr val="dk1"/>
+          </a:effectRef>
+          <a:fontRef idx="minor">
+            <a:schemeClr val="tx1"/>
+          </a:fontRef>
+        </p:style>
+      </p:cxnSp>
+      <p:cxnSp>
+        <p:nvCxnSpPr>
+          <p:cNvPr id="85" name="直線接點 84">
+            <a:extLst>
+              <a:ext uri="{FF2B5EF4-FFF2-40B4-BE49-F238E27FC236}">
+                <a16:creationId xmlns:a16="http://schemas.microsoft.com/office/drawing/2014/main" id="{DBB9EED2-AB8A-0521-1CEB-4948FD321E18}"/>
+              </a:ext>
+            </a:extLst>
+          </p:cNvPr>
+          <p:cNvCxnSpPr>
+            <a:cxnSpLocks/>
+            <a:stCxn id="73" idx="0"/>
+          </p:cNvCxnSpPr>
+          <p:nvPr/>
+        </p:nvCxnSpPr>
+        <p:spPr bwMode="auto">
+          <a:xfrm>
+            <a:off x="5332061" y="4537382"/>
+            <a:ext cx="294573" cy="0"/>
+          </a:xfrm>
+          <a:prstGeom prst="line">
+            <a:avLst/>
+          </a:prstGeom>
+          <a:ln w="38100">
+            <a:headEnd type="none" w="med" len="med"/>
+            <a:tailEnd type="none" w="med" len="med"/>
+          </a:ln>
+        </p:spPr>
+        <p:style>
+          <a:lnRef idx="1">
+            <a:schemeClr val="dk1"/>
+          </a:lnRef>
+          <a:fillRef idx="0">
+            <a:schemeClr val="dk1"/>
+          </a:fillRef>
+          <a:effectRef idx="0">
+            <a:schemeClr val="dk1"/>
+          </a:effectRef>
+          <a:fontRef idx="minor">
+            <a:schemeClr val="tx1"/>
+          </a:fontRef>
+        </p:style>
+      </p:cxnSp>
+      <p:sp>
+        <p:nvSpPr>
+          <p:cNvPr id="90" name="文字方塊 89">
+            <a:extLst>
+              <a:ext uri="{FF2B5EF4-FFF2-40B4-BE49-F238E27FC236}">
+                <a16:creationId xmlns:a16="http://schemas.microsoft.com/office/drawing/2014/main" id="{B9CAECA3-7FC7-FD66-72B4-0D15C9366769}"/>
+              </a:ext>
+            </a:extLst>
+          </p:cNvPr>
+          <p:cNvSpPr txBox="1"/>
+          <p:nvPr/>
+        </p:nvSpPr>
+        <p:spPr>
+          <a:xfrm>
+            <a:off x="5641665" y="3277297"/>
+            <a:ext cx="355494" cy="369332"/>
+          </a:xfrm>
+          <a:prstGeom prst="rect">
+            <a:avLst/>
+          </a:prstGeom>
+          <a:noFill/>
+        </p:spPr>
+        <p:txBody>
+          <a:bodyPr wrap="square">
+            <a:spAutoFit/>
+          </a:bodyPr>
+          <a:lstStyle/>
+          <a:p>
+            <a:r>
+              <a:rPr kumimoji="1" lang="en-US" altLang="zh-TW" dirty="0">
+                <a:latin typeface="Arial" charset="0"/>
+                <a:ea typeface="新細明體" charset="-120"/>
+              </a:rPr>
+              <a:t>B</a:t>
+            </a:r>
+            <a:endParaRPr lang="zh-TW" altLang="en-US" dirty="0"/>
+          </a:p>
+        </p:txBody>
+      </p:sp>
+      <p:sp>
+        <p:nvSpPr>
+          <p:cNvPr id="91" name="文字方塊 90">
+            <a:extLst>
+              <a:ext uri="{FF2B5EF4-FFF2-40B4-BE49-F238E27FC236}">
+                <a16:creationId xmlns:a16="http://schemas.microsoft.com/office/drawing/2014/main" id="{DCA571F3-77F8-60AF-2633-FB611ED2D801}"/>
+              </a:ext>
+            </a:extLst>
+          </p:cNvPr>
+          <p:cNvSpPr txBox="1"/>
+          <p:nvPr/>
+        </p:nvSpPr>
+        <p:spPr>
+          <a:xfrm>
+            <a:off x="5655383" y="4352715"/>
+            <a:ext cx="355494" cy="369332"/>
+          </a:xfrm>
+          <a:prstGeom prst="rect">
+            <a:avLst/>
+          </a:prstGeom>
+          <a:noFill/>
+        </p:spPr>
+        <p:txBody>
+          <a:bodyPr wrap="square">
+            <a:spAutoFit/>
+          </a:bodyPr>
+          <a:lstStyle/>
+          <a:p>
+            <a:r>
+              <a:rPr kumimoji="1" lang="en-US" altLang="zh-TW" dirty="0">
+                <a:latin typeface="Arial" charset="0"/>
+                <a:ea typeface="新細明體" charset="-120"/>
+              </a:rPr>
+              <a:t>A</a:t>
+            </a:r>
+            <a:endParaRPr lang="zh-TW" altLang="en-US" dirty="0"/>
+          </a:p>
+        </p:txBody>
+      </p:sp>
+      <p:sp>
+        <p:nvSpPr>
+          <p:cNvPr id="92" name="文字方塊 91">
+            <a:extLst>
+              <a:ext uri="{FF2B5EF4-FFF2-40B4-BE49-F238E27FC236}">
+                <a16:creationId xmlns:a16="http://schemas.microsoft.com/office/drawing/2014/main" id="{3231A945-83BB-CA0F-9087-6F84CF311EB9}"/>
+              </a:ext>
+            </a:extLst>
+          </p:cNvPr>
+          <p:cNvSpPr txBox="1"/>
+          <p:nvPr/>
+        </p:nvSpPr>
+        <p:spPr>
+          <a:xfrm>
+            <a:off x="3718578" y="5479966"/>
+            <a:ext cx="2078866" cy="369332"/>
+          </a:xfrm>
+          <a:prstGeom prst="rect">
+            <a:avLst/>
+          </a:prstGeom>
+          <a:noFill/>
+        </p:spPr>
+        <p:txBody>
+          <a:bodyPr wrap="square">
+            <a:spAutoFit/>
+          </a:bodyPr>
+          <a:lstStyle/>
+          <a:p>
+            <a:r>
+              <a:rPr kumimoji="1" lang="en-US" altLang="zh-TW" dirty="0">
+                <a:latin typeface="Arial" charset="0"/>
+                <a:ea typeface="新細明體" charset="-120"/>
+              </a:rPr>
+              <a:t>AB = 00 / 10 / 11</a:t>
+            </a:r>
+            <a:endParaRPr lang="zh-TW" altLang="en-US" dirty="0"/>
+          </a:p>
+        </p:txBody>
+      </p:sp>
+      <p:sp>
+        <p:nvSpPr>
+          <p:cNvPr id="95" name="文字方塊 94">
+            <a:extLst>
+              <a:ext uri="{FF2B5EF4-FFF2-40B4-BE49-F238E27FC236}">
+                <a16:creationId xmlns:a16="http://schemas.microsoft.com/office/drawing/2014/main" id="{3704C6F1-42A0-2D1B-FAAE-932653750D7E}"/>
+              </a:ext>
+            </a:extLst>
+          </p:cNvPr>
+          <p:cNvSpPr txBox="1"/>
+          <p:nvPr/>
+        </p:nvSpPr>
+        <p:spPr>
+          <a:xfrm>
+            <a:off x="3689260" y="5805498"/>
+            <a:ext cx="1864287" cy="369332"/>
+          </a:xfrm>
+          <a:prstGeom prst="rect">
+            <a:avLst/>
+          </a:prstGeom>
+          <a:noFill/>
+        </p:spPr>
+        <p:txBody>
+          <a:bodyPr wrap="square">
+            <a:spAutoFit/>
+          </a:bodyPr>
+          <a:lstStyle/>
+          <a:p>
+            <a:r>
+              <a:rPr lang="en-US" altLang="zh-TW" dirty="0"/>
+              <a:t>Diff =  0     1     2</a:t>
+            </a:r>
+            <a:endParaRPr lang="zh-TW" altLang="en-US" dirty="0"/>
+          </a:p>
+        </p:txBody>
+      </p:sp>
+      <p:sp>
+        <p:nvSpPr>
+          <p:cNvPr id="97" name="文字方塊 96">
+            <a:extLst>
+              <a:ext uri="{FF2B5EF4-FFF2-40B4-BE49-F238E27FC236}">
+                <a16:creationId xmlns:a16="http://schemas.microsoft.com/office/drawing/2014/main" id="{337FFAAD-92F9-E736-7121-309A659EE85A}"/>
+              </a:ext>
+            </a:extLst>
+          </p:cNvPr>
+          <p:cNvSpPr txBox="1"/>
+          <p:nvPr/>
+        </p:nvSpPr>
+        <p:spPr>
+          <a:xfrm>
+            <a:off x="6244180" y="2677132"/>
+            <a:ext cx="2736304" cy="646331"/>
+          </a:xfrm>
+          <a:prstGeom prst="rect">
+            <a:avLst/>
+          </a:prstGeom>
+          <a:noFill/>
+        </p:spPr>
+        <p:txBody>
+          <a:bodyPr wrap="square">
+            <a:spAutoFit/>
+          </a:bodyPr>
+          <a:lstStyle/>
+          <a:p>
+            <a:pPr algn="ctr"/>
+            <a:r>
+              <a:rPr lang="en-US" altLang="zh-TW" dirty="0"/>
+              <a:t>Can binary bits represent integer L-1 norm well?</a:t>
+            </a:r>
+          </a:p>
+        </p:txBody>
+      </p:sp>
+      <p:grpSp>
+        <p:nvGrpSpPr>
+          <p:cNvPr id="103" name="群組 102">
+            <a:extLst>
+              <a:ext uri="{FF2B5EF4-FFF2-40B4-BE49-F238E27FC236}">
+                <a16:creationId xmlns:a16="http://schemas.microsoft.com/office/drawing/2014/main" id="{C06318C0-97CE-D32D-6C6D-29EEF6B6BEC4}"/>
+              </a:ext>
+            </a:extLst>
+          </p:cNvPr>
+          <p:cNvGrpSpPr/>
+          <p:nvPr/>
+        </p:nvGrpSpPr>
+        <p:grpSpPr>
+          <a:xfrm>
+            <a:off x="457894" y="2720015"/>
+            <a:ext cx="2645130" cy="3889455"/>
+            <a:chOff x="589717" y="2924944"/>
+            <a:chExt cx="2645130" cy="3889455"/>
+          </a:xfrm>
+        </p:grpSpPr>
+        <p:grpSp>
+          <p:nvGrpSpPr>
+            <p:cNvPr id="30" name="群組 29">
+              <a:extLst>
+                <a:ext uri="{FF2B5EF4-FFF2-40B4-BE49-F238E27FC236}">
+                  <a16:creationId xmlns:a16="http://schemas.microsoft.com/office/drawing/2014/main" id="{ABE2E706-7C13-0128-98E1-6185B6D99727}"/>
+                </a:ext>
+              </a:extLst>
+            </p:cNvPr>
+            <p:cNvGrpSpPr/>
+            <p:nvPr/>
+          </p:nvGrpSpPr>
+          <p:grpSpPr>
+            <a:xfrm>
+              <a:off x="589717" y="2924944"/>
+              <a:ext cx="2645130" cy="2207889"/>
+              <a:chOff x="606439" y="2200672"/>
+              <a:chExt cx="2645130" cy="2207889"/>
+            </a:xfrm>
+          </p:grpSpPr>
+          <p:sp>
+            <p:nvSpPr>
+              <p:cNvPr id="5" name="矩形: 圓角 4">
+                <a:extLst>
+                  <a:ext uri="{FF2B5EF4-FFF2-40B4-BE49-F238E27FC236}">
+                    <a16:creationId xmlns:a16="http://schemas.microsoft.com/office/drawing/2014/main" id="{F2D6335A-1FD1-E557-0EF1-1113E7DFA19D}"/>
+                  </a:ext>
+                </a:extLst>
+              </p:cNvPr>
+              <p:cNvSpPr/>
+              <p:nvPr/>
+            </p:nvSpPr>
+            <p:spPr bwMode="auto">
+              <a:xfrm>
+                <a:off x="971600" y="2420888"/>
+                <a:ext cx="1944216" cy="1080120"/>
+              </a:xfrm>
+              <a:prstGeom prst="roundRect">
+                <a:avLst/>
+              </a:prstGeom>
+              <a:ln>
+                <a:solidFill>
+                  <a:srgbClr val="4F81BD"/>
+                </a:solidFill>
+                <a:prstDash val="dash"/>
+                <a:headEnd type="none" w="med" len="med"/>
+                <a:tailEnd type="triangle" w="med" len="med"/>
+              </a:ln>
+            </p:spPr>
+            <p:style>
+              <a:lnRef idx="2">
+                <a:schemeClr val="dk1"/>
+              </a:lnRef>
+              <a:fillRef idx="1">
+                <a:schemeClr val="lt1"/>
+              </a:fillRef>
+              <a:effectRef idx="0">
+                <a:schemeClr val="dk1"/>
+              </a:effectRef>
+              <a:fontRef idx="minor">
+                <a:schemeClr val="dk1"/>
+              </a:fontRef>
+            </p:style>
+            <p:txBody>
+              <a:bodyPr vert="horz" wrap="square" lIns="91440" tIns="45720" rIns="91440" bIns="45720" numCol="1" rtlCol="0" anchor="t" anchorCtr="0" compatLnSpc="1">
+                <a:prstTxWarp prst="textNoShape">
+                  <a:avLst/>
+                </a:prstTxWarp>
+              </a:bodyPr>
+              <a:lstStyle/>
+              <a:p>
+                <a:pPr marL="0" marR="0" indent="0" algn="ctr" defTabSz="914400" rtl="0" eaLnBrk="1" fontAlgn="base" latinLnBrk="0" hangingPunct="1">
+                  <a:lnSpc>
+                    <a:spcPct val="100000"/>
+                  </a:lnSpc>
+                  <a:spcBef>
+                    <a:spcPct val="0"/>
+                  </a:spcBef>
+                  <a:spcAft>
+                    <a:spcPct val="0"/>
+                  </a:spcAft>
+                  <a:buClrTx/>
+                  <a:buSzTx/>
+                  <a:buFontTx/>
+                  <a:buNone/>
+                  <a:tabLst/>
+                </a:pPr>
+                <a:r>
+                  <a:rPr kumimoji="1" lang="en-US" altLang="zh-TW" sz="2000" b="0" i="0" u="none" strike="noStrike" cap="none" normalizeH="0" baseline="0" dirty="0">
+                    <a:ln>
+                      <a:noFill/>
+                    </a:ln>
+                    <a:solidFill>
+                      <a:schemeClr val="tx1"/>
+                    </a:solidFill>
+                    <a:effectLst/>
+                    <a:latin typeface="Arial" charset="0"/>
+                    <a:ea typeface="新細明體" charset="-120"/>
+                  </a:rPr>
+                  <a:t>1</a:t>
+                </a:r>
+                <a:r>
+                  <a:rPr kumimoji="1" lang="zh-TW" altLang="en-US" sz="2000" b="0" i="0" u="none" strike="noStrike" cap="none" normalizeH="0" baseline="0" dirty="0">
+                    <a:ln>
+                      <a:noFill/>
+                    </a:ln>
+                    <a:solidFill>
+                      <a:schemeClr val="tx1"/>
+                    </a:solidFill>
+                    <a:effectLst/>
+                    <a:latin typeface="Arial" charset="0"/>
+                    <a:ea typeface="新細明體" charset="-120"/>
+                  </a:rPr>
+                  <a:t> </a:t>
+                </a:r>
+                <a:r>
+                  <a:rPr kumimoji="1" lang="en-US" altLang="zh-TW" sz="2000" b="0" i="0" u="none" strike="noStrike" cap="none" normalizeH="0" baseline="0" dirty="0">
+                    <a:ln>
+                      <a:noFill/>
+                    </a:ln>
+                    <a:solidFill>
+                      <a:schemeClr val="tx1"/>
+                    </a:solidFill>
+                    <a:effectLst/>
+                    <a:latin typeface="Arial" charset="0"/>
+                    <a:ea typeface="新細明體" charset="-120"/>
+                  </a:rPr>
+                  <a:t>0</a:t>
+                </a:r>
+                <a:r>
+                  <a:rPr kumimoji="1" lang="zh-TW" altLang="en-US" sz="2000" b="0" i="0" u="none" strike="noStrike" cap="none" normalizeH="0" baseline="0" dirty="0">
+                    <a:ln>
+                      <a:noFill/>
+                    </a:ln>
+                    <a:solidFill>
+                      <a:schemeClr val="tx1"/>
+                    </a:solidFill>
+                    <a:effectLst/>
+                    <a:latin typeface="Arial" charset="0"/>
+                    <a:ea typeface="新細明體" charset="-120"/>
+                  </a:rPr>
+                  <a:t> </a:t>
+                </a:r>
+                <a:r>
+                  <a:rPr kumimoji="1" lang="en-US" altLang="zh-TW" sz="2000" b="0" i="0" u="none" strike="noStrike" cap="none" normalizeH="0" baseline="0" dirty="0">
+                    <a:ln>
+                      <a:noFill/>
+                    </a:ln>
+                    <a:solidFill>
+                      <a:schemeClr val="tx1"/>
+                    </a:solidFill>
+                    <a:effectLst/>
+                    <a:latin typeface="Arial" charset="0"/>
+                    <a:ea typeface="新細明體" charset="-120"/>
+                  </a:rPr>
+                  <a:t>1</a:t>
+                </a:r>
+                <a:r>
+                  <a:rPr kumimoji="1" lang="zh-TW" altLang="en-US" sz="2000" b="0" i="0" u="none" strike="noStrike" cap="none" normalizeH="0" baseline="0" dirty="0">
+                    <a:ln>
+                      <a:noFill/>
+                    </a:ln>
+                    <a:solidFill>
+                      <a:schemeClr val="tx1"/>
+                    </a:solidFill>
+                    <a:effectLst/>
+                    <a:latin typeface="Arial" charset="0"/>
+                    <a:ea typeface="新細明體" charset="-120"/>
+                  </a:rPr>
+                  <a:t> </a:t>
+                </a:r>
+                <a:r>
+                  <a:rPr kumimoji="1" lang="en-US" altLang="zh-TW" sz="2000" b="0" i="0" u="none" strike="noStrike" cap="none" normalizeH="0" baseline="0" dirty="0">
+                    <a:ln>
+                      <a:noFill/>
+                    </a:ln>
+                    <a:solidFill>
+                      <a:schemeClr val="tx1"/>
+                    </a:solidFill>
+                    <a:effectLst/>
+                    <a:latin typeface="Arial" charset="0"/>
+                    <a:ea typeface="新細明體" charset="-120"/>
+                  </a:rPr>
+                  <a:t>1</a:t>
+                </a:r>
+                <a:r>
+                  <a:rPr kumimoji="1" lang="zh-TW" altLang="en-US" sz="2000" b="0" i="0" u="none" strike="noStrike" cap="none" normalizeH="0" baseline="0" dirty="0">
+                    <a:ln>
+                      <a:noFill/>
+                    </a:ln>
+                    <a:solidFill>
+                      <a:schemeClr val="tx1"/>
+                    </a:solidFill>
+                    <a:effectLst/>
+                    <a:latin typeface="Arial" charset="0"/>
+                    <a:ea typeface="新細明體" charset="-120"/>
+                  </a:rPr>
+                  <a:t> </a:t>
+                </a:r>
+                <a:r>
+                  <a:rPr kumimoji="1" lang="en-US" altLang="zh-TW" sz="2000" b="0" i="0" u="none" strike="noStrike" cap="none" normalizeH="0" baseline="0" dirty="0">
+                    <a:ln>
+                      <a:noFill/>
+                    </a:ln>
+                    <a:solidFill>
+                      <a:schemeClr val="tx1"/>
+                    </a:solidFill>
+                    <a:effectLst/>
+                    <a:latin typeface="Arial" charset="0"/>
+                    <a:ea typeface="新細明體" charset="-120"/>
+                  </a:rPr>
+                  <a:t>0</a:t>
+                </a:r>
+                <a:r>
+                  <a:rPr kumimoji="1" lang="zh-TW" altLang="en-US" sz="2000" b="0" i="0" u="none" strike="noStrike" cap="none" normalizeH="0" baseline="0" dirty="0">
+                    <a:ln>
+                      <a:noFill/>
+                    </a:ln>
+                    <a:solidFill>
+                      <a:schemeClr val="tx1"/>
+                    </a:solidFill>
+                    <a:effectLst/>
+                    <a:latin typeface="Arial" charset="0"/>
+                    <a:ea typeface="新細明體" charset="-120"/>
+                  </a:rPr>
+                  <a:t> </a:t>
+                </a:r>
+                <a:r>
+                  <a:rPr kumimoji="1" lang="en-US" altLang="zh-TW" sz="2000" b="0" i="0" u="none" strike="noStrike" cap="none" normalizeH="0" baseline="0" dirty="0">
+                    <a:ln>
+                      <a:noFill/>
+                    </a:ln>
+                    <a:solidFill>
+                      <a:schemeClr val="tx1"/>
+                    </a:solidFill>
+                    <a:effectLst/>
+                    <a:latin typeface="Arial" charset="0"/>
+                    <a:ea typeface="新細明體" charset="-120"/>
+                  </a:rPr>
+                  <a:t>0</a:t>
+                </a:r>
+                <a:r>
+                  <a:rPr kumimoji="1" lang="zh-TW" altLang="en-US" sz="2000" b="0" i="0" u="none" strike="noStrike" cap="none" normalizeH="0" baseline="0" dirty="0">
+                    <a:ln>
+                      <a:noFill/>
+                    </a:ln>
+                    <a:solidFill>
+                      <a:schemeClr val="tx1"/>
+                    </a:solidFill>
+                    <a:effectLst/>
+                    <a:latin typeface="Arial" charset="0"/>
+                    <a:ea typeface="新細明體" charset="-120"/>
+                  </a:rPr>
+                  <a:t> </a:t>
+                </a:r>
+                <a:r>
+                  <a:rPr kumimoji="1" lang="en-US" altLang="zh-TW" sz="2000" b="0" i="0" u="none" strike="noStrike" cap="none" normalizeH="0" baseline="0" dirty="0">
+                    <a:ln>
+                      <a:noFill/>
+                    </a:ln>
+                    <a:solidFill>
+                      <a:schemeClr val="tx1"/>
+                    </a:solidFill>
+                    <a:effectLst/>
+                    <a:latin typeface="Arial" charset="0"/>
+                    <a:ea typeface="新細明體" charset="-120"/>
+                  </a:rPr>
+                  <a:t>1</a:t>
+                </a:r>
+                <a:r>
+                  <a:rPr kumimoji="1" lang="zh-TW" altLang="en-US" sz="2000" b="0" i="0" u="none" strike="noStrike" cap="none" normalizeH="0" baseline="0" dirty="0">
+                    <a:ln>
+                      <a:noFill/>
+                    </a:ln>
+                    <a:solidFill>
+                      <a:schemeClr val="tx1"/>
+                    </a:solidFill>
+                    <a:effectLst/>
+                    <a:latin typeface="Arial" charset="0"/>
+                    <a:ea typeface="新細明體" charset="-120"/>
+                  </a:rPr>
+                  <a:t> </a:t>
+                </a:r>
+                <a:r>
+                  <a:rPr kumimoji="1" lang="en-US" altLang="zh-TW" sz="2000" b="0" i="0" u="none" strike="noStrike" cap="none" normalizeH="0" baseline="0" dirty="0">
+                    <a:ln>
+                      <a:noFill/>
+                    </a:ln>
+                    <a:solidFill>
+                      <a:schemeClr val="tx1"/>
+                    </a:solidFill>
+                    <a:effectLst/>
+                    <a:latin typeface="Arial" charset="0"/>
+                    <a:ea typeface="新細明體" charset="-120"/>
+                  </a:rPr>
+                  <a:t>1</a:t>
+                </a:r>
+              </a:p>
+              <a:p>
+                <a:pPr marL="0" marR="0" indent="0" algn="ctr" defTabSz="914400" rtl="0" eaLnBrk="1" fontAlgn="base" latinLnBrk="0" hangingPunct="1">
+                  <a:lnSpc>
+                    <a:spcPct val="100000"/>
+                  </a:lnSpc>
+                  <a:spcBef>
+                    <a:spcPct val="0"/>
+                  </a:spcBef>
+                  <a:spcAft>
+                    <a:spcPct val="0"/>
+                  </a:spcAft>
+                  <a:buClrTx/>
+                  <a:buSzTx/>
+                  <a:buFontTx/>
+                  <a:buNone/>
+                  <a:tabLst/>
+                </a:pPr>
+                <a:endParaRPr kumimoji="1" lang="en-US" altLang="zh-TW" sz="2000" b="0" i="0" u="none" strike="noStrike" cap="none" normalizeH="0" baseline="0" dirty="0">
+                  <a:ln>
+                    <a:noFill/>
+                  </a:ln>
+                  <a:solidFill>
+                    <a:schemeClr val="tx1"/>
+                  </a:solidFill>
+                  <a:effectLst/>
+                  <a:latin typeface="Arial" charset="0"/>
+                  <a:ea typeface="新細明體" charset="-120"/>
+                </a:endParaRPr>
+              </a:p>
+              <a:p>
+                <a:pPr marL="0" marR="0" indent="0" algn="ctr" defTabSz="914400" rtl="0" eaLnBrk="1" fontAlgn="base" latinLnBrk="0" hangingPunct="1">
+                  <a:lnSpc>
+                    <a:spcPct val="100000"/>
+                  </a:lnSpc>
+                  <a:spcBef>
+                    <a:spcPct val="0"/>
+                  </a:spcBef>
+                  <a:spcAft>
+                    <a:spcPct val="0"/>
+                  </a:spcAft>
+                  <a:buClrTx/>
+                  <a:buSzTx/>
+                  <a:buFontTx/>
+                  <a:buNone/>
+                  <a:tabLst/>
+                </a:pPr>
+                <a:r>
+                  <a:rPr kumimoji="1" lang="en-US" altLang="zh-TW" sz="2000" dirty="0">
+                    <a:solidFill>
+                      <a:schemeClr val="tx1"/>
+                    </a:solidFill>
+                    <a:latin typeface="Arial" charset="0"/>
+                    <a:ea typeface="新細明體" charset="-120"/>
+                  </a:rPr>
+                  <a:t>1</a:t>
+                </a:r>
+                <a:r>
+                  <a:rPr kumimoji="1" lang="zh-TW" altLang="en-US" sz="2000" dirty="0">
+                    <a:solidFill>
+                      <a:schemeClr val="tx1"/>
+                    </a:solidFill>
+                    <a:latin typeface="Arial" charset="0"/>
+                    <a:ea typeface="新細明體" charset="-120"/>
+                  </a:rPr>
+                  <a:t> </a:t>
+                </a:r>
+                <a:r>
+                  <a:rPr kumimoji="1" lang="en-US" altLang="zh-TW" sz="2000" dirty="0">
+                    <a:solidFill>
+                      <a:schemeClr val="tx1"/>
+                    </a:solidFill>
+                    <a:latin typeface="Arial" charset="0"/>
+                    <a:ea typeface="新細明體" charset="-120"/>
+                  </a:rPr>
+                  <a:t>1</a:t>
+                </a:r>
+                <a:r>
+                  <a:rPr kumimoji="1" lang="zh-TW" altLang="en-US" sz="2000" dirty="0">
+                    <a:solidFill>
+                      <a:schemeClr val="tx1"/>
+                    </a:solidFill>
+                    <a:latin typeface="Arial" charset="0"/>
+                    <a:ea typeface="新細明體" charset="-120"/>
+                  </a:rPr>
+                  <a:t> </a:t>
+                </a:r>
+                <a:r>
+                  <a:rPr kumimoji="1" lang="en-US" altLang="zh-TW" sz="2000" dirty="0">
+                    <a:solidFill>
+                      <a:schemeClr val="tx1"/>
+                    </a:solidFill>
+                    <a:latin typeface="Arial" charset="0"/>
+                    <a:ea typeface="新細明體" charset="-120"/>
+                  </a:rPr>
+                  <a:t>0</a:t>
+                </a:r>
+                <a:r>
+                  <a:rPr kumimoji="1" lang="zh-TW" altLang="en-US" sz="2000" dirty="0">
+                    <a:solidFill>
+                      <a:schemeClr val="tx1"/>
+                    </a:solidFill>
+                    <a:latin typeface="Arial" charset="0"/>
+                    <a:ea typeface="新細明體" charset="-120"/>
+                  </a:rPr>
+                  <a:t> </a:t>
+                </a:r>
+                <a:r>
+                  <a:rPr kumimoji="1" lang="en-US" altLang="zh-TW" sz="2000" dirty="0">
+                    <a:solidFill>
+                      <a:schemeClr val="tx1"/>
+                    </a:solidFill>
+                    <a:latin typeface="Arial" charset="0"/>
+                    <a:ea typeface="新細明體" charset="-120"/>
+                  </a:rPr>
+                  <a:t>0</a:t>
+                </a:r>
+                <a:r>
+                  <a:rPr kumimoji="1" lang="zh-TW" altLang="en-US" sz="2000" dirty="0">
+                    <a:solidFill>
+                      <a:schemeClr val="tx1"/>
+                    </a:solidFill>
+                    <a:latin typeface="Arial" charset="0"/>
+                    <a:ea typeface="新細明體" charset="-120"/>
+                  </a:rPr>
+                  <a:t> </a:t>
+                </a:r>
+                <a:r>
+                  <a:rPr kumimoji="1" lang="en-US" altLang="zh-TW" sz="2000" dirty="0">
+                    <a:solidFill>
+                      <a:schemeClr val="tx1"/>
+                    </a:solidFill>
+                    <a:latin typeface="Arial" charset="0"/>
+                    <a:ea typeface="新細明體" charset="-120"/>
+                  </a:rPr>
+                  <a:t>0</a:t>
+                </a:r>
+                <a:r>
+                  <a:rPr kumimoji="1" lang="zh-TW" altLang="en-US" sz="2000" dirty="0">
+                    <a:solidFill>
+                      <a:schemeClr val="tx1"/>
+                    </a:solidFill>
+                    <a:latin typeface="Arial" charset="0"/>
+                    <a:ea typeface="新細明體" charset="-120"/>
+                  </a:rPr>
+                  <a:t> </a:t>
+                </a:r>
+                <a:r>
+                  <a:rPr kumimoji="1" lang="en-US" altLang="zh-TW" sz="2000" dirty="0">
+                    <a:solidFill>
+                      <a:schemeClr val="tx1"/>
+                    </a:solidFill>
+                    <a:latin typeface="Arial" charset="0"/>
+                    <a:ea typeface="新細明體" charset="-120"/>
+                  </a:rPr>
+                  <a:t>0</a:t>
+                </a:r>
+                <a:r>
+                  <a:rPr kumimoji="1" lang="zh-TW" altLang="en-US" sz="2000" dirty="0">
+                    <a:solidFill>
+                      <a:schemeClr val="tx1"/>
+                    </a:solidFill>
+                    <a:latin typeface="Arial" charset="0"/>
+                    <a:ea typeface="新細明體" charset="-120"/>
+                  </a:rPr>
+                  <a:t> </a:t>
+                </a:r>
+                <a:r>
+                  <a:rPr kumimoji="1" lang="en-US" altLang="zh-TW" sz="2000" dirty="0">
+                    <a:solidFill>
+                      <a:schemeClr val="tx1"/>
+                    </a:solidFill>
+                    <a:latin typeface="Arial" charset="0"/>
+                    <a:ea typeface="新細明體" charset="-120"/>
+                  </a:rPr>
+                  <a:t>1</a:t>
+                </a:r>
+                <a:r>
+                  <a:rPr kumimoji="1" lang="zh-TW" altLang="en-US" sz="2000" dirty="0">
+                    <a:solidFill>
+                      <a:schemeClr val="tx1"/>
+                    </a:solidFill>
+                    <a:latin typeface="Arial" charset="0"/>
+                    <a:ea typeface="新細明體" charset="-120"/>
+                  </a:rPr>
+                  <a:t> </a:t>
+                </a:r>
+                <a:r>
+                  <a:rPr kumimoji="1" lang="en-US" altLang="zh-TW" sz="2000" dirty="0">
+                    <a:solidFill>
+                      <a:schemeClr val="tx1"/>
+                    </a:solidFill>
+                    <a:latin typeface="Arial" charset="0"/>
+                    <a:ea typeface="新細明體" charset="-120"/>
+                  </a:rPr>
+                  <a:t>1</a:t>
+                </a:r>
+                <a:endParaRPr kumimoji="1" lang="zh-TW" altLang="en-US" sz="2000" b="0" i="0" u="none" strike="noStrike" cap="none" normalizeH="0" baseline="0" dirty="0">
+                  <a:ln>
+                    <a:noFill/>
+                  </a:ln>
+                  <a:solidFill>
+                    <a:schemeClr val="tx1"/>
+                  </a:solidFill>
+                  <a:effectLst/>
+                  <a:latin typeface="Arial" charset="0"/>
+                  <a:ea typeface="新細明體" charset="-120"/>
+                </a:endParaRPr>
+              </a:p>
+            </p:txBody>
+          </p:sp>
+          <p:cxnSp>
+            <p:nvCxnSpPr>
+              <p:cNvPr id="9" name="直線單箭頭接點 8">
+                <a:extLst>
+                  <a:ext uri="{FF2B5EF4-FFF2-40B4-BE49-F238E27FC236}">
+                    <a16:creationId xmlns:a16="http://schemas.microsoft.com/office/drawing/2014/main" id="{1B4A2D2A-E412-6524-A44D-1825B4EE5CA1}"/>
+                  </a:ext>
+                </a:extLst>
+              </p:cNvPr>
+              <p:cNvCxnSpPr>
+                <a:cxnSpLocks/>
+                <a:endCxn id="11" idx="0"/>
+              </p:cNvCxnSpPr>
+              <p:nvPr/>
+            </p:nvCxnSpPr>
+            <p:spPr bwMode="auto">
+              <a:xfrm flipH="1">
+                <a:off x="873967" y="3653408"/>
+                <a:ext cx="426462" cy="399305"/>
+              </a:xfrm>
+              <a:prstGeom prst="straightConnector1">
+                <a:avLst/>
+              </a:prstGeom>
+              <a:noFill/>
+              <a:ln w="38100" cap="flat" cmpd="sng" algn="ctr">
+                <a:solidFill>
+                  <a:schemeClr val="tx1"/>
+                </a:solidFill>
+                <a:prstDash val="solid"/>
+                <a:round/>
+                <a:headEnd type="none" w="med" len="med"/>
+                <a:tailEnd type="triangle"/>
+              </a:ln>
+              <a:effectLst/>
+            </p:spPr>
+          </p:cxnSp>
+          <p:sp>
+            <p:nvSpPr>
+              <p:cNvPr id="11" name="矩形: 圓角 10">
+                <a:extLst>
+                  <a:ext uri="{FF2B5EF4-FFF2-40B4-BE49-F238E27FC236}">
+                    <a16:creationId xmlns:a16="http://schemas.microsoft.com/office/drawing/2014/main" id="{4E8290D6-BBDA-7D53-6B00-C8462F2E4C73}"/>
+                  </a:ext>
+                </a:extLst>
+              </p:cNvPr>
+              <p:cNvSpPr/>
+              <p:nvPr/>
+            </p:nvSpPr>
+            <p:spPr bwMode="auto">
+              <a:xfrm>
+                <a:off x="606439" y="4052713"/>
+                <a:ext cx="535055" cy="355848"/>
+              </a:xfrm>
+              <a:prstGeom prst="roundRect">
+                <a:avLst/>
+              </a:prstGeom>
+              <a:noFill/>
+              <a:ln w="38100" cap="flat" cmpd="sng" algn="ctr">
+                <a:solidFill>
+                  <a:srgbClr val="4F81BD"/>
+                </a:solidFill>
+                <a:prstDash val="solid"/>
+                <a:round/>
+                <a:headEnd type="none" w="med" len="med"/>
+                <a:tailEnd type="triangle" w="med" len="med"/>
+              </a:ln>
+              <a:effectLst/>
+            </p:spPr>
+            <p:txBody>
+              <a:bodyPr vert="horz" wrap="square" lIns="91440" tIns="45720" rIns="91440" bIns="45720" numCol="1" rtlCol="0" anchor="t" anchorCtr="0" compatLnSpc="1">
+                <a:prstTxWarp prst="textNoShape">
+                  <a:avLst/>
+                </a:prstTxWarp>
+              </a:bodyPr>
+              <a:lstStyle/>
+              <a:p>
+                <a:pPr marL="0" marR="0" indent="0" algn="ctr" defTabSz="914400" rtl="0" eaLnBrk="1" fontAlgn="base" latinLnBrk="0" hangingPunct="1">
+                  <a:lnSpc>
+                    <a:spcPct val="100000"/>
+                  </a:lnSpc>
+                  <a:spcBef>
+                    <a:spcPct val="0"/>
+                  </a:spcBef>
+                  <a:spcAft>
+                    <a:spcPct val="0"/>
+                  </a:spcAft>
+                  <a:buClrTx/>
+                  <a:buSzTx/>
+                  <a:buFontTx/>
+                  <a:buNone/>
+                  <a:tabLst/>
+                </a:pPr>
+                <a:r>
+                  <a:rPr kumimoji="1" lang="en-US" altLang="zh-TW" dirty="0">
+                    <a:latin typeface="Arial" charset="0"/>
+                    <a:ea typeface="新細明體" charset="-120"/>
+                  </a:rPr>
+                  <a:t>1</a:t>
+                </a:r>
+                <a:endParaRPr kumimoji="1" lang="zh-TW" altLang="en-US" sz="1800" b="0" i="0" u="none" strike="noStrike" cap="none" normalizeH="0" baseline="0" dirty="0">
+                  <a:ln>
+                    <a:noFill/>
+                  </a:ln>
+                  <a:solidFill>
+                    <a:schemeClr val="tx1"/>
+                  </a:solidFill>
+                  <a:effectLst/>
+                  <a:latin typeface="Arial" charset="0"/>
+                  <a:ea typeface="新細明體" charset="-120"/>
+                </a:endParaRPr>
+              </a:p>
+            </p:txBody>
+          </p:sp>
+          <p:sp>
+            <p:nvSpPr>
+              <p:cNvPr id="12" name="矩形: 圓角 11">
+                <a:extLst>
+                  <a:ext uri="{FF2B5EF4-FFF2-40B4-BE49-F238E27FC236}">
+                    <a16:creationId xmlns:a16="http://schemas.microsoft.com/office/drawing/2014/main" id="{A451C846-348E-F967-3312-2E04C65C5378}"/>
+                  </a:ext>
+                </a:extLst>
+              </p:cNvPr>
+              <p:cNvSpPr/>
+              <p:nvPr/>
+            </p:nvSpPr>
+            <p:spPr bwMode="auto">
+              <a:xfrm>
+                <a:off x="1309797" y="4052713"/>
+                <a:ext cx="535055" cy="355848"/>
+              </a:xfrm>
+              <a:prstGeom prst="roundRect">
+                <a:avLst/>
+              </a:prstGeom>
+              <a:noFill/>
+              <a:ln w="38100" cap="flat" cmpd="sng" algn="ctr">
+                <a:solidFill>
+                  <a:srgbClr val="4F81BD"/>
+                </a:solidFill>
+                <a:prstDash val="solid"/>
+                <a:round/>
+                <a:headEnd type="none" w="med" len="med"/>
+                <a:tailEnd type="triangle" w="med" len="med"/>
+              </a:ln>
+              <a:effectLst/>
+            </p:spPr>
+            <p:txBody>
+              <a:bodyPr vert="horz" wrap="square" lIns="91440" tIns="45720" rIns="91440" bIns="45720" numCol="1" rtlCol="0" anchor="t" anchorCtr="0" compatLnSpc="1">
+                <a:prstTxWarp prst="textNoShape">
+                  <a:avLst/>
+                </a:prstTxWarp>
+              </a:bodyPr>
+              <a:lstStyle/>
+              <a:p>
+                <a:pPr marL="0" marR="0" indent="0" algn="ctr" defTabSz="914400" rtl="0" eaLnBrk="1" fontAlgn="base" latinLnBrk="0" hangingPunct="1">
+                  <a:lnSpc>
+                    <a:spcPct val="100000"/>
+                  </a:lnSpc>
+                  <a:spcBef>
+                    <a:spcPct val="0"/>
+                  </a:spcBef>
+                  <a:spcAft>
+                    <a:spcPct val="0"/>
+                  </a:spcAft>
+                  <a:buClrTx/>
+                  <a:buSzTx/>
+                  <a:buFontTx/>
+                  <a:buNone/>
+                  <a:tabLst/>
+                </a:pPr>
+                <a:r>
+                  <a:rPr kumimoji="1" lang="en-US" altLang="zh-TW" dirty="0">
+                    <a:latin typeface="Arial" charset="0"/>
+                    <a:ea typeface="新細明體" charset="-120"/>
+                  </a:rPr>
+                  <a:t>2</a:t>
+                </a:r>
+                <a:endParaRPr kumimoji="1" lang="zh-TW" altLang="en-US" sz="1800" b="0" i="0" u="none" strike="noStrike" cap="none" normalizeH="0" baseline="0" dirty="0">
+                  <a:ln>
+                    <a:noFill/>
+                  </a:ln>
+                  <a:solidFill>
+                    <a:schemeClr val="tx1"/>
+                  </a:solidFill>
+                  <a:effectLst/>
+                  <a:latin typeface="Arial" charset="0"/>
+                  <a:ea typeface="新細明體" charset="-120"/>
+                </a:endParaRPr>
+              </a:p>
+            </p:txBody>
+          </p:sp>
+          <p:sp>
+            <p:nvSpPr>
+              <p:cNvPr id="13" name="矩形: 圓角 12">
+                <a:extLst>
+                  <a:ext uri="{FF2B5EF4-FFF2-40B4-BE49-F238E27FC236}">
+                    <a16:creationId xmlns:a16="http://schemas.microsoft.com/office/drawing/2014/main" id="{FA64E307-C4A5-C5E6-08B9-6E842CEF93DC}"/>
+                  </a:ext>
+                </a:extLst>
+              </p:cNvPr>
+              <p:cNvSpPr/>
+              <p:nvPr/>
+            </p:nvSpPr>
+            <p:spPr bwMode="auto">
+              <a:xfrm>
+                <a:off x="2013156" y="4052713"/>
+                <a:ext cx="535055" cy="355848"/>
+              </a:xfrm>
+              <a:prstGeom prst="roundRect">
+                <a:avLst/>
+              </a:prstGeom>
+              <a:noFill/>
+              <a:ln w="38100" cap="flat" cmpd="sng" algn="ctr">
+                <a:solidFill>
+                  <a:srgbClr val="4F81BD"/>
+                </a:solidFill>
+                <a:prstDash val="solid"/>
+                <a:round/>
+                <a:headEnd type="none" w="med" len="med"/>
+                <a:tailEnd type="triangle" w="med" len="med"/>
+              </a:ln>
+              <a:effectLst/>
+            </p:spPr>
+            <p:txBody>
+              <a:bodyPr vert="horz" wrap="square" lIns="91440" tIns="45720" rIns="91440" bIns="45720" numCol="1" rtlCol="0" anchor="t" anchorCtr="0" compatLnSpc="1">
+                <a:prstTxWarp prst="textNoShape">
+                  <a:avLst/>
+                </a:prstTxWarp>
+              </a:bodyPr>
+              <a:lstStyle/>
+              <a:p>
+                <a:pPr marL="0" marR="0" indent="0" algn="ctr" defTabSz="914400" rtl="0" eaLnBrk="1" fontAlgn="base" latinLnBrk="0" hangingPunct="1">
+                  <a:lnSpc>
+                    <a:spcPct val="100000"/>
+                  </a:lnSpc>
+                  <a:spcBef>
+                    <a:spcPct val="0"/>
+                  </a:spcBef>
+                  <a:spcAft>
+                    <a:spcPct val="0"/>
+                  </a:spcAft>
+                  <a:buClrTx/>
+                  <a:buSzTx/>
+                  <a:buFontTx/>
+                  <a:buNone/>
+                  <a:tabLst/>
+                </a:pPr>
+                <a:r>
+                  <a:rPr kumimoji="1" lang="en-US" altLang="zh-TW" sz="1800" b="0" i="0" u="none" strike="noStrike" cap="none" normalizeH="0" baseline="0" dirty="0">
+                    <a:ln>
+                      <a:noFill/>
+                    </a:ln>
+                    <a:solidFill>
+                      <a:schemeClr val="tx1"/>
+                    </a:solidFill>
+                    <a:effectLst/>
+                    <a:latin typeface="Arial" charset="0"/>
+                    <a:ea typeface="新細明體" charset="-120"/>
+                  </a:rPr>
+                  <a:t>0</a:t>
+                </a:r>
+                <a:endParaRPr kumimoji="1" lang="zh-TW" altLang="en-US" sz="1800" b="0" i="0" u="none" strike="noStrike" cap="none" normalizeH="0" baseline="0" dirty="0">
+                  <a:ln>
+                    <a:noFill/>
+                  </a:ln>
+                  <a:solidFill>
+                    <a:schemeClr val="tx1"/>
+                  </a:solidFill>
+                  <a:effectLst/>
+                  <a:latin typeface="Arial" charset="0"/>
+                  <a:ea typeface="新細明體" charset="-120"/>
+                </a:endParaRPr>
+              </a:p>
+            </p:txBody>
+          </p:sp>
+          <p:sp>
+            <p:nvSpPr>
+              <p:cNvPr id="14" name="矩形: 圓角 13">
+                <a:extLst>
+                  <a:ext uri="{FF2B5EF4-FFF2-40B4-BE49-F238E27FC236}">
+                    <a16:creationId xmlns:a16="http://schemas.microsoft.com/office/drawing/2014/main" id="{3D0AF6BB-C5BE-8FEF-A03C-A24F1A8908F6}"/>
+                  </a:ext>
+                </a:extLst>
+              </p:cNvPr>
+              <p:cNvSpPr/>
+              <p:nvPr/>
+            </p:nvSpPr>
+            <p:spPr bwMode="auto">
+              <a:xfrm>
+                <a:off x="2716514" y="4052713"/>
+                <a:ext cx="535055" cy="355848"/>
+              </a:xfrm>
+              <a:prstGeom prst="roundRect">
+                <a:avLst/>
+              </a:prstGeom>
+              <a:noFill/>
+              <a:ln w="38100" cap="flat" cmpd="sng" algn="ctr">
+                <a:solidFill>
+                  <a:srgbClr val="4F81BD"/>
+                </a:solidFill>
+                <a:prstDash val="solid"/>
+                <a:round/>
+                <a:headEnd type="none" w="med" len="med"/>
+                <a:tailEnd type="triangle" w="med" len="med"/>
+              </a:ln>
+              <a:effectLst/>
+            </p:spPr>
+            <p:txBody>
+              <a:bodyPr vert="horz" wrap="square" lIns="91440" tIns="45720" rIns="91440" bIns="45720" numCol="1" rtlCol="0" anchor="t" anchorCtr="0" compatLnSpc="1">
+                <a:prstTxWarp prst="textNoShape">
+                  <a:avLst/>
+                </a:prstTxWarp>
+              </a:bodyPr>
+              <a:lstStyle/>
+              <a:p>
+                <a:pPr marL="0" marR="0" indent="0" algn="ctr" defTabSz="914400" rtl="0" eaLnBrk="1" fontAlgn="base" latinLnBrk="0" hangingPunct="1">
+                  <a:lnSpc>
+                    <a:spcPct val="100000"/>
+                  </a:lnSpc>
+                  <a:spcBef>
+                    <a:spcPct val="0"/>
+                  </a:spcBef>
+                  <a:spcAft>
+                    <a:spcPct val="0"/>
+                  </a:spcAft>
+                  <a:buClrTx/>
+                  <a:buSzTx/>
+                  <a:buFontTx/>
+                  <a:buNone/>
+                  <a:tabLst/>
+                </a:pPr>
+                <a:r>
+                  <a:rPr kumimoji="1" lang="en-US" altLang="zh-TW" dirty="0">
+                    <a:latin typeface="Arial" charset="0"/>
+                    <a:ea typeface="新細明體" charset="-120"/>
+                  </a:rPr>
+                  <a:t>0</a:t>
+                </a:r>
+                <a:endParaRPr kumimoji="1" lang="zh-TW" altLang="en-US" sz="1800" b="0" i="0" u="none" strike="noStrike" cap="none" normalizeH="0" baseline="0" dirty="0">
+                  <a:ln>
+                    <a:noFill/>
+                  </a:ln>
+                  <a:solidFill>
+                    <a:schemeClr val="tx1"/>
+                  </a:solidFill>
+                  <a:effectLst/>
+                  <a:latin typeface="Arial" charset="0"/>
+                  <a:ea typeface="新細明體" charset="-120"/>
+                </a:endParaRPr>
+              </a:p>
+            </p:txBody>
+          </p:sp>
+          <p:cxnSp>
+            <p:nvCxnSpPr>
+              <p:cNvPr id="16" name="直線單箭頭接點 15">
+                <a:extLst>
+                  <a:ext uri="{FF2B5EF4-FFF2-40B4-BE49-F238E27FC236}">
+                    <a16:creationId xmlns:a16="http://schemas.microsoft.com/office/drawing/2014/main" id="{58186AFA-32B5-48BF-CC87-6AA2919C36A9}"/>
+                  </a:ext>
+                </a:extLst>
+              </p:cNvPr>
+              <p:cNvCxnSpPr>
+                <a:cxnSpLocks/>
+                <a:endCxn id="12" idx="0"/>
+              </p:cNvCxnSpPr>
+              <p:nvPr/>
+            </p:nvCxnSpPr>
+            <p:spPr bwMode="auto">
+              <a:xfrm flipH="1">
+                <a:off x="1577325" y="3653408"/>
+                <a:ext cx="168304" cy="399305"/>
+              </a:xfrm>
+              <a:prstGeom prst="straightConnector1">
+                <a:avLst/>
+              </a:prstGeom>
+              <a:noFill/>
+              <a:ln w="38100" cap="flat" cmpd="sng" algn="ctr">
+                <a:solidFill>
+                  <a:schemeClr val="tx1"/>
+                </a:solidFill>
+                <a:prstDash val="solid"/>
+                <a:round/>
+                <a:headEnd type="none" w="med" len="med"/>
+                <a:tailEnd type="triangle"/>
+              </a:ln>
+              <a:effectLst/>
+            </p:spPr>
+          </p:cxnSp>
+          <p:cxnSp>
+            <p:nvCxnSpPr>
+              <p:cNvPr id="19" name="直線單箭頭接點 18">
+                <a:extLst>
+                  <a:ext uri="{FF2B5EF4-FFF2-40B4-BE49-F238E27FC236}">
+                    <a16:creationId xmlns:a16="http://schemas.microsoft.com/office/drawing/2014/main" id="{52C2A172-6749-8C69-C153-5323387E0012}"/>
+                  </a:ext>
+                </a:extLst>
+              </p:cNvPr>
+              <p:cNvCxnSpPr>
+                <a:cxnSpLocks/>
+                <a:endCxn id="13" idx="0"/>
+              </p:cNvCxnSpPr>
+              <p:nvPr/>
+            </p:nvCxnSpPr>
+            <p:spPr bwMode="auto">
+              <a:xfrm>
+                <a:off x="2190604" y="3653408"/>
+                <a:ext cx="90080" cy="399305"/>
+              </a:xfrm>
+              <a:prstGeom prst="straightConnector1">
+                <a:avLst/>
+              </a:prstGeom>
+              <a:noFill/>
+              <a:ln w="38100" cap="flat" cmpd="sng" algn="ctr">
+                <a:solidFill>
+                  <a:schemeClr val="tx1"/>
+                </a:solidFill>
+                <a:prstDash val="solid"/>
+                <a:round/>
+                <a:headEnd type="none" w="med" len="med"/>
+                <a:tailEnd type="triangle"/>
+              </a:ln>
+              <a:effectLst/>
+            </p:spPr>
+          </p:cxnSp>
+          <p:cxnSp>
+            <p:nvCxnSpPr>
+              <p:cNvPr id="22" name="直線單箭頭接點 21">
+                <a:extLst>
+                  <a:ext uri="{FF2B5EF4-FFF2-40B4-BE49-F238E27FC236}">
+                    <a16:creationId xmlns:a16="http://schemas.microsoft.com/office/drawing/2014/main" id="{8C84283B-CEDF-937B-8C4F-88DE4B02BA3C}"/>
+                  </a:ext>
+                </a:extLst>
+              </p:cNvPr>
+              <p:cNvCxnSpPr>
+                <a:cxnSpLocks/>
+                <a:endCxn id="14" idx="0"/>
+              </p:cNvCxnSpPr>
+              <p:nvPr/>
+            </p:nvCxnSpPr>
+            <p:spPr bwMode="auto">
+              <a:xfrm>
+                <a:off x="2629739" y="3653408"/>
+                <a:ext cx="354303" cy="399305"/>
+              </a:xfrm>
+              <a:prstGeom prst="straightConnector1">
+                <a:avLst/>
+              </a:prstGeom>
+              <a:noFill/>
+              <a:ln w="38100" cap="flat" cmpd="sng" algn="ctr">
+                <a:solidFill>
+                  <a:schemeClr val="tx1"/>
+                </a:solidFill>
+                <a:prstDash val="solid"/>
+                <a:round/>
+                <a:headEnd type="none" w="med" len="med"/>
+                <a:tailEnd type="triangle"/>
+              </a:ln>
+              <a:effectLst/>
+            </p:spPr>
+          </p:cxnSp>
+          <p:cxnSp>
+            <p:nvCxnSpPr>
+              <p:cNvPr id="26" name="直線接點 25">
+                <a:extLst>
+                  <a:ext uri="{FF2B5EF4-FFF2-40B4-BE49-F238E27FC236}">
+                    <a16:creationId xmlns:a16="http://schemas.microsoft.com/office/drawing/2014/main" id="{7A8EA6A8-E97A-45C2-FEAF-83913FD92A14}"/>
+                  </a:ext>
+                </a:extLst>
+              </p:cNvPr>
+              <p:cNvCxnSpPr/>
+              <p:nvPr/>
+            </p:nvCxnSpPr>
+            <p:spPr bwMode="auto">
+              <a:xfrm flipH="1">
+                <a:off x="1527969" y="2200672"/>
+                <a:ext cx="8635" cy="1520552"/>
+              </a:xfrm>
+              <a:prstGeom prst="line">
+                <a:avLst/>
+              </a:prstGeom>
+              <a:ln w="28575">
+                <a:solidFill>
+                  <a:srgbClr val="0000FF"/>
+                </a:solidFill>
+                <a:prstDash val="sysDot"/>
+                <a:headEnd type="none" w="med" len="med"/>
+                <a:tailEnd type="none" w="med" len="med"/>
+              </a:ln>
+            </p:spPr>
+            <p:style>
+              <a:lnRef idx="1">
+                <a:schemeClr val="accent1"/>
+              </a:lnRef>
+              <a:fillRef idx="0">
+                <a:schemeClr val="accent1"/>
+              </a:fillRef>
+              <a:effectRef idx="0">
+                <a:schemeClr val="accent1"/>
+              </a:effectRef>
+              <a:fontRef idx="minor">
+                <a:schemeClr val="tx1"/>
+              </a:fontRef>
+            </p:style>
+          </p:cxnSp>
+          <p:cxnSp>
+            <p:nvCxnSpPr>
+              <p:cNvPr id="28" name="直線接點 27">
+                <a:extLst>
+                  <a:ext uri="{FF2B5EF4-FFF2-40B4-BE49-F238E27FC236}">
+                    <a16:creationId xmlns:a16="http://schemas.microsoft.com/office/drawing/2014/main" id="{27DA8300-53B3-476A-798C-B3F30B4A13D3}"/>
+                  </a:ext>
+                </a:extLst>
+              </p:cNvPr>
+              <p:cNvCxnSpPr/>
+              <p:nvPr/>
+            </p:nvCxnSpPr>
+            <p:spPr bwMode="auto">
+              <a:xfrm flipH="1">
+                <a:off x="1937894" y="2200672"/>
+                <a:ext cx="8635" cy="1520552"/>
+              </a:xfrm>
+              <a:prstGeom prst="line">
+                <a:avLst/>
+              </a:prstGeom>
+              <a:ln w="28575">
+                <a:solidFill>
+                  <a:srgbClr val="0000FF"/>
+                </a:solidFill>
+                <a:prstDash val="sysDot"/>
+                <a:headEnd type="none" w="med" len="med"/>
+                <a:tailEnd type="none" w="med" len="med"/>
+              </a:ln>
+            </p:spPr>
+            <p:style>
+              <a:lnRef idx="1">
+                <a:schemeClr val="accent1"/>
+              </a:lnRef>
+              <a:fillRef idx="0">
+                <a:schemeClr val="accent1"/>
+              </a:fillRef>
+              <a:effectRef idx="0">
+                <a:schemeClr val="accent1"/>
+              </a:effectRef>
+              <a:fontRef idx="minor">
+                <a:schemeClr val="tx1"/>
+              </a:fontRef>
+            </p:style>
+          </p:cxnSp>
+          <p:cxnSp>
+            <p:nvCxnSpPr>
+              <p:cNvPr id="29" name="直線接點 28">
+                <a:extLst>
+                  <a:ext uri="{FF2B5EF4-FFF2-40B4-BE49-F238E27FC236}">
+                    <a16:creationId xmlns:a16="http://schemas.microsoft.com/office/drawing/2014/main" id="{3E869B07-6089-3811-8E4F-BDD9E3477CF2}"/>
+                  </a:ext>
+                </a:extLst>
+              </p:cNvPr>
+              <p:cNvCxnSpPr/>
+              <p:nvPr/>
+            </p:nvCxnSpPr>
+            <p:spPr bwMode="auto">
+              <a:xfrm flipH="1">
+                <a:off x="2362212" y="2200672"/>
+                <a:ext cx="8635" cy="1520552"/>
+              </a:xfrm>
+              <a:prstGeom prst="line">
+                <a:avLst/>
+              </a:prstGeom>
+              <a:ln w="28575">
+                <a:solidFill>
+                  <a:srgbClr val="0000FF"/>
+                </a:solidFill>
+                <a:prstDash val="sysDot"/>
+                <a:headEnd type="none" w="med" len="med"/>
+                <a:tailEnd type="none" w="med" len="med"/>
+              </a:ln>
+            </p:spPr>
+            <p:style>
+              <a:lnRef idx="1">
+                <a:schemeClr val="accent1"/>
+              </a:lnRef>
+              <a:fillRef idx="0">
+                <a:schemeClr val="accent1"/>
+              </a:fillRef>
+              <a:effectRef idx="0">
+                <a:schemeClr val="accent1"/>
+              </a:effectRef>
+              <a:fontRef idx="minor">
+                <a:schemeClr val="tx1"/>
+              </a:fontRef>
+            </p:style>
+          </p:cxnSp>
+        </p:grpSp>
+        <p:cxnSp>
+          <p:nvCxnSpPr>
+            <p:cNvPr id="40" name="直線單箭頭接點 39">
+              <a:extLst>
+                <a:ext uri="{FF2B5EF4-FFF2-40B4-BE49-F238E27FC236}">
+                  <a16:creationId xmlns:a16="http://schemas.microsoft.com/office/drawing/2014/main" id="{36F9F98A-8912-0F9F-004E-D3451377CFEF}"/>
+                </a:ext>
+              </a:extLst>
+            </p:cNvPr>
+            <p:cNvCxnSpPr>
+              <a:cxnSpLocks/>
+              <a:stCxn id="11" idx="2"/>
+              <a:endCxn id="44" idx="1"/>
+            </p:cNvCxnSpPr>
+            <p:nvPr/>
+          </p:nvCxnSpPr>
+          <p:spPr bwMode="auto">
+            <a:xfrm>
+              <a:off x="857245" y="5132833"/>
+              <a:ext cx="852925" cy="589347"/>
+            </a:xfrm>
+            <a:prstGeom prst="straightConnector1">
+              <a:avLst/>
+            </a:prstGeom>
+            <a:noFill/>
+            <a:ln w="38100" cap="flat" cmpd="sng" algn="ctr">
+              <a:solidFill>
+                <a:schemeClr val="tx1"/>
+              </a:solidFill>
+              <a:prstDash val="solid"/>
+              <a:round/>
+              <a:headEnd type="none" w="med" len="med"/>
+              <a:tailEnd type="triangle"/>
+            </a:ln>
+            <a:effectLst/>
+          </p:spPr>
+        </p:cxnSp>
+        <p:sp>
+          <p:nvSpPr>
+            <p:cNvPr id="44" name="橢圓 43">
+              <a:extLst>
+                <a:ext uri="{FF2B5EF4-FFF2-40B4-BE49-F238E27FC236}">
+                  <a16:creationId xmlns:a16="http://schemas.microsoft.com/office/drawing/2014/main" id="{5176D595-2269-E07A-0256-90D122D59C03}"/>
+                </a:ext>
+              </a:extLst>
+            </p:cNvPr>
+            <p:cNvSpPr/>
+            <p:nvPr/>
+          </p:nvSpPr>
+          <p:spPr bwMode="auto">
+            <a:xfrm>
+              <a:off x="1630610" y="5642620"/>
+              <a:ext cx="543272" cy="543272"/>
+            </a:xfrm>
+            <a:prstGeom prst="ellipse">
+              <a:avLst/>
+            </a:prstGeom>
+            <a:ln w="38100">
+              <a:headEnd type="none" w="med" len="med"/>
+              <a:tailEnd type="triangle" w="med" len="med"/>
+            </a:ln>
+          </p:spPr>
+          <p:style>
+            <a:lnRef idx="2">
+              <a:schemeClr val="dk1"/>
+            </a:lnRef>
+            <a:fillRef idx="1">
+              <a:schemeClr val="lt1"/>
+            </a:fillRef>
+            <a:effectRef idx="0">
+              <a:schemeClr val="dk1"/>
+            </a:effectRef>
+            <a:fontRef idx="minor">
+              <a:schemeClr val="dk1"/>
+            </a:fontRef>
+          </p:style>
+          <p:txBody>
+            <a:bodyPr vert="horz" wrap="square" lIns="91440" tIns="45720" rIns="91440" bIns="45720" numCol="1" rtlCol="0" anchor="t" anchorCtr="0" compatLnSpc="1">
+              <a:prstTxWarp prst="textNoShape">
+                <a:avLst/>
+              </a:prstTxWarp>
+            </a:bodyPr>
+            <a:lstStyle/>
+            <a:p>
+              <a:pPr marL="0" marR="0" indent="0" algn="ctr" defTabSz="914400" rtl="0" eaLnBrk="1" fontAlgn="t" latinLnBrk="0" hangingPunct="1">
+                <a:lnSpc>
+                  <a:spcPct val="100000"/>
+                </a:lnSpc>
+                <a:spcBef>
+                  <a:spcPct val="0"/>
+                </a:spcBef>
+                <a:spcAft>
+                  <a:spcPct val="0"/>
+                </a:spcAft>
+                <a:buClrTx/>
+                <a:buSzTx/>
+                <a:buFontTx/>
+                <a:buNone/>
+                <a:tabLst/>
+              </a:pPr>
+              <a:r>
+                <a:rPr kumimoji="1" lang="en-US" altLang="zh-TW" sz="2400" b="0" i="0" u="none" strike="noStrike" cap="none" normalizeH="0" baseline="0" dirty="0">
+                  <a:ln>
+                    <a:noFill/>
+                  </a:ln>
+                  <a:solidFill>
+                    <a:schemeClr val="tx1"/>
+                  </a:solidFill>
+                  <a:effectLst/>
+                  <a:latin typeface="Arial" charset="0"/>
+                  <a:ea typeface="新細明體" charset="-120"/>
+                </a:rPr>
+                <a:t>+</a:t>
+              </a:r>
+              <a:endParaRPr kumimoji="1" lang="zh-TW" altLang="en-US" sz="1400" b="0" i="0" u="none" strike="noStrike" cap="none" normalizeH="0" baseline="0" dirty="0">
+                <a:ln>
+                  <a:noFill/>
+                </a:ln>
+                <a:solidFill>
+                  <a:schemeClr val="tx1"/>
+                </a:solidFill>
+                <a:effectLst/>
+                <a:latin typeface="Arial" charset="0"/>
+                <a:ea typeface="新細明體" charset="-120"/>
+              </a:endParaRPr>
+            </a:p>
+          </p:txBody>
+        </p:sp>
+        <p:cxnSp>
+          <p:nvCxnSpPr>
+            <p:cNvPr id="47" name="直線單箭頭接點 46">
+              <a:extLst>
+                <a:ext uri="{FF2B5EF4-FFF2-40B4-BE49-F238E27FC236}">
+                  <a16:creationId xmlns:a16="http://schemas.microsoft.com/office/drawing/2014/main" id="{5FDC9BC3-9D61-100B-063B-E331E57F8D62}"/>
+                </a:ext>
+              </a:extLst>
+            </p:cNvPr>
+            <p:cNvCxnSpPr>
+              <a:cxnSpLocks/>
+              <a:stCxn id="12" idx="2"/>
+              <a:endCxn id="44" idx="0"/>
+            </p:cNvCxnSpPr>
+            <p:nvPr/>
+          </p:nvCxnSpPr>
+          <p:spPr bwMode="auto">
+            <a:xfrm>
+              <a:off x="1560603" y="5132833"/>
+              <a:ext cx="341643" cy="509787"/>
+            </a:xfrm>
+            <a:prstGeom prst="straightConnector1">
+              <a:avLst/>
+            </a:prstGeom>
+            <a:noFill/>
+            <a:ln w="38100" cap="flat" cmpd="sng" algn="ctr">
+              <a:solidFill>
+                <a:schemeClr val="tx1"/>
+              </a:solidFill>
+              <a:prstDash val="solid"/>
+              <a:round/>
+              <a:headEnd type="none" w="med" len="med"/>
+              <a:tailEnd type="triangle"/>
+            </a:ln>
+            <a:effectLst/>
+          </p:spPr>
+        </p:cxnSp>
+        <p:cxnSp>
+          <p:nvCxnSpPr>
+            <p:cNvPr id="50" name="直線單箭頭接點 49">
+              <a:extLst>
+                <a:ext uri="{FF2B5EF4-FFF2-40B4-BE49-F238E27FC236}">
+                  <a16:creationId xmlns:a16="http://schemas.microsoft.com/office/drawing/2014/main" id="{DC97D571-8240-D9B6-89F2-E87D070F4FD2}"/>
+                </a:ext>
+              </a:extLst>
+            </p:cNvPr>
+            <p:cNvCxnSpPr>
+              <a:cxnSpLocks/>
+              <a:stCxn id="13" idx="2"/>
+              <a:endCxn id="44" idx="0"/>
+            </p:cNvCxnSpPr>
+            <p:nvPr/>
+          </p:nvCxnSpPr>
+          <p:spPr bwMode="auto">
+            <a:xfrm flipH="1">
+              <a:off x="1902246" y="5132833"/>
+              <a:ext cx="361716" cy="509787"/>
+            </a:xfrm>
+            <a:prstGeom prst="straightConnector1">
+              <a:avLst/>
+            </a:prstGeom>
+            <a:noFill/>
+            <a:ln w="38100" cap="flat" cmpd="sng" algn="ctr">
+              <a:solidFill>
+                <a:schemeClr val="tx1"/>
+              </a:solidFill>
+              <a:prstDash val="solid"/>
+              <a:round/>
+              <a:headEnd type="none" w="med" len="med"/>
+              <a:tailEnd type="triangle"/>
+            </a:ln>
+            <a:effectLst/>
+          </p:spPr>
+        </p:cxnSp>
+        <p:cxnSp>
+          <p:nvCxnSpPr>
+            <p:cNvPr id="53" name="直線單箭頭接點 52">
+              <a:extLst>
+                <a:ext uri="{FF2B5EF4-FFF2-40B4-BE49-F238E27FC236}">
+                  <a16:creationId xmlns:a16="http://schemas.microsoft.com/office/drawing/2014/main" id="{6E34AB26-E1C6-98CB-DF44-96180142411B}"/>
+                </a:ext>
+              </a:extLst>
+            </p:cNvPr>
+            <p:cNvCxnSpPr>
+              <a:cxnSpLocks/>
+              <a:stCxn id="14" idx="2"/>
+              <a:endCxn id="44" idx="7"/>
+            </p:cNvCxnSpPr>
+            <p:nvPr/>
+          </p:nvCxnSpPr>
+          <p:spPr bwMode="auto">
+            <a:xfrm flipH="1">
+              <a:off x="2094322" y="5132833"/>
+              <a:ext cx="872998" cy="589347"/>
+            </a:xfrm>
+            <a:prstGeom prst="straightConnector1">
+              <a:avLst/>
+            </a:prstGeom>
+            <a:noFill/>
+            <a:ln w="38100" cap="flat" cmpd="sng" algn="ctr">
+              <a:solidFill>
+                <a:schemeClr val="tx1"/>
+              </a:solidFill>
+              <a:prstDash val="solid"/>
+              <a:round/>
+              <a:headEnd type="none" w="med" len="med"/>
+              <a:tailEnd type="triangle"/>
+            </a:ln>
+            <a:effectLst/>
+          </p:spPr>
+        </p:cxnSp>
+        <p:cxnSp>
+          <p:nvCxnSpPr>
+            <p:cNvPr id="98" name="直線單箭頭接點 97">
+              <a:extLst>
+                <a:ext uri="{FF2B5EF4-FFF2-40B4-BE49-F238E27FC236}">
+                  <a16:creationId xmlns:a16="http://schemas.microsoft.com/office/drawing/2014/main" id="{2171A4C0-CBA8-3293-9942-D89717C6430F}"/>
+                </a:ext>
+              </a:extLst>
+            </p:cNvPr>
+            <p:cNvCxnSpPr>
+              <a:cxnSpLocks/>
+              <a:stCxn id="44" idx="4"/>
+              <a:endCxn id="102" idx="0"/>
+            </p:cNvCxnSpPr>
+            <p:nvPr/>
+          </p:nvCxnSpPr>
+          <p:spPr bwMode="auto">
+            <a:xfrm flipH="1">
+              <a:off x="1896551" y="6185892"/>
+              <a:ext cx="5695" cy="259175"/>
+            </a:xfrm>
+            <a:prstGeom prst="straightConnector1">
+              <a:avLst/>
+            </a:prstGeom>
+            <a:noFill/>
+            <a:ln w="38100" cap="flat" cmpd="sng" algn="ctr">
+              <a:solidFill>
+                <a:schemeClr val="tx1"/>
+              </a:solidFill>
+              <a:prstDash val="solid"/>
+              <a:round/>
+              <a:headEnd type="none" w="med" len="med"/>
+              <a:tailEnd type="triangle"/>
+            </a:ln>
+            <a:effectLst/>
+          </p:spPr>
+        </p:cxnSp>
+        <p:sp>
+          <p:nvSpPr>
+            <p:cNvPr id="102" name="文字方塊 101">
+              <a:extLst>
+                <a:ext uri="{FF2B5EF4-FFF2-40B4-BE49-F238E27FC236}">
+                  <a16:creationId xmlns:a16="http://schemas.microsoft.com/office/drawing/2014/main" id="{F72E20A7-F03E-D779-7ACE-652089FCF2B2}"/>
+                </a:ext>
+              </a:extLst>
+            </p:cNvPr>
+            <p:cNvSpPr txBox="1"/>
+            <p:nvPr/>
+          </p:nvSpPr>
+          <p:spPr>
+            <a:xfrm>
+              <a:off x="1619220" y="6445067"/>
+              <a:ext cx="554662" cy="369332"/>
+            </a:xfrm>
+            <a:prstGeom prst="rect">
+              <a:avLst/>
+            </a:prstGeom>
+            <a:noFill/>
+          </p:spPr>
+          <p:txBody>
+            <a:bodyPr wrap="square">
+              <a:spAutoFit/>
+            </a:bodyPr>
+            <a:lstStyle/>
+            <a:p>
+              <a:pPr marL="0" marR="0" indent="0" algn="ctr" defTabSz="914400" rtl="0" eaLnBrk="1" fontAlgn="base" latinLnBrk="0" hangingPunct="1">
+                <a:lnSpc>
+                  <a:spcPct val="100000"/>
+                </a:lnSpc>
+                <a:spcBef>
+                  <a:spcPct val="0"/>
+                </a:spcBef>
+                <a:spcAft>
+                  <a:spcPct val="0"/>
+                </a:spcAft>
+                <a:buClrTx/>
+                <a:buSzTx/>
+                <a:buFontTx/>
+                <a:buNone/>
+                <a:tabLst/>
+              </a:pPr>
+              <a:r>
+                <a:rPr kumimoji="1" lang="en-US" altLang="zh-TW" sz="1800" b="0" i="0" u="none" strike="noStrike" cap="none" normalizeH="0" baseline="0" dirty="0">
+                  <a:ln>
+                    <a:noFill/>
+                  </a:ln>
+                  <a:solidFill>
+                    <a:schemeClr val="tx1"/>
+                  </a:solidFill>
+                  <a:effectLst/>
+                  <a:latin typeface="Arial" charset="0"/>
+                  <a:ea typeface="新細明體" charset="-120"/>
+                </a:rPr>
+                <a:t>3</a:t>
+              </a:r>
+              <a:endParaRPr kumimoji="1" lang="zh-TW" altLang="en-US" sz="1800" b="0" i="0" u="none" strike="noStrike" cap="none" normalizeH="0" baseline="0" dirty="0">
+                <a:ln>
+                  <a:noFill/>
+                </a:ln>
+                <a:solidFill>
+                  <a:schemeClr val="tx1"/>
+                </a:solidFill>
+                <a:effectLst/>
+                <a:latin typeface="Arial" charset="0"/>
+                <a:ea typeface="新細明體" charset="-120"/>
+              </a:endParaRPr>
+            </a:p>
+          </p:txBody>
+        </p:sp>
+      </p:grpSp>
+      <p:sp>
+        <p:nvSpPr>
+          <p:cNvPr id="107" name="文字方塊 106">
+            <a:extLst>
+              <a:ext uri="{FF2B5EF4-FFF2-40B4-BE49-F238E27FC236}">
+                <a16:creationId xmlns:a16="http://schemas.microsoft.com/office/drawing/2014/main" id="{202CD588-1263-95C9-D8D7-798FDF34C045}"/>
+              </a:ext>
+            </a:extLst>
+          </p:cNvPr>
+          <p:cNvSpPr txBox="1"/>
+          <p:nvPr/>
+        </p:nvSpPr>
+        <p:spPr>
+          <a:xfrm>
+            <a:off x="6085558" y="3716631"/>
+            <a:ext cx="3058442" cy="369332"/>
+          </a:xfrm>
+          <a:prstGeom prst="rect">
+            <a:avLst/>
+          </a:prstGeom>
+          <a:noFill/>
+        </p:spPr>
+        <p:txBody>
+          <a:bodyPr wrap="square">
+            <a:spAutoFit/>
+          </a:bodyPr>
+          <a:lstStyle/>
+          <a:p>
+            <a:pPr algn="ctr"/>
+            <a:r>
+              <a:rPr lang="en-US" altLang="zh-TW" dirty="0"/>
+              <a:t>15-11=4 but 1111–1011 = 1</a:t>
+            </a:r>
+            <a:endParaRPr lang="zh-TW" altLang="en-US" dirty="0"/>
+          </a:p>
+        </p:txBody>
+      </p:sp>
+      <p:cxnSp>
+        <p:nvCxnSpPr>
+          <p:cNvPr id="108" name="直線單箭頭接點 107">
+            <a:extLst>
+              <a:ext uri="{FF2B5EF4-FFF2-40B4-BE49-F238E27FC236}">
+                <a16:creationId xmlns:a16="http://schemas.microsoft.com/office/drawing/2014/main" id="{C6FDA08A-82CF-5DBC-CA5F-E24846D34A4A}"/>
+              </a:ext>
+            </a:extLst>
+          </p:cNvPr>
+          <p:cNvCxnSpPr>
+            <a:cxnSpLocks/>
+            <a:stCxn id="97" idx="2"/>
+            <a:endCxn id="107" idx="0"/>
+          </p:cNvCxnSpPr>
+          <p:nvPr/>
+        </p:nvCxnSpPr>
+        <p:spPr bwMode="auto">
+          <a:xfrm>
+            <a:off x="7612332" y="3323463"/>
+            <a:ext cx="2447" cy="393168"/>
+          </a:xfrm>
+          <a:prstGeom prst="straightConnector1">
+            <a:avLst/>
+          </a:prstGeom>
+          <a:noFill/>
+          <a:ln w="38100" cap="flat" cmpd="sng" algn="ctr">
+            <a:solidFill>
+              <a:schemeClr val="tx1"/>
+            </a:solidFill>
+            <a:prstDash val="solid"/>
+            <a:round/>
+            <a:headEnd type="none" w="med" len="med"/>
+            <a:tailEnd type="triangle"/>
+          </a:ln>
+          <a:effectLst/>
+        </p:spPr>
+      </p:cxnSp>
+      <p:cxnSp>
+        <p:nvCxnSpPr>
+          <p:cNvPr id="111" name="直線單箭頭接點 110">
+            <a:extLst>
+              <a:ext uri="{FF2B5EF4-FFF2-40B4-BE49-F238E27FC236}">
+                <a16:creationId xmlns:a16="http://schemas.microsoft.com/office/drawing/2014/main" id="{96704E7F-5307-86EB-8410-DF5DAE6A92E2}"/>
+              </a:ext>
+            </a:extLst>
+          </p:cNvPr>
+          <p:cNvCxnSpPr>
+            <a:cxnSpLocks/>
+            <a:stCxn id="107" idx="2"/>
+            <a:endCxn id="114" idx="0"/>
+          </p:cNvCxnSpPr>
+          <p:nvPr/>
+        </p:nvCxnSpPr>
+        <p:spPr bwMode="auto">
+          <a:xfrm>
+            <a:off x="7614779" y="4085963"/>
+            <a:ext cx="0" cy="452061"/>
+          </a:xfrm>
+          <a:prstGeom prst="straightConnector1">
+            <a:avLst/>
+          </a:prstGeom>
+          <a:noFill/>
+          <a:ln w="38100" cap="flat" cmpd="sng" algn="ctr">
+            <a:solidFill>
+              <a:schemeClr val="tx1"/>
+            </a:solidFill>
+            <a:prstDash val="solid"/>
+            <a:round/>
+            <a:headEnd type="none" w="med" len="med"/>
+            <a:tailEnd type="triangle"/>
+          </a:ln>
+          <a:effectLst/>
+        </p:spPr>
+      </p:cxnSp>
+      <p:sp>
+        <p:nvSpPr>
+          <p:cNvPr id="114" name="文字方塊 113">
+            <a:extLst>
+              <a:ext uri="{FF2B5EF4-FFF2-40B4-BE49-F238E27FC236}">
+                <a16:creationId xmlns:a16="http://schemas.microsoft.com/office/drawing/2014/main" id="{DD5E191D-9DA5-39C4-ED20-DDB4547F5DE3}"/>
+              </a:ext>
+            </a:extLst>
+          </p:cNvPr>
+          <p:cNvSpPr txBox="1"/>
+          <p:nvPr/>
+        </p:nvSpPr>
+        <p:spPr>
+          <a:xfrm>
+            <a:off x="6085558" y="4538024"/>
+            <a:ext cx="3058442" cy="369332"/>
+          </a:xfrm>
+          <a:prstGeom prst="rect">
+            <a:avLst/>
+          </a:prstGeom>
+          <a:noFill/>
+        </p:spPr>
+        <p:txBody>
+          <a:bodyPr wrap="square">
+            <a:spAutoFit/>
+          </a:bodyPr>
+          <a:lstStyle/>
+          <a:p>
+            <a:pPr algn="ctr"/>
+            <a:r>
+              <a:rPr lang="en-US" altLang="zh-TW" b="1" dirty="0"/>
+              <a:t>Thermometer code</a:t>
+            </a:r>
+            <a:endParaRPr lang="zh-TW" altLang="en-US" b="1" dirty="0"/>
+          </a:p>
+        </p:txBody>
+      </p:sp>
+      <p:sp>
+        <p:nvSpPr>
+          <p:cNvPr id="122" name="文字方塊 121">
+            <a:extLst>
+              <a:ext uri="{FF2B5EF4-FFF2-40B4-BE49-F238E27FC236}">
+                <a16:creationId xmlns:a16="http://schemas.microsoft.com/office/drawing/2014/main" id="{CD282273-F489-DE31-D262-406E7B601EDB}"/>
+              </a:ext>
+            </a:extLst>
+          </p:cNvPr>
+          <p:cNvSpPr txBox="1"/>
+          <p:nvPr/>
+        </p:nvSpPr>
+        <p:spPr>
+          <a:xfrm>
+            <a:off x="6760202" y="4976026"/>
+            <a:ext cx="1666240" cy="923330"/>
+          </a:xfrm>
+          <a:prstGeom prst="rect">
+            <a:avLst/>
+          </a:prstGeom>
+          <a:noFill/>
+        </p:spPr>
+        <p:txBody>
+          <a:bodyPr wrap="square">
+            <a:spAutoFit/>
+          </a:bodyPr>
+          <a:lstStyle/>
+          <a:p>
+            <a:pPr algn="ctr"/>
+            <a:r>
+              <a:rPr lang="en-US" altLang="zh-TW" dirty="0"/>
+              <a:t>0 -&gt; 00000000</a:t>
+            </a:r>
+          </a:p>
+          <a:p>
+            <a:pPr algn="ctr"/>
+            <a:r>
+              <a:rPr lang="en-US" altLang="zh-TW" dirty="0"/>
+              <a:t>3 -&gt; 00000111</a:t>
+            </a:r>
+          </a:p>
+          <a:p>
+            <a:pPr algn="ctr"/>
+            <a:r>
+              <a:rPr lang="en-US" altLang="zh-TW" dirty="0"/>
+              <a:t>5 -&gt; 00011111</a:t>
+            </a:r>
             <a:endParaRPr lang="zh-TW" altLang="en-US" dirty="0"/>
           </a:p>
         </p:txBody>
@@ -36408,110 +40319,6 @@
     <p:extLst>
       <p:ext uri="{BB962C8B-B14F-4D97-AF65-F5344CB8AC3E}">
         <p14:creationId xmlns:p14="http://schemas.microsoft.com/office/powerpoint/2010/main" val="448533824"/>
-      </p:ext>
-    </p:extLst>
-  </p:cSld>
-  <p:clrMapOvr>
-    <a:masterClrMapping/>
-  </p:clrMapOvr>
-</p:sld>
-</file>
-
-<file path=ppt/slides/slide9.xml><?xml version="1.0" encoding="utf-8"?>
-<p:sld xmlns:a="http://schemas.openxmlformats.org/drawingml/2006/main" xmlns:r="http://schemas.openxmlformats.org/officeDocument/2006/relationships" xmlns:p="http://schemas.openxmlformats.org/presentationml/2006/main">
-  <p:cSld>
-    <p:spTree>
-      <p:nvGrpSpPr>
-        <p:cNvPr id="1" name="">
-          <a:extLst>
-            <a:ext uri="{FF2B5EF4-FFF2-40B4-BE49-F238E27FC236}">
-              <a16:creationId xmlns:a16="http://schemas.microsoft.com/office/drawing/2014/main" id="{DDC8BCDB-32BD-0FB5-102A-754B85AAE1C1}"/>
-            </a:ext>
-          </a:extLst>
-        </p:cNvPr>
-        <p:cNvGrpSpPr/>
-        <p:nvPr/>
-      </p:nvGrpSpPr>
-      <p:grpSpPr>
-        <a:xfrm>
-          <a:off x="0" y="0"/>
-          <a:ext cx="0" cy="0"/>
-          <a:chOff x="0" y="0"/>
-          <a:chExt cx="0" cy="0"/>
-        </a:xfrm>
-      </p:grpSpPr>
-      <p:sp>
-        <p:nvSpPr>
-          <p:cNvPr id="2" name="標題 1">
-            <a:extLst>
-              <a:ext uri="{FF2B5EF4-FFF2-40B4-BE49-F238E27FC236}">
-                <a16:creationId xmlns:a16="http://schemas.microsoft.com/office/drawing/2014/main" id="{FFBC242B-EB01-8ABA-E1A3-8CEEC0373620}"/>
-              </a:ext>
-            </a:extLst>
-          </p:cNvPr>
-          <p:cNvSpPr>
-            <a:spLocks noGrp="1"/>
-          </p:cNvSpPr>
-          <p:nvPr>
-            <p:ph type="title"/>
-          </p:nvPr>
-        </p:nvSpPr>
-        <p:spPr/>
-        <p:txBody>
-          <a:bodyPr/>
-          <a:lstStyle/>
-          <a:p>
-            <a:r>
-              <a:rPr lang="en-US" altLang="zh-TW" dirty="0"/>
-              <a:t>Problems of Best-Match TCAM</a:t>
-            </a:r>
-            <a:endParaRPr lang="zh-TW" altLang="en-US" dirty="0"/>
-          </a:p>
-        </p:txBody>
-      </p:sp>
-      <p:sp>
-        <p:nvSpPr>
-          <p:cNvPr id="3" name="內容版面配置區 2">
-            <a:extLst>
-              <a:ext uri="{FF2B5EF4-FFF2-40B4-BE49-F238E27FC236}">
-                <a16:creationId xmlns:a16="http://schemas.microsoft.com/office/drawing/2014/main" id="{2E06B901-649B-81E2-6392-AE50F59BB6EB}"/>
-              </a:ext>
-            </a:extLst>
-          </p:cNvPr>
-          <p:cNvSpPr>
-            <a:spLocks noGrp="1"/>
-          </p:cNvSpPr>
-          <p:nvPr>
-            <p:ph idx="1"/>
-          </p:nvPr>
-        </p:nvSpPr>
-        <p:spPr/>
-        <p:txBody>
-          <a:bodyPr/>
-          <a:lstStyle/>
-          <a:p>
-            <a:r>
-              <a:rPr lang="en-US" altLang="zh-TW" dirty="0"/>
-              <a:t>Analog non-idealities</a:t>
-            </a:r>
-          </a:p>
-          <a:p>
-            <a:pPr lvl="1"/>
-            <a:r>
-              <a:rPr lang="en-US" altLang="zh-TW" dirty="0"/>
-              <a:t>Noise-resistant training</a:t>
-            </a:r>
-          </a:p>
-          <a:p>
-            <a:pPr lvl="1"/>
-            <a:endParaRPr lang="zh-TW" altLang="en-US" dirty="0"/>
-          </a:p>
-        </p:txBody>
-      </p:sp>
-    </p:spTree>
-    <p:extLst>
-      <p:ext uri="{BB962C8B-B14F-4D97-AF65-F5344CB8AC3E}">
-        <p14:creationId xmlns:p14="http://schemas.microsoft.com/office/powerpoint/2010/main" val="2553953991"/>
       </p:ext>
     </p:extLst>
   </p:cSld>

--- a/IMS_NEW.pptx
+++ b/IMS_NEW.pptx
@@ -11,10 +11,10 @@
     <p:sldMasterId id="2147483718" r:id="rId7"/>
   </p:sldMasterIdLst>
   <p:notesMasterIdLst>
-    <p:notesMasterId r:id="rId18"/>
+    <p:notesMasterId r:id="rId19"/>
   </p:notesMasterIdLst>
   <p:handoutMasterIdLst>
-    <p:handoutMasterId r:id="rId19"/>
+    <p:handoutMasterId r:id="rId20"/>
   </p:handoutMasterIdLst>
   <p:sldIdLst>
     <p:sldId id="256" r:id="rId8"/>
@@ -27,6 +27,7 @@
     <p:sldId id="262" r:id="rId15"/>
     <p:sldId id="263" r:id="rId16"/>
     <p:sldId id="264" r:id="rId17"/>
+    <p:sldId id="266" r:id="rId18"/>
   </p:sldIdLst>
   <p:sldSz cx="9144000" cy="6858000" type="screen4x3"/>
   <p:notesSz cx="9874250" cy="6797675"/>
@@ -226,7 +227,7 @@
           <a:p>
             <a:fld id="{FE9F37E1-976C-4D68-AAA1-E18BCAC423B3}" type="datetimeFigureOut">
               <a:rPr lang="zh-TW" altLang="en-US" smtClean="0"/>
-              <a:t>2025/3/12</a:t>
+              <a:t>2025/3/18</a:t>
             </a:fld>
             <a:endParaRPr lang="zh-TW" altLang="en-US"/>
           </a:p>
@@ -391,7 +392,7 @@
           <a:p>
             <a:fld id="{6F765A04-DEC0-490E-BE54-AD23B90E8F9F}" type="datetimeFigureOut">
               <a:rPr lang="zh-TW" altLang="en-US" smtClean="0"/>
-              <a:t>2025/3/12</a:t>
+              <a:t>2025/3/18</a:t>
             </a:fld>
             <a:endParaRPr lang="zh-TW" altLang="en-US"/>
           </a:p>
@@ -1150,6 +1151,114 @@
 </p:notes>
 </file>
 
+<file path=ppt/notesSlides/notesSlide6.xml><?xml version="1.0" encoding="utf-8"?>
+<p:notes xmlns:a="http://schemas.openxmlformats.org/drawingml/2006/main" xmlns:r="http://schemas.openxmlformats.org/officeDocument/2006/relationships" xmlns:p="http://schemas.openxmlformats.org/presentationml/2006/main">
+  <p:cSld>
+    <p:spTree>
+      <p:nvGrpSpPr>
+        <p:cNvPr id="1" name="">
+          <a:extLst>
+            <a:ext uri="{FF2B5EF4-FFF2-40B4-BE49-F238E27FC236}">
+              <a16:creationId xmlns:a16="http://schemas.microsoft.com/office/drawing/2014/main" id="{F098EBEB-EDFF-CEBA-08D9-863097DCDB89}"/>
+            </a:ext>
+          </a:extLst>
+        </p:cNvPr>
+        <p:cNvGrpSpPr/>
+        <p:nvPr/>
+      </p:nvGrpSpPr>
+      <p:grpSpPr>
+        <a:xfrm>
+          <a:off x="0" y="0"/>
+          <a:ext cx="0" cy="0"/>
+          <a:chOff x="0" y="0"/>
+          <a:chExt cx="0" cy="0"/>
+        </a:xfrm>
+      </p:grpSpPr>
+      <p:sp>
+        <p:nvSpPr>
+          <p:cNvPr id="2" name="投影片影像版面配置區 1">
+            <a:extLst>
+              <a:ext uri="{FF2B5EF4-FFF2-40B4-BE49-F238E27FC236}">
+                <a16:creationId xmlns:a16="http://schemas.microsoft.com/office/drawing/2014/main" id="{89A0F6A0-BDC7-B757-6487-E6B2E306C4A7}"/>
+              </a:ext>
+            </a:extLst>
+          </p:cNvPr>
+          <p:cNvSpPr>
+            <a:spLocks noGrp="1" noRot="1" noChangeAspect="1"/>
+          </p:cNvSpPr>
+          <p:nvPr>
+            <p:ph type="sldImg"/>
+          </p:nvPr>
+        </p:nvSpPr>
+        <p:spPr/>
+      </p:sp>
+      <p:sp>
+        <p:nvSpPr>
+          <p:cNvPr id="3" name="備忘稿版面配置區 2">
+            <a:extLst>
+              <a:ext uri="{FF2B5EF4-FFF2-40B4-BE49-F238E27FC236}">
+                <a16:creationId xmlns:a16="http://schemas.microsoft.com/office/drawing/2014/main" id="{25E36E35-892F-7B7B-89E8-4070A1933BE4}"/>
+              </a:ext>
+            </a:extLst>
+          </p:cNvPr>
+          <p:cNvSpPr>
+            <a:spLocks noGrp="1"/>
+          </p:cNvSpPr>
+          <p:nvPr>
+            <p:ph type="body" idx="1"/>
+          </p:nvPr>
+        </p:nvSpPr>
+        <p:spPr/>
+        <p:txBody>
+          <a:bodyPr/>
+          <a:lstStyle/>
+          <a:p>
+            <a:endParaRPr lang="zh-TW" altLang="en-US" dirty="0"/>
+          </a:p>
+        </p:txBody>
+      </p:sp>
+      <p:sp>
+        <p:nvSpPr>
+          <p:cNvPr id="4" name="投影片編號版面配置區 3">
+            <a:extLst>
+              <a:ext uri="{FF2B5EF4-FFF2-40B4-BE49-F238E27FC236}">
+                <a16:creationId xmlns:a16="http://schemas.microsoft.com/office/drawing/2014/main" id="{48525087-C0F3-5AD7-1770-05572A8D1687}"/>
+              </a:ext>
+            </a:extLst>
+          </p:cNvPr>
+          <p:cNvSpPr>
+            <a:spLocks noGrp="1"/>
+          </p:cNvSpPr>
+          <p:nvPr>
+            <p:ph type="sldNum" sz="quarter" idx="5"/>
+          </p:nvPr>
+        </p:nvSpPr>
+        <p:spPr/>
+        <p:txBody>
+          <a:bodyPr/>
+          <a:lstStyle/>
+          <a:p>
+            <a:fld id="{A390520D-9A8A-4E05-BB16-8C1AC1960EEA}" type="slidenum">
+              <a:rPr lang="zh-TW" altLang="en-US" smtClean="0"/>
+              <a:t>11</a:t>
+            </a:fld>
+            <a:endParaRPr lang="zh-TW" altLang="en-US"/>
+          </a:p>
+        </p:txBody>
+      </p:sp>
+    </p:spTree>
+    <p:extLst>
+      <p:ext uri="{BB962C8B-B14F-4D97-AF65-F5344CB8AC3E}">
+        <p14:creationId xmlns:p14="http://schemas.microsoft.com/office/powerpoint/2010/main" val="3438632442"/>
+      </p:ext>
+    </p:extLst>
+  </p:cSld>
+  <p:clrMapOvr>
+    <a:masterClrMapping/>
+  </p:clrMapOvr>
+</p:notes>
+</file>
+
 <file path=ppt/slideLayouts/slideLayout1.xml><?xml version="1.0" encoding="utf-8"?>
 <p:sldLayout xmlns:a="http://schemas.openxmlformats.org/drawingml/2006/main" xmlns:r="http://schemas.openxmlformats.org/officeDocument/2006/relationships" xmlns:p="http://schemas.openxmlformats.org/presentationml/2006/main" showMasterSp="0" type="title" preserve="1">
   <p:cSld name="標題投影片">
@@ -1199,7 +1308,7 @@
           </a:ln>
           <a:extLst>
             <a:ext uri="{91240B29-F687-4f45-9708-019B960494DF}">
-              <a14:hiddenLine xmlns:a14="http://schemas.microsoft.com/office/drawing/2010/main" xmlns="" w="9525">
+              <a14:hiddenLine xmlns="" xmlns:a14="http://schemas.microsoft.com/office/drawing/2010/main" w="9525">
                 <a:solidFill>
                   <a:srgbClr val="000000"/>
                 </a:solidFill>
@@ -1253,14 +1362,14 @@
           </a:ln>
           <a:extLst>
             <a:ext uri="{909E8E84-426E-40dd-AFC4-6F175D3DCCD1}">
-              <a14:hiddenFill xmlns:a14="http://schemas.microsoft.com/office/drawing/2010/main" xmlns="">
+              <a14:hiddenFill xmlns="" xmlns:a14="http://schemas.microsoft.com/office/drawing/2010/main">
                 <a:solidFill>
                   <a:srgbClr val="FFFFFF"/>
                 </a:solidFill>
               </a14:hiddenFill>
             </a:ext>
             <a:ext uri="{91240B29-F687-4f45-9708-019B960494DF}">
-              <a14:hiddenLine xmlns:a14="http://schemas.microsoft.com/office/drawing/2010/main" xmlns="" w="9525">
+              <a14:hiddenLine xmlns="" xmlns:a14="http://schemas.microsoft.com/office/drawing/2010/main" w="9525">
                 <a:solidFill>
                   <a:srgbClr val="000000"/>
                 </a:solidFill>
@@ -1296,7 +1405,7 @@
           </a:ln>
           <a:extLst>
             <a:ext uri="{91240B29-F687-4f45-9708-019B960494DF}">
-              <a14:hiddenLine xmlns:a14="http://schemas.microsoft.com/office/drawing/2010/main" xmlns="" w="9525">
+              <a14:hiddenLine xmlns="" xmlns:a14="http://schemas.microsoft.com/office/drawing/2010/main" w="9525">
                 <a:solidFill>
                   <a:srgbClr val="000000"/>
                 </a:solidFill>
@@ -1612,7 +1721,7 @@
           </a:ln>
           <a:extLst>
             <a:ext uri="{91240B29-F687-4f45-9708-019B960494DF}">
-              <a14:hiddenLine xmlns:a14="http://schemas.microsoft.com/office/drawing/2010/main" xmlns="" w="9525">
+              <a14:hiddenLine xmlns="" xmlns:a14="http://schemas.microsoft.com/office/drawing/2010/main" w="9525">
                 <a:solidFill>
                   <a:srgbClr val="000000"/>
                 </a:solidFill>
@@ -1663,7 +1772,7 @@
           </a:ln>
           <a:extLst>
             <a:ext uri="{91240B29-F687-4f45-9708-019B960494DF}">
-              <a14:hiddenLine xmlns:a14="http://schemas.microsoft.com/office/drawing/2010/main" xmlns="" w="9525">
+              <a14:hiddenLine xmlns="" xmlns:a14="http://schemas.microsoft.com/office/drawing/2010/main" w="9525">
                 <a:solidFill>
                   <a:srgbClr val="000000"/>
                 </a:solidFill>
@@ -12893,7 +13002,7 @@
           </a:ln>
           <a:extLst>
             <a:ext uri="{91240B29-F687-4f45-9708-019B960494DF}">
-              <a14:hiddenLine xmlns:a14="http://schemas.microsoft.com/office/drawing/2010/main" xmlns="" w="9525">
+              <a14:hiddenLine xmlns="" xmlns:a14="http://schemas.microsoft.com/office/drawing/2010/main" w="9525">
                 <a:solidFill>
                   <a:srgbClr val="000000"/>
                 </a:solidFill>
@@ -13222,14 +13331,14 @@
           </a:ln>
           <a:extLst>
             <a:ext uri="{909E8E84-426E-40dd-AFC4-6F175D3DCCD1}">
-              <a14:hiddenFill xmlns:a14="http://schemas.microsoft.com/office/drawing/2010/main" xmlns="">
+              <a14:hiddenFill xmlns="" xmlns:a14="http://schemas.microsoft.com/office/drawing/2010/main">
                 <a:solidFill>
                   <a:srgbClr val="FFFFFF"/>
                 </a:solidFill>
               </a14:hiddenFill>
             </a:ext>
             <a:ext uri="{91240B29-F687-4f45-9708-019B960494DF}">
-              <a14:hiddenLine xmlns:a14="http://schemas.microsoft.com/office/drawing/2010/main" xmlns="" w="9525">
+              <a14:hiddenLine xmlns="" xmlns:a14="http://schemas.microsoft.com/office/drawing/2010/main" w="9525">
                 <a:solidFill>
                   <a:srgbClr val="000000"/>
                 </a:solidFill>
@@ -13305,14 +13414,14 @@
           </a:ln>
           <a:extLst>
             <a:ext uri="{909E8E84-426E-40dd-AFC4-6F175D3DCCD1}">
-              <a14:hiddenFill xmlns:a14="http://schemas.microsoft.com/office/drawing/2010/main" xmlns="">
+              <a14:hiddenFill xmlns="" xmlns:a14="http://schemas.microsoft.com/office/drawing/2010/main">
                 <a:solidFill>
                   <a:srgbClr val="FFFFFF"/>
                 </a:solidFill>
               </a14:hiddenFill>
             </a:ext>
             <a:ext uri="{91240B29-F687-4f45-9708-019B960494DF}">
-              <a14:hiddenLine xmlns:a14="http://schemas.microsoft.com/office/drawing/2010/main" xmlns="" w="9525">
+              <a14:hiddenLine xmlns="" xmlns:a14="http://schemas.microsoft.com/office/drawing/2010/main" w="9525">
                 <a:solidFill>
                   <a:srgbClr val="000000"/>
                 </a:solidFill>
@@ -13383,14 +13492,14 @@
           </a:ln>
           <a:extLst>
             <a:ext uri="{909E8E84-426E-40dd-AFC4-6F175D3DCCD1}">
-              <a14:hiddenFill xmlns:a14="http://schemas.microsoft.com/office/drawing/2010/main" xmlns="">
+              <a14:hiddenFill xmlns="" xmlns:a14="http://schemas.microsoft.com/office/drawing/2010/main">
                 <a:solidFill>
                   <a:srgbClr val="FFFFFF"/>
                 </a:solidFill>
               </a14:hiddenFill>
             </a:ext>
             <a:ext uri="{91240B29-F687-4f45-9708-019B960494DF}">
-              <a14:hiddenLine xmlns:a14="http://schemas.microsoft.com/office/drawing/2010/main" xmlns="" w="9525">
+              <a14:hiddenLine xmlns="" xmlns:a14="http://schemas.microsoft.com/office/drawing/2010/main" w="9525">
                 <a:solidFill>
                   <a:srgbClr val="000000"/>
                 </a:solidFill>
@@ -13453,7 +13562,7 @@
           </a:ln>
           <a:extLst>
             <a:ext uri="{91240B29-F687-4f45-9708-019B960494DF}">
-              <a14:hiddenLine xmlns:a14="http://schemas.microsoft.com/office/drawing/2010/main" xmlns="" w="9525">
+              <a14:hiddenLine xmlns="" xmlns:a14="http://schemas.microsoft.com/office/drawing/2010/main" w="9525">
                 <a:solidFill>
                   <a:srgbClr val="000000"/>
                 </a:solidFill>
@@ -21057,6 +21166,1449 @@
           <a:p>
             <a:pPr lvl="1"/>
             <a:r>
+              <a:rPr lang="en-US" altLang="zh-TW" dirty="0"/>
+              <a:t>Noise of storage elements accumulates</a:t>
+            </a:r>
+          </a:p>
+          <a:p>
+            <a:pPr lvl="1"/>
+            <a:r>
+              <a:rPr lang="en-US" altLang="zh-TW" dirty="0"/>
+              <a:t>Parasitic effects of Match-Line</a:t>
+            </a:r>
+            <a:endParaRPr lang="zh-TW" altLang="en-US" dirty="0"/>
+          </a:p>
+        </p:txBody>
+      </p:sp>
+      <p:grpSp>
+        <p:nvGrpSpPr>
+          <p:cNvPr id="74" name="群組 73">
+            <a:extLst>
+              <a:ext uri="{FF2B5EF4-FFF2-40B4-BE49-F238E27FC236}">
+                <a16:creationId xmlns:a16="http://schemas.microsoft.com/office/drawing/2014/main" id="{CDB48C4A-E43F-9E25-5F2B-B147D0EF0281}"/>
+              </a:ext>
+            </a:extLst>
+          </p:cNvPr>
+          <p:cNvGrpSpPr/>
+          <p:nvPr/>
+        </p:nvGrpSpPr>
+        <p:grpSpPr>
+          <a:xfrm>
+            <a:off x="381000" y="3068960"/>
+            <a:ext cx="3428439" cy="2872366"/>
+            <a:chOff x="381000" y="3068960"/>
+            <a:chExt cx="3428439" cy="2872366"/>
+          </a:xfrm>
+        </p:grpSpPr>
+        <p:pic>
+          <p:nvPicPr>
+            <p:cNvPr id="16" name="圖片 15">
+              <a:extLst>
+                <a:ext uri="{FF2B5EF4-FFF2-40B4-BE49-F238E27FC236}">
+                  <a16:creationId xmlns:a16="http://schemas.microsoft.com/office/drawing/2014/main" id="{428AFC0F-8EA9-AF72-5429-0335A994C2D6}"/>
+                </a:ext>
+              </a:extLst>
+            </p:cNvPr>
+            <p:cNvPicPr>
+              <a:picLocks noChangeAspect="1"/>
+            </p:cNvPicPr>
+            <p:nvPr/>
+          </p:nvPicPr>
+          <p:blipFill>
+            <a:blip r:embed="rId3"/>
+            <a:stretch>
+              <a:fillRect/>
+            </a:stretch>
+          </p:blipFill>
+          <p:spPr>
+            <a:xfrm>
+              <a:off x="381000" y="3068960"/>
+              <a:ext cx="2304256" cy="2872366"/>
+            </a:xfrm>
+            <a:prstGeom prst="rect">
+              <a:avLst/>
+            </a:prstGeom>
+          </p:spPr>
+        </p:pic>
+        <p:grpSp>
+          <p:nvGrpSpPr>
+            <p:cNvPr id="35" name="群組 34">
+              <a:extLst>
+                <a:ext uri="{FF2B5EF4-FFF2-40B4-BE49-F238E27FC236}">
+                  <a16:creationId xmlns:a16="http://schemas.microsoft.com/office/drawing/2014/main" id="{FE3FF44D-7B8B-CD98-7440-2C2A1E504C55}"/>
+                </a:ext>
+              </a:extLst>
+            </p:cNvPr>
+            <p:cNvGrpSpPr/>
+            <p:nvPr/>
+          </p:nvGrpSpPr>
+          <p:grpSpPr>
+            <a:xfrm>
+              <a:off x="2541241" y="3541026"/>
+              <a:ext cx="504052" cy="535673"/>
+              <a:chOff x="3419873" y="3613034"/>
+              <a:chExt cx="504052" cy="535673"/>
+            </a:xfrm>
+          </p:grpSpPr>
+          <p:sp>
+            <p:nvSpPr>
+              <p:cNvPr id="17" name="橢圓 16">
+                <a:extLst>
+                  <a:ext uri="{FF2B5EF4-FFF2-40B4-BE49-F238E27FC236}">
+                    <a16:creationId xmlns:a16="http://schemas.microsoft.com/office/drawing/2014/main" id="{3415E87A-0B21-E272-6C62-E5B910388221}"/>
+                  </a:ext>
+                </a:extLst>
+              </p:cNvPr>
+              <p:cNvSpPr/>
+              <p:nvPr/>
+            </p:nvSpPr>
+            <p:spPr bwMode="auto">
+              <a:xfrm>
+                <a:off x="3563888" y="3716660"/>
+                <a:ext cx="360037" cy="360040"/>
+              </a:xfrm>
+              <a:prstGeom prst="ellipse">
+                <a:avLst/>
+              </a:prstGeom>
+              <a:noFill/>
+              <a:ln w="28575" cap="flat" cmpd="sng" algn="ctr">
+                <a:solidFill>
+                  <a:srgbClr val="FF0000"/>
+                </a:solidFill>
+                <a:prstDash val="solid"/>
+                <a:round/>
+                <a:headEnd type="none" w="med" len="med"/>
+                <a:tailEnd type="triangle" w="med" len="med"/>
+              </a:ln>
+              <a:effectLst/>
+            </p:spPr>
+            <p:txBody>
+              <a:bodyPr vert="horz" wrap="square" lIns="91440" tIns="45720" rIns="91440" bIns="45720" numCol="1" rtlCol="0" anchor="t" anchorCtr="0" compatLnSpc="1">
+                <a:prstTxWarp prst="textNoShape">
+                  <a:avLst/>
+                </a:prstTxWarp>
+              </a:bodyPr>
+              <a:lstStyle/>
+              <a:p>
+                <a:pPr marL="0" marR="0" indent="0" algn="l" defTabSz="914400" rtl="0" eaLnBrk="1" fontAlgn="base" latinLnBrk="0" hangingPunct="1">
+                  <a:lnSpc>
+                    <a:spcPct val="100000"/>
+                  </a:lnSpc>
+                  <a:spcBef>
+                    <a:spcPct val="0"/>
+                  </a:spcBef>
+                  <a:spcAft>
+                    <a:spcPct val="0"/>
+                  </a:spcAft>
+                  <a:buClrTx/>
+                  <a:buSzTx/>
+                  <a:buFontTx/>
+                  <a:buNone/>
+                  <a:tabLst/>
+                </a:pPr>
+                <a:endParaRPr kumimoji="1" lang="zh-TW" altLang="en-US" sz="1800" b="0" i="0" u="none" strike="noStrike" cap="none" normalizeH="0" baseline="0">
+                  <a:ln>
+                    <a:noFill/>
+                  </a:ln>
+                  <a:solidFill>
+                    <a:schemeClr val="tx1"/>
+                  </a:solidFill>
+                  <a:effectLst/>
+                  <a:latin typeface="Arial" charset="0"/>
+                  <a:ea typeface="新細明體" charset="-120"/>
+                </a:endParaRPr>
+              </a:p>
+            </p:txBody>
+          </p:sp>
+          <p:cxnSp>
+            <p:nvCxnSpPr>
+              <p:cNvPr id="19" name="直線單箭頭接點 18">
+                <a:extLst>
+                  <a:ext uri="{FF2B5EF4-FFF2-40B4-BE49-F238E27FC236}">
+                    <a16:creationId xmlns:a16="http://schemas.microsoft.com/office/drawing/2014/main" id="{9AEB3634-74BC-EFBB-FFE0-11220C36AB11}"/>
+                  </a:ext>
+                </a:extLst>
+              </p:cNvPr>
+              <p:cNvCxnSpPr>
+                <a:cxnSpLocks/>
+                <a:stCxn id="17" idx="0"/>
+                <a:endCxn id="17" idx="4"/>
+              </p:cNvCxnSpPr>
+              <p:nvPr/>
+            </p:nvCxnSpPr>
+            <p:spPr bwMode="auto">
+              <a:xfrm>
+                <a:off x="3743907" y="3716660"/>
+                <a:ext cx="0" cy="360040"/>
+              </a:xfrm>
+              <a:prstGeom prst="straightConnector1">
+                <a:avLst/>
+              </a:prstGeom>
+              <a:noFill/>
+              <a:ln w="28575" cap="flat" cmpd="sng" algn="ctr">
+                <a:solidFill>
+                  <a:srgbClr val="FF0000"/>
+                </a:solidFill>
+                <a:prstDash val="solid"/>
+                <a:round/>
+                <a:headEnd type="none" w="med" len="med"/>
+                <a:tailEnd type="triangle"/>
+              </a:ln>
+              <a:effectLst/>
+            </p:spPr>
+          </p:cxnSp>
+          <p:cxnSp>
+            <p:nvCxnSpPr>
+              <p:cNvPr id="25" name="接點: 肘形 24">
+                <a:extLst>
+                  <a:ext uri="{FF2B5EF4-FFF2-40B4-BE49-F238E27FC236}">
+                    <a16:creationId xmlns:a16="http://schemas.microsoft.com/office/drawing/2014/main" id="{276862C2-45EA-A249-468C-71983C5A5305}"/>
+                  </a:ext>
+                </a:extLst>
+              </p:cNvPr>
+              <p:cNvCxnSpPr>
+                <a:cxnSpLocks/>
+                <a:stCxn id="17" idx="0"/>
+              </p:cNvCxnSpPr>
+              <p:nvPr/>
+            </p:nvCxnSpPr>
+            <p:spPr bwMode="auto">
+              <a:xfrm rot="16200000" flipV="1">
+                <a:off x="3530077" y="3502830"/>
+                <a:ext cx="103626" cy="324034"/>
+              </a:xfrm>
+              <a:prstGeom prst="bentConnector2">
+                <a:avLst/>
+              </a:prstGeom>
+              <a:noFill/>
+              <a:ln w="28575" cap="flat" cmpd="sng" algn="ctr">
+                <a:solidFill>
+                  <a:srgbClr val="FF0000"/>
+                </a:solidFill>
+                <a:prstDash val="solid"/>
+                <a:round/>
+                <a:headEnd type="none" w="med" len="med"/>
+                <a:tailEnd type="none" w="med" len="med"/>
+              </a:ln>
+              <a:effectLst/>
+            </p:spPr>
+          </p:cxnSp>
+          <p:cxnSp>
+            <p:nvCxnSpPr>
+              <p:cNvPr id="26" name="接點: 肘形 25">
+                <a:extLst>
+                  <a:ext uri="{FF2B5EF4-FFF2-40B4-BE49-F238E27FC236}">
+                    <a16:creationId xmlns:a16="http://schemas.microsoft.com/office/drawing/2014/main" id="{889306F9-F10C-6025-F415-7E75CF8C8C32}"/>
+                  </a:ext>
+                </a:extLst>
+              </p:cNvPr>
+              <p:cNvCxnSpPr>
+                <a:cxnSpLocks/>
+                <a:stCxn id="17" idx="4"/>
+              </p:cNvCxnSpPr>
+              <p:nvPr/>
+            </p:nvCxnSpPr>
+            <p:spPr bwMode="auto">
+              <a:xfrm rot="5400000">
+                <a:off x="3545887" y="3950686"/>
+                <a:ext cx="72007" cy="324035"/>
+              </a:xfrm>
+              <a:prstGeom prst="bentConnector2">
+                <a:avLst/>
+              </a:prstGeom>
+              <a:noFill/>
+              <a:ln w="28575" cap="flat" cmpd="sng" algn="ctr">
+                <a:solidFill>
+                  <a:srgbClr val="FF0000"/>
+                </a:solidFill>
+                <a:prstDash val="solid"/>
+                <a:round/>
+                <a:headEnd type="none" w="med" len="med"/>
+                <a:tailEnd type="none" w="med" len="med"/>
+              </a:ln>
+              <a:effectLst/>
+            </p:spPr>
+          </p:cxnSp>
+        </p:grpSp>
+        <p:grpSp>
+          <p:nvGrpSpPr>
+            <p:cNvPr id="36" name="群組 35">
+              <a:extLst>
+                <a:ext uri="{FF2B5EF4-FFF2-40B4-BE49-F238E27FC236}">
+                  <a16:creationId xmlns:a16="http://schemas.microsoft.com/office/drawing/2014/main" id="{3020DAFA-1D70-DFC0-4138-356161B51F3E}"/>
+                </a:ext>
+              </a:extLst>
+            </p:cNvPr>
+            <p:cNvGrpSpPr/>
+            <p:nvPr/>
+          </p:nvGrpSpPr>
+          <p:grpSpPr>
+            <a:xfrm>
+              <a:off x="2541241" y="4076699"/>
+              <a:ext cx="504052" cy="535673"/>
+              <a:chOff x="3419873" y="3613034"/>
+              <a:chExt cx="504052" cy="535673"/>
+            </a:xfrm>
+          </p:grpSpPr>
+          <p:sp>
+            <p:nvSpPr>
+              <p:cNvPr id="37" name="橢圓 36">
+                <a:extLst>
+                  <a:ext uri="{FF2B5EF4-FFF2-40B4-BE49-F238E27FC236}">
+                    <a16:creationId xmlns:a16="http://schemas.microsoft.com/office/drawing/2014/main" id="{2F3747A2-2E7E-4D08-1107-30BB2F592C2B}"/>
+                  </a:ext>
+                </a:extLst>
+              </p:cNvPr>
+              <p:cNvSpPr/>
+              <p:nvPr/>
+            </p:nvSpPr>
+            <p:spPr bwMode="auto">
+              <a:xfrm>
+                <a:off x="3563888" y="3716660"/>
+                <a:ext cx="360037" cy="360040"/>
+              </a:xfrm>
+              <a:prstGeom prst="ellipse">
+                <a:avLst/>
+              </a:prstGeom>
+              <a:noFill/>
+              <a:ln w="28575" cap="flat" cmpd="sng" algn="ctr">
+                <a:solidFill>
+                  <a:srgbClr val="FF0000"/>
+                </a:solidFill>
+                <a:prstDash val="solid"/>
+                <a:round/>
+                <a:headEnd type="none" w="med" len="med"/>
+                <a:tailEnd type="triangle" w="med" len="med"/>
+              </a:ln>
+              <a:effectLst/>
+            </p:spPr>
+            <p:txBody>
+              <a:bodyPr vert="horz" wrap="square" lIns="91440" tIns="45720" rIns="91440" bIns="45720" numCol="1" rtlCol="0" anchor="t" anchorCtr="0" compatLnSpc="1">
+                <a:prstTxWarp prst="textNoShape">
+                  <a:avLst/>
+                </a:prstTxWarp>
+              </a:bodyPr>
+              <a:lstStyle/>
+              <a:p>
+                <a:pPr marL="0" marR="0" indent="0" algn="l" defTabSz="914400" rtl="0" eaLnBrk="1" fontAlgn="base" latinLnBrk="0" hangingPunct="1">
+                  <a:lnSpc>
+                    <a:spcPct val="100000"/>
+                  </a:lnSpc>
+                  <a:spcBef>
+                    <a:spcPct val="0"/>
+                  </a:spcBef>
+                  <a:spcAft>
+                    <a:spcPct val="0"/>
+                  </a:spcAft>
+                  <a:buClrTx/>
+                  <a:buSzTx/>
+                  <a:buFontTx/>
+                  <a:buNone/>
+                  <a:tabLst/>
+                </a:pPr>
+                <a:endParaRPr kumimoji="1" lang="zh-TW" altLang="en-US" sz="1800" b="0" i="0" u="none" strike="noStrike" cap="none" normalizeH="0" baseline="0">
+                  <a:ln>
+                    <a:noFill/>
+                  </a:ln>
+                  <a:solidFill>
+                    <a:schemeClr val="tx1"/>
+                  </a:solidFill>
+                  <a:effectLst/>
+                  <a:latin typeface="Arial" charset="0"/>
+                  <a:ea typeface="新細明體" charset="-120"/>
+                </a:endParaRPr>
+              </a:p>
+            </p:txBody>
+          </p:sp>
+          <p:cxnSp>
+            <p:nvCxnSpPr>
+              <p:cNvPr id="38" name="直線單箭頭接點 37">
+                <a:extLst>
+                  <a:ext uri="{FF2B5EF4-FFF2-40B4-BE49-F238E27FC236}">
+                    <a16:creationId xmlns:a16="http://schemas.microsoft.com/office/drawing/2014/main" id="{E7229C6F-FF11-0DB5-3134-61C33468896B}"/>
+                  </a:ext>
+                </a:extLst>
+              </p:cNvPr>
+              <p:cNvCxnSpPr>
+                <a:cxnSpLocks/>
+                <a:stCxn id="37" idx="0"/>
+                <a:endCxn id="37" idx="4"/>
+              </p:cNvCxnSpPr>
+              <p:nvPr/>
+            </p:nvCxnSpPr>
+            <p:spPr bwMode="auto">
+              <a:xfrm>
+                <a:off x="3743907" y="3716660"/>
+                <a:ext cx="0" cy="360040"/>
+              </a:xfrm>
+              <a:prstGeom prst="straightConnector1">
+                <a:avLst/>
+              </a:prstGeom>
+              <a:noFill/>
+              <a:ln w="28575" cap="flat" cmpd="sng" algn="ctr">
+                <a:solidFill>
+                  <a:srgbClr val="FF0000"/>
+                </a:solidFill>
+                <a:prstDash val="solid"/>
+                <a:round/>
+                <a:headEnd type="none" w="med" len="med"/>
+                <a:tailEnd type="triangle"/>
+              </a:ln>
+              <a:effectLst/>
+            </p:spPr>
+          </p:cxnSp>
+          <p:cxnSp>
+            <p:nvCxnSpPr>
+              <p:cNvPr id="39" name="接點: 肘形 38">
+                <a:extLst>
+                  <a:ext uri="{FF2B5EF4-FFF2-40B4-BE49-F238E27FC236}">
+                    <a16:creationId xmlns:a16="http://schemas.microsoft.com/office/drawing/2014/main" id="{0CCA370E-D933-F7D0-BFF8-9A9C274A52A1}"/>
+                  </a:ext>
+                </a:extLst>
+              </p:cNvPr>
+              <p:cNvCxnSpPr>
+                <a:cxnSpLocks/>
+                <a:stCxn id="37" idx="0"/>
+              </p:cNvCxnSpPr>
+              <p:nvPr/>
+            </p:nvCxnSpPr>
+            <p:spPr bwMode="auto">
+              <a:xfrm rot="16200000" flipV="1">
+                <a:off x="3530077" y="3502830"/>
+                <a:ext cx="103626" cy="324034"/>
+              </a:xfrm>
+              <a:prstGeom prst="bentConnector2">
+                <a:avLst/>
+              </a:prstGeom>
+              <a:noFill/>
+              <a:ln w="28575" cap="flat" cmpd="sng" algn="ctr">
+                <a:solidFill>
+                  <a:srgbClr val="FF0000"/>
+                </a:solidFill>
+                <a:prstDash val="solid"/>
+                <a:round/>
+                <a:headEnd type="none" w="med" len="med"/>
+                <a:tailEnd type="none" w="med" len="med"/>
+              </a:ln>
+              <a:effectLst/>
+            </p:spPr>
+          </p:cxnSp>
+          <p:cxnSp>
+            <p:nvCxnSpPr>
+              <p:cNvPr id="40" name="接點: 肘形 39">
+                <a:extLst>
+                  <a:ext uri="{FF2B5EF4-FFF2-40B4-BE49-F238E27FC236}">
+                    <a16:creationId xmlns:a16="http://schemas.microsoft.com/office/drawing/2014/main" id="{63960873-6C9D-6307-FBCF-1580AE599DFF}"/>
+                  </a:ext>
+                </a:extLst>
+              </p:cNvPr>
+              <p:cNvCxnSpPr>
+                <a:cxnSpLocks/>
+                <a:stCxn id="37" idx="4"/>
+              </p:cNvCxnSpPr>
+              <p:nvPr/>
+            </p:nvCxnSpPr>
+            <p:spPr bwMode="auto">
+              <a:xfrm rot="5400000">
+                <a:off x="3545887" y="3950686"/>
+                <a:ext cx="72007" cy="324035"/>
+              </a:xfrm>
+              <a:prstGeom prst="bentConnector2">
+                <a:avLst/>
+              </a:prstGeom>
+              <a:noFill/>
+              <a:ln w="28575" cap="flat" cmpd="sng" algn="ctr">
+                <a:solidFill>
+                  <a:srgbClr val="FF0000"/>
+                </a:solidFill>
+                <a:prstDash val="solid"/>
+                <a:round/>
+                <a:headEnd type="none" w="med" len="med"/>
+                <a:tailEnd type="none" w="med" len="med"/>
+              </a:ln>
+              <a:effectLst/>
+            </p:spPr>
+          </p:cxnSp>
+        </p:grpSp>
+        <p:grpSp>
+          <p:nvGrpSpPr>
+            <p:cNvPr id="41" name="群組 40">
+              <a:extLst>
+                <a:ext uri="{FF2B5EF4-FFF2-40B4-BE49-F238E27FC236}">
+                  <a16:creationId xmlns:a16="http://schemas.microsoft.com/office/drawing/2014/main" id="{F62578FE-5576-0C24-A83C-0FE4025980C3}"/>
+                </a:ext>
+              </a:extLst>
+            </p:cNvPr>
+            <p:cNvGrpSpPr/>
+            <p:nvPr/>
+          </p:nvGrpSpPr>
+          <p:grpSpPr>
+            <a:xfrm>
+              <a:off x="2541240" y="4611049"/>
+              <a:ext cx="504052" cy="535673"/>
+              <a:chOff x="3419873" y="3613034"/>
+              <a:chExt cx="504052" cy="535673"/>
+            </a:xfrm>
+          </p:grpSpPr>
+          <p:sp>
+            <p:nvSpPr>
+              <p:cNvPr id="42" name="橢圓 41">
+                <a:extLst>
+                  <a:ext uri="{FF2B5EF4-FFF2-40B4-BE49-F238E27FC236}">
+                    <a16:creationId xmlns:a16="http://schemas.microsoft.com/office/drawing/2014/main" id="{E1C5E0F4-6B38-9BD7-A025-B4EFDE119BBE}"/>
+                  </a:ext>
+                </a:extLst>
+              </p:cNvPr>
+              <p:cNvSpPr/>
+              <p:nvPr/>
+            </p:nvSpPr>
+            <p:spPr bwMode="auto">
+              <a:xfrm>
+                <a:off x="3563888" y="3716660"/>
+                <a:ext cx="360037" cy="360040"/>
+              </a:xfrm>
+              <a:prstGeom prst="ellipse">
+                <a:avLst/>
+              </a:prstGeom>
+              <a:noFill/>
+              <a:ln w="28575" cap="flat" cmpd="sng" algn="ctr">
+                <a:solidFill>
+                  <a:srgbClr val="FF0000"/>
+                </a:solidFill>
+                <a:prstDash val="solid"/>
+                <a:round/>
+                <a:headEnd type="none" w="med" len="med"/>
+                <a:tailEnd type="triangle" w="med" len="med"/>
+              </a:ln>
+              <a:effectLst/>
+            </p:spPr>
+            <p:txBody>
+              <a:bodyPr vert="horz" wrap="square" lIns="91440" tIns="45720" rIns="91440" bIns="45720" numCol="1" rtlCol="0" anchor="t" anchorCtr="0" compatLnSpc="1">
+                <a:prstTxWarp prst="textNoShape">
+                  <a:avLst/>
+                </a:prstTxWarp>
+              </a:bodyPr>
+              <a:lstStyle/>
+              <a:p>
+                <a:pPr marL="0" marR="0" indent="0" algn="l" defTabSz="914400" rtl="0" eaLnBrk="1" fontAlgn="base" latinLnBrk="0" hangingPunct="1">
+                  <a:lnSpc>
+                    <a:spcPct val="100000"/>
+                  </a:lnSpc>
+                  <a:spcBef>
+                    <a:spcPct val="0"/>
+                  </a:spcBef>
+                  <a:spcAft>
+                    <a:spcPct val="0"/>
+                  </a:spcAft>
+                  <a:buClrTx/>
+                  <a:buSzTx/>
+                  <a:buFontTx/>
+                  <a:buNone/>
+                  <a:tabLst/>
+                </a:pPr>
+                <a:endParaRPr kumimoji="1" lang="zh-TW" altLang="en-US" sz="1800" b="0" i="0" u="none" strike="noStrike" cap="none" normalizeH="0" baseline="0">
+                  <a:ln>
+                    <a:noFill/>
+                  </a:ln>
+                  <a:solidFill>
+                    <a:schemeClr val="tx1"/>
+                  </a:solidFill>
+                  <a:effectLst/>
+                  <a:latin typeface="Arial" charset="0"/>
+                  <a:ea typeface="新細明體" charset="-120"/>
+                </a:endParaRPr>
+              </a:p>
+            </p:txBody>
+          </p:sp>
+          <p:cxnSp>
+            <p:nvCxnSpPr>
+              <p:cNvPr id="43" name="直線單箭頭接點 42">
+                <a:extLst>
+                  <a:ext uri="{FF2B5EF4-FFF2-40B4-BE49-F238E27FC236}">
+                    <a16:creationId xmlns:a16="http://schemas.microsoft.com/office/drawing/2014/main" id="{14E45413-3188-DF67-6368-77FD47554325}"/>
+                  </a:ext>
+                </a:extLst>
+              </p:cNvPr>
+              <p:cNvCxnSpPr>
+                <a:cxnSpLocks/>
+                <a:stCxn id="42" idx="0"/>
+                <a:endCxn id="42" idx="4"/>
+              </p:cNvCxnSpPr>
+              <p:nvPr/>
+            </p:nvCxnSpPr>
+            <p:spPr bwMode="auto">
+              <a:xfrm>
+                <a:off x="3743907" y="3716660"/>
+                <a:ext cx="0" cy="360040"/>
+              </a:xfrm>
+              <a:prstGeom prst="straightConnector1">
+                <a:avLst/>
+              </a:prstGeom>
+              <a:noFill/>
+              <a:ln w="28575" cap="flat" cmpd="sng" algn="ctr">
+                <a:solidFill>
+                  <a:srgbClr val="FF0000"/>
+                </a:solidFill>
+                <a:prstDash val="solid"/>
+                <a:round/>
+                <a:headEnd type="none" w="med" len="med"/>
+                <a:tailEnd type="triangle"/>
+              </a:ln>
+              <a:effectLst/>
+            </p:spPr>
+          </p:cxnSp>
+          <p:cxnSp>
+            <p:nvCxnSpPr>
+              <p:cNvPr id="44" name="接點: 肘形 43">
+                <a:extLst>
+                  <a:ext uri="{FF2B5EF4-FFF2-40B4-BE49-F238E27FC236}">
+                    <a16:creationId xmlns:a16="http://schemas.microsoft.com/office/drawing/2014/main" id="{64FA3C8B-FE61-11FF-1BB2-CB0A007277DC}"/>
+                  </a:ext>
+                </a:extLst>
+              </p:cNvPr>
+              <p:cNvCxnSpPr>
+                <a:cxnSpLocks/>
+                <a:stCxn id="42" idx="0"/>
+              </p:cNvCxnSpPr>
+              <p:nvPr/>
+            </p:nvCxnSpPr>
+            <p:spPr bwMode="auto">
+              <a:xfrm rot="16200000" flipV="1">
+                <a:off x="3530077" y="3502830"/>
+                <a:ext cx="103626" cy="324034"/>
+              </a:xfrm>
+              <a:prstGeom prst="bentConnector2">
+                <a:avLst/>
+              </a:prstGeom>
+              <a:noFill/>
+              <a:ln w="28575" cap="flat" cmpd="sng" algn="ctr">
+                <a:solidFill>
+                  <a:srgbClr val="FF0000"/>
+                </a:solidFill>
+                <a:prstDash val="solid"/>
+                <a:round/>
+                <a:headEnd type="none" w="med" len="med"/>
+                <a:tailEnd type="none" w="med" len="med"/>
+              </a:ln>
+              <a:effectLst/>
+            </p:spPr>
+          </p:cxnSp>
+          <p:cxnSp>
+            <p:nvCxnSpPr>
+              <p:cNvPr id="45" name="接點: 肘形 44">
+                <a:extLst>
+                  <a:ext uri="{FF2B5EF4-FFF2-40B4-BE49-F238E27FC236}">
+                    <a16:creationId xmlns:a16="http://schemas.microsoft.com/office/drawing/2014/main" id="{4A9C5237-0873-F9B6-8F3A-5D385BCF296E}"/>
+                  </a:ext>
+                </a:extLst>
+              </p:cNvPr>
+              <p:cNvCxnSpPr>
+                <a:cxnSpLocks/>
+                <a:stCxn id="42" idx="4"/>
+              </p:cNvCxnSpPr>
+              <p:nvPr/>
+            </p:nvCxnSpPr>
+            <p:spPr bwMode="auto">
+              <a:xfrm rot="5400000">
+                <a:off x="3545887" y="3950686"/>
+                <a:ext cx="72007" cy="324035"/>
+              </a:xfrm>
+              <a:prstGeom prst="bentConnector2">
+                <a:avLst/>
+              </a:prstGeom>
+              <a:noFill/>
+              <a:ln w="28575" cap="flat" cmpd="sng" algn="ctr">
+                <a:solidFill>
+                  <a:srgbClr val="FF0000"/>
+                </a:solidFill>
+                <a:prstDash val="solid"/>
+                <a:round/>
+                <a:headEnd type="none" w="med" len="med"/>
+                <a:tailEnd type="none" w="med" len="med"/>
+              </a:ln>
+              <a:effectLst/>
+            </p:spPr>
+          </p:cxnSp>
+        </p:grpSp>
+        <p:grpSp>
+          <p:nvGrpSpPr>
+            <p:cNvPr id="46" name="群組 45">
+              <a:extLst>
+                <a:ext uri="{FF2B5EF4-FFF2-40B4-BE49-F238E27FC236}">
+                  <a16:creationId xmlns:a16="http://schemas.microsoft.com/office/drawing/2014/main" id="{D8169E9F-BE8F-338E-D5BE-81A646FB2452}"/>
+                </a:ext>
+              </a:extLst>
+            </p:cNvPr>
+            <p:cNvGrpSpPr/>
+            <p:nvPr/>
+          </p:nvGrpSpPr>
+          <p:grpSpPr>
+            <a:xfrm>
+              <a:off x="2541240" y="5145399"/>
+              <a:ext cx="504052" cy="535673"/>
+              <a:chOff x="3419873" y="3613034"/>
+              <a:chExt cx="504052" cy="535673"/>
+            </a:xfrm>
+          </p:grpSpPr>
+          <p:sp>
+            <p:nvSpPr>
+              <p:cNvPr id="47" name="橢圓 46">
+                <a:extLst>
+                  <a:ext uri="{FF2B5EF4-FFF2-40B4-BE49-F238E27FC236}">
+                    <a16:creationId xmlns:a16="http://schemas.microsoft.com/office/drawing/2014/main" id="{CED623C6-C27A-8033-D823-140ECA912085}"/>
+                  </a:ext>
+                </a:extLst>
+              </p:cNvPr>
+              <p:cNvSpPr/>
+              <p:nvPr/>
+            </p:nvSpPr>
+            <p:spPr bwMode="auto">
+              <a:xfrm>
+                <a:off x="3563888" y="3716660"/>
+                <a:ext cx="360037" cy="360040"/>
+              </a:xfrm>
+              <a:prstGeom prst="ellipse">
+                <a:avLst/>
+              </a:prstGeom>
+              <a:noFill/>
+              <a:ln w="28575" cap="flat" cmpd="sng" algn="ctr">
+                <a:solidFill>
+                  <a:srgbClr val="FF0000"/>
+                </a:solidFill>
+                <a:prstDash val="solid"/>
+                <a:round/>
+                <a:headEnd type="none" w="med" len="med"/>
+                <a:tailEnd type="triangle" w="med" len="med"/>
+              </a:ln>
+              <a:effectLst/>
+            </p:spPr>
+            <p:txBody>
+              <a:bodyPr vert="horz" wrap="square" lIns="91440" tIns="45720" rIns="91440" bIns="45720" numCol="1" rtlCol="0" anchor="t" anchorCtr="0" compatLnSpc="1">
+                <a:prstTxWarp prst="textNoShape">
+                  <a:avLst/>
+                </a:prstTxWarp>
+              </a:bodyPr>
+              <a:lstStyle/>
+              <a:p>
+                <a:pPr marL="0" marR="0" indent="0" algn="l" defTabSz="914400" rtl="0" eaLnBrk="1" fontAlgn="base" latinLnBrk="0" hangingPunct="1">
+                  <a:lnSpc>
+                    <a:spcPct val="100000"/>
+                  </a:lnSpc>
+                  <a:spcBef>
+                    <a:spcPct val="0"/>
+                  </a:spcBef>
+                  <a:spcAft>
+                    <a:spcPct val="0"/>
+                  </a:spcAft>
+                  <a:buClrTx/>
+                  <a:buSzTx/>
+                  <a:buFontTx/>
+                  <a:buNone/>
+                  <a:tabLst/>
+                </a:pPr>
+                <a:endParaRPr kumimoji="1" lang="zh-TW" altLang="en-US" sz="1800" b="0" i="0" u="none" strike="noStrike" cap="none" normalizeH="0" baseline="0">
+                  <a:ln>
+                    <a:noFill/>
+                  </a:ln>
+                  <a:solidFill>
+                    <a:schemeClr val="tx1"/>
+                  </a:solidFill>
+                  <a:effectLst/>
+                  <a:latin typeface="Arial" charset="0"/>
+                  <a:ea typeface="新細明體" charset="-120"/>
+                </a:endParaRPr>
+              </a:p>
+            </p:txBody>
+          </p:sp>
+          <p:cxnSp>
+            <p:nvCxnSpPr>
+              <p:cNvPr id="48" name="直線單箭頭接點 47">
+                <a:extLst>
+                  <a:ext uri="{FF2B5EF4-FFF2-40B4-BE49-F238E27FC236}">
+                    <a16:creationId xmlns:a16="http://schemas.microsoft.com/office/drawing/2014/main" id="{1403C58C-29B9-F3F3-09A5-CF41BFDFA741}"/>
+                  </a:ext>
+                </a:extLst>
+              </p:cNvPr>
+              <p:cNvCxnSpPr>
+                <a:cxnSpLocks/>
+                <a:stCxn id="47" idx="0"/>
+                <a:endCxn id="47" idx="4"/>
+              </p:cNvCxnSpPr>
+              <p:nvPr/>
+            </p:nvCxnSpPr>
+            <p:spPr bwMode="auto">
+              <a:xfrm>
+                <a:off x="3743907" y="3716660"/>
+                <a:ext cx="0" cy="360040"/>
+              </a:xfrm>
+              <a:prstGeom prst="straightConnector1">
+                <a:avLst/>
+              </a:prstGeom>
+              <a:noFill/>
+              <a:ln w="28575" cap="flat" cmpd="sng" algn="ctr">
+                <a:solidFill>
+                  <a:srgbClr val="FF0000"/>
+                </a:solidFill>
+                <a:prstDash val="solid"/>
+                <a:round/>
+                <a:headEnd type="none" w="med" len="med"/>
+                <a:tailEnd type="triangle"/>
+              </a:ln>
+              <a:effectLst/>
+            </p:spPr>
+          </p:cxnSp>
+          <p:cxnSp>
+            <p:nvCxnSpPr>
+              <p:cNvPr id="49" name="接點: 肘形 48">
+                <a:extLst>
+                  <a:ext uri="{FF2B5EF4-FFF2-40B4-BE49-F238E27FC236}">
+                    <a16:creationId xmlns:a16="http://schemas.microsoft.com/office/drawing/2014/main" id="{C179D887-FE9B-6A75-72ED-CC6EDA8A0FE2}"/>
+                  </a:ext>
+                </a:extLst>
+              </p:cNvPr>
+              <p:cNvCxnSpPr>
+                <a:cxnSpLocks/>
+                <a:stCxn id="47" idx="0"/>
+              </p:cNvCxnSpPr>
+              <p:nvPr/>
+            </p:nvCxnSpPr>
+            <p:spPr bwMode="auto">
+              <a:xfrm rot="16200000" flipV="1">
+                <a:off x="3530077" y="3502830"/>
+                <a:ext cx="103626" cy="324034"/>
+              </a:xfrm>
+              <a:prstGeom prst="bentConnector2">
+                <a:avLst/>
+              </a:prstGeom>
+              <a:noFill/>
+              <a:ln w="28575" cap="flat" cmpd="sng" algn="ctr">
+                <a:solidFill>
+                  <a:srgbClr val="FF0000"/>
+                </a:solidFill>
+                <a:prstDash val="solid"/>
+                <a:round/>
+                <a:headEnd type="none" w="med" len="med"/>
+                <a:tailEnd type="none" w="med" len="med"/>
+              </a:ln>
+              <a:effectLst/>
+            </p:spPr>
+          </p:cxnSp>
+          <p:cxnSp>
+            <p:nvCxnSpPr>
+              <p:cNvPr id="50" name="接點: 肘形 49">
+                <a:extLst>
+                  <a:ext uri="{FF2B5EF4-FFF2-40B4-BE49-F238E27FC236}">
+                    <a16:creationId xmlns:a16="http://schemas.microsoft.com/office/drawing/2014/main" id="{3B6597AE-7C28-E2B1-4E9D-BA8C5D7E19FE}"/>
+                  </a:ext>
+                </a:extLst>
+              </p:cNvPr>
+              <p:cNvCxnSpPr>
+                <a:cxnSpLocks/>
+                <a:stCxn id="47" idx="4"/>
+              </p:cNvCxnSpPr>
+              <p:nvPr/>
+            </p:nvCxnSpPr>
+            <p:spPr bwMode="auto">
+              <a:xfrm rot="5400000">
+                <a:off x="3545887" y="3950686"/>
+                <a:ext cx="72007" cy="324035"/>
+              </a:xfrm>
+              <a:prstGeom prst="bentConnector2">
+                <a:avLst/>
+              </a:prstGeom>
+              <a:noFill/>
+              <a:ln w="28575" cap="flat" cmpd="sng" algn="ctr">
+                <a:solidFill>
+                  <a:srgbClr val="FF0000"/>
+                </a:solidFill>
+                <a:prstDash val="solid"/>
+                <a:round/>
+                <a:headEnd type="none" w="med" len="med"/>
+                <a:tailEnd type="none" w="med" len="med"/>
+              </a:ln>
+              <a:effectLst/>
+            </p:spPr>
+          </p:cxnSp>
+        </p:grpSp>
+        <p:sp>
+          <p:nvSpPr>
+            <p:cNvPr id="52" name="文字方塊 51">
+              <a:extLst>
+                <a:ext uri="{FF2B5EF4-FFF2-40B4-BE49-F238E27FC236}">
+                  <a16:creationId xmlns:a16="http://schemas.microsoft.com/office/drawing/2014/main" id="{33813033-ACBE-60CA-1ED6-13EFA62F68B0}"/>
+                </a:ext>
+              </a:extLst>
+            </p:cNvPr>
+            <p:cNvSpPr txBox="1"/>
+            <p:nvPr/>
+          </p:nvSpPr>
+          <p:spPr>
+            <a:xfrm>
+              <a:off x="3042812" y="3592838"/>
+              <a:ext cx="756085" cy="369332"/>
+            </a:xfrm>
+            <a:prstGeom prst="rect">
+              <a:avLst/>
+            </a:prstGeom>
+            <a:noFill/>
+            <a:ln>
+              <a:noFill/>
+            </a:ln>
+          </p:spPr>
+          <p:txBody>
+            <a:bodyPr wrap="square">
+              <a:spAutoFit/>
+            </a:bodyPr>
+            <a:lstStyle/>
+            <a:p>
+              <a:r>
+                <a:rPr lang="en-US" altLang="zh-TW" dirty="0"/>
+                <a:t>noise</a:t>
+              </a:r>
+              <a:endParaRPr lang="zh-TW" altLang="en-US" dirty="0"/>
+            </a:p>
+          </p:txBody>
+        </p:sp>
+        <p:sp>
+          <p:nvSpPr>
+            <p:cNvPr id="53" name="文字方塊 52">
+              <a:extLst>
+                <a:ext uri="{FF2B5EF4-FFF2-40B4-BE49-F238E27FC236}">
+                  <a16:creationId xmlns:a16="http://schemas.microsoft.com/office/drawing/2014/main" id="{2D4822DE-CC70-D851-014D-18FF44900D9D}"/>
+                </a:ext>
+              </a:extLst>
+            </p:cNvPr>
+            <p:cNvSpPr txBox="1"/>
+            <p:nvPr/>
+          </p:nvSpPr>
+          <p:spPr>
+            <a:xfrm>
+              <a:off x="3045292" y="4185064"/>
+              <a:ext cx="756085" cy="369332"/>
+            </a:xfrm>
+            <a:prstGeom prst="rect">
+              <a:avLst/>
+            </a:prstGeom>
+            <a:noFill/>
+            <a:ln>
+              <a:noFill/>
+            </a:ln>
+          </p:spPr>
+          <p:txBody>
+            <a:bodyPr wrap="square">
+              <a:spAutoFit/>
+            </a:bodyPr>
+            <a:lstStyle/>
+            <a:p>
+              <a:r>
+                <a:rPr lang="en-US" altLang="zh-TW" dirty="0"/>
+                <a:t>noise</a:t>
+              </a:r>
+              <a:endParaRPr lang="zh-TW" altLang="en-US" dirty="0"/>
+            </a:p>
+          </p:txBody>
+        </p:sp>
+        <p:sp>
+          <p:nvSpPr>
+            <p:cNvPr id="54" name="文字方塊 53">
+              <a:extLst>
+                <a:ext uri="{FF2B5EF4-FFF2-40B4-BE49-F238E27FC236}">
+                  <a16:creationId xmlns:a16="http://schemas.microsoft.com/office/drawing/2014/main" id="{ADF64465-0656-CD83-91D3-24E6128505FB}"/>
+                </a:ext>
+              </a:extLst>
+            </p:cNvPr>
+            <p:cNvSpPr txBox="1"/>
+            <p:nvPr/>
+          </p:nvSpPr>
+          <p:spPr>
+            <a:xfrm>
+              <a:off x="3045292" y="4703013"/>
+              <a:ext cx="756085" cy="369332"/>
+            </a:xfrm>
+            <a:prstGeom prst="rect">
+              <a:avLst/>
+            </a:prstGeom>
+            <a:noFill/>
+            <a:ln>
+              <a:noFill/>
+            </a:ln>
+          </p:spPr>
+          <p:txBody>
+            <a:bodyPr wrap="square">
+              <a:spAutoFit/>
+            </a:bodyPr>
+            <a:lstStyle/>
+            <a:p>
+              <a:r>
+                <a:rPr lang="en-US" altLang="zh-TW" dirty="0"/>
+                <a:t>noise</a:t>
+              </a:r>
+              <a:endParaRPr lang="zh-TW" altLang="en-US" dirty="0"/>
+            </a:p>
+          </p:txBody>
+        </p:sp>
+        <p:sp>
+          <p:nvSpPr>
+            <p:cNvPr id="55" name="文字方塊 54">
+              <a:extLst>
+                <a:ext uri="{FF2B5EF4-FFF2-40B4-BE49-F238E27FC236}">
+                  <a16:creationId xmlns:a16="http://schemas.microsoft.com/office/drawing/2014/main" id="{DA89B4B8-6C32-9882-EBAC-623ED1907760}"/>
+                </a:ext>
+              </a:extLst>
+            </p:cNvPr>
+            <p:cNvSpPr txBox="1"/>
+            <p:nvPr/>
+          </p:nvSpPr>
+          <p:spPr>
+            <a:xfrm>
+              <a:off x="3053354" y="5218785"/>
+              <a:ext cx="756085" cy="369332"/>
+            </a:xfrm>
+            <a:prstGeom prst="rect">
+              <a:avLst/>
+            </a:prstGeom>
+            <a:noFill/>
+            <a:ln>
+              <a:noFill/>
+            </a:ln>
+          </p:spPr>
+          <p:txBody>
+            <a:bodyPr wrap="square">
+              <a:spAutoFit/>
+            </a:bodyPr>
+            <a:lstStyle/>
+            <a:p>
+              <a:r>
+                <a:rPr lang="en-US" altLang="zh-TW" dirty="0"/>
+                <a:t>noise</a:t>
+              </a:r>
+              <a:endParaRPr lang="zh-TW" altLang="en-US" dirty="0"/>
+            </a:p>
+          </p:txBody>
+        </p:sp>
+      </p:grpSp>
+      <p:pic>
+        <p:nvPicPr>
+          <p:cNvPr id="58" name="圖片 57">
+            <a:extLst>
+              <a:ext uri="{FF2B5EF4-FFF2-40B4-BE49-F238E27FC236}">
+                <a16:creationId xmlns:a16="http://schemas.microsoft.com/office/drawing/2014/main" id="{BFB39345-4C84-4372-8721-441CE6A0E86F}"/>
+              </a:ext>
+            </a:extLst>
+          </p:cNvPr>
+          <p:cNvPicPr>
+            <a:picLocks noChangeAspect="1"/>
+          </p:cNvPicPr>
+          <p:nvPr/>
+        </p:nvPicPr>
+        <p:blipFill>
+          <a:blip r:embed="rId4"/>
+          <a:stretch>
+            <a:fillRect/>
+          </a:stretch>
+        </p:blipFill>
+        <p:spPr>
+          <a:xfrm>
+            <a:off x="4139953" y="3808585"/>
+            <a:ext cx="3649760" cy="1083286"/>
+          </a:xfrm>
+          <a:prstGeom prst="rect">
+            <a:avLst/>
+          </a:prstGeom>
+        </p:spPr>
+      </p:pic>
+      <p:pic>
+        <p:nvPicPr>
+          <p:cNvPr id="60" name="圖片 59">
+            <a:extLst>
+              <a:ext uri="{FF2B5EF4-FFF2-40B4-BE49-F238E27FC236}">
+                <a16:creationId xmlns:a16="http://schemas.microsoft.com/office/drawing/2014/main" id="{9E4F46B5-8405-1923-7871-1EC2B5F31731}"/>
+              </a:ext>
+            </a:extLst>
+          </p:cNvPr>
+          <p:cNvPicPr>
+            <a:picLocks noChangeAspect="1"/>
+          </p:cNvPicPr>
+          <p:nvPr/>
+        </p:nvPicPr>
+        <p:blipFill>
+          <a:blip r:embed="rId5"/>
+          <a:srcRect r="51176"/>
+          <a:stretch/>
+        </p:blipFill>
+        <p:spPr>
+          <a:xfrm>
+            <a:off x="4139952" y="2966133"/>
+            <a:ext cx="3649761" cy="786531"/>
+          </a:xfrm>
+          <a:prstGeom prst="rect">
+            <a:avLst/>
+          </a:prstGeom>
+        </p:spPr>
+      </p:pic>
+      <p:sp>
+        <p:nvSpPr>
+          <p:cNvPr id="61" name="文字方塊 60">
+            <a:extLst>
+              <a:ext uri="{FF2B5EF4-FFF2-40B4-BE49-F238E27FC236}">
+                <a16:creationId xmlns:a16="http://schemas.microsoft.com/office/drawing/2014/main" id="{0EB4818D-86CC-2B14-EBAB-C4147C536E9A}"/>
+              </a:ext>
+            </a:extLst>
+          </p:cNvPr>
+          <p:cNvSpPr txBox="1"/>
+          <p:nvPr/>
+        </p:nvSpPr>
+        <p:spPr>
+          <a:xfrm>
+            <a:off x="7829476" y="3174732"/>
+            <a:ext cx="1325379" cy="369332"/>
+          </a:xfrm>
+          <a:prstGeom prst="rect">
+            <a:avLst/>
+          </a:prstGeom>
+          <a:noFill/>
+        </p:spPr>
+        <p:txBody>
+          <a:bodyPr wrap="square">
+            <a:spAutoFit/>
+          </a:bodyPr>
+          <a:lstStyle/>
+          <a:p>
+            <a:r>
+              <a:rPr lang="en-US" altLang="zh-TW" dirty="0"/>
+              <a:t>RAM</a:t>
+            </a:r>
+            <a:r>
+              <a:rPr lang="zh-TW" altLang="en-US" dirty="0"/>
+              <a:t> </a:t>
+            </a:r>
+            <a:r>
+              <a:rPr lang="en-US" altLang="zh-TW" dirty="0"/>
+              <a:t>array</a:t>
+            </a:r>
+            <a:endParaRPr lang="zh-TW" altLang="en-US" dirty="0"/>
+          </a:p>
+        </p:txBody>
+      </p:sp>
+      <p:sp>
+        <p:nvSpPr>
+          <p:cNvPr id="62" name="文字方塊 61">
+            <a:extLst>
+              <a:ext uri="{FF2B5EF4-FFF2-40B4-BE49-F238E27FC236}">
+                <a16:creationId xmlns:a16="http://schemas.microsoft.com/office/drawing/2014/main" id="{D560F4C1-3719-398E-BF5C-40C167339015}"/>
+              </a:ext>
+            </a:extLst>
+          </p:cNvPr>
+          <p:cNvSpPr txBox="1"/>
+          <p:nvPr/>
+        </p:nvSpPr>
+        <p:spPr>
+          <a:xfrm>
+            <a:off x="7610576" y="4241717"/>
+            <a:ext cx="1641944" cy="369332"/>
+          </a:xfrm>
+          <a:prstGeom prst="rect">
+            <a:avLst/>
+          </a:prstGeom>
+          <a:noFill/>
+        </p:spPr>
+        <p:txBody>
+          <a:bodyPr wrap="square">
+            <a:spAutoFit/>
+          </a:bodyPr>
+          <a:lstStyle/>
+          <a:p>
+            <a:r>
+              <a:rPr lang="en-US" altLang="zh-TW" dirty="0"/>
+              <a:t>Eq. </a:t>
+            </a:r>
+            <a:r>
+              <a:rPr lang="en-US" altLang="zh-TW" dirty="0" err="1"/>
+              <a:t>ckt</a:t>
+            </a:r>
+            <a:r>
+              <a:rPr lang="en-US" altLang="zh-TW" dirty="0"/>
+              <a:t> model</a:t>
+            </a:r>
+            <a:endParaRPr lang="zh-TW" altLang="en-US" dirty="0"/>
+          </a:p>
+        </p:txBody>
+      </p:sp>
+      <p:pic>
+        <p:nvPicPr>
+          <p:cNvPr id="64" name="圖片 63">
+            <a:extLst>
+              <a:ext uri="{FF2B5EF4-FFF2-40B4-BE49-F238E27FC236}">
+                <a16:creationId xmlns:a16="http://schemas.microsoft.com/office/drawing/2014/main" id="{8113891E-D774-EA42-3C1D-14547636155E}"/>
+              </a:ext>
+            </a:extLst>
+          </p:cNvPr>
+          <p:cNvPicPr>
+            <a:picLocks noChangeAspect="1"/>
+          </p:cNvPicPr>
+          <p:nvPr/>
+        </p:nvPicPr>
+        <p:blipFill>
+          <a:blip r:embed="rId6"/>
+          <a:stretch>
+            <a:fillRect/>
+          </a:stretch>
+        </p:blipFill>
+        <p:spPr>
+          <a:xfrm>
+            <a:off x="4409980" y="4903552"/>
+            <a:ext cx="2808312" cy="780883"/>
+          </a:xfrm>
+          <a:prstGeom prst="rect">
+            <a:avLst/>
+          </a:prstGeom>
+        </p:spPr>
+      </p:pic>
+      <p:sp>
+        <p:nvSpPr>
+          <p:cNvPr id="65" name="橢圓 64">
+            <a:extLst>
+              <a:ext uri="{FF2B5EF4-FFF2-40B4-BE49-F238E27FC236}">
+                <a16:creationId xmlns:a16="http://schemas.microsoft.com/office/drawing/2014/main" id="{871FEBF4-2BD7-0131-BAE2-7257C6834D6A}"/>
+              </a:ext>
+            </a:extLst>
+          </p:cNvPr>
+          <p:cNvSpPr/>
+          <p:nvPr/>
+        </p:nvSpPr>
+        <p:spPr bwMode="auto">
+          <a:xfrm>
+            <a:off x="6372200" y="5301207"/>
+            <a:ext cx="165482" cy="394909"/>
+          </a:xfrm>
+          <a:prstGeom prst="ellipse">
+            <a:avLst/>
+          </a:prstGeom>
+          <a:noFill/>
+          <a:ln w="28575" cap="flat" cmpd="sng" algn="ctr">
+            <a:solidFill>
+              <a:srgbClr val="FF0000"/>
+            </a:solidFill>
+            <a:prstDash val="solid"/>
+            <a:round/>
+            <a:headEnd type="none" w="med" len="med"/>
+            <a:tailEnd type="triangle" w="med" len="med"/>
+          </a:ln>
+          <a:effectLst/>
+        </p:spPr>
+        <p:txBody>
+          <a:bodyPr vert="horz" wrap="square" lIns="91440" tIns="45720" rIns="91440" bIns="45720" numCol="1" rtlCol="0" anchor="t" anchorCtr="0" compatLnSpc="1">
+            <a:prstTxWarp prst="textNoShape">
+              <a:avLst/>
+            </a:prstTxWarp>
+          </a:bodyPr>
+          <a:lstStyle/>
+          <a:p>
+            <a:pPr marL="0" marR="0" indent="0" algn="l" defTabSz="914400" rtl="0" eaLnBrk="1" fontAlgn="base" latinLnBrk="0" hangingPunct="1">
+              <a:lnSpc>
+                <a:spcPct val="100000"/>
+              </a:lnSpc>
+              <a:spcBef>
+                <a:spcPct val="0"/>
+              </a:spcBef>
+              <a:spcAft>
+                <a:spcPct val="0"/>
+              </a:spcAft>
+              <a:buClrTx/>
+              <a:buSzTx/>
+              <a:buFontTx/>
+              <a:buNone/>
+              <a:tabLst/>
+            </a:pPr>
+            <a:endParaRPr kumimoji="1" lang="zh-TW" altLang="en-US" sz="1800" b="0" i="0" u="none" strike="noStrike" cap="none" normalizeH="0" baseline="0">
+              <a:ln>
+                <a:noFill/>
+              </a:ln>
+              <a:solidFill>
+                <a:schemeClr val="tx1"/>
+              </a:solidFill>
+              <a:effectLst/>
+              <a:latin typeface="Arial" charset="0"/>
+              <a:ea typeface="新細明體" charset="-120"/>
+            </a:endParaRPr>
+          </a:p>
+        </p:txBody>
+      </p:sp>
+      <p:cxnSp>
+        <p:nvCxnSpPr>
+          <p:cNvPr id="67" name="直線單箭頭接點 66">
+            <a:extLst>
+              <a:ext uri="{FF2B5EF4-FFF2-40B4-BE49-F238E27FC236}">
+                <a16:creationId xmlns:a16="http://schemas.microsoft.com/office/drawing/2014/main" id="{2EDD9EA3-59FD-69C0-4282-278FD36E4D5B}"/>
+              </a:ext>
+            </a:extLst>
+          </p:cNvPr>
+          <p:cNvCxnSpPr>
+            <a:cxnSpLocks/>
+            <a:stCxn id="69" idx="0"/>
+            <a:endCxn id="65" idx="4"/>
+          </p:cNvCxnSpPr>
+          <p:nvPr/>
+        </p:nvCxnSpPr>
+        <p:spPr bwMode="auto">
+          <a:xfrm flipV="1">
+            <a:off x="6454941" y="5696116"/>
+            <a:ext cx="0" cy="238058"/>
+          </a:xfrm>
+          <a:prstGeom prst="straightConnector1">
+            <a:avLst/>
+          </a:prstGeom>
+          <a:noFill/>
+          <a:ln w="28575" cap="flat" cmpd="sng" algn="ctr">
+            <a:solidFill>
+              <a:schemeClr val="tx1"/>
+            </a:solidFill>
+            <a:prstDash val="solid"/>
+            <a:round/>
+            <a:headEnd type="none" w="med" len="med"/>
+            <a:tailEnd type="triangle"/>
+          </a:ln>
+          <a:effectLst/>
+        </p:spPr>
+      </p:cxnSp>
+      <p:sp>
+        <p:nvSpPr>
+          <p:cNvPr id="69" name="文字方塊 68">
+            <a:extLst>
+              <a:ext uri="{FF2B5EF4-FFF2-40B4-BE49-F238E27FC236}">
+                <a16:creationId xmlns:a16="http://schemas.microsoft.com/office/drawing/2014/main" id="{4866ADF6-3661-3506-81A9-2067AA8DF9B1}"/>
+              </a:ext>
+            </a:extLst>
+          </p:cNvPr>
+          <p:cNvSpPr txBox="1"/>
+          <p:nvPr/>
+        </p:nvSpPr>
+        <p:spPr>
+          <a:xfrm>
+            <a:off x="4830958" y="5934174"/>
+            <a:ext cx="3247966" cy="369332"/>
+          </a:xfrm>
+          <a:prstGeom prst="rect">
+            <a:avLst/>
+          </a:prstGeom>
+          <a:noFill/>
+        </p:spPr>
+        <p:txBody>
+          <a:bodyPr wrap="square">
+            <a:spAutoFit/>
+          </a:bodyPr>
+          <a:lstStyle/>
+          <a:p>
+            <a:r>
+              <a:rPr lang="en-US" altLang="zh-TW" dirty="0">
+                <a:solidFill>
+                  <a:srgbClr val="FF0000"/>
+                </a:solidFill>
+              </a:rPr>
+              <a:t>Position</a:t>
+            </a:r>
+            <a:r>
+              <a:rPr lang="en-US" altLang="zh-TW" dirty="0"/>
+              <a:t> affects discharge rate</a:t>
+            </a:r>
+            <a:endParaRPr lang="zh-TW" altLang="en-US" dirty="0"/>
+          </a:p>
+        </p:txBody>
+      </p:sp>
+    </p:spTree>
+    <p:extLst>
+      <p:ext uri="{BB962C8B-B14F-4D97-AF65-F5344CB8AC3E}">
+        <p14:creationId xmlns:p14="http://schemas.microsoft.com/office/powerpoint/2010/main" val="2553953991"/>
+      </p:ext>
+    </p:extLst>
+  </p:cSld>
+  <p:clrMapOvr>
+    <a:masterClrMapping/>
+  </p:clrMapOvr>
+</p:sld>
+</file>
+
+<file path=ppt/slides/slide11.xml><?xml version="1.0" encoding="utf-8"?>
+<p:sld xmlns:a="http://schemas.openxmlformats.org/drawingml/2006/main" xmlns:r="http://schemas.openxmlformats.org/officeDocument/2006/relationships" xmlns:p="http://schemas.openxmlformats.org/presentationml/2006/main">
+  <p:cSld>
+    <p:spTree>
+      <p:nvGrpSpPr>
+        <p:cNvPr id="1" name="">
+          <a:extLst>
+            <a:ext uri="{FF2B5EF4-FFF2-40B4-BE49-F238E27FC236}">
+              <a16:creationId xmlns:a16="http://schemas.microsoft.com/office/drawing/2014/main" id="{FA01E8EB-6C4A-4D7A-16FD-7FF730C4A8DD}"/>
+            </a:ext>
+          </a:extLst>
+        </p:cNvPr>
+        <p:cNvGrpSpPr/>
+        <p:nvPr/>
+      </p:nvGrpSpPr>
+      <p:grpSpPr>
+        <a:xfrm>
+          <a:off x="0" y="0"/>
+          <a:ext cx="0" cy="0"/>
+          <a:chOff x="0" y="0"/>
+          <a:chExt cx="0" cy="0"/>
+        </a:xfrm>
+      </p:grpSpPr>
+      <p:sp>
+        <p:nvSpPr>
+          <p:cNvPr id="2" name="標題 1">
+            <a:extLst>
+              <a:ext uri="{FF2B5EF4-FFF2-40B4-BE49-F238E27FC236}">
+                <a16:creationId xmlns:a16="http://schemas.microsoft.com/office/drawing/2014/main" id="{254E88B4-BC98-E3F6-DD17-D1A88795C561}"/>
+              </a:ext>
+            </a:extLst>
+          </p:cNvPr>
+          <p:cNvSpPr>
+            <a:spLocks noGrp="1"/>
+          </p:cNvSpPr>
+          <p:nvPr>
+            <p:ph type="title"/>
+          </p:nvPr>
+        </p:nvSpPr>
+        <p:spPr/>
+        <p:txBody>
+          <a:bodyPr/>
+          <a:lstStyle/>
+          <a:p>
+            <a:r>
+              <a:rPr lang="en-US" altLang="zh-TW" dirty="0"/>
+              <a:t>Problems of Best-Match TCAM</a:t>
+            </a:r>
+            <a:endParaRPr lang="zh-TW" altLang="en-US" dirty="0"/>
+          </a:p>
+        </p:txBody>
+      </p:sp>
+      <p:sp>
+        <p:nvSpPr>
+          <p:cNvPr id="3" name="內容版面配置區 2">
+            <a:extLst>
+              <a:ext uri="{FF2B5EF4-FFF2-40B4-BE49-F238E27FC236}">
+                <a16:creationId xmlns:a16="http://schemas.microsoft.com/office/drawing/2014/main" id="{D59A33AC-06CF-F56E-1C0D-89B5B8568DA1}"/>
+              </a:ext>
+            </a:extLst>
+          </p:cNvPr>
+          <p:cNvSpPr>
+            <a:spLocks noGrp="1"/>
+          </p:cNvSpPr>
+          <p:nvPr>
+            <p:ph idx="1"/>
+          </p:nvPr>
+        </p:nvSpPr>
+        <p:spPr/>
+        <p:txBody>
+          <a:bodyPr/>
+          <a:lstStyle/>
+          <a:p>
+            <a:r>
+              <a:rPr lang="en-US" altLang="zh-TW" dirty="0"/>
+              <a:t>Analog non-idealities</a:t>
+            </a:r>
+          </a:p>
+          <a:p>
+            <a:pPr lvl="1"/>
+            <a:r>
               <a:rPr lang="en-US" altLang="zh-TW" b="0" dirty="0"/>
               <a:t>Noise-aware training</a:t>
             </a:r>
@@ -21086,7 +22638,7 @@
           <p:cNvPr id="4" name="圖片 3">
             <a:extLst>
               <a:ext uri="{FF2B5EF4-FFF2-40B4-BE49-F238E27FC236}">
-                <a16:creationId xmlns:a16="http://schemas.microsoft.com/office/drawing/2014/main" id="{66A63A3F-BBA7-80CF-0A00-25CC96E37264}"/>
+                <a16:creationId xmlns:a16="http://schemas.microsoft.com/office/drawing/2014/main" id="{5A069414-D1ED-645D-D064-497F96C97650}"/>
               </a:ext>
             </a:extLst>
           </p:cNvPr>
@@ -21116,7 +22668,7 @@
           <p:cNvPr id="5" name="文字方塊 4">
             <a:extLst>
               <a:ext uri="{FF2B5EF4-FFF2-40B4-BE49-F238E27FC236}">
-                <a16:creationId xmlns:a16="http://schemas.microsoft.com/office/drawing/2014/main" id="{28E2E026-8625-0535-7CB5-32224904AF3E}"/>
+                <a16:creationId xmlns:a16="http://schemas.microsoft.com/office/drawing/2014/main" id="{6146285C-6E73-3634-9AF7-002C3AEA4EDC}"/>
               </a:ext>
             </a:extLst>
           </p:cNvPr>
@@ -21153,7 +22705,7 @@
           <p:cNvPr id="6" name="直線單箭頭接點 5">
             <a:extLst>
               <a:ext uri="{FF2B5EF4-FFF2-40B4-BE49-F238E27FC236}">
-                <a16:creationId xmlns:a16="http://schemas.microsoft.com/office/drawing/2014/main" id="{4253543A-3C94-6495-1F14-FA68E2FFFEDA}"/>
+                <a16:creationId xmlns:a16="http://schemas.microsoft.com/office/drawing/2014/main" id="{5BFF8B7E-223A-E155-0208-AD714F54762B}"/>
               </a:ext>
             </a:extLst>
           </p:cNvPr>
@@ -21201,7 +22753,7 @@
           <p:cNvPr id="7" name="文字方塊 6">
             <a:extLst>
               <a:ext uri="{FF2B5EF4-FFF2-40B4-BE49-F238E27FC236}">
-                <a16:creationId xmlns:a16="http://schemas.microsoft.com/office/drawing/2014/main" id="{76C284C7-C5C2-0CD1-BE92-E0D259015FB0}"/>
+                <a16:creationId xmlns:a16="http://schemas.microsoft.com/office/drawing/2014/main" id="{792092C2-704D-4F8C-AFA6-F360D4B7468B}"/>
               </a:ext>
             </a:extLst>
           </p:cNvPr>
@@ -21242,7 +22794,7 @@
           <p:cNvPr id="8" name="直線單箭頭接點 7">
             <a:extLst>
               <a:ext uri="{FF2B5EF4-FFF2-40B4-BE49-F238E27FC236}">
-                <a16:creationId xmlns:a16="http://schemas.microsoft.com/office/drawing/2014/main" id="{96F8B4DB-0EFF-BA3A-87C4-6259942FB7AD}"/>
+                <a16:creationId xmlns:a16="http://schemas.microsoft.com/office/drawing/2014/main" id="{D5F690B9-7DCB-E656-290B-E56E1071C254}"/>
               </a:ext>
             </a:extLst>
           </p:cNvPr>
@@ -21291,7 +22843,7 @@
           <p:cNvPr id="9" name="Picture 2" descr="何謂Artificial Neural Network?. 介紹ANN 基本元素名詞，激勵 ...">
             <a:extLst>
               <a:ext uri="{FF2B5EF4-FFF2-40B4-BE49-F238E27FC236}">
-                <a16:creationId xmlns:a16="http://schemas.microsoft.com/office/drawing/2014/main" id="{C8157196-CBD1-9E69-7C28-FD340BF73301}"/>
+                <a16:creationId xmlns:a16="http://schemas.microsoft.com/office/drawing/2014/main" id="{EF84BD2E-DCF9-E867-B487-282D41AE211D}"/>
               </a:ext>
             </a:extLst>
           </p:cNvPr>
@@ -21336,7 +22888,7 @@
           <p:cNvPr id="10" name="直線單箭頭接點 9">
             <a:extLst>
               <a:ext uri="{FF2B5EF4-FFF2-40B4-BE49-F238E27FC236}">
-                <a16:creationId xmlns:a16="http://schemas.microsoft.com/office/drawing/2014/main" id="{5F3BD801-D38F-CB3E-51EB-9CEA1BB2A5F3}"/>
+                <a16:creationId xmlns:a16="http://schemas.microsoft.com/office/drawing/2014/main" id="{8DD1C739-8622-A20F-FBB2-ED6591CDB3F2}"/>
               </a:ext>
             </a:extLst>
           </p:cNvPr>
@@ -21379,14 +22931,14 @@
           </a:extLst>
         </p:spPr>
       </p:cxnSp>
-      <mc:AlternateContent xmlns:mc="http://schemas.openxmlformats.org/markup-compatibility/2006">
-        <mc:Choice xmlns:a14="http://schemas.microsoft.com/office/drawing/2010/main" Requires="a14">
+      <mc:AlternateContent xmlns:mc="http://schemas.openxmlformats.org/markup-compatibility/2006" xmlns:a14="http://schemas.microsoft.com/office/drawing/2010/main">
+        <mc:Choice Requires="a14">
           <p:sp>
             <p:nvSpPr>
               <p:cNvPr id="11" name="文字方塊 10">
                 <a:extLst>
                   <a:ext uri="{FF2B5EF4-FFF2-40B4-BE49-F238E27FC236}">
-                    <a16:creationId xmlns:a16="http://schemas.microsoft.com/office/drawing/2014/main" id="{0119E757-7643-B4FC-B458-7404C9092D50}"/>
+                    <a16:creationId xmlns:a16="http://schemas.microsoft.com/office/drawing/2014/main" id="{2C3B3603-5D48-E093-10A2-6489E5B7B626}"/>
                   </a:ext>
                 </a:extLst>
               </p:cNvPr>
@@ -21488,7 +23040,7 @@
             </p:txBody>
           </p:sp>
         </mc:Choice>
-        <mc:Fallback>
+        <mc:Fallback xmlns="">
           <p:sp>
             <p:nvSpPr>
               <p:cNvPr id="11" name="文字方塊 10">
@@ -21538,7 +23090,7 @@
           <p:cNvPr id="12" name="文字方塊 11">
             <a:extLst>
               <a:ext uri="{FF2B5EF4-FFF2-40B4-BE49-F238E27FC236}">
-                <a16:creationId xmlns:a16="http://schemas.microsoft.com/office/drawing/2014/main" id="{8B42404C-ADA1-84EE-6A28-6C334D02707C}"/>
+                <a16:creationId xmlns:a16="http://schemas.microsoft.com/office/drawing/2014/main" id="{78F74D5F-F89F-5FAC-5192-ABA7BC4E53DF}"/>
               </a:ext>
             </a:extLst>
           </p:cNvPr>
@@ -21585,7 +23137,7 @@
           <p:cNvPr id="13" name="圖片 12">
             <a:extLst>
               <a:ext uri="{FF2B5EF4-FFF2-40B4-BE49-F238E27FC236}">
-                <a16:creationId xmlns:a16="http://schemas.microsoft.com/office/drawing/2014/main" id="{FC0C531A-F803-C193-270D-F38DAEEA1454}"/>
+                <a16:creationId xmlns:a16="http://schemas.microsoft.com/office/drawing/2014/main" id="{F89E699E-31EE-F32F-1BCC-BCD216640662}"/>
               </a:ext>
             </a:extLst>
           </p:cNvPr>
@@ -21621,7 +23173,7 @@
           <p:cNvPr id="15" name="圖片 14">
             <a:extLst>
               <a:ext uri="{FF2B5EF4-FFF2-40B4-BE49-F238E27FC236}">
-                <a16:creationId xmlns:a16="http://schemas.microsoft.com/office/drawing/2014/main" id="{2A293935-229E-395A-4DCA-345426EC9F4E}"/>
+                <a16:creationId xmlns:a16="http://schemas.microsoft.com/office/drawing/2014/main" id="{AC73966F-BB94-BBE9-D7A0-DCC76BFD6B33}"/>
               </a:ext>
             </a:extLst>
           </p:cNvPr>
@@ -21650,7 +23202,7 @@
           <p:cNvPr id="21" name="圖形 20" descr="笑臉 (實心填滿) 以實心填滿">
             <a:extLst>
               <a:ext uri="{FF2B5EF4-FFF2-40B4-BE49-F238E27FC236}">
-                <a16:creationId xmlns:a16="http://schemas.microsoft.com/office/drawing/2014/main" id="{BE73FBAF-294C-539C-A0E6-D915B01942C0}"/>
+                <a16:creationId xmlns:a16="http://schemas.microsoft.com/office/drawing/2014/main" id="{380487C3-04F8-D0D3-92FA-89EF5CCF55B7}"/>
               </a:ext>
             </a:extLst>
           </p:cNvPr>
@@ -21686,7 +23238,7 @@
           <p:cNvPr id="23" name="文字方塊 22">
             <a:extLst>
               <a:ext uri="{FF2B5EF4-FFF2-40B4-BE49-F238E27FC236}">
-                <a16:creationId xmlns:a16="http://schemas.microsoft.com/office/drawing/2014/main" id="{72032188-F6ED-D242-BF72-22A0DE2AB9F0}"/>
+                <a16:creationId xmlns:a16="http://schemas.microsoft.com/office/drawing/2014/main" id="{9B355F1E-34EC-BD2B-B161-A74C73C9722D}"/>
               </a:ext>
             </a:extLst>
           </p:cNvPr>
@@ -21735,7 +23287,7 @@
     </p:spTree>
     <p:extLst>
       <p:ext uri="{BB962C8B-B14F-4D97-AF65-F5344CB8AC3E}">
-        <p14:creationId xmlns:p14="http://schemas.microsoft.com/office/powerpoint/2010/main" val="2553953991"/>
+        <p14:creationId xmlns:p14="http://schemas.microsoft.com/office/powerpoint/2010/main" val="3253397009"/>
       </p:ext>
     </p:extLst>
   </p:cSld>
@@ -31635,8 +33187,8 @@
           </a:p>
         </p:txBody>
       </p:sp>
-      <mc:AlternateContent xmlns:mc="http://schemas.openxmlformats.org/markup-compatibility/2006">
-        <mc:Choice xmlns:a14="http://schemas.microsoft.com/office/drawing/2010/main" Requires="a14">
+      <mc:AlternateContent xmlns:mc="http://schemas.openxmlformats.org/markup-compatibility/2006" xmlns:a14="http://schemas.microsoft.com/office/drawing/2010/main">
+        <mc:Choice Requires="a14">
           <p:sp>
             <p:nvSpPr>
               <p:cNvPr id="14" name="文字方塊 13">
@@ -31665,6 +33217,7 @@
               </a:bodyPr>
               <a:lstStyle/>
               <a:p>
+                <a:pPr/>
                 <a14:m>
                   <m:oMathPara xmlns:m="http://schemas.openxmlformats.org/officeDocument/2006/math">
                     <m:oMathParaPr>
@@ -31688,7 +33241,7 @@
             </p:txBody>
           </p:sp>
         </mc:Choice>
-        <mc:Fallback>
+        <mc:Fallback xmlns="">
           <p:sp>
             <p:nvSpPr>
               <p:cNvPr id="14" name="文字方塊 13">
@@ -34061,7 +35614,7 @@
         </p:nvSpPr>
         <p:spPr bwMode="auto">
           <a:xfrm>
-            <a:off x="5627640" y="5774102"/>
+            <a:off x="5596464" y="5774743"/>
             <a:ext cx="1343718" cy="660895"/>
           </a:xfrm>
           <a:prstGeom prst="rect">
@@ -35272,7 +36825,7 @@
         </p:nvGrpSpPr>
         <p:grpSpPr>
           <a:xfrm>
-            <a:off x="5672704" y="4531004"/>
+            <a:off x="5641528" y="4531645"/>
             <a:ext cx="1142882" cy="972455"/>
             <a:chOff x="7215679" y="3189285"/>
             <a:chExt cx="1142882" cy="972455"/>
@@ -38647,1475 +40200,6 @@
           </a:p>
         </p:txBody>
       </p:sp>
-      <p:grpSp>
-        <p:nvGrpSpPr>
-          <p:cNvPr id="103" name="群組 102">
-            <a:extLst>
-              <a:ext uri="{FF2B5EF4-FFF2-40B4-BE49-F238E27FC236}">
-                <a16:creationId xmlns:a16="http://schemas.microsoft.com/office/drawing/2014/main" id="{C06318C0-97CE-D32D-6C6D-29EEF6B6BEC4}"/>
-              </a:ext>
-            </a:extLst>
-          </p:cNvPr>
-          <p:cNvGrpSpPr/>
-          <p:nvPr/>
-        </p:nvGrpSpPr>
-        <p:grpSpPr>
-          <a:xfrm>
-            <a:off x="457894" y="2720015"/>
-            <a:ext cx="2645130" cy="3889455"/>
-            <a:chOff x="589717" y="2924944"/>
-            <a:chExt cx="2645130" cy="3889455"/>
-          </a:xfrm>
-        </p:grpSpPr>
-        <p:grpSp>
-          <p:nvGrpSpPr>
-            <p:cNvPr id="30" name="群組 29">
-              <a:extLst>
-                <a:ext uri="{FF2B5EF4-FFF2-40B4-BE49-F238E27FC236}">
-                  <a16:creationId xmlns:a16="http://schemas.microsoft.com/office/drawing/2014/main" id="{ABE2E706-7C13-0128-98E1-6185B6D99727}"/>
-                </a:ext>
-              </a:extLst>
-            </p:cNvPr>
-            <p:cNvGrpSpPr/>
-            <p:nvPr/>
-          </p:nvGrpSpPr>
-          <p:grpSpPr>
-            <a:xfrm>
-              <a:off x="589717" y="2924944"/>
-              <a:ext cx="2645130" cy="2207889"/>
-              <a:chOff x="606439" y="2200672"/>
-              <a:chExt cx="2645130" cy="2207889"/>
-            </a:xfrm>
-          </p:grpSpPr>
-          <p:sp>
-            <p:nvSpPr>
-              <p:cNvPr id="5" name="矩形: 圓角 4">
-                <a:extLst>
-                  <a:ext uri="{FF2B5EF4-FFF2-40B4-BE49-F238E27FC236}">
-                    <a16:creationId xmlns:a16="http://schemas.microsoft.com/office/drawing/2014/main" id="{F2D6335A-1FD1-E557-0EF1-1113E7DFA19D}"/>
-                  </a:ext>
-                </a:extLst>
-              </p:cNvPr>
-              <p:cNvSpPr/>
-              <p:nvPr/>
-            </p:nvSpPr>
-            <p:spPr bwMode="auto">
-              <a:xfrm>
-                <a:off x="971600" y="2420888"/>
-                <a:ext cx="1944216" cy="1080120"/>
-              </a:xfrm>
-              <a:prstGeom prst="roundRect">
-                <a:avLst/>
-              </a:prstGeom>
-              <a:ln>
-                <a:solidFill>
-                  <a:srgbClr val="4F81BD"/>
-                </a:solidFill>
-                <a:prstDash val="dash"/>
-                <a:headEnd type="none" w="med" len="med"/>
-                <a:tailEnd type="triangle" w="med" len="med"/>
-              </a:ln>
-            </p:spPr>
-            <p:style>
-              <a:lnRef idx="2">
-                <a:schemeClr val="dk1"/>
-              </a:lnRef>
-              <a:fillRef idx="1">
-                <a:schemeClr val="lt1"/>
-              </a:fillRef>
-              <a:effectRef idx="0">
-                <a:schemeClr val="dk1"/>
-              </a:effectRef>
-              <a:fontRef idx="minor">
-                <a:schemeClr val="dk1"/>
-              </a:fontRef>
-            </p:style>
-            <p:txBody>
-              <a:bodyPr vert="horz" wrap="square" lIns="91440" tIns="45720" rIns="91440" bIns="45720" numCol="1" rtlCol="0" anchor="t" anchorCtr="0" compatLnSpc="1">
-                <a:prstTxWarp prst="textNoShape">
-                  <a:avLst/>
-                </a:prstTxWarp>
-              </a:bodyPr>
-              <a:lstStyle/>
-              <a:p>
-                <a:pPr marL="0" marR="0" indent="0" algn="ctr" defTabSz="914400" rtl="0" eaLnBrk="1" fontAlgn="base" latinLnBrk="0" hangingPunct="1">
-                  <a:lnSpc>
-                    <a:spcPct val="100000"/>
-                  </a:lnSpc>
-                  <a:spcBef>
-                    <a:spcPct val="0"/>
-                  </a:spcBef>
-                  <a:spcAft>
-                    <a:spcPct val="0"/>
-                  </a:spcAft>
-                  <a:buClrTx/>
-                  <a:buSzTx/>
-                  <a:buFontTx/>
-                  <a:buNone/>
-                  <a:tabLst/>
-                </a:pPr>
-                <a:r>
-                  <a:rPr kumimoji="1" lang="en-US" altLang="zh-TW" sz="2000" b="0" i="0" u="none" strike="noStrike" cap="none" normalizeH="0" baseline="0" dirty="0">
-                    <a:ln>
-                      <a:noFill/>
-                    </a:ln>
-                    <a:solidFill>
-                      <a:schemeClr val="tx1"/>
-                    </a:solidFill>
-                    <a:effectLst/>
-                    <a:latin typeface="Arial" charset="0"/>
-                    <a:ea typeface="新細明體" charset="-120"/>
-                  </a:rPr>
-                  <a:t>1</a:t>
-                </a:r>
-                <a:r>
-                  <a:rPr kumimoji="1" lang="zh-TW" altLang="en-US" sz="2000" b="0" i="0" u="none" strike="noStrike" cap="none" normalizeH="0" baseline="0" dirty="0">
-                    <a:ln>
-                      <a:noFill/>
-                    </a:ln>
-                    <a:solidFill>
-                      <a:schemeClr val="tx1"/>
-                    </a:solidFill>
-                    <a:effectLst/>
-                    <a:latin typeface="Arial" charset="0"/>
-                    <a:ea typeface="新細明體" charset="-120"/>
-                  </a:rPr>
-                  <a:t> </a:t>
-                </a:r>
-                <a:r>
-                  <a:rPr kumimoji="1" lang="en-US" altLang="zh-TW" sz="2000" b="0" i="0" u="none" strike="noStrike" cap="none" normalizeH="0" baseline="0" dirty="0">
-                    <a:ln>
-                      <a:noFill/>
-                    </a:ln>
-                    <a:solidFill>
-                      <a:schemeClr val="tx1"/>
-                    </a:solidFill>
-                    <a:effectLst/>
-                    <a:latin typeface="Arial" charset="0"/>
-                    <a:ea typeface="新細明體" charset="-120"/>
-                  </a:rPr>
-                  <a:t>0</a:t>
-                </a:r>
-                <a:r>
-                  <a:rPr kumimoji="1" lang="zh-TW" altLang="en-US" sz="2000" b="0" i="0" u="none" strike="noStrike" cap="none" normalizeH="0" baseline="0" dirty="0">
-                    <a:ln>
-                      <a:noFill/>
-                    </a:ln>
-                    <a:solidFill>
-                      <a:schemeClr val="tx1"/>
-                    </a:solidFill>
-                    <a:effectLst/>
-                    <a:latin typeface="Arial" charset="0"/>
-                    <a:ea typeface="新細明體" charset="-120"/>
-                  </a:rPr>
-                  <a:t> </a:t>
-                </a:r>
-                <a:r>
-                  <a:rPr kumimoji="1" lang="en-US" altLang="zh-TW" sz="2000" b="0" i="0" u="none" strike="noStrike" cap="none" normalizeH="0" baseline="0" dirty="0">
-                    <a:ln>
-                      <a:noFill/>
-                    </a:ln>
-                    <a:solidFill>
-                      <a:schemeClr val="tx1"/>
-                    </a:solidFill>
-                    <a:effectLst/>
-                    <a:latin typeface="Arial" charset="0"/>
-                    <a:ea typeface="新細明體" charset="-120"/>
-                  </a:rPr>
-                  <a:t>1</a:t>
-                </a:r>
-                <a:r>
-                  <a:rPr kumimoji="1" lang="zh-TW" altLang="en-US" sz="2000" b="0" i="0" u="none" strike="noStrike" cap="none" normalizeH="0" baseline="0" dirty="0">
-                    <a:ln>
-                      <a:noFill/>
-                    </a:ln>
-                    <a:solidFill>
-                      <a:schemeClr val="tx1"/>
-                    </a:solidFill>
-                    <a:effectLst/>
-                    <a:latin typeface="Arial" charset="0"/>
-                    <a:ea typeface="新細明體" charset="-120"/>
-                  </a:rPr>
-                  <a:t> </a:t>
-                </a:r>
-                <a:r>
-                  <a:rPr kumimoji="1" lang="en-US" altLang="zh-TW" sz="2000" b="0" i="0" u="none" strike="noStrike" cap="none" normalizeH="0" baseline="0" dirty="0">
-                    <a:ln>
-                      <a:noFill/>
-                    </a:ln>
-                    <a:solidFill>
-                      <a:schemeClr val="tx1"/>
-                    </a:solidFill>
-                    <a:effectLst/>
-                    <a:latin typeface="Arial" charset="0"/>
-                    <a:ea typeface="新細明體" charset="-120"/>
-                  </a:rPr>
-                  <a:t>1</a:t>
-                </a:r>
-                <a:r>
-                  <a:rPr kumimoji="1" lang="zh-TW" altLang="en-US" sz="2000" b="0" i="0" u="none" strike="noStrike" cap="none" normalizeH="0" baseline="0" dirty="0">
-                    <a:ln>
-                      <a:noFill/>
-                    </a:ln>
-                    <a:solidFill>
-                      <a:schemeClr val="tx1"/>
-                    </a:solidFill>
-                    <a:effectLst/>
-                    <a:latin typeface="Arial" charset="0"/>
-                    <a:ea typeface="新細明體" charset="-120"/>
-                  </a:rPr>
-                  <a:t> </a:t>
-                </a:r>
-                <a:r>
-                  <a:rPr kumimoji="1" lang="en-US" altLang="zh-TW" sz="2000" b="0" i="0" u="none" strike="noStrike" cap="none" normalizeH="0" baseline="0" dirty="0">
-                    <a:ln>
-                      <a:noFill/>
-                    </a:ln>
-                    <a:solidFill>
-                      <a:schemeClr val="tx1"/>
-                    </a:solidFill>
-                    <a:effectLst/>
-                    <a:latin typeface="Arial" charset="0"/>
-                    <a:ea typeface="新細明體" charset="-120"/>
-                  </a:rPr>
-                  <a:t>0</a:t>
-                </a:r>
-                <a:r>
-                  <a:rPr kumimoji="1" lang="zh-TW" altLang="en-US" sz="2000" b="0" i="0" u="none" strike="noStrike" cap="none" normalizeH="0" baseline="0" dirty="0">
-                    <a:ln>
-                      <a:noFill/>
-                    </a:ln>
-                    <a:solidFill>
-                      <a:schemeClr val="tx1"/>
-                    </a:solidFill>
-                    <a:effectLst/>
-                    <a:latin typeface="Arial" charset="0"/>
-                    <a:ea typeface="新細明體" charset="-120"/>
-                  </a:rPr>
-                  <a:t> </a:t>
-                </a:r>
-                <a:r>
-                  <a:rPr kumimoji="1" lang="en-US" altLang="zh-TW" sz="2000" b="0" i="0" u="none" strike="noStrike" cap="none" normalizeH="0" baseline="0" dirty="0">
-                    <a:ln>
-                      <a:noFill/>
-                    </a:ln>
-                    <a:solidFill>
-                      <a:schemeClr val="tx1"/>
-                    </a:solidFill>
-                    <a:effectLst/>
-                    <a:latin typeface="Arial" charset="0"/>
-                    <a:ea typeface="新細明體" charset="-120"/>
-                  </a:rPr>
-                  <a:t>0</a:t>
-                </a:r>
-                <a:r>
-                  <a:rPr kumimoji="1" lang="zh-TW" altLang="en-US" sz="2000" b="0" i="0" u="none" strike="noStrike" cap="none" normalizeH="0" baseline="0" dirty="0">
-                    <a:ln>
-                      <a:noFill/>
-                    </a:ln>
-                    <a:solidFill>
-                      <a:schemeClr val="tx1"/>
-                    </a:solidFill>
-                    <a:effectLst/>
-                    <a:latin typeface="Arial" charset="0"/>
-                    <a:ea typeface="新細明體" charset="-120"/>
-                  </a:rPr>
-                  <a:t> </a:t>
-                </a:r>
-                <a:r>
-                  <a:rPr kumimoji="1" lang="en-US" altLang="zh-TW" sz="2000" b="0" i="0" u="none" strike="noStrike" cap="none" normalizeH="0" baseline="0" dirty="0">
-                    <a:ln>
-                      <a:noFill/>
-                    </a:ln>
-                    <a:solidFill>
-                      <a:schemeClr val="tx1"/>
-                    </a:solidFill>
-                    <a:effectLst/>
-                    <a:latin typeface="Arial" charset="0"/>
-                    <a:ea typeface="新細明體" charset="-120"/>
-                  </a:rPr>
-                  <a:t>1</a:t>
-                </a:r>
-                <a:r>
-                  <a:rPr kumimoji="1" lang="zh-TW" altLang="en-US" sz="2000" b="0" i="0" u="none" strike="noStrike" cap="none" normalizeH="0" baseline="0" dirty="0">
-                    <a:ln>
-                      <a:noFill/>
-                    </a:ln>
-                    <a:solidFill>
-                      <a:schemeClr val="tx1"/>
-                    </a:solidFill>
-                    <a:effectLst/>
-                    <a:latin typeface="Arial" charset="0"/>
-                    <a:ea typeface="新細明體" charset="-120"/>
-                  </a:rPr>
-                  <a:t> </a:t>
-                </a:r>
-                <a:r>
-                  <a:rPr kumimoji="1" lang="en-US" altLang="zh-TW" sz="2000" b="0" i="0" u="none" strike="noStrike" cap="none" normalizeH="0" baseline="0" dirty="0">
-                    <a:ln>
-                      <a:noFill/>
-                    </a:ln>
-                    <a:solidFill>
-                      <a:schemeClr val="tx1"/>
-                    </a:solidFill>
-                    <a:effectLst/>
-                    <a:latin typeface="Arial" charset="0"/>
-                    <a:ea typeface="新細明體" charset="-120"/>
-                  </a:rPr>
-                  <a:t>1</a:t>
-                </a:r>
-              </a:p>
-              <a:p>
-                <a:pPr marL="0" marR="0" indent="0" algn="ctr" defTabSz="914400" rtl="0" eaLnBrk="1" fontAlgn="base" latinLnBrk="0" hangingPunct="1">
-                  <a:lnSpc>
-                    <a:spcPct val="100000"/>
-                  </a:lnSpc>
-                  <a:spcBef>
-                    <a:spcPct val="0"/>
-                  </a:spcBef>
-                  <a:spcAft>
-                    <a:spcPct val="0"/>
-                  </a:spcAft>
-                  <a:buClrTx/>
-                  <a:buSzTx/>
-                  <a:buFontTx/>
-                  <a:buNone/>
-                  <a:tabLst/>
-                </a:pPr>
-                <a:endParaRPr kumimoji="1" lang="en-US" altLang="zh-TW" sz="2000" b="0" i="0" u="none" strike="noStrike" cap="none" normalizeH="0" baseline="0" dirty="0">
-                  <a:ln>
-                    <a:noFill/>
-                  </a:ln>
-                  <a:solidFill>
-                    <a:schemeClr val="tx1"/>
-                  </a:solidFill>
-                  <a:effectLst/>
-                  <a:latin typeface="Arial" charset="0"/>
-                  <a:ea typeface="新細明體" charset="-120"/>
-                </a:endParaRPr>
-              </a:p>
-              <a:p>
-                <a:pPr marL="0" marR="0" indent="0" algn="ctr" defTabSz="914400" rtl="0" eaLnBrk="1" fontAlgn="base" latinLnBrk="0" hangingPunct="1">
-                  <a:lnSpc>
-                    <a:spcPct val="100000"/>
-                  </a:lnSpc>
-                  <a:spcBef>
-                    <a:spcPct val="0"/>
-                  </a:spcBef>
-                  <a:spcAft>
-                    <a:spcPct val="0"/>
-                  </a:spcAft>
-                  <a:buClrTx/>
-                  <a:buSzTx/>
-                  <a:buFontTx/>
-                  <a:buNone/>
-                  <a:tabLst/>
-                </a:pPr>
-                <a:r>
-                  <a:rPr kumimoji="1" lang="en-US" altLang="zh-TW" sz="2000" dirty="0">
-                    <a:solidFill>
-                      <a:schemeClr val="tx1"/>
-                    </a:solidFill>
-                    <a:latin typeface="Arial" charset="0"/>
-                    <a:ea typeface="新細明體" charset="-120"/>
-                  </a:rPr>
-                  <a:t>1</a:t>
-                </a:r>
-                <a:r>
-                  <a:rPr kumimoji="1" lang="zh-TW" altLang="en-US" sz="2000" dirty="0">
-                    <a:solidFill>
-                      <a:schemeClr val="tx1"/>
-                    </a:solidFill>
-                    <a:latin typeface="Arial" charset="0"/>
-                    <a:ea typeface="新細明體" charset="-120"/>
-                  </a:rPr>
-                  <a:t> </a:t>
-                </a:r>
-                <a:r>
-                  <a:rPr kumimoji="1" lang="en-US" altLang="zh-TW" sz="2000" dirty="0">
-                    <a:solidFill>
-                      <a:schemeClr val="tx1"/>
-                    </a:solidFill>
-                    <a:latin typeface="Arial" charset="0"/>
-                    <a:ea typeface="新細明體" charset="-120"/>
-                  </a:rPr>
-                  <a:t>1</a:t>
-                </a:r>
-                <a:r>
-                  <a:rPr kumimoji="1" lang="zh-TW" altLang="en-US" sz="2000" dirty="0">
-                    <a:solidFill>
-                      <a:schemeClr val="tx1"/>
-                    </a:solidFill>
-                    <a:latin typeface="Arial" charset="0"/>
-                    <a:ea typeface="新細明體" charset="-120"/>
-                  </a:rPr>
-                  <a:t> </a:t>
-                </a:r>
-                <a:r>
-                  <a:rPr kumimoji="1" lang="en-US" altLang="zh-TW" sz="2000" dirty="0">
-                    <a:solidFill>
-                      <a:schemeClr val="tx1"/>
-                    </a:solidFill>
-                    <a:latin typeface="Arial" charset="0"/>
-                    <a:ea typeface="新細明體" charset="-120"/>
-                  </a:rPr>
-                  <a:t>0</a:t>
-                </a:r>
-                <a:r>
-                  <a:rPr kumimoji="1" lang="zh-TW" altLang="en-US" sz="2000" dirty="0">
-                    <a:solidFill>
-                      <a:schemeClr val="tx1"/>
-                    </a:solidFill>
-                    <a:latin typeface="Arial" charset="0"/>
-                    <a:ea typeface="新細明體" charset="-120"/>
-                  </a:rPr>
-                  <a:t> </a:t>
-                </a:r>
-                <a:r>
-                  <a:rPr kumimoji="1" lang="en-US" altLang="zh-TW" sz="2000" dirty="0">
-                    <a:solidFill>
-                      <a:schemeClr val="tx1"/>
-                    </a:solidFill>
-                    <a:latin typeface="Arial" charset="0"/>
-                    <a:ea typeface="新細明體" charset="-120"/>
-                  </a:rPr>
-                  <a:t>0</a:t>
-                </a:r>
-                <a:r>
-                  <a:rPr kumimoji="1" lang="zh-TW" altLang="en-US" sz="2000" dirty="0">
-                    <a:solidFill>
-                      <a:schemeClr val="tx1"/>
-                    </a:solidFill>
-                    <a:latin typeface="Arial" charset="0"/>
-                    <a:ea typeface="新細明體" charset="-120"/>
-                  </a:rPr>
-                  <a:t> </a:t>
-                </a:r>
-                <a:r>
-                  <a:rPr kumimoji="1" lang="en-US" altLang="zh-TW" sz="2000" dirty="0">
-                    <a:solidFill>
-                      <a:schemeClr val="tx1"/>
-                    </a:solidFill>
-                    <a:latin typeface="Arial" charset="0"/>
-                    <a:ea typeface="新細明體" charset="-120"/>
-                  </a:rPr>
-                  <a:t>0</a:t>
-                </a:r>
-                <a:r>
-                  <a:rPr kumimoji="1" lang="zh-TW" altLang="en-US" sz="2000" dirty="0">
-                    <a:solidFill>
-                      <a:schemeClr val="tx1"/>
-                    </a:solidFill>
-                    <a:latin typeface="Arial" charset="0"/>
-                    <a:ea typeface="新細明體" charset="-120"/>
-                  </a:rPr>
-                  <a:t> </a:t>
-                </a:r>
-                <a:r>
-                  <a:rPr kumimoji="1" lang="en-US" altLang="zh-TW" sz="2000" dirty="0">
-                    <a:solidFill>
-                      <a:schemeClr val="tx1"/>
-                    </a:solidFill>
-                    <a:latin typeface="Arial" charset="0"/>
-                    <a:ea typeface="新細明體" charset="-120"/>
-                  </a:rPr>
-                  <a:t>0</a:t>
-                </a:r>
-                <a:r>
-                  <a:rPr kumimoji="1" lang="zh-TW" altLang="en-US" sz="2000" dirty="0">
-                    <a:solidFill>
-                      <a:schemeClr val="tx1"/>
-                    </a:solidFill>
-                    <a:latin typeface="Arial" charset="0"/>
-                    <a:ea typeface="新細明體" charset="-120"/>
-                  </a:rPr>
-                  <a:t> </a:t>
-                </a:r>
-                <a:r>
-                  <a:rPr kumimoji="1" lang="en-US" altLang="zh-TW" sz="2000" dirty="0">
-                    <a:solidFill>
-                      <a:schemeClr val="tx1"/>
-                    </a:solidFill>
-                    <a:latin typeface="Arial" charset="0"/>
-                    <a:ea typeface="新細明體" charset="-120"/>
-                  </a:rPr>
-                  <a:t>1</a:t>
-                </a:r>
-                <a:r>
-                  <a:rPr kumimoji="1" lang="zh-TW" altLang="en-US" sz="2000" dirty="0">
-                    <a:solidFill>
-                      <a:schemeClr val="tx1"/>
-                    </a:solidFill>
-                    <a:latin typeface="Arial" charset="0"/>
-                    <a:ea typeface="新細明體" charset="-120"/>
-                  </a:rPr>
-                  <a:t> </a:t>
-                </a:r>
-                <a:r>
-                  <a:rPr kumimoji="1" lang="en-US" altLang="zh-TW" sz="2000" dirty="0">
-                    <a:solidFill>
-                      <a:schemeClr val="tx1"/>
-                    </a:solidFill>
-                    <a:latin typeface="Arial" charset="0"/>
-                    <a:ea typeface="新細明體" charset="-120"/>
-                  </a:rPr>
-                  <a:t>1</a:t>
-                </a:r>
-                <a:endParaRPr kumimoji="1" lang="zh-TW" altLang="en-US" sz="2000" b="0" i="0" u="none" strike="noStrike" cap="none" normalizeH="0" baseline="0" dirty="0">
-                  <a:ln>
-                    <a:noFill/>
-                  </a:ln>
-                  <a:solidFill>
-                    <a:schemeClr val="tx1"/>
-                  </a:solidFill>
-                  <a:effectLst/>
-                  <a:latin typeface="Arial" charset="0"/>
-                  <a:ea typeface="新細明體" charset="-120"/>
-                </a:endParaRPr>
-              </a:p>
-            </p:txBody>
-          </p:sp>
-          <p:cxnSp>
-            <p:nvCxnSpPr>
-              <p:cNvPr id="9" name="直線單箭頭接點 8">
-                <a:extLst>
-                  <a:ext uri="{FF2B5EF4-FFF2-40B4-BE49-F238E27FC236}">
-                    <a16:creationId xmlns:a16="http://schemas.microsoft.com/office/drawing/2014/main" id="{1B4A2D2A-E412-6524-A44D-1825B4EE5CA1}"/>
-                  </a:ext>
-                </a:extLst>
-              </p:cNvPr>
-              <p:cNvCxnSpPr>
-                <a:cxnSpLocks/>
-                <a:endCxn id="11" idx="0"/>
-              </p:cNvCxnSpPr>
-              <p:nvPr/>
-            </p:nvCxnSpPr>
-            <p:spPr bwMode="auto">
-              <a:xfrm flipH="1">
-                <a:off x="873967" y="3653408"/>
-                <a:ext cx="426462" cy="399305"/>
-              </a:xfrm>
-              <a:prstGeom prst="straightConnector1">
-                <a:avLst/>
-              </a:prstGeom>
-              <a:noFill/>
-              <a:ln w="38100" cap="flat" cmpd="sng" algn="ctr">
-                <a:solidFill>
-                  <a:schemeClr val="tx1"/>
-                </a:solidFill>
-                <a:prstDash val="solid"/>
-                <a:round/>
-                <a:headEnd type="none" w="med" len="med"/>
-                <a:tailEnd type="triangle"/>
-              </a:ln>
-              <a:effectLst/>
-            </p:spPr>
-          </p:cxnSp>
-          <p:sp>
-            <p:nvSpPr>
-              <p:cNvPr id="11" name="矩形: 圓角 10">
-                <a:extLst>
-                  <a:ext uri="{FF2B5EF4-FFF2-40B4-BE49-F238E27FC236}">
-                    <a16:creationId xmlns:a16="http://schemas.microsoft.com/office/drawing/2014/main" id="{4E8290D6-BBDA-7D53-6B00-C8462F2E4C73}"/>
-                  </a:ext>
-                </a:extLst>
-              </p:cNvPr>
-              <p:cNvSpPr/>
-              <p:nvPr/>
-            </p:nvSpPr>
-            <p:spPr bwMode="auto">
-              <a:xfrm>
-                <a:off x="606439" y="4052713"/>
-                <a:ext cx="535055" cy="355848"/>
-              </a:xfrm>
-              <a:prstGeom prst="roundRect">
-                <a:avLst/>
-              </a:prstGeom>
-              <a:noFill/>
-              <a:ln w="38100" cap="flat" cmpd="sng" algn="ctr">
-                <a:solidFill>
-                  <a:srgbClr val="4F81BD"/>
-                </a:solidFill>
-                <a:prstDash val="solid"/>
-                <a:round/>
-                <a:headEnd type="none" w="med" len="med"/>
-                <a:tailEnd type="triangle" w="med" len="med"/>
-              </a:ln>
-              <a:effectLst/>
-            </p:spPr>
-            <p:txBody>
-              <a:bodyPr vert="horz" wrap="square" lIns="91440" tIns="45720" rIns="91440" bIns="45720" numCol="1" rtlCol="0" anchor="t" anchorCtr="0" compatLnSpc="1">
-                <a:prstTxWarp prst="textNoShape">
-                  <a:avLst/>
-                </a:prstTxWarp>
-              </a:bodyPr>
-              <a:lstStyle/>
-              <a:p>
-                <a:pPr marL="0" marR="0" indent="0" algn="ctr" defTabSz="914400" rtl="0" eaLnBrk="1" fontAlgn="base" latinLnBrk="0" hangingPunct="1">
-                  <a:lnSpc>
-                    <a:spcPct val="100000"/>
-                  </a:lnSpc>
-                  <a:spcBef>
-                    <a:spcPct val="0"/>
-                  </a:spcBef>
-                  <a:spcAft>
-                    <a:spcPct val="0"/>
-                  </a:spcAft>
-                  <a:buClrTx/>
-                  <a:buSzTx/>
-                  <a:buFontTx/>
-                  <a:buNone/>
-                  <a:tabLst/>
-                </a:pPr>
-                <a:r>
-                  <a:rPr kumimoji="1" lang="en-US" altLang="zh-TW" dirty="0">
-                    <a:latin typeface="Arial" charset="0"/>
-                    <a:ea typeface="新細明體" charset="-120"/>
-                  </a:rPr>
-                  <a:t>1</a:t>
-                </a:r>
-                <a:endParaRPr kumimoji="1" lang="zh-TW" altLang="en-US" sz="1800" b="0" i="0" u="none" strike="noStrike" cap="none" normalizeH="0" baseline="0" dirty="0">
-                  <a:ln>
-                    <a:noFill/>
-                  </a:ln>
-                  <a:solidFill>
-                    <a:schemeClr val="tx1"/>
-                  </a:solidFill>
-                  <a:effectLst/>
-                  <a:latin typeface="Arial" charset="0"/>
-                  <a:ea typeface="新細明體" charset="-120"/>
-                </a:endParaRPr>
-              </a:p>
-            </p:txBody>
-          </p:sp>
-          <p:sp>
-            <p:nvSpPr>
-              <p:cNvPr id="12" name="矩形: 圓角 11">
-                <a:extLst>
-                  <a:ext uri="{FF2B5EF4-FFF2-40B4-BE49-F238E27FC236}">
-                    <a16:creationId xmlns:a16="http://schemas.microsoft.com/office/drawing/2014/main" id="{A451C846-348E-F967-3312-2E04C65C5378}"/>
-                  </a:ext>
-                </a:extLst>
-              </p:cNvPr>
-              <p:cNvSpPr/>
-              <p:nvPr/>
-            </p:nvSpPr>
-            <p:spPr bwMode="auto">
-              <a:xfrm>
-                <a:off x="1309797" y="4052713"/>
-                <a:ext cx="535055" cy="355848"/>
-              </a:xfrm>
-              <a:prstGeom prst="roundRect">
-                <a:avLst/>
-              </a:prstGeom>
-              <a:noFill/>
-              <a:ln w="38100" cap="flat" cmpd="sng" algn="ctr">
-                <a:solidFill>
-                  <a:srgbClr val="4F81BD"/>
-                </a:solidFill>
-                <a:prstDash val="solid"/>
-                <a:round/>
-                <a:headEnd type="none" w="med" len="med"/>
-                <a:tailEnd type="triangle" w="med" len="med"/>
-              </a:ln>
-              <a:effectLst/>
-            </p:spPr>
-            <p:txBody>
-              <a:bodyPr vert="horz" wrap="square" lIns="91440" tIns="45720" rIns="91440" bIns="45720" numCol="1" rtlCol="0" anchor="t" anchorCtr="0" compatLnSpc="1">
-                <a:prstTxWarp prst="textNoShape">
-                  <a:avLst/>
-                </a:prstTxWarp>
-              </a:bodyPr>
-              <a:lstStyle/>
-              <a:p>
-                <a:pPr marL="0" marR="0" indent="0" algn="ctr" defTabSz="914400" rtl="0" eaLnBrk="1" fontAlgn="base" latinLnBrk="0" hangingPunct="1">
-                  <a:lnSpc>
-                    <a:spcPct val="100000"/>
-                  </a:lnSpc>
-                  <a:spcBef>
-                    <a:spcPct val="0"/>
-                  </a:spcBef>
-                  <a:spcAft>
-                    <a:spcPct val="0"/>
-                  </a:spcAft>
-                  <a:buClrTx/>
-                  <a:buSzTx/>
-                  <a:buFontTx/>
-                  <a:buNone/>
-                  <a:tabLst/>
-                </a:pPr>
-                <a:r>
-                  <a:rPr kumimoji="1" lang="en-US" altLang="zh-TW" dirty="0">
-                    <a:latin typeface="Arial" charset="0"/>
-                    <a:ea typeface="新細明體" charset="-120"/>
-                  </a:rPr>
-                  <a:t>2</a:t>
-                </a:r>
-                <a:endParaRPr kumimoji="1" lang="zh-TW" altLang="en-US" sz="1800" b="0" i="0" u="none" strike="noStrike" cap="none" normalizeH="0" baseline="0" dirty="0">
-                  <a:ln>
-                    <a:noFill/>
-                  </a:ln>
-                  <a:solidFill>
-                    <a:schemeClr val="tx1"/>
-                  </a:solidFill>
-                  <a:effectLst/>
-                  <a:latin typeface="Arial" charset="0"/>
-                  <a:ea typeface="新細明體" charset="-120"/>
-                </a:endParaRPr>
-              </a:p>
-            </p:txBody>
-          </p:sp>
-          <p:sp>
-            <p:nvSpPr>
-              <p:cNvPr id="13" name="矩形: 圓角 12">
-                <a:extLst>
-                  <a:ext uri="{FF2B5EF4-FFF2-40B4-BE49-F238E27FC236}">
-                    <a16:creationId xmlns:a16="http://schemas.microsoft.com/office/drawing/2014/main" id="{FA64E307-C4A5-C5E6-08B9-6E842CEF93DC}"/>
-                  </a:ext>
-                </a:extLst>
-              </p:cNvPr>
-              <p:cNvSpPr/>
-              <p:nvPr/>
-            </p:nvSpPr>
-            <p:spPr bwMode="auto">
-              <a:xfrm>
-                <a:off x="2013156" y="4052713"/>
-                <a:ext cx="535055" cy="355848"/>
-              </a:xfrm>
-              <a:prstGeom prst="roundRect">
-                <a:avLst/>
-              </a:prstGeom>
-              <a:noFill/>
-              <a:ln w="38100" cap="flat" cmpd="sng" algn="ctr">
-                <a:solidFill>
-                  <a:srgbClr val="4F81BD"/>
-                </a:solidFill>
-                <a:prstDash val="solid"/>
-                <a:round/>
-                <a:headEnd type="none" w="med" len="med"/>
-                <a:tailEnd type="triangle" w="med" len="med"/>
-              </a:ln>
-              <a:effectLst/>
-            </p:spPr>
-            <p:txBody>
-              <a:bodyPr vert="horz" wrap="square" lIns="91440" tIns="45720" rIns="91440" bIns="45720" numCol="1" rtlCol="0" anchor="t" anchorCtr="0" compatLnSpc="1">
-                <a:prstTxWarp prst="textNoShape">
-                  <a:avLst/>
-                </a:prstTxWarp>
-              </a:bodyPr>
-              <a:lstStyle/>
-              <a:p>
-                <a:pPr marL="0" marR="0" indent="0" algn="ctr" defTabSz="914400" rtl="0" eaLnBrk="1" fontAlgn="base" latinLnBrk="0" hangingPunct="1">
-                  <a:lnSpc>
-                    <a:spcPct val="100000"/>
-                  </a:lnSpc>
-                  <a:spcBef>
-                    <a:spcPct val="0"/>
-                  </a:spcBef>
-                  <a:spcAft>
-                    <a:spcPct val="0"/>
-                  </a:spcAft>
-                  <a:buClrTx/>
-                  <a:buSzTx/>
-                  <a:buFontTx/>
-                  <a:buNone/>
-                  <a:tabLst/>
-                </a:pPr>
-                <a:r>
-                  <a:rPr kumimoji="1" lang="en-US" altLang="zh-TW" sz="1800" b="0" i="0" u="none" strike="noStrike" cap="none" normalizeH="0" baseline="0" dirty="0">
-                    <a:ln>
-                      <a:noFill/>
-                    </a:ln>
-                    <a:solidFill>
-                      <a:schemeClr val="tx1"/>
-                    </a:solidFill>
-                    <a:effectLst/>
-                    <a:latin typeface="Arial" charset="0"/>
-                    <a:ea typeface="新細明體" charset="-120"/>
-                  </a:rPr>
-                  <a:t>0</a:t>
-                </a:r>
-                <a:endParaRPr kumimoji="1" lang="zh-TW" altLang="en-US" sz="1800" b="0" i="0" u="none" strike="noStrike" cap="none" normalizeH="0" baseline="0" dirty="0">
-                  <a:ln>
-                    <a:noFill/>
-                  </a:ln>
-                  <a:solidFill>
-                    <a:schemeClr val="tx1"/>
-                  </a:solidFill>
-                  <a:effectLst/>
-                  <a:latin typeface="Arial" charset="0"/>
-                  <a:ea typeface="新細明體" charset="-120"/>
-                </a:endParaRPr>
-              </a:p>
-            </p:txBody>
-          </p:sp>
-          <p:sp>
-            <p:nvSpPr>
-              <p:cNvPr id="14" name="矩形: 圓角 13">
-                <a:extLst>
-                  <a:ext uri="{FF2B5EF4-FFF2-40B4-BE49-F238E27FC236}">
-                    <a16:creationId xmlns:a16="http://schemas.microsoft.com/office/drawing/2014/main" id="{3D0AF6BB-C5BE-8FEF-A03C-A24F1A8908F6}"/>
-                  </a:ext>
-                </a:extLst>
-              </p:cNvPr>
-              <p:cNvSpPr/>
-              <p:nvPr/>
-            </p:nvSpPr>
-            <p:spPr bwMode="auto">
-              <a:xfrm>
-                <a:off x="2716514" y="4052713"/>
-                <a:ext cx="535055" cy="355848"/>
-              </a:xfrm>
-              <a:prstGeom prst="roundRect">
-                <a:avLst/>
-              </a:prstGeom>
-              <a:noFill/>
-              <a:ln w="38100" cap="flat" cmpd="sng" algn="ctr">
-                <a:solidFill>
-                  <a:srgbClr val="4F81BD"/>
-                </a:solidFill>
-                <a:prstDash val="solid"/>
-                <a:round/>
-                <a:headEnd type="none" w="med" len="med"/>
-                <a:tailEnd type="triangle" w="med" len="med"/>
-              </a:ln>
-              <a:effectLst/>
-            </p:spPr>
-            <p:txBody>
-              <a:bodyPr vert="horz" wrap="square" lIns="91440" tIns="45720" rIns="91440" bIns="45720" numCol="1" rtlCol="0" anchor="t" anchorCtr="0" compatLnSpc="1">
-                <a:prstTxWarp prst="textNoShape">
-                  <a:avLst/>
-                </a:prstTxWarp>
-              </a:bodyPr>
-              <a:lstStyle/>
-              <a:p>
-                <a:pPr marL="0" marR="0" indent="0" algn="ctr" defTabSz="914400" rtl="0" eaLnBrk="1" fontAlgn="base" latinLnBrk="0" hangingPunct="1">
-                  <a:lnSpc>
-                    <a:spcPct val="100000"/>
-                  </a:lnSpc>
-                  <a:spcBef>
-                    <a:spcPct val="0"/>
-                  </a:spcBef>
-                  <a:spcAft>
-                    <a:spcPct val="0"/>
-                  </a:spcAft>
-                  <a:buClrTx/>
-                  <a:buSzTx/>
-                  <a:buFontTx/>
-                  <a:buNone/>
-                  <a:tabLst/>
-                </a:pPr>
-                <a:r>
-                  <a:rPr kumimoji="1" lang="en-US" altLang="zh-TW" dirty="0">
-                    <a:latin typeface="Arial" charset="0"/>
-                    <a:ea typeface="新細明體" charset="-120"/>
-                  </a:rPr>
-                  <a:t>0</a:t>
-                </a:r>
-                <a:endParaRPr kumimoji="1" lang="zh-TW" altLang="en-US" sz="1800" b="0" i="0" u="none" strike="noStrike" cap="none" normalizeH="0" baseline="0" dirty="0">
-                  <a:ln>
-                    <a:noFill/>
-                  </a:ln>
-                  <a:solidFill>
-                    <a:schemeClr val="tx1"/>
-                  </a:solidFill>
-                  <a:effectLst/>
-                  <a:latin typeface="Arial" charset="0"/>
-                  <a:ea typeface="新細明體" charset="-120"/>
-                </a:endParaRPr>
-              </a:p>
-            </p:txBody>
-          </p:sp>
-          <p:cxnSp>
-            <p:nvCxnSpPr>
-              <p:cNvPr id="16" name="直線單箭頭接點 15">
-                <a:extLst>
-                  <a:ext uri="{FF2B5EF4-FFF2-40B4-BE49-F238E27FC236}">
-                    <a16:creationId xmlns:a16="http://schemas.microsoft.com/office/drawing/2014/main" id="{58186AFA-32B5-48BF-CC87-6AA2919C36A9}"/>
-                  </a:ext>
-                </a:extLst>
-              </p:cNvPr>
-              <p:cNvCxnSpPr>
-                <a:cxnSpLocks/>
-                <a:endCxn id="12" idx="0"/>
-              </p:cNvCxnSpPr>
-              <p:nvPr/>
-            </p:nvCxnSpPr>
-            <p:spPr bwMode="auto">
-              <a:xfrm flipH="1">
-                <a:off x="1577325" y="3653408"/>
-                <a:ext cx="168304" cy="399305"/>
-              </a:xfrm>
-              <a:prstGeom prst="straightConnector1">
-                <a:avLst/>
-              </a:prstGeom>
-              <a:noFill/>
-              <a:ln w="38100" cap="flat" cmpd="sng" algn="ctr">
-                <a:solidFill>
-                  <a:schemeClr val="tx1"/>
-                </a:solidFill>
-                <a:prstDash val="solid"/>
-                <a:round/>
-                <a:headEnd type="none" w="med" len="med"/>
-                <a:tailEnd type="triangle"/>
-              </a:ln>
-              <a:effectLst/>
-            </p:spPr>
-          </p:cxnSp>
-          <p:cxnSp>
-            <p:nvCxnSpPr>
-              <p:cNvPr id="19" name="直線單箭頭接點 18">
-                <a:extLst>
-                  <a:ext uri="{FF2B5EF4-FFF2-40B4-BE49-F238E27FC236}">
-                    <a16:creationId xmlns:a16="http://schemas.microsoft.com/office/drawing/2014/main" id="{52C2A172-6749-8C69-C153-5323387E0012}"/>
-                  </a:ext>
-                </a:extLst>
-              </p:cNvPr>
-              <p:cNvCxnSpPr>
-                <a:cxnSpLocks/>
-                <a:endCxn id="13" idx="0"/>
-              </p:cNvCxnSpPr>
-              <p:nvPr/>
-            </p:nvCxnSpPr>
-            <p:spPr bwMode="auto">
-              <a:xfrm>
-                <a:off x="2190604" y="3653408"/>
-                <a:ext cx="90080" cy="399305"/>
-              </a:xfrm>
-              <a:prstGeom prst="straightConnector1">
-                <a:avLst/>
-              </a:prstGeom>
-              <a:noFill/>
-              <a:ln w="38100" cap="flat" cmpd="sng" algn="ctr">
-                <a:solidFill>
-                  <a:schemeClr val="tx1"/>
-                </a:solidFill>
-                <a:prstDash val="solid"/>
-                <a:round/>
-                <a:headEnd type="none" w="med" len="med"/>
-                <a:tailEnd type="triangle"/>
-              </a:ln>
-              <a:effectLst/>
-            </p:spPr>
-          </p:cxnSp>
-          <p:cxnSp>
-            <p:nvCxnSpPr>
-              <p:cNvPr id="22" name="直線單箭頭接點 21">
-                <a:extLst>
-                  <a:ext uri="{FF2B5EF4-FFF2-40B4-BE49-F238E27FC236}">
-                    <a16:creationId xmlns:a16="http://schemas.microsoft.com/office/drawing/2014/main" id="{8C84283B-CEDF-937B-8C4F-88DE4B02BA3C}"/>
-                  </a:ext>
-                </a:extLst>
-              </p:cNvPr>
-              <p:cNvCxnSpPr>
-                <a:cxnSpLocks/>
-                <a:endCxn id="14" idx="0"/>
-              </p:cNvCxnSpPr>
-              <p:nvPr/>
-            </p:nvCxnSpPr>
-            <p:spPr bwMode="auto">
-              <a:xfrm>
-                <a:off x="2629739" y="3653408"/>
-                <a:ext cx="354303" cy="399305"/>
-              </a:xfrm>
-              <a:prstGeom prst="straightConnector1">
-                <a:avLst/>
-              </a:prstGeom>
-              <a:noFill/>
-              <a:ln w="38100" cap="flat" cmpd="sng" algn="ctr">
-                <a:solidFill>
-                  <a:schemeClr val="tx1"/>
-                </a:solidFill>
-                <a:prstDash val="solid"/>
-                <a:round/>
-                <a:headEnd type="none" w="med" len="med"/>
-                <a:tailEnd type="triangle"/>
-              </a:ln>
-              <a:effectLst/>
-            </p:spPr>
-          </p:cxnSp>
-          <p:cxnSp>
-            <p:nvCxnSpPr>
-              <p:cNvPr id="26" name="直線接點 25">
-                <a:extLst>
-                  <a:ext uri="{FF2B5EF4-FFF2-40B4-BE49-F238E27FC236}">
-                    <a16:creationId xmlns:a16="http://schemas.microsoft.com/office/drawing/2014/main" id="{7A8EA6A8-E97A-45C2-FEAF-83913FD92A14}"/>
-                  </a:ext>
-                </a:extLst>
-              </p:cNvPr>
-              <p:cNvCxnSpPr/>
-              <p:nvPr/>
-            </p:nvCxnSpPr>
-            <p:spPr bwMode="auto">
-              <a:xfrm flipH="1">
-                <a:off x="1527969" y="2200672"/>
-                <a:ext cx="8635" cy="1520552"/>
-              </a:xfrm>
-              <a:prstGeom prst="line">
-                <a:avLst/>
-              </a:prstGeom>
-              <a:ln w="28575">
-                <a:solidFill>
-                  <a:srgbClr val="0000FF"/>
-                </a:solidFill>
-                <a:prstDash val="sysDot"/>
-                <a:headEnd type="none" w="med" len="med"/>
-                <a:tailEnd type="none" w="med" len="med"/>
-              </a:ln>
-            </p:spPr>
-            <p:style>
-              <a:lnRef idx="1">
-                <a:schemeClr val="accent1"/>
-              </a:lnRef>
-              <a:fillRef idx="0">
-                <a:schemeClr val="accent1"/>
-              </a:fillRef>
-              <a:effectRef idx="0">
-                <a:schemeClr val="accent1"/>
-              </a:effectRef>
-              <a:fontRef idx="minor">
-                <a:schemeClr val="tx1"/>
-              </a:fontRef>
-            </p:style>
-          </p:cxnSp>
-          <p:cxnSp>
-            <p:nvCxnSpPr>
-              <p:cNvPr id="28" name="直線接點 27">
-                <a:extLst>
-                  <a:ext uri="{FF2B5EF4-FFF2-40B4-BE49-F238E27FC236}">
-                    <a16:creationId xmlns:a16="http://schemas.microsoft.com/office/drawing/2014/main" id="{27DA8300-53B3-476A-798C-B3F30B4A13D3}"/>
-                  </a:ext>
-                </a:extLst>
-              </p:cNvPr>
-              <p:cNvCxnSpPr/>
-              <p:nvPr/>
-            </p:nvCxnSpPr>
-            <p:spPr bwMode="auto">
-              <a:xfrm flipH="1">
-                <a:off x="1937894" y="2200672"/>
-                <a:ext cx="8635" cy="1520552"/>
-              </a:xfrm>
-              <a:prstGeom prst="line">
-                <a:avLst/>
-              </a:prstGeom>
-              <a:ln w="28575">
-                <a:solidFill>
-                  <a:srgbClr val="0000FF"/>
-                </a:solidFill>
-                <a:prstDash val="sysDot"/>
-                <a:headEnd type="none" w="med" len="med"/>
-                <a:tailEnd type="none" w="med" len="med"/>
-              </a:ln>
-            </p:spPr>
-            <p:style>
-              <a:lnRef idx="1">
-                <a:schemeClr val="accent1"/>
-              </a:lnRef>
-              <a:fillRef idx="0">
-                <a:schemeClr val="accent1"/>
-              </a:fillRef>
-              <a:effectRef idx="0">
-                <a:schemeClr val="accent1"/>
-              </a:effectRef>
-              <a:fontRef idx="minor">
-                <a:schemeClr val="tx1"/>
-              </a:fontRef>
-            </p:style>
-          </p:cxnSp>
-          <p:cxnSp>
-            <p:nvCxnSpPr>
-              <p:cNvPr id="29" name="直線接點 28">
-                <a:extLst>
-                  <a:ext uri="{FF2B5EF4-FFF2-40B4-BE49-F238E27FC236}">
-                    <a16:creationId xmlns:a16="http://schemas.microsoft.com/office/drawing/2014/main" id="{3E869B07-6089-3811-8E4F-BDD9E3477CF2}"/>
-                  </a:ext>
-                </a:extLst>
-              </p:cNvPr>
-              <p:cNvCxnSpPr/>
-              <p:nvPr/>
-            </p:nvCxnSpPr>
-            <p:spPr bwMode="auto">
-              <a:xfrm flipH="1">
-                <a:off x="2362212" y="2200672"/>
-                <a:ext cx="8635" cy="1520552"/>
-              </a:xfrm>
-              <a:prstGeom prst="line">
-                <a:avLst/>
-              </a:prstGeom>
-              <a:ln w="28575">
-                <a:solidFill>
-                  <a:srgbClr val="0000FF"/>
-                </a:solidFill>
-                <a:prstDash val="sysDot"/>
-                <a:headEnd type="none" w="med" len="med"/>
-                <a:tailEnd type="none" w="med" len="med"/>
-              </a:ln>
-            </p:spPr>
-            <p:style>
-              <a:lnRef idx="1">
-                <a:schemeClr val="accent1"/>
-              </a:lnRef>
-              <a:fillRef idx="0">
-                <a:schemeClr val="accent1"/>
-              </a:fillRef>
-              <a:effectRef idx="0">
-                <a:schemeClr val="accent1"/>
-              </a:effectRef>
-              <a:fontRef idx="minor">
-                <a:schemeClr val="tx1"/>
-              </a:fontRef>
-            </p:style>
-          </p:cxnSp>
-        </p:grpSp>
-        <p:cxnSp>
-          <p:nvCxnSpPr>
-            <p:cNvPr id="40" name="直線單箭頭接點 39">
-              <a:extLst>
-                <a:ext uri="{FF2B5EF4-FFF2-40B4-BE49-F238E27FC236}">
-                  <a16:creationId xmlns:a16="http://schemas.microsoft.com/office/drawing/2014/main" id="{36F9F98A-8912-0F9F-004E-D3451377CFEF}"/>
-                </a:ext>
-              </a:extLst>
-            </p:cNvPr>
-            <p:cNvCxnSpPr>
-              <a:cxnSpLocks/>
-              <a:stCxn id="11" idx="2"/>
-              <a:endCxn id="44" idx="1"/>
-            </p:cNvCxnSpPr>
-            <p:nvPr/>
-          </p:nvCxnSpPr>
-          <p:spPr bwMode="auto">
-            <a:xfrm>
-              <a:off x="857245" y="5132833"/>
-              <a:ext cx="852925" cy="589347"/>
-            </a:xfrm>
-            <a:prstGeom prst="straightConnector1">
-              <a:avLst/>
-            </a:prstGeom>
-            <a:noFill/>
-            <a:ln w="38100" cap="flat" cmpd="sng" algn="ctr">
-              <a:solidFill>
-                <a:schemeClr val="tx1"/>
-              </a:solidFill>
-              <a:prstDash val="solid"/>
-              <a:round/>
-              <a:headEnd type="none" w="med" len="med"/>
-              <a:tailEnd type="triangle"/>
-            </a:ln>
-            <a:effectLst/>
-          </p:spPr>
-        </p:cxnSp>
-        <p:sp>
-          <p:nvSpPr>
-            <p:cNvPr id="44" name="橢圓 43">
-              <a:extLst>
-                <a:ext uri="{FF2B5EF4-FFF2-40B4-BE49-F238E27FC236}">
-                  <a16:creationId xmlns:a16="http://schemas.microsoft.com/office/drawing/2014/main" id="{5176D595-2269-E07A-0256-90D122D59C03}"/>
-                </a:ext>
-              </a:extLst>
-            </p:cNvPr>
-            <p:cNvSpPr/>
-            <p:nvPr/>
-          </p:nvSpPr>
-          <p:spPr bwMode="auto">
-            <a:xfrm>
-              <a:off x="1630610" y="5642620"/>
-              <a:ext cx="543272" cy="543272"/>
-            </a:xfrm>
-            <a:prstGeom prst="ellipse">
-              <a:avLst/>
-            </a:prstGeom>
-            <a:ln w="38100">
-              <a:headEnd type="none" w="med" len="med"/>
-              <a:tailEnd type="triangle" w="med" len="med"/>
-            </a:ln>
-          </p:spPr>
-          <p:style>
-            <a:lnRef idx="2">
-              <a:schemeClr val="dk1"/>
-            </a:lnRef>
-            <a:fillRef idx="1">
-              <a:schemeClr val="lt1"/>
-            </a:fillRef>
-            <a:effectRef idx="0">
-              <a:schemeClr val="dk1"/>
-            </a:effectRef>
-            <a:fontRef idx="minor">
-              <a:schemeClr val="dk1"/>
-            </a:fontRef>
-          </p:style>
-          <p:txBody>
-            <a:bodyPr vert="horz" wrap="square" lIns="91440" tIns="45720" rIns="91440" bIns="45720" numCol="1" rtlCol="0" anchor="t" anchorCtr="0" compatLnSpc="1">
-              <a:prstTxWarp prst="textNoShape">
-                <a:avLst/>
-              </a:prstTxWarp>
-            </a:bodyPr>
-            <a:lstStyle/>
-            <a:p>
-              <a:pPr marL="0" marR="0" indent="0" algn="ctr" defTabSz="914400" rtl="0" eaLnBrk="1" fontAlgn="t" latinLnBrk="0" hangingPunct="1">
-                <a:lnSpc>
-                  <a:spcPct val="100000"/>
-                </a:lnSpc>
-                <a:spcBef>
-                  <a:spcPct val="0"/>
-                </a:spcBef>
-                <a:spcAft>
-                  <a:spcPct val="0"/>
-                </a:spcAft>
-                <a:buClrTx/>
-                <a:buSzTx/>
-                <a:buFontTx/>
-                <a:buNone/>
-                <a:tabLst/>
-              </a:pPr>
-              <a:r>
-                <a:rPr kumimoji="1" lang="en-US" altLang="zh-TW" sz="2400" b="0" i="0" u="none" strike="noStrike" cap="none" normalizeH="0" baseline="0" dirty="0">
-                  <a:ln>
-                    <a:noFill/>
-                  </a:ln>
-                  <a:solidFill>
-                    <a:schemeClr val="tx1"/>
-                  </a:solidFill>
-                  <a:effectLst/>
-                  <a:latin typeface="Arial" charset="0"/>
-                  <a:ea typeface="新細明體" charset="-120"/>
-                </a:rPr>
-                <a:t>+</a:t>
-              </a:r>
-              <a:endParaRPr kumimoji="1" lang="zh-TW" altLang="en-US" sz="1400" b="0" i="0" u="none" strike="noStrike" cap="none" normalizeH="0" baseline="0" dirty="0">
-                <a:ln>
-                  <a:noFill/>
-                </a:ln>
-                <a:solidFill>
-                  <a:schemeClr val="tx1"/>
-                </a:solidFill>
-                <a:effectLst/>
-                <a:latin typeface="Arial" charset="0"/>
-                <a:ea typeface="新細明體" charset="-120"/>
-              </a:endParaRPr>
-            </a:p>
-          </p:txBody>
-        </p:sp>
-        <p:cxnSp>
-          <p:nvCxnSpPr>
-            <p:cNvPr id="47" name="直線單箭頭接點 46">
-              <a:extLst>
-                <a:ext uri="{FF2B5EF4-FFF2-40B4-BE49-F238E27FC236}">
-                  <a16:creationId xmlns:a16="http://schemas.microsoft.com/office/drawing/2014/main" id="{5FDC9BC3-9D61-100B-063B-E331E57F8D62}"/>
-                </a:ext>
-              </a:extLst>
-            </p:cNvPr>
-            <p:cNvCxnSpPr>
-              <a:cxnSpLocks/>
-              <a:stCxn id="12" idx="2"/>
-              <a:endCxn id="44" idx="0"/>
-            </p:cNvCxnSpPr>
-            <p:nvPr/>
-          </p:nvCxnSpPr>
-          <p:spPr bwMode="auto">
-            <a:xfrm>
-              <a:off x="1560603" y="5132833"/>
-              <a:ext cx="341643" cy="509787"/>
-            </a:xfrm>
-            <a:prstGeom prst="straightConnector1">
-              <a:avLst/>
-            </a:prstGeom>
-            <a:noFill/>
-            <a:ln w="38100" cap="flat" cmpd="sng" algn="ctr">
-              <a:solidFill>
-                <a:schemeClr val="tx1"/>
-              </a:solidFill>
-              <a:prstDash val="solid"/>
-              <a:round/>
-              <a:headEnd type="none" w="med" len="med"/>
-              <a:tailEnd type="triangle"/>
-            </a:ln>
-            <a:effectLst/>
-          </p:spPr>
-        </p:cxnSp>
-        <p:cxnSp>
-          <p:nvCxnSpPr>
-            <p:cNvPr id="50" name="直線單箭頭接點 49">
-              <a:extLst>
-                <a:ext uri="{FF2B5EF4-FFF2-40B4-BE49-F238E27FC236}">
-                  <a16:creationId xmlns:a16="http://schemas.microsoft.com/office/drawing/2014/main" id="{DC97D571-8240-D9B6-89F2-E87D070F4FD2}"/>
-                </a:ext>
-              </a:extLst>
-            </p:cNvPr>
-            <p:cNvCxnSpPr>
-              <a:cxnSpLocks/>
-              <a:stCxn id="13" idx="2"/>
-              <a:endCxn id="44" idx="0"/>
-            </p:cNvCxnSpPr>
-            <p:nvPr/>
-          </p:nvCxnSpPr>
-          <p:spPr bwMode="auto">
-            <a:xfrm flipH="1">
-              <a:off x="1902246" y="5132833"/>
-              <a:ext cx="361716" cy="509787"/>
-            </a:xfrm>
-            <a:prstGeom prst="straightConnector1">
-              <a:avLst/>
-            </a:prstGeom>
-            <a:noFill/>
-            <a:ln w="38100" cap="flat" cmpd="sng" algn="ctr">
-              <a:solidFill>
-                <a:schemeClr val="tx1"/>
-              </a:solidFill>
-              <a:prstDash val="solid"/>
-              <a:round/>
-              <a:headEnd type="none" w="med" len="med"/>
-              <a:tailEnd type="triangle"/>
-            </a:ln>
-            <a:effectLst/>
-          </p:spPr>
-        </p:cxnSp>
-        <p:cxnSp>
-          <p:nvCxnSpPr>
-            <p:cNvPr id="53" name="直線單箭頭接點 52">
-              <a:extLst>
-                <a:ext uri="{FF2B5EF4-FFF2-40B4-BE49-F238E27FC236}">
-                  <a16:creationId xmlns:a16="http://schemas.microsoft.com/office/drawing/2014/main" id="{6E34AB26-E1C6-98CB-DF44-96180142411B}"/>
-                </a:ext>
-              </a:extLst>
-            </p:cNvPr>
-            <p:cNvCxnSpPr>
-              <a:cxnSpLocks/>
-              <a:stCxn id="14" idx="2"/>
-              <a:endCxn id="44" idx="7"/>
-            </p:cNvCxnSpPr>
-            <p:nvPr/>
-          </p:nvCxnSpPr>
-          <p:spPr bwMode="auto">
-            <a:xfrm flipH="1">
-              <a:off x="2094322" y="5132833"/>
-              <a:ext cx="872998" cy="589347"/>
-            </a:xfrm>
-            <a:prstGeom prst="straightConnector1">
-              <a:avLst/>
-            </a:prstGeom>
-            <a:noFill/>
-            <a:ln w="38100" cap="flat" cmpd="sng" algn="ctr">
-              <a:solidFill>
-                <a:schemeClr val="tx1"/>
-              </a:solidFill>
-              <a:prstDash val="solid"/>
-              <a:round/>
-              <a:headEnd type="none" w="med" len="med"/>
-              <a:tailEnd type="triangle"/>
-            </a:ln>
-            <a:effectLst/>
-          </p:spPr>
-        </p:cxnSp>
-        <p:cxnSp>
-          <p:nvCxnSpPr>
-            <p:cNvPr id="98" name="直線單箭頭接點 97">
-              <a:extLst>
-                <a:ext uri="{FF2B5EF4-FFF2-40B4-BE49-F238E27FC236}">
-                  <a16:creationId xmlns:a16="http://schemas.microsoft.com/office/drawing/2014/main" id="{2171A4C0-CBA8-3293-9942-D89717C6430F}"/>
-                </a:ext>
-              </a:extLst>
-            </p:cNvPr>
-            <p:cNvCxnSpPr>
-              <a:cxnSpLocks/>
-              <a:stCxn id="44" idx="4"/>
-              <a:endCxn id="102" idx="0"/>
-            </p:cNvCxnSpPr>
-            <p:nvPr/>
-          </p:nvCxnSpPr>
-          <p:spPr bwMode="auto">
-            <a:xfrm flipH="1">
-              <a:off x="1896551" y="6185892"/>
-              <a:ext cx="5695" cy="259175"/>
-            </a:xfrm>
-            <a:prstGeom prst="straightConnector1">
-              <a:avLst/>
-            </a:prstGeom>
-            <a:noFill/>
-            <a:ln w="38100" cap="flat" cmpd="sng" algn="ctr">
-              <a:solidFill>
-                <a:schemeClr val="tx1"/>
-              </a:solidFill>
-              <a:prstDash val="solid"/>
-              <a:round/>
-              <a:headEnd type="none" w="med" len="med"/>
-              <a:tailEnd type="triangle"/>
-            </a:ln>
-            <a:effectLst/>
-          </p:spPr>
-        </p:cxnSp>
-        <p:sp>
-          <p:nvSpPr>
-            <p:cNvPr id="102" name="文字方塊 101">
-              <a:extLst>
-                <a:ext uri="{FF2B5EF4-FFF2-40B4-BE49-F238E27FC236}">
-                  <a16:creationId xmlns:a16="http://schemas.microsoft.com/office/drawing/2014/main" id="{F72E20A7-F03E-D779-7ACE-652089FCF2B2}"/>
-                </a:ext>
-              </a:extLst>
-            </p:cNvPr>
-            <p:cNvSpPr txBox="1"/>
-            <p:nvPr/>
-          </p:nvSpPr>
-          <p:spPr>
-            <a:xfrm>
-              <a:off x="1619220" y="6445067"/>
-              <a:ext cx="554662" cy="369332"/>
-            </a:xfrm>
-            <a:prstGeom prst="rect">
-              <a:avLst/>
-            </a:prstGeom>
-            <a:noFill/>
-          </p:spPr>
-          <p:txBody>
-            <a:bodyPr wrap="square">
-              <a:spAutoFit/>
-            </a:bodyPr>
-            <a:lstStyle/>
-            <a:p>
-              <a:pPr marL="0" marR="0" indent="0" algn="ctr" defTabSz="914400" rtl="0" eaLnBrk="1" fontAlgn="base" latinLnBrk="0" hangingPunct="1">
-                <a:lnSpc>
-                  <a:spcPct val="100000"/>
-                </a:lnSpc>
-                <a:spcBef>
-                  <a:spcPct val="0"/>
-                </a:spcBef>
-                <a:spcAft>
-                  <a:spcPct val="0"/>
-                </a:spcAft>
-                <a:buClrTx/>
-                <a:buSzTx/>
-                <a:buFontTx/>
-                <a:buNone/>
-                <a:tabLst/>
-              </a:pPr>
-              <a:r>
-                <a:rPr kumimoji="1" lang="en-US" altLang="zh-TW" sz="1800" b="0" i="0" u="none" strike="noStrike" cap="none" normalizeH="0" baseline="0" dirty="0">
-                  <a:ln>
-                    <a:noFill/>
-                  </a:ln>
-                  <a:solidFill>
-                    <a:schemeClr val="tx1"/>
-                  </a:solidFill>
-                  <a:effectLst/>
-                  <a:latin typeface="Arial" charset="0"/>
-                  <a:ea typeface="新細明體" charset="-120"/>
-                </a:rPr>
-                <a:t>3</a:t>
-              </a:r>
-              <a:endParaRPr kumimoji="1" lang="zh-TW" altLang="en-US" sz="1800" b="0" i="0" u="none" strike="noStrike" cap="none" normalizeH="0" baseline="0" dirty="0">
-                <a:ln>
-                  <a:noFill/>
-                </a:ln>
-                <a:solidFill>
-                  <a:schemeClr val="tx1"/>
-                </a:solidFill>
-                <a:effectLst/>
-                <a:latin typeface="Arial" charset="0"/>
-                <a:ea typeface="新細明體" charset="-120"/>
-              </a:endParaRPr>
-            </a:p>
-          </p:txBody>
-        </p:sp>
-      </p:grpSp>
       <p:sp>
         <p:nvSpPr>
           <p:cNvPr id="107" name="文字方塊 106">
@@ -40315,6 +40399,1568 @@
           </a:p>
         </p:txBody>
       </p:sp>
+      <p:grpSp>
+        <p:nvGrpSpPr>
+          <p:cNvPr id="8" name="群組 7">
+            <a:extLst>
+              <a:ext uri="{FF2B5EF4-FFF2-40B4-BE49-F238E27FC236}">
+                <a16:creationId xmlns:a16="http://schemas.microsoft.com/office/drawing/2014/main" id="{A65A86C6-34BB-50A4-741E-8BDCD4BC7307}"/>
+              </a:ext>
+            </a:extLst>
+          </p:cNvPr>
+          <p:cNvGrpSpPr/>
+          <p:nvPr/>
+        </p:nvGrpSpPr>
+        <p:grpSpPr>
+          <a:xfrm>
+            <a:off x="7203" y="2720015"/>
+            <a:ext cx="3095821" cy="3889455"/>
+            <a:chOff x="7203" y="2720015"/>
+            <a:chExt cx="3095821" cy="3889455"/>
+          </a:xfrm>
+        </p:grpSpPr>
+        <p:grpSp>
+          <p:nvGrpSpPr>
+            <p:cNvPr id="103" name="群組 102">
+              <a:extLst>
+                <a:ext uri="{FF2B5EF4-FFF2-40B4-BE49-F238E27FC236}">
+                  <a16:creationId xmlns:a16="http://schemas.microsoft.com/office/drawing/2014/main" id="{C06318C0-97CE-D32D-6C6D-29EEF6B6BEC4}"/>
+                </a:ext>
+              </a:extLst>
+            </p:cNvPr>
+            <p:cNvGrpSpPr/>
+            <p:nvPr/>
+          </p:nvGrpSpPr>
+          <p:grpSpPr>
+            <a:xfrm>
+              <a:off x="457894" y="2720015"/>
+              <a:ext cx="2645130" cy="3889455"/>
+              <a:chOff x="589717" y="2924944"/>
+              <a:chExt cx="2645130" cy="3889455"/>
+            </a:xfrm>
+          </p:grpSpPr>
+          <p:grpSp>
+            <p:nvGrpSpPr>
+              <p:cNvPr id="30" name="群組 29">
+                <a:extLst>
+                  <a:ext uri="{FF2B5EF4-FFF2-40B4-BE49-F238E27FC236}">
+                    <a16:creationId xmlns:a16="http://schemas.microsoft.com/office/drawing/2014/main" id="{ABE2E706-7C13-0128-98E1-6185B6D99727}"/>
+                  </a:ext>
+                </a:extLst>
+              </p:cNvPr>
+              <p:cNvGrpSpPr/>
+              <p:nvPr/>
+            </p:nvGrpSpPr>
+            <p:grpSpPr>
+              <a:xfrm>
+                <a:off x="589717" y="2924944"/>
+                <a:ext cx="2645130" cy="2207889"/>
+                <a:chOff x="606439" y="2200672"/>
+                <a:chExt cx="2645130" cy="2207889"/>
+              </a:xfrm>
+            </p:grpSpPr>
+            <p:sp>
+              <p:nvSpPr>
+                <p:cNvPr id="5" name="矩形: 圓角 4">
+                  <a:extLst>
+                    <a:ext uri="{FF2B5EF4-FFF2-40B4-BE49-F238E27FC236}">
+                      <a16:creationId xmlns:a16="http://schemas.microsoft.com/office/drawing/2014/main" id="{F2D6335A-1FD1-E557-0EF1-1113E7DFA19D}"/>
+                    </a:ext>
+                  </a:extLst>
+                </p:cNvPr>
+                <p:cNvSpPr/>
+                <p:nvPr/>
+              </p:nvSpPr>
+              <p:spPr bwMode="auto">
+                <a:xfrm>
+                  <a:off x="971600" y="2420888"/>
+                  <a:ext cx="1944216" cy="1080120"/>
+                </a:xfrm>
+                <a:prstGeom prst="roundRect">
+                  <a:avLst/>
+                </a:prstGeom>
+                <a:ln>
+                  <a:solidFill>
+                    <a:srgbClr val="4F81BD"/>
+                  </a:solidFill>
+                  <a:prstDash val="dash"/>
+                  <a:headEnd type="none" w="med" len="med"/>
+                  <a:tailEnd type="triangle" w="med" len="med"/>
+                </a:ln>
+              </p:spPr>
+              <p:style>
+                <a:lnRef idx="2">
+                  <a:schemeClr val="dk1"/>
+                </a:lnRef>
+                <a:fillRef idx="1">
+                  <a:schemeClr val="lt1"/>
+                </a:fillRef>
+                <a:effectRef idx="0">
+                  <a:schemeClr val="dk1"/>
+                </a:effectRef>
+                <a:fontRef idx="minor">
+                  <a:schemeClr val="dk1"/>
+                </a:fontRef>
+              </p:style>
+              <p:txBody>
+                <a:bodyPr vert="horz" wrap="square" lIns="91440" tIns="45720" rIns="91440" bIns="45720" numCol="1" rtlCol="0" anchor="t" anchorCtr="0" compatLnSpc="1">
+                  <a:prstTxWarp prst="textNoShape">
+                    <a:avLst/>
+                  </a:prstTxWarp>
+                </a:bodyPr>
+                <a:lstStyle/>
+                <a:p>
+                  <a:pPr marL="0" marR="0" indent="0" algn="ctr" defTabSz="914400" rtl="0" eaLnBrk="1" fontAlgn="base" latinLnBrk="0" hangingPunct="1">
+                    <a:lnSpc>
+                      <a:spcPct val="100000"/>
+                    </a:lnSpc>
+                    <a:spcBef>
+                      <a:spcPct val="0"/>
+                    </a:spcBef>
+                    <a:spcAft>
+                      <a:spcPct val="0"/>
+                    </a:spcAft>
+                    <a:buClrTx/>
+                    <a:buSzTx/>
+                    <a:buFontTx/>
+                    <a:buNone/>
+                    <a:tabLst/>
+                  </a:pPr>
+                  <a:r>
+                    <a:rPr kumimoji="1" lang="en-US" altLang="zh-TW" sz="2000" b="0" i="0" u="none" strike="noStrike" cap="none" normalizeH="0" baseline="0" dirty="0">
+                      <a:ln>
+                        <a:noFill/>
+                      </a:ln>
+                      <a:solidFill>
+                        <a:schemeClr val="tx1"/>
+                      </a:solidFill>
+                      <a:effectLst/>
+                      <a:latin typeface="Arial" charset="0"/>
+                      <a:ea typeface="新細明體" charset="-120"/>
+                    </a:rPr>
+                    <a:t>1</a:t>
+                  </a:r>
+                  <a:r>
+                    <a:rPr kumimoji="1" lang="zh-TW" altLang="en-US" sz="2000" b="0" i="0" u="none" strike="noStrike" cap="none" normalizeH="0" baseline="0" dirty="0">
+                      <a:ln>
+                        <a:noFill/>
+                      </a:ln>
+                      <a:solidFill>
+                        <a:schemeClr val="tx1"/>
+                      </a:solidFill>
+                      <a:effectLst/>
+                      <a:latin typeface="Arial" charset="0"/>
+                      <a:ea typeface="新細明體" charset="-120"/>
+                    </a:rPr>
+                    <a:t> </a:t>
+                  </a:r>
+                  <a:r>
+                    <a:rPr kumimoji="1" lang="en-US" altLang="zh-TW" sz="2000" b="0" i="0" u="none" strike="noStrike" cap="none" normalizeH="0" baseline="0" dirty="0">
+                      <a:ln>
+                        <a:noFill/>
+                      </a:ln>
+                      <a:solidFill>
+                        <a:schemeClr val="tx1"/>
+                      </a:solidFill>
+                      <a:effectLst/>
+                      <a:latin typeface="Arial" charset="0"/>
+                      <a:ea typeface="新細明體" charset="-120"/>
+                    </a:rPr>
+                    <a:t>0</a:t>
+                  </a:r>
+                  <a:r>
+                    <a:rPr kumimoji="1" lang="zh-TW" altLang="en-US" sz="2000" b="0" i="0" u="none" strike="noStrike" cap="none" normalizeH="0" baseline="0" dirty="0">
+                      <a:ln>
+                        <a:noFill/>
+                      </a:ln>
+                      <a:solidFill>
+                        <a:schemeClr val="tx1"/>
+                      </a:solidFill>
+                      <a:effectLst/>
+                      <a:latin typeface="Arial" charset="0"/>
+                      <a:ea typeface="新細明體" charset="-120"/>
+                    </a:rPr>
+                    <a:t> </a:t>
+                  </a:r>
+                  <a:r>
+                    <a:rPr kumimoji="1" lang="en-US" altLang="zh-TW" sz="2000" b="0" i="0" u="none" strike="noStrike" cap="none" normalizeH="0" baseline="0" dirty="0">
+                      <a:ln>
+                        <a:noFill/>
+                      </a:ln>
+                      <a:solidFill>
+                        <a:schemeClr val="tx1"/>
+                      </a:solidFill>
+                      <a:effectLst/>
+                      <a:latin typeface="Arial" charset="0"/>
+                      <a:ea typeface="新細明體" charset="-120"/>
+                    </a:rPr>
+                    <a:t>1</a:t>
+                  </a:r>
+                  <a:r>
+                    <a:rPr kumimoji="1" lang="zh-TW" altLang="en-US" sz="2000" b="0" i="0" u="none" strike="noStrike" cap="none" normalizeH="0" baseline="0" dirty="0">
+                      <a:ln>
+                        <a:noFill/>
+                      </a:ln>
+                      <a:solidFill>
+                        <a:schemeClr val="tx1"/>
+                      </a:solidFill>
+                      <a:effectLst/>
+                      <a:latin typeface="Arial" charset="0"/>
+                      <a:ea typeface="新細明體" charset="-120"/>
+                    </a:rPr>
+                    <a:t> </a:t>
+                  </a:r>
+                  <a:r>
+                    <a:rPr kumimoji="1" lang="en-US" altLang="zh-TW" sz="2000" b="0" i="0" u="none" strike="noStrike" cap="none" normalizeH="0" baseline="0" dirty="0">
+                      <a:ln>
+                        <a:noFill/>
+                      </a:ln>
+                      <a:solidFill>
+                        <a:schemeClr val="tx1"/>
+                      </a:solidFill>
+                      <a:effectLst/>
+                      <a:latin typeface="Arial" charset="0"/>
+                      <a:ea typeface="新細明體" charset="-120"/>
+                    </a:rPr>
+                    <a:t>1</a:t>
+                  </a:r>
+                  <a:r>
+                    <a:rPr kumimoji="1" lang="zh-TW" altLang="en-US" sz="2000" b="0" i="0" u="none" strike="noStrike" cap="none" normalizeH="0" baseline="0" dirty="0">
+                      <a:ln>
+                        <a:noFill/>
+                      </a:ln>
+                      <a:solidFill>
+                        <a:schemeClr val="tx1"/>
+                      </a:solidFill>
+                      <a:effectLst/>
+                      <a:latin typeface="Arial" charset="0"/>
+                      <a:ea typeface="新細明體" charset="-120"/>
+                    </a:rPr>
+                    <a:t> </a:t>
+                  </a:r>
+                  <a:r>
+                    <a:rPr kumimoji="1" lang="en-US" altLang="zh-TW" sz="2000" b="0" i="0" u="none" strike="noStrike" cap="none" normalizeH="0" baseline="0" dirty="0">
+                      <a:ln>
+                        <a:noFill/>
+                      </a:ln>
+                      <a:solidFill>
+                        <a:schemeClr val="tx1"/>
+                      </a:solidFill>
+                      <a:effectLst/>
+                      <a:latin typeface="Arial" charset="0"/>
+                      <a:ea typeface="新細明體" charset="-120"/>
+                    </a:rPr>
+                    <a:t>0</a:t>
+                  </a:r>
+                  <a:r>
+                    <a:rPr kumimoji="1" lang="zh-TW" altLang="en-US" sz="2000" b="0" i="0" u="none" strike="noStrike" cap="none" normalizeH="0" baseline="0" dirty="0">
+                      <a:ln>
+                        <a:noFill/>
+                      </a:ln>
+                      <a:solidFill>
+                        <a:schemeClr val="tx1"/>
+                      </a:solidFill>
+                      <a:effectLst/>
+                      <a:latin typeface="Arial" charset="0"/>
+                      <a:ea typeface="新細明體" charset="-120"/>
+                    </a:rPr>
+                    <a:t> </a:t>
+                  </a:r>
+                  <a:r>
+                    <a:rPr kumimoji="1" lang="en-US" altLang="zh-TW" sz="2000" b="0" i="0" u="none" strike="noStrike" cap="none" normalizeH="0" baseline="0" dirty="0">
+                      <a:ln>
+                        <a:noFill/>
+                      </a:ln>
+                      <a:solidFill>
+                        <a:schemeClr val="tx1"/>
+                      </a:solidFill>
+                      <a:effectLst/>
+                      <a:latin typeface="Arial" charset="0"/>
+                      <a:ea typeface="新細明體" charset="-120"/>
+                    </a:rPr>
+                    <a:t>0</a:t>
+                  </a:r>
+                  <a:r>
+                    <a:rPr kumimoji="1" lang="zh-TW" altLang="en-US" sz="2000" b="0" i="0" u="none" strike="noStrike" cap="none" normalizeH="0" baseline="0" dirty="0">
+                      <a:ln>
+                        <a:noFill/>
+                      </a:ln>
+                      <a:solidFill>
+                        <a:schemeClr val="tx1"/>
+                      </a:solidFill>
+                      <a:effectLst/>
+                      <a:latin typeface="Arial" charset="0"/>
+                      <a:ea typeface="新細明體" charset="-120"/>
+                    </a:rPr>
+                    <a:t> </a:t>
+                  </a:r>
+                  <a:r>
+                    <a:rPr kumimoji="1" lang="en-US" altLang="zh-TW" sz="2000" b="0" i="0" u="none" strike="noStrike" cap="none" normalizeH="0" baseline="0" dirty="0">
+                      <a:ln>
+                        <a:noFill/>
+                      </a:ln>
+                      <a:solidFill>
+                        <a:schemeClr val="tx1"/>
+                      </a:solidFill>
+                      <a:effectLst/>
+                      <a:latin typeface="Arial" charset="0"/>
+                      <a:ea typeface="新細明體" charset="-120"/>
+                    </a:rPr>
+                    <a:t>1</a:t>
+                  </a:r>
+                  <a:r>
+                    <a:rPr kumimoji="1" lang="zh-TW" altLang="en-US" sz="2000" b="0" i="0" u="none" strike="noStrike" cap="none" normalizeH="0" baseline="0" dirty="0">
+                      <a:ln>
+                        <a:noFill/>
+                      </a:ln>
+                      <a:solidFill>
+                        <a:schemeClr val="tx1"/>
+                      </a:solidFill>
+                      <a:effectLst/>
+                      <a:latin typeface="Arial" charset="0"/>
+                      <a:ea typeface="新細明體" charset="-120"/>
+                    </a:rPr>
+                    <a:t> </a:t>
+                  </a:r>
+                  <a:r>
+                    <a:rPr kumimoji="1" lang="en-US" altLang="zh-TW" sz="2000" b="0" i="0" u="none" strike="noStrike" cap="none" normalizeH="0" baseline="0" dirty="0">
+                      <a:ln>
+                        <a:noFill/>
+                      </a:ln>
+                      <a:solidFill>
+                        <a:schemeClr val="tx1"/>
+                      </a:solidFill>
+                      <a:effectLst/>
+                      <a:latin typeface="Arial" charset="0"/>
+                      <a:ea typeface="新細明體" charset="-120"/>
+                    </a:rPr>
+                    <a:t>1</a:t>
+                  </a:r>
+                </a:p>
+                <a:p>
+                  <a:pPr marL="0" marR="0" indent="0" algn="ctr" defTabSz="914400" rtl="0" eaLnBrk="1" fontAlgn="base" latinLnBrk="0" hangingPunct="1">
+                    <a:lnSpc>
+                      <a:spcPct val="100000"/>
+                    </a:lnSpc>
+                    <a:spcBef>
+                      <a:spcPct val="0"/>
+                    </a:spcBef>
+                    <a:spcAft>
+                      <a:spcPct val="0"/>
+                    </a:spcAft>
+                    <a:buClrTx/>
+                    <a:buSzTx/>
+                    <a:buFontTx/>
+                    <a:buNone/>
+                    <a:tabLst/>
+                  </a:pPr>
+                  <a:endParaRPr kumimoji="1" lang="en-US" altLang="zh-TW" sz="2000" b="0" i="0" u="none" strike="noStrike" cap="none" normalizeH="0" baseline="0" dirty="0">
+                    <a:ln>
+                      <a:noFill/>
+                    </a:ln>
+                    <a:solidFill>
+                      <a:schemeClr val="tx1"/>
+                    </a:solidFill>
+                    <a:effectLst/>
+                    <a:latin typeface="Arial" charset="0"/>
+                    <a:ea typeface="新細明體" charset="-120"/>
+                  </a:endParaRPr>
+                </a:p>
+                <a:p>
+                  <a:pPr marL="0" marR="0" indent="0" algn="ctr" defTabSz="914400" rtl="0" eaLnBrk="1" fontAlgn="base" latinLnBrk="0" hangingPunct="1">
+                    <a:lnSpc>
+                      <a:spcPct val="100000"/>
+                    </a:lnSpc>
+                    <a:spcBef>
+                      <a:spcPct val="0"/>
+                    </a:spcBef>
+                    <a:spcAft>
+                      <a:spcPct val="0"/>
+                    </a:spcAft>
+                    <a:buClrTx/>
+                    <a:buSzTx/>
+                    <a:buFontTx/>
+                    <a:buNone/>
+                    <a:tabLst/>
+                  </a:pPr>
+                  <a:r>
+                    <a:rPr kumimoji="1" lang="en-US" altLang="zh-TW" sz="2000" dirty="0">
+                      <a:solidFill>
+                        <a:schemeClr val="tx1"/>
+                      </a:solidFill>
+                      <a:latin typeface="Arial" charset="0"/>
+                      <a:ea typeface="新細明體" charset="-120"/>
+                    </a:rPr>
+                    <a:t>1</a:t>
+                  </a:r>
+                  <a:r>
+                    <a:rPr kumimoji="1" lang="zh-TW" altLang="en-US" sz="2000" dirty="0">
+                      <a:solidFill>
+                        <a:schemeClr val="tx1"/>
+                      </a:solidFill>
+                      <a:latin typeface="Arial" charset="0"/>
+                      <a:ea typeface="新細明體" charset="-120"/>
+                    </a:rPr>
+                    <a:t> </a:t>
+                  </a:r>
+                  <a:r>
+                    <a:rPr kumimoji="1" lang="en-US" altLang="zh-TW" sz="2000" dirty="0">
+                      <a:solidFill>
+                        <a:schemeClr val="tx1"/>
+                      </a:solidFill>
+                      <a:latin typeface="Arial" charset="0"/>
+                      <a:ea typeface="新細明體" charset="-120"/>
+                    </a:rPr>
+                    <a:t>1</a:t>
+                  </a:r>
+                  <a:r>
+                    <a:rPr kumimoji="1" lang="zh-TW" altLang="en-US" sz="2000" dirty="0">
+                      <a:solidFill>
+                        <a:schemeClr val="tx1"/>
+                      </a:solidFill>
+                      <a:latin typeface="Arial" charset="0"/>
+                      <a:ea typeface="新細明體" charset="-120"/>
+                    </a:rPr>
+                    <a:t> </a:t>
+                  </a:r>
+                  <a:r>
+                    <a:rPr kumimoji="1" lang="en-US" altLang="zh-TW" sz="2000" dirty="0">
+                      <a:solidFill>
+                        <a:schemeClr val="tx1"/>
+                      </a:solidFill>
+                      <a:latin typeface="Arial" charset="0"/>
+                      <a:ea typeface="新細明體" charset="-120"/>
+                    </a:rPr>
+                    <a:t>0</a:t>
+                  </a:r>
+                  <a:r>
+                    <a:rPr kumimoji="1" lang="zh-TW" altLang="en-US" sz="2000" dirty="0">
+                      <a:solidFill>
+                        <a:schemeClr val="tx1"/>
+                      </a:solidFill>
+                      <a:latin typeface="Arial" charset="0"/>
+                      <a:ea typeface="新細明體" charset="-120"/>
+                    </a:rPr>
+                    <a:t> </a:t>
+                  </a:r>
+                  <a:r>
+                    <a:rPr kumimoji="1" lang="en-US" altLang="zh-TW" sz="2000" dirty="0">
+                      <a:solidFill>
+                        <a:schemeClr val="tx1"/>
+                      </a:solidFill>
+                      <a:latin typeface="Arial" charset="0"/>
+                      <a:ea typeface="新細明體" charset="-120"/>
+                    </a:rPr>
+                    <a:t>0</a:t>
+                  </a:r>
+                  <a:r>
+                    <a:rPr kumimoji="1" lang="zh-TW" altLang="en-US" sz="2000" dirty="0">
+                      <a:solidFill>
+                        <a:schemeClr val="tx1"/>
+                      </a:solidFill>
+                      <a:latin typeface="Arial" charset="0"/>
+                      <a:ea typeface="新細明體" charset="-120"/>
+                    </a:rPr>
+                    <a:t> </a:t>
+                  </a:r>
+                  <a:r>
+                    <a:rPr kumimoji="1" lang="en-US" altLang="zh-TW" sz="2000" dirty="0">
+                      <a:solidFill>
+                        <a:schemeClr val="tx1"/>
+                      </a:solidFill>
+                      <a:latin typeface="Arial" charset="0"/>
+                      <a:ea typeface="新細明體" charset="-120"/>
+                    </a:rPr>
+                    <a:t>0</a:t>
+                  </a:r>
+                  <a:r>
+                    <a:rPr kumimoji="1" lang="zh-TW" altLang="en-US" sz="2000" dirty="0">
+                      <a:solidFill>
+                        <a:schemeClr val="tx1"/>
+                      </a:solidFill>
+                      <a:latin typeface="Arial" charset="0"/>
+                      <a:ea typeface="新細明體" charset="-120"/>
+                    </a:rPr>
+                    <a:t> </a:t>
+                  </a:r>
+                  <a:r>
+                    <a:rPr kumimoji="1" lang="en-US" altLang="zh-TW" sz="2000" dirty="0">
+                      <a:solidFill>
+                        <a:schemeClr val="tx1"/>
+                      </a:solidFill>
+                      <a:latin typeface="Arial" charset="0"/>
+                      <a:ea typeface="新細明體" charset="-120"/>
+                    </a:rPr>
+                    <a:t>0</a:t>
+                  </a:r>
+                  <a:r>
+                    <a:rPr kumimoji="1" lang="zh-TW" altLang="en-US" sz="2000" dirty="0">
+                      <a:solidFill>
+                        <a:schemeClr val="tx1"/>
+                      </a:solidFill>
+                      <a:latin typeface="Arial" charset="0"/>
+                      <a:ea typeface="新細明體" charset="-120"/>
+                    </a:rPr>
+                    <a:t> </a:t>
+                  </a:r>
+                  <a:r>
+                    <a:rPr kumimoji="1" lang="en-US" altLang="zh-TW" sz="2000" dirty="0">
+                      <a:solidFill>
+                        <a:schemeClr val="tx1"/>
+                      </a:solidFill>
+                      <a:latin typeface="Arial" charset="0"/>
+                      <a:ea typeface="新細明體" charset="-120"/>
+                    </a:rPr>
+                    <a:t>1</a:t>
+                  </a:r>
+                  <a:r>
+                    <a:rPr kumimoji="1" lang="zh-TW" altLang="en-US" sz="2000" dirty="0">
+                      <a:solidFill>
+                        <a:schemeClr val="tx1"/>
+                      </a:solidFill>
+                      <a:latin typeface="Arial" charset="0"/>
+                      <a:ea typeface="新細明體" charset="-120"/>
+                    </a:rPr>
+                    <a:t> </a:t>
+                  </a:r>
+                  <a:r>
+                    <a:rPr kumimoji="1" lang="en-US" altLang="zh-TW" sz="2000" dirty="0">
+                      <a:solidFill>
+                        <a:schemeClr val="tx1"/>
+                      </a:solidFill>
+                      <a:latin typeface="Arial" charset="0"/>
+                      <a:ea typeface="新細明體" charset="-120"/>
+                    </a:rPr>
+                    <a:t>1</a:t>
+                  </a:r>
+                  <a:endParaRPr kumimoji="1" lang="zh-TW" altLang="en-US" sz="2000" b="0" i="0" u="none" strike="noStrike" cap="none" normalizeH="0" baseline="0" dirty="0">
+                    <a:ln>
+                      <a:noFill/>
+                    </a:ln>
+                    <a:solidFill>
+                      <a:schemeClr val="tx1"/>
+                    </a:solidFill>
+                    <a:effectLst/>
+                    <a:latin typeface="Arial" charset="0"/>
+                    <a:ea typeface="新細明體" charset="-120"/>
+                  </a:endParaRPr>
+                </a:p>
+              </p:txBody>
+            </p:sp>
+            <p:cxnSp>
+              <p:nvCxnSpPr>
+                <p:cNvPr id="9" name="直線單箭頭接點 8">
+                  <a:extLst>
+                    <a:ext uri="{FF2B5EF4-FFF2-40B4-BE49-F238E27FC236}">
+                      <a16:creationId xmlns:a16="http://schemas.microsoft.com/office/drawing/2014/main" id="{1B4A2D2A-E412-6524-A44D-1825B4EE5CA1}"/>
+                    </a:ext>
+                  </a:extLst>
+                </p:cNvPr>
+                <p:cNvCxnSpPr>
+                  <a:cxnSpLocks/>
+                  <a:endCxn id="11" idx="0"/>
+                </p:cNvCxnSpPr>
+                <p:nvPr/>
+              </p:nvCxnSpPr>
+              <p:spPr bwMode="auto">
+                <a:xfrm flipH="1">
+                  <a:off x="873967" y="3653408"/>
+                  <a:ext cx="426462" cy="399305"/>
+                </a:xfrm>
+                <a:prstGeom prst="straightConnector1">
+                  <a:avLst/>
+                </a:prstGeom>
+                <a:noFill/>
+                <a:ln w="38100" cap="flat" cmpd="sng" algn="ctr">
+                  <a:solidFill>
+                    <a:schemeClr val="tx1"/>
+                  </a:solidFill>
+                  <a:prstDash val="solid"/>
+                  <a:round/>
+                  <a:headEnd type="none" w="med" len="med"/>
+                  <a:tailEnd type="triangle"/>
+                </a:ln>
+                <a:effectLst/>
+              </p:spPr>
+            </p:cxnSp>
+            <p:sp>
+              <p:nvSpPr>
+                <p:cNvPr id="11" name="矩形: 圓角 10">
+                  <a:extLst>
+                    <a:ext uri="{FF2B5EF4-FFF2-40B4-BE49-F238E27FC236}">
+                      <a16:creationId xmlns:a16="http://schemas.microsoft.com/office/drawing/2014/main" id="{4E8290D6-BBDA-7D53-6B00-C8462F2E4C73}"/>
+                    </a:ext>
+                  </a:extLst>
+                </p:cNvPr>
+                <p:cNvSpPr/>
+                <p:nvPr/>
+              </p:nvSpPr>
+              <p:spPr bwMode="auto">
+                <a:xfrm>
+                  <a:off x="606439" y="4052713"/>
+                  <a:ext cx="535055" cy="355848"/>
+                </a:xfrm>
+                <a:prstGeom prst="roundRect">
+                  <a:avLst/>
+                </a:prstGeom>
+                <a:noFill/>
+                <a:ln w="38100" cap="flat" cmpd="sng" algn="ctr">
+                  <a:solidFill>
+                    <a:srgbClr val="4F81BD"/>
+                  </a:solidFill>
+                  <a:prstDash val="solid"/>
+                  <a:round/>
+                  <a:headEnd type="none" w="med" len="med"/>
+                  <a:tailEnd type="triangle" w="med" len="med"/>
+                </a:ln>
+                <a:effectLst/>
+              </p:spPr>
+              <p:txBody>
+                <a:bodyPr vert="horz" wrap="square" lIns="91440" tIns="45720" rIns="91440" bIns="45720" numCol="1" rtlCol="0" anchor="t" anchorCtr="0" compatLnSpc="1">
+                  <a:prstTxWarp prst="textNoShape">
+                    <a:avLst/>
+                  </a:prstTxWarp>
+                </a:bodyPr>
+                <a:lstStyle/>
+                <a:p>
+                  <a:pPr marL="0" marR="0" indent="0" algn="ctr" defTabSz="914400" rtl="0" eaLnBrk="1" fontAlgn="base" latinLnBrk="0" hangingPunct="1">
+                    <a:lnSpc>
+                      <a:spcPct val="100000"/>
+                    </a:lnSpc>
+                    <a:spcBef>
+                      <a:spcPct val="0"/>
+                    </a:spcBef>
+                    <a:spcAft>
+                      <a:spcPct val="0"/>
+                    </a:spcAft>
+                    <a:buClrTx/>
+                    <a:buSzTx/>
+                    <a:buFontTx/>
+                    <a:buNone/>
+                    <a:tabLst/>
+                  </a:pPr>
+                  <a:r>
+                    <a:rPr kumimoji="1" lang="en-US" altLang="zh-TW" dirty="0">
+                      <a:latin typeface="Arial" charset="0"/>
+                      <a:ea typeface="新細明體" charset="-120"/>
+                    </a:rPr>
+                    <a:t>1</a:t>
+                  </a:r>
+                  <a:endParaRPr kumimoji="1" lang="zh-TW" altLang="en-US" sz="1800" b="0" i="0" u="none" strike="noStrike" cap="none" normalizeH="0" baseline="0" dirty="0">
+                    <a:ln>
+                      <a:noFill/>
+                    </a:ln>
+                    <a:solidFill>
+                      <a:schemeClr val="tx1"/>
+                    </a:solidFill>
+                    <a:effectLst/>
+                    <a:latin typeface="Arial" charset="0"/>
+                    <a:ea typeface="新細明體" charset="-120"/>
+                  </a:endParaRPr>
+                </a:p>
+              </p:txBody>
+            </p:sp>
+            <p:sp>
+              <p:nvSpPr>
+                <p:cNvPr id="12" name="矩形: 圓角 11">
+                  <a:extLst>
+                    <a:ext uri="{FF2B5EF4-FFF2-40B4-BE49-F238E27FC236}">
+                      <a16:creationId xmlns:a16="http://schemas.microsoft.com/office/drawing/2014/main" id="{A451C846-348E-F967-3312-2E04C65C5378}"/>
+                    </a:ext>
+                  </a:extLst>
+                </p:cNvPr>
+                <p:cNvSpPr/>
+                <p:nvPr/>
+              </p:nvSpPr>
+              <p:spPr bwMode="auto">
+                <a:xfrm>
+                  <a:off x="1309797" y="4052713"/>
+                  <a:ext cx="535055" cy="355848"/>
+                </a:xfrm>
+                <a:prstGeom prst="roundRect">
+                  <a:avLst/>
+                </a:prstGeom>
+                <a:noFill/>
+                <a:ln w="38100" cap="flat" cmpd="sng" algn="ctr">
+                  <a:solidFill>
+                    <a:srgbClr val="4F81BD"/>
+                  </a:solidFill>
+                  <a:prstDash val="solid"/>
+                  <a:round/>
+                  <a:headEnd type="none" w="med" len="med"/>
+                  <a:tailEnd type="triangle" w="med" len="med"/>
+                </a:ln>
+                <a:effectLst/>
+              </p:spPr>
+              <p:txBody>
+                <a:bodyPr vert="horz" wrap="square" lIns="91440" tIns="45720" rIns="91440" bIns="45720" numCol="1" rtlCol="0" anchor="t" anchorCtr="0" compatLnSpc="1">
+                  <a:prstTxWarp prst="textNoShape">
+                    <a:avLst/>
+                  </a:prstTxWarp>
+                </a:bodyPr>
+                <a:lstStyle/>
+                <a:p>
+                  <a:pPr marL="0" marR="0" indent="0" algn="ctr" defTabSz="914400" rtl="0" eaLnBrk="1" fontAlgn="base" latinLnBrk="0" hangingPunct="1">
+                    <a:lnSpc>
+                      <a:spcPct val="100000"/>
+                    </a:lnSpc>
+                    <a:spcBef>
+                      <a:spcPct val="0"/>
+                    </a:spcBef>
+                    <a:spcAft>
+                      <a:spcPct val="0"/>
+                    </a:spcAft>
+                    <a:buClrTx/>
+                    <a:buSzTx/>
+                    <a:buFontTx/>
+                    <a:buNone/>
+                    <a:tabLst/>
+                  </a:pPr>
+                  <a:r>
+                    <a:rPr kumimoji="1" lang="en-US" altLang="zh-TW" dirty="0">
+                      <a:latin typeface="Arial" charset="0"/>
+                      <a:ea typeface="新細明體" charset="-120"/>
+                    </a:rPr>
+                    <a:t>2</a:t>
+                  </a:r>
+                  <a:endParaRPr kumimoji="1" lang="zh-TW" altLang="en-US" sz="1800" b="0" i="0" u="none" strike="noStrike" cap="none" normalizeH="0" baseline="0" dirty="0">
+                    <a:ln>
+                      <a:noFill/>
+                    </a:ln>
+                    <a:solidFill>
+                      <a:schemeClr val="tx1"/>
+                    </a:solidFill>
+                    <a:effectLst/>
+                    <a:latin typeface="Arial" charset="0"/>
+                    <a:ea typeface="新細明體" charset="-120"/>
+                  </a:endParaRPr>
+                </a:p>
+              </p:txBody>
+            </p:sp>
+            <p:sp>
+              <p:nvSpPr>
+                <p:cNvPr id="13" name="矩形: 圓角 12">
+                  <a:extLst>
+                    <a:ext uri="{FF2B5EF4-FFF2-40B4-BE49-F238E27FC236}">
+                      <a16:creationId xmlns:a16="http://schemas.microsoft.com/office/drawing/2014/main" id="{FA64E307-C4A5-C5E6-08B9-6E842CEF93DC}"/>
+                    </a:ext>
+                  </a:extLst>
+                </p:cNvPr>
+                <p:cNvSpPr/>
+                <p:nvPr/>
+              </p:nvSpPr>
+              <p:spPr bwMode="auto">
+                <a:xfrm>
+                  <a:off x="2013156" y="4052713"/>
+                  <a:ext cx="535055" cy="355848"/>
+                </a:xfrm>
+                <a:prstGeom prst="roundRect">
+                  <a:avLst/>
+                </a:prstGeom>
+                <a:noFill/>
+                <a:ln w="38100" cap="flat" cmpd="sng" algn="ctr">
+                  <a:solidFill>
+                    <a:srgbClr val="4F81BD"/>
+                  </a:solidFill>
+                  <a:prstDash val="solid"/>
+                  <a:round/>
+                  <a:headEnd type="none" w="med" len="med"/>
+                  <a:tailEnd type="triangle" w="med" len="med"/>
+                </a:ln>
+                <a:effectLst/>
+              </p:spPr>
+              <p:txBody>
+                <a:bodyPr vert="horz" wrap="square" lIns="91440" tIns="45720" rIns="91440" bIns="45720" numCol="1" rtlCol="0" anchor="t" anchorCtr="0" compatLnSpc="1">
+                  <a:prstTxWarp prst="textNoShape">
+                    <a:avLst/>
+                  </a:prstTxWarp>
+                </a:bodyPr>
+                <a:lstStyle/>
+                <a:p>
+                  <a:pPr marL="0" marR="0" indent="0" algn="ctr" defTabSz="914400" rtl="0" eaLnBrk="1" fontAlgn="base" latinLnBrk="0" hangingPunct="1">
+                    <a:lnSpc>
+                      <a:spcPct val="100000"/>
+                    </a:lnSpc>
+                    <a:spcBef>
+                      <a:spcPct val="0"/>
+                    </a:spcBef>
+                    <a:spcAft>
+                      <a:spcPct val="0"/>
+                    </a:spcAft>
+                    <a:buClrTx/>
+                    <a:buSzTx/>
+                    <a:buFontTx/>
+                    <a:buNone/>
+                    <a:tabLst/>
+                  </a:pPr>
+                  <a:r>
+                    <a:rPr kumimoji="1" lang="en-US" altLang="zh-TW" sz="1800" b="0" i="0" u="none" strike="noStrike" cap="none" normalizeH="0" baseline="0" dirty="0">
+                      <a:ln>
+                        <a:noFill/>
+                      </a:ln>
+                      <a:solidFill>
+                        <a:schemeClr val="tx1"/>
+                      </a:solidFill>
+                      <a:effectLst/>
+                      <a:latin typeface="Arial" charset="0"/>
+                      <a:ea typeface="新細明體" charset="-120"/>
+                    </a:rPr>
+                    <a:t>0</a:t>
+                  </a:r>
+                  <a:endParaRPr kumimoji="1" lang="zh-TW" altLang="en-US" sz="1800" b="0" i="0" u="none" strike="noStrike" cap="none" normalizeH="0" baseline="0" dirty="0">
+                    <a:ln>
+                      <a:noFill/>
+                    </a:ln>
+                    <a:solidFill>
+                      <a:schemeClr val="tx1"/>
+                    </a:solidFill>
+                    <a:effectLst/>
+                    <a:latin typeface="Arial" charset="0"/>
+                    <a:ea typeface="新細明體" charset="-120"/>
+                  </a:endParaRPr>
+                </a:p>
+              </p:txBody>
+            </p:sp>
+            <p:sp>
+              <p:nvSpPr>
+                <p:cNvPr id="14" name="矩形: 圓角 13">
+                  <a:extLst>
+                    <a:ext uri="{FF2B5EF4-FFF2-40B4-BE49-F238E27FC236}">
+                      <a16:creationId xmlns:a16="http://schemas.microsoft.com/office/drawing/2014/main" id="{3D0AF6BB-C5BE-8FEF-A03C-A24F1A8908F6}"/>
+                    </a:ext>
+                  </a:extLst>
+                </p:cNvPr>
+                <p:cNvSpPr/>
+                <p:nvPr/>
+              </p:nvSpPr>
+              <p:spPr bwMode="auto">
+                <a:xfrm>
+                  <a:off x="2716514" y="4052713"/>
+                  <a:ext cx="535055" cy="355848"/>
+                </a:xfrm>
+                <a:prstGeom prst="roundRect">
+                  <a:avLst/>
+                </a:prstGeom>
+                <a:noFill/>
+                <a:ln w="38100" cap="flat" cmpd="sng" algn="ctr">
+                  <a:solidFill>
+                    <a:srgbClr val="4F81BD"/>
+                  </a:solidFill>
+                  <a:prstDash val="solid"/>
+                  <a:round/>
+                  <a:headEnd type="none" w="med" len="med"/>
+                  <a:tailEnd type="triangle" w="med" len="med"/>
+                </a:ln>
+                <a:effectLst/>
+              </p:spPr>
+              <p:txBody>
+                <a:bodyPr vert="horz" wrap="square" lIns="91440" tIns="45720" rIns="91440" bIns="45720" numCol="1" rtlCol="0" anchor="t" anchorCtr="0" compatLnSpc="1">
+                  <a:prstTxWarp prst="textNoShape">
+                    <a:avLst/>
+                  </a:prstTxWarp>
+                </a:bodyPr>
+                <a:lstStyle/>
+                <a:p>
+                  <a:pPr marL="0" marR="0" indent="0" algn="ctr" defTabSz="914400" rtl="0" eaLnBrk="1" fontAlgn="base" latinLnBrk="0" hangingPunct="1">
+                    <a:lnSpc>
+                      <a:spcPct val="100000"/>
+                    </a:lnSpc>
+                    <a:spcBef>
+                      <a:spcPct val="0"/>
+                    </a:spcBef>
+                    <a:spcAft>
+                      <a:spcPct val="0"/>
+                    </a:spcAft>
+                    <a:buClrTx/>
+                    <a:buSzTx/>
+                    <a:buFontTx/>
+                    <a:buNone/>
+                    <a:tabLst/>
+                  </a:pPr>
+                  <a:r>
+                    <a:rPr kumimoji="1" lang="en-US" altLang="zh-TW" dirty="0">
+                      <a:latin typeface="Arial" charset="0"/>
+                      <a:ea typeface="新細明體" charset="-120"/>
+                    </a:rPr>
+                    <a:t>0</a:t>
+                  </a:r>
+                  <a:endParaRPr kumimoji="1" lang="zh-TW" altLang="en-US" sz="1800" b="0" i="0" u="none" strike="noStrike" cap="none" normalizeH="0" baseline="0" dirty="0">
+                    <a:ln>
+                      <a:noFill/>
+                    </a:ln>
+                    <a:solidFill>
+                      <a:schemeClr val="tx1"/>
+                    </a:solidFill>
+                    <a:effectLst/>
+                    <a:latin typeface="Arial" charset="0"/>
+                    <a:ea typeface="新細明體" charset="-120"/>
+                  </a:endParaRPr>
+                </a:p>
+              </p:txBody>
+            </p:sp>
+            <p:cxnSp>
+              <p:nvCxnSpPr>
+                <p:cNvPr id="16" name="直線單箭頭接點 15">
+                  <a:extLst>
+                    <a:ext uri="{FF2B5EF4-FFF2-40B4-BE49-F238E27FC236}">
+                      <a16:creationId xmlns:a16="http://schemas.microsoft.com/office/drawing/2014/main" id="{58186AFA-32B5-48BF-CC87-6AA2919C36A9}"/>
+                    </a:ext>
+                  </a:extLst>
+                </p:cNvPr>
+                <p:cNvCxnSpPr>
+                  <a:cxnSpLocks/>
+                  <a:endCxn id="12" idx="0"/>
+                </p:cNvCxnSpPr>
+                <p:nvPr/>
+              </p:nvCxnSpPr>
+              <p:spPr bwMode="auto">
+                <a:xfrm flipH="1">
+                  <a:off x="1577325" y="3653408"/>
+                  <a:ext cx="168304" cy="399305"/>
+                </a:xfrm>
+                <a:prstGeom prst="straightConnector1">
+                  <a:avLst/>
+                </a:prstGeom>
+                <a:noFill/>
+                <a:ln w="38100" cap="flat" cmpd="sng" algn="ctr">
+                  <a:solidFill>
+                    <a:schemeClr val="tx1"/>
+                  </a:solidFill>
+                  <a:prstDash val="solid"/>
+                  <a:round/>
+                  <a:headEnd type="none" w="med" len="med"/>
+                  <a:tailEnd type="triangle"/>
+                </a:ln>
+                <a:effectLst/>
+              </p:spPr>
+            </p:cxnSp>
+            <p:cxnSp>
+              <p:nvCxnSpPr>
+                <p:cNvPr id="19" name="直線單箭頭接點 18">
+                  <a:extLst>
+                    <a:ext uri="{FF2B5EF4-FFF2-40B4-BE49-F238E27FC236}">
+                      <a16:creationId xmlns:a16="http://schemas.microsoft.com/office/drawing/2014/main" id="{52C2A172-6749-8C69-C153-5323387E0012}"/>
+                    </a:ext>
+                  </a:extLst>
+                </p:cNvPr>
+                <p:cNvCxnSpPr>
+                  <a:cxnSpLocks/>
+                  <a:endCxn id="13" idx="0"/>
+                </p:cNvCxnSpPr>
+                <p:nvPr/>
+              </p:nvCxnSpPr>
+              <p:spPr bwMode="auto">
+                <a:xfrm>
+                  <a:off x="2190604" y="3653408"/>
+                  <a:ext cx="90080" cy="399305"/>
+                </a:xfrm>
+                <a:prstGeom prst="straightConnector1">
+                  <a:avLst/>
+                </a:prstGeom>
+                <a:noFill/>
+                <a:ln w="38100" cap="flat" cmpd="sng" algn="ctr">
+                  <a:solidFill>
+                    <a:schemeClr val="tx1"/>
+                  </a:solidFill>
+                  <a:prstDash val="solid"/>
+                  <a:round/>
+                  <a:headEnd type="none" w="med" len="med"/>
+                  <a:tailEnd type="triangle"/>
+                </a:ln>
+                <a:effectLst/>
+              </p:spPr>
+            </p:cxnSp>
+            <p:cxnSp>
+              <p:nvCxnSpPr>
+                <p:cNvPr id="22" name="直線單箭頭接點 21">
+                  <a:extLst>
+                    <a:ext uri="{FF2B5EF4-FFF2-40B4-BE49-F238E27FC236}">
+                      <a16:creationId xmlns:a16="http://schemas.microsoft.com/office/drawing/2014/main" id="{8C84283B-CEDF-937B-8C4F-88DE4B02BA3C}"/>
+                    </a:ext>
+                  </a:extLst>
+                </p:cNvPr>
+                <p:cNvCxnSpPr>
+                  <a:cxnSpLocks/>
+                  <a:endCxn id="14" idx="0"/>
+                </p:cNvCxnSpPr>
+                <p:nvPr/>
+              </p:nvCxnSpPr>
+              <p:spPr bwMode="auto">
+                <a:xfrm>
+                  <a:off x="2629739" y="3653408"/>
+                  <a:ext cx="354303" cy="399305"/>
+                </a:xfrm>
+                <a:prstGeom prst="straightConnector1">
+                  <a:avLst/>
+                </a:prstGeom>
+                <a:noFill/>
+                <a:ln w="38100" cap="flat" cmpd="sng" algn="ctr">
+                  <a:solidFill>
+                    <a:schemeClr val="tx1"/>
+                  </a:solidFill>
+                  <a:prstDash val="solid"/>
+                  <a:round/>
+                  <a:headEnd type="none" w="med" len="med"/>
+                  <a:tailEnd type="triangle"/>
+                </a:ln>
+                <a:effectLst/>
+              </p:spPr>
+            </p:cxnSp>
+            <p:cxnSp>
+              <p:nvCxnSpPr>
+                <p:cNvPr id="26" name="直線接點 25">
+                  <a:extLst>
+                    <a:ext uri="{FF2B5EF4-FFF2-40B4-BE49-F238E27FC236}">
+                      <a16:creationId xmlns:a16="http://schemas.microsoft.com/office/drawing/2014/main" id="{7A8EA6A8-E97A-45C2-FEAF-83913FD92A14}"/>
+                    </a:ext>
+                  </a:extLst>
+                </p:cNvPr>
+                <p:cNvCxnSpPr/>
+                <p:nvPr/>
+              </p:nvCxnSpPr>
+              <p:spPr bwMode="auto">
+                <a:xfrm flipH="1">
+                  <a:off x="1527969" y="2200672"/>
+                  <a:ext cx="8635" cy="1520552"/>
+                </a:xfrm>
+                <a:prstGeom prst="line">
+                  <a:avLst/>
+                </a:prstGeom>
+                <a:ln w="28575">
+                  <a:solidFill>
+                    <a:srgbClr val="0000FF"/>
+                  </a:solidFill>
+                  <a:prstDash val="sysDot"/>
+                  <a:headEnd type="none" w="med" len="med"/>
+                  <a:tailEnd type="none" w="med" len="med"/>
+                </a:ln>
+              </p:spPr>
+              <p:style>
+                <a:lnRef idx="1">
+                  <a:schemeClr val="accent1"/>
+                </a:lnRef>
+                <a:fillRef idx="0">
+                  <a:schemeClr val="accent1"/>
+                </a:fillRef>
+                <a:effectRef idx="0">
+                  <a:schemeClr val="accent1"/>
+                </a:effectRef>
+                <a:fontRef idx="minor">
+                  <a:schemeClr val="tx1"/>
+                </a:fontRef>
+              </p:style>
+            </p:cxnSp>
+            <p:cxnSp>
+              <p:nvCxnSpPr>
+                <p:cNvPr id="28" name="直線接點 27">
+                  <a:extLst>
+                    <a:ext uri="{FF2B5EF4-FFF2-40B4-BE49-F238E27FC236}">
+                      <a16:creationId xmlns:a16="http://schemas.microsoft.com/office/drawing/2014/main" id="{27DA8300-53B3-476A-798C-B3F30B4A13D3}"/>
+                    </a:ext>
+                  </a:extLst>
+                </p:cNvPr>
+                <p:cNvCxnSpPr/>
+                <p:nvPr/>
+              </p:nvCxnSpPr>
+              <p:spPr bwMode="auto">
+                <a:xfrm flipH="1">
+                  <a:off x="1937894" y="2200672"/>
+                  <a:ext cx="8635" cy="1520552"/>
+                </a:xfrm>
+                <a:prstGeom prst="line">
+                  <a:avLst/>
+                </a:prstGeom>
+                <a:ln w="28575">
+                  <a:solidFill>
+                    <a:srgbClr val="0000FF"/>
+                  </a:solidFill>
+                  <a:prstDash val="sysDot"/>
+                  <a:headEnd type="none" w="med" len="med"/>
+                  <a:tailEnd type="none" w="med" len="med"/>
+                </a:ln>
+              </p:spPr>
+              <p:style>
+                <a:lnRef idx="1">
+                  <a:schemeClr val="accent1"/>
+                </a:lnRef>
+                <a:fillRef idx="0">
+                  <a:schemeClr val="accent1"/>
+                </a:fillRef>
+                <a:effectRef idx="0">
+                  <a:schemeClr val="accent1"/>
+                </a:effectRef>
+                <a:fontRef idx="minor">
+                  <a:schemeClr val="tx1"/>
+                </a:fontRef>
+              </p:style>
+            </p:cxnSp>
+            <p:cxnSp>
+              <p:nvCxnSpPr>
+                <p:cNvPr id="29" name="直線接點 28">
+                  <a:extLst>
+                    <a:ext uri="{FF2B5EF4-FFF2-40B4-BE49-F238E27FC236}">
+                      <a16:creationId xmlns:a16="http://schemas.microsoft.com/office/drawing/2014/main" id="{3E869B07-6089-3811-8E4F-BDD9E3477CF2}"/>
+                    </a:ext>
+                  </a:extLst>
+                </p:cNvPr>
+                <p:cNvCxnSpPr/>
+                <p:nvPr/>
+              </p:nvCxnSpPr>
+              <p:spPr bwMode="auto">
+                <a:xfrm flipH="1">
+                  <a:off x="2362212" y="2200672"/>
+                  <a:ext cx="8635" cy="1520552"/>
+                </a:xfrm>
+                <a:prstGeom prst="line">
+                  <a:avLst/>
+                </a:prstGeom>
+                <a:ln w="28575">
+                  <a:solidFill>
+                    <a:srgbClr val="0000FF"/>
+                  </a:solidFill>
+                  <a:prstDash val="sysDot"/>
+                  <a:headEnd type="none" w="med" len="med"/>
+                  <a:tailEnd type="none" w="med" len="med"/>
+                </a:ln>
+              </p:spPr>
+              <p:style>
+                <a:lnRef idx="1">
+                  <a:schemeClr val="accent1"/>
+                </a:lnRef>
+                <a:fillRef idx="0">
+                  <a:schemeClr val="accent1"/>
+                </a:fillRef>
+                <a:effectRef idx="0">
+                  <a:schemeClr val="accent1"/>
+                </a:effectRef>
+                <a:fontRef idx="minor">
+                  <a:schemeClr val="tx1"/>
+                </a:fontRef>
+              </p:style>
+            </p:cxnSp>
+          </p:grpSp>
+          <p:cxnSp>
+            <p:nvCxnSpPr>
+              <p:cNvPr id="40" name="直線單箭頭接點 39">
+                <a:extLst>
+                  <a:ext uri="{FF2B5EF4-FFF2-40B4-BE49-F238E27FC236}">
+                    <a16:creationId xmlns:a16="http://schemas.microsoft.com/office/drawing/2014/main" id="{36F9F98A-8912-0F9F-004E-D3451377CFEF}"/>
+                  </a:ext>
+                </a:extLst>
+              </p:cNvPr>
+              <p:cNvCxnSpPr>
+                <a:cxnSpLocks/>
+                <a:stCxn id="11" idx="2"/>
+                <a:endCxn id="44" idx="1"/>
+              </p:cNvCxnSpPr>
+              <p:nvPr/>
+            </p:nvCxnSpPr>
+            <p:spPr bwMode="auto">
+              <a:xfrm>
+                <a:off x="857245" y="5132833"/>
+                <a:ext cx="852925" cy="589347"/>
+              </a:xfrm>
+              <a:prstGeom prst="straightConnector1">
+                <a:avLst/>
+              </a:prstGeom>
+              <a:noFill/>
+              <a:ln w="38100" cap="flat" cmpd="sng" algn="ctr">
+                <a:solidFill>
+                  <a:schemeClr val="tx1"/>
+                </a:solidFill>
+                <a:prstDash val="solid"/>
+                <a:round/>
+                <a:headEnd type="none" w="med" len="med"/>
+                <a:tailEnd type="triangle"/>
+              </a:ln>
+              <a:effectLst/>
+            </p:spPr>
+          </p:cxnSp>
+          <p:sp>
+            <p:nvSpPr>
+              <p:cNvPr id="44" name="橢圓 43">
+                <a:extLst>
+                  <a:ext uri="{FF2B5EF4-FFF2-40B4-BE49-F238E27FC236}">
+                    <a16:creationId xmlns:a16="http://schemas.microsoft.com/office/drawing/2014/main" id="{5176D595-2269-E07A-0256-90D122D59C03}"/>
+                  </a:ext>
+                </a:extLst>
+              </p:cNvPr>
+              <p:cNvSpPr/>
+              <p:nvPr/>
+            </p:nvSpPr>
+            <p:spPr bwMode="auto">
+              <a:xfrm>
+                <a:off x="1630610" y="5642620"/>
+                <a:ext cx="543272" cy="543272"/>
+              </a:xfrm>
+              <a:prstGeom prst="ellipse">
+                <a:avLst/>
+              </a:prstGeom>
+              <a:ln w="38100">
+                <a:headEnd type="none" w="med" len="med"/>
+                <a:tailEnd type="triangle" w="med" len="med"/>
+              </a:ln>
+            </p:spPr>
+            <p:style>
+              <a:lnRef idx="2">
+                <a:schemeClr val="dk1"/>
+              </a:lnRef>
+              <a:fillRef idx="1">
+                <a:schemeClr val="lt1"/>
+              </a:fillRef>
+              <a:effectRef idx="0">
+                <a:schemeClr val="dk1"/>
+              </a:effectRef>
+              <a:fontRef idx="minor">
+                <a:schemeClr val="dk1"/>
+              </a:fontRef>
+            </p:style>
+            <p:txBody>
+              <a:bodyPr vert="horz" wrap="square" lIns="91440" tIns="45720" rIns="91440" bIns="45720" numCol="1" rtlCol="0" anchor="t" anchorCtr="0" compatLnSpc="1">
+                <a:prstTxWarp prst="textNoShape">
+                  <a:avLst/>
+                </a:prstTxWarp>
+              </a:bodyPr>
+              <a:lstStyle/>
+              <a:p>
+                <a:pPr marL="0" marR="0" indent="0" algn="ctr" defTabSz="914400" rtl="0" eaLnBrk="1" fontAlgn="t" latinLnBrk="0" hangingPunct="1">
+                  <a:lnSpc>
+                    <a:spcPct val="100000"/>
+                  </a:lnSpc>
+                  <a:spcBef>
+                    <a:spcPct val="0"/>
+                  </a:spcBef>
+                  <a:spcAft>
+                    <a:spcPct val="0"/>
+                  </a:spcAft>
+                  <a:buClrTx/>
+                  <a:buSzTx/>
+                  <a:buFontTx/>
+                  <a:buNone/>
+                  <a:tabLst/>
+                </a:pPr>
+                <a:r>
+                  <a:rPr kumimoji="1" lang="en-US" altLang="zh-TW" sz="2400" b="0" i="0" u="none" strike="noStrike" cap="none" normalizeH="0" baseline="0" dirty="0">
+                    <a:ln>
+                      <a:noFill/>
+                    </a:ln>
+                    <a:solidFill>
+                      <a:schemeClr val="tx1"/>
+                    </a:solidFill>
+                    <a:effectLst/>
+                    <a:latin typeface="Arial" charset="0"/>
+                    <a:ea typeface="新細明體" charset="-120"/>
+                  </a:rPr>
+                  <a:t>+</a:t>
+                </a:r>
+                <a:endParaRPr kumimoji="1" lang="zh-TW" altLang="en-US" sz="1400" b="0" i="0" u="none" strike="noStrike" cap="none" normalizeH="0" baseline="0" dirty="0">
+                  <a:ln>
+                    <a:noFill/>
+                  </a:ln>
+                  <a:solidFill>
+                    <a:schemeClr val="tx1"/>
+                  </a:solidFill>
+                  <a:effectLst/>
+                  <a:latin typeface="Arial" charset="0"/>
+                  <a:ea typeface="新細明體" charset="-120"/>
+                </a:endParaRPr>
+              </a:p>
+            </p:txBody>
+          </p:sp>
+          <p:cxnSp>
+            <p:nvCxnSpPr>
+              <p:cNvPr id="47" name="直線單箭頭接點 46">
+                <a:extLst>
+                  <a:ext uri="{FF2B5EF4-FFF2-40B4-BE49-F238E27FC236}">
+                    <a16:creationId xmlns:a16="http://schemas.microsoft.com/office/drawing/2014/main" id="{5FDC9BC3-9D61-100B-063B-E331E57F8D62}"/>
+                  </a:ext>
+                </a:extLst>
+              </p:cNvPr>
+              <p:cNvCxnSpPr>
+                <a:cxnSpLocks/>
+                <a:stCxn id="12" idx="2"/>
+                <a:endCxn id="44" idx="0"/>
+              </p:cNvCxnSpPr>
+              <p:nvPr/>
+            </p:nvCxnSpPr>
+            <p:spPr bwMode="auto">
+              <a:xfrm>
+                <a:off x="1560603" y="5132833"/>
+                <a:ext cx="341643" cy="509787"/>
+              </a:xfrm>
+              <a:prstGeom prst="straightConnector1">
+                <a:avLst/>
+              </a:prstGeom>
+              <a:noFill/>
+              <a:ln w="38100" cap="flat" cmpd="sng" algn="ctr">
+                <a:solidFill>
+                  <a:schemeClr val="tx1"/>
+                </a:solidFill>
+                <a:prstDash val="solid"/>
+                <a:round/>
+                <a:headEnd type="none" w="med" len="med"/>
+                <a:tailEnd type="triangle"/>
+              </a:ln>
+              <a:effectLst/>
+            </p:spPr>
+          </p:cxnSp>
+          <p:cxnSp>
+            <p:nvCxnSpPr>
+              <p:cNvPr id="50" name="直線單箭頭接點 49">
+                <a:extLst>
+                  <a:ext uri="{FF2B5EF4-FFF2-40B4-BE49-F238E27FC236}">
+                    <a16:creationId xmlns:a16="http://schemas.microsoft.com/office/drawing/2014/main" id="{DC97D571-8240-D9B6-89F2-E87D070F4FD2}"/>
+                  </a:ext>
+                </a:extLst>
+              </p:cNvPr>
+              <p:cNvCxnSpPr>
+                <a:cxnSpLocks/>
+                <a:stCxn id="13" idx="2"/>
+                <a:endCxn id="44" idx="0"/>
+              </p:cNvCxnSpPr>
+              <p:nvPr/>
+            </p:nvCxnSpPr>
+            <p:spPr bwMode="auto">
+              <a:xfrm flipH="1">
+                <a:off x="1902246" y="5132833"/>
+                <a:ext cx="361716" cy="509787"/>
+              </a:xfrm>
+              <a:prstGeom prst="straightConnector1">
+                <a:avLst/>
+              </a:prstGeom>
+              <a:noFill/>
+              <a:ln w="38100" cap="flat" cmpd="sng" algn="ctr">
+                <a:solidFill>
+                  <a:schemeClr val="tx1"/>
+                </a:solidFill>
+                <a:prstDash val="solid"/>
+                <a:round/>
+                <a:headEnd type="none" w="med" len="med"/>
+                <a:tailEnd type="triangle"/>
+              </a:ln>
+              <a:effectLst/>
+            </p:spPr>
+          </p:cxnSp>
+          <p:cxnSp>
+            <p:nvCxnSpPr>
+              <p:cNvPr id="53" name="直線單箭頭接點 52">
+                <a:extLst>
+                  <a:ext uri="{FF2B5EF4-FFF2-40B4-BE49-F238E27FC236}">
+                    <a16:creationId xmlns:a16="http://schemas.microsoft.com/office/drawing/2014/main" id="{6E34AB26-E1C6-98CB-DF44-96180142411B}"/>
+                  </a:ext>
+                </a:extLst>
+              </p:cNvPr>
+              <p:cNvCxnSpPr>
+                <a:cxnSpLocks/>
+                <a:stCxn id="14" idx="2"/>
+                <a:endCxn id="44" idx="7"/>
+              </p:cNvCxnSpPr>
+              <p:nvPr/>
+            </p:nvCxnSpPr>
+            <p:spPr bwMode="auto">
+              <a:xfrm flipH="1">
+                <a:off x="2094322" y="5132833"/>
+                <a:ext cx="872998" cy="589347"/>
+              </a:xfrm>
+              <a:prstGeom prst="straightConnector1">
+                <a:avLst/>
+              </a:prstGeom>
+              <a:noFill/>
+              <a:ln w="38100" cap="flat" cmpd="sng" algn="ctr">
+                <a:solidFill>
+                  <a:schemeClr val="tx1"/>
+                </a:solidFill>
+                <a:prstDash val="solid"/>
+                <a:round/>
+                <a:headEnd type="none" w="med" len="med"/>
+                <a:tailEnd type="triangle"/>
+              </a:ln>
+              <a:effectLst/>
+            </p:spPr>
+          </p:cxnSp>
+          <p:cxnSp>
+            <p:nvCxnSpPr>
+              <p:cNvPr id="98" name="直線單箭頭接點 97">
+                <a:extLst>
+                  <a:ext uri="{FF2B5EF4-FFF2-40B4-BE49-F238E27FC236}">
+                    <a16:creationId xmlns:a16="http://schemas.microsoft.com/office/drawing/2014/main" id="{2171A4C0-CBA8-3293-9942-D89717C6430F}"/>
+                  </a:ext>
+                </a:extLst>
+              </p:cNvPr>
+              <p:cNvCxnSpPr>
+                <a:cxnSpLocks/>
+                <a:stCxn id="44" idx="4"/>
+                <a:endCxn id="102" idx="0"/>
+              </p:cNvCxnSpPr>
+              <p:nvPr/>
+            </p:nvCxnSpPr>
+            <p:spPr bwMode="auto">
+              <a:xfrm flipH="1">
+                <a:off x="1896551" y="6185892"/>
+                <a:ext cx="5695" cy="259175"/>
+              </a:xfrm>
+              <a:prstGeom prst="straightConnector1">
+                <a:avLst/>
+              </a:prstGeom>
+              <a:noFill/>
+              <a:ln w="38100" cap="flat" cmpd="sng" algn="ctr">
+                <a:solidFill>
+                  <a:schemeClr val="tx1"/>
+                </a:solidFill>
+                <a:prstDash val="solid"/>
+                <a:round/>
+                <a:headEnd type="none" w="med" len="med"/>
+                <a:tailEnd type="triangle"/>
+              </a:ln>
+              <a:effectLst/>
+            </p:spPr>
+          </p:cxnSp>
+          <p:sp>
+            <p:nvSpPr>
+              <p:cNvPr id="102" name="文字方塊 101">
+                <a:extLst>
+                  <a:ext uri="{FF2B5EF4-FFF2-40B4-BE49-F238E27FC236}">
+                    <a16:creationId xmlns:a16="http://schemas.microsoft.com/office/drawing/2014/main" id="{F72E20A7-F03E-D779-7ACE-652089FCF2B2}"/>
+                  </a:ext>
+                </a:extLst>
+              </p:cNvPr>
+              <p:cNvSpPr txBox="1"/>
+              <p:nvPr/>
+            </p:nvSpPr>
+            <p:spPr>
+              <a:xfrm>
+                <a:off x="1619220" y="6445067"/>
+                <a:ext cx="554662" cy="369332"/>
+              </a:xfrm>
+              <a:prstGeom prst="rect">
+                <a:avLst/>
+              </a:prstGeom>
+              <a:noFill/>
+            </p:spPr>
+            <p:txBody>
+              <a:bodyPr wrap="square">
+                <a:spAutoFit/>
+              </a:bodyPr>
+              <a:lstStyle/>
+              <a:p>
+                <a:pPr marL="0" marR="0" indent="0" algn="ctr" defTabSz="914400" rtl="0" eaLnBrk="1" fontAlgn="base" latinLnBrk="0" hangingPunct="1">
+                  <a:lnSpc>
+                    <a:spcPct val="100000"/>
+                  </a:lnSpc>
+                  <a:spcBef>
+                    <a:spcPct val="0"/>
+                  </a:spcBef>
+                  <a:spcAft>
+                    <a:spcPct val="0"/>
+                  </a:spcAft>
+                  <a:buClrTx/>
+                  <a:buSzTx/>
+                  <a:buFontTx/>
+                  <a:buNone/>
+                  <a:tabLst/>
+                </a:pPr>
+                <a:r>
+                  <a:rPr kumimoji="1" lang="en-US" altLang="zh-TW" sz="1800" b="0" i="0" u="none" strike="noStrike" cap="none" normalizeH="0" baseline="0" dirty="0">
+                    <a:ln>
+                      <a:noFill/>
+                    </a:ln>
+                    <a:solidFill>
+                      <a:schemeClr val="tx1"/>
+                    </a:solidFill>
+                    <a:effectLst/>
+                    <a:latin typeface="Arial" charset="0"/>
+                    <a:ea typeface="新細明體" charset="-120"/>
+                  </a:rPr>
+                  <a:t>3</a:t>
+                </a:r>
+                <a:endParaRPr kumimoji="1" lang="zh-TW" altLang="en-US" sz="1800" b="0" i="0" u="none" strike="noStrike" cap="none" normalizeH="0" baseline="0" dirty="0">
+                  <a:ln>
+                    <a:noFill/>
+                  </a:ln>
+                  <a:solidFill>
+                    <a:schemeClr val="tx1"/>
+                  </a:solidFill>
+                  <a:effectLst/>
+                  <a:latin typeface="Arial" charset="0"/>
+                  <a:ea typeface="新細明體" charset="-120"/>
+                </a:endParaRPr>
+              </a:p>
+            </p:txBody>
+          </p:sp>
+        </p:grpSp>
+        <p:sp>
+          <p:nvSpPr>
+            <p:cNvPr id="6" name="文字方塊 5">
+              <a:extLst>
+                <a:ext uri="{FF2B5EF4-FFF2-40B4-BE49-F238E27FC236}">
+                  <a16:creationId xmlns:a16="http://schemas.microsoft.com/office/drawing/2014/main" id="{3F088878-28F4-163F-1611-3B90B39043A4}"/>
+                </a:ext>
+              </a:extLst>
+            </p:cNvPr>
+            <p:cNvSpPr txBox="1"/>
+            <p:nvPr/>
+          </p:nvSpPr>
+          <p:spPr>
+            <a:xfrm>
+              <a:off x="71677" y="3632237"/>
+              <a:ext cx="700175" cy="369332"/>
+            </a:xfrm>
+            <a:prstGeom prst="rect">
+              <a:avLst/>
+            </a:prstGeom>
+            <a:noFill/>
+          </p:spPr>
+          <p:txBody>
+            <a:bodyPr wrap="square">
+              <a:spAutoFit/>
+            </a:bodyPr>
+            <a:lstStyle/>
+            <a:p>
+              <a:r>
+                <a:rPr lang="en-US" altLang="zh-TW" dirty="0"/>
+                <a:t>Data</a:t>
+              </a:r>
+              <a:endParaRPr lang="zh-TW" altLang="en-US" dirty="0"/>
+            </a:p>
+          </p:txBody>
+        </p:sp>
+        <p:sp>
+          <p:nvSpPr>
+            <p:cNvPr id="7" name="文字方塊 6">
+              <a:extLst>
+                <a:ext uri="{FF2B5EF4-FFF2-40B4-BE49-F238E27FC236}">
+                  <a16:creationId xmlns:a16="http://schemas.microsoft.com/office/drawing/2014/main" id="{29438283-B77C-2F6F-7B23-EDC807131FC6}"/>
+                </a:ext>
+              </a:extLst>
+            </p:cNvPr>
+            <p:cNvSpPr txBox="1"/>
+            <p:nvPr/>
+          </p:nvSpPr>
+          <p:spPr>
+            <a:xfrm>
+              <a:off x="7203" y="2977662"/>
+              <a:ext cx="901382" cy="369332"/>
+            </a:xfrm>
+            <a:prstGeom prst="rect">
+              <a:avLst/>
+            </a:prstGeom>
+            <a:noFill/>
+          </p:spPr>
+          <p:txBody>
+            <a:bodyPr wrap="square">
+              <a:spAutoFit/>
+            </a:bodyPr>
+            <a:lstStyle/>
+            <a:p>
+              <a:r>
+                <a:rPr lang="en-US" altLang="zh-TW" dirty="0"/>
+                <a:t>Query</a:t>
+              </a:r>
+              <a:endParaRPr lang="zh-TW" altLang="en-US" dirty="0"/>
+            </a:p>
+          </p:txBody>
+        </p:sp>
+      </p:grpSp>
     </p:spTree>
     <p:extLst>
       <p:ext uri="{BB962C8B-B14F-4D97-AF65-F5344CB8AC3E}">

--- a/IMS_NEW.pptx
+++ b/IMS_NEW.pptx
@@ -229,7 +229,7 @@
           <a:p>
             <a:fld id="{FE9F37E1-976C-4D68-AAA1-E18BCAC423B3}" type="datetimeFigureOut">
               <a:rPr lang="zh-TW" altLang="en-US" smtClean="0"/>
-              <a:t>2025/3/19</a:t>
+              <a:t>2025/3/20</a:t>
             </a:fld>
             <a:endParaRPr lang="zh-TW" altLang="en-US"/>
           </a:p>
@@ -394,7 +394,7 @@
           <a:p>
             <a:fld id="{6F765A04-DEC0-490E-BE54-AD23B90E8F9F}" type="datetimeFigureOut">
               <a:rPr lang="zh-TW" altLang="en-US" smtClean="0"/>
-              <a:t>2025/3/19</a:t>
+              <a:t>2025/3/20</a:t>
             </a:fld>
             <a:endParaRPr lang="zh-TW" altLang="en-US"/>
           </a:p>
@@ -1526,7 +1526,7 @@
           </a:ln>
           <a:extLst>
             <a:ext uri="{91240B29-F687-4f45-9708-019B960494DF}">
-              <a14:hiddenLine xmlns:a14="http://schemas.microsoft.com/office/drawing/2010/main" xmlns="" w="9525">
+              <a14:hiddenLine xmlns="" xmlns:a14="http://schemas.microsoft.com/office/drawing/2010/main" w="9525">
                 <a:solidFill>
                   <a:srgbClr val="000000"/>
                 </a:solidFill>
@@ -1580,14 +1580,14 @@
           </a:ln>
           <a:extLst>
             <a:ext uri="{909E8E84-426E-40dd-AFC4-6F175D3DCCD1}">
-              <a14:hiddenFill xmlns:a14="http://schemas.microsoft.com/office/drawing/2010/main" xmlns="">
+              <a14:hiddenFill xmlns="" xmlns:a14="http://schemas.microsoft.com/office/drawing/2010/main">
                 <a:solidFill>
                   <a:srgbClr val="FFFFFF"/>
                 </a:solidFill>
               </a14:hiddenFill>
             </a:ext>
             <a:ext uri="{91240B29-F687-4f45-9708-019B960494DF}">
-              <a14:hiddenLine xmlns:a14="http://schemas.microsoft.com/office/drawing/2010/main" xmlns="" w="9525">
+              <a14:hiddenLine xmlns="" xmlns:a14="http://schemas.microsoft.com/office/drawing/2010/main" w="9525">
                 <a:solidFill>
                   <a:srgbClr val="000000"/>
                 </a:solidFill>
@@ -1623,7 +1623,7 @@
           </a:ln>
           <a:extLst>
             <a:ext uri="{91240B29-F687-4f45-9708-019B960494DF}">
-              <a14:hiddenLine xmlns:a14="http://schemas.microsoft.com/office/drawing/2010/main" xmlns="" w="9525">
+              <a14:hiddenLine xmlns="" xmlns:a14="http://schemas.microsoft.com/office/drawing/2010/main" w="9525">
                 <a:solidFill>
                   <a:srgbClr val="000000"/>
                 </a:solidFill>
@@ -1939,7 +1939,7 @@
           </a:ln>
           <a:extLst>
             <a:ext uri="{91240B29-F687-4f45-9708-019B960494DF}">
-              <a14:hiddenLine xmlns:a14="http://schemas.microsoft.com/office/drawing/2010/main" xmlns="" w="9525">
+              <a14:hiddenLine xmlns="" xmlns:a14="http://schemas.microsoft.com/office/drawing/2010/main" w="9525">
                 <a:solidFill>
                   <a:srgbClr val="000000"/>
                 </a:solidFill>
@@ -1990,7 +1990,7 @@
           </a:ln>
           <a:extLst>
             <a:ext uri="{91240B29-F687-4f45-9708-019B960494DF}">
-              <a14:hiddenLine xmlns:a14="http://schemas.microsoft.com/office/drawing/2010/main" xmlns="" w="9525">
+              <a14:hiddenLine xmlns="" xmlns:a14="http://schemas.microsoft.com/office/drawing/2010/main" w="9525">
                 <a:solidFill>
                   <a:srgbClr val="000000"/>
                 </a:solidFill>
@@ -13220,7 +13220,7 @@
           </a:ln>
           <a:extLst>
             <a:ext uri="{91240B29-F687-4f45-9708-019B960494DF}">
-              <a14:hiddenLine xmlns:a14="http://schemas.microsoft.com/office/drawing/2010/main" xmlns="" w="9525">
+              <a14:hiddenLine xmlns="" xmlns:a14="http://schemas.microsoft.com/office/drawing/2010/main" w="9525">
                 <a:solidFill>
                   <a:srgbClr val="000000"/>
                 </a:solidFill>
@@ -13549,14 +13549,14 @@
           </a:ln>
           <a:extLst>
             <a:ext uri="{909E8E84-426E-40dd-AFC4-6F175D3DCCD1}">
-              <a14:hiddenFill xmlns:a14="http://schemas.microsoft.com/office/drawing/2010/main" xmlns="">
+              <a14:hiddenFill xmlns="" xmlns:a14="http://schemas.microsoft.com/office/drawing/2010/main">
                 <a:solidFill>
                   <a:srgbClr val="FFFFFF"/>
                 </a:solidFill>
               </a14:hiddenFill>
             </a:ext>
             <a:ext uri="{91240B29-F687-4f45-9708-019B960494DF}">
-              <a14:hiddenLine xmlns:a14="http://schemas.microsoft.com/office/drawing/2010/main" xmlns="" w="9525">
+              <a14:hiddenLine xmlns="" xmlns:a14="http://schemas.microsoft.com/office/drawing/2010/main" w="9525">
                 <a:solidFill>
                   <a:srgbClr val="000000"/>
                 </a:solidFill>
@@ -13632,14 +13632,14 @@
           </a:ln>
           <a:extLst>
             <a:ext uri="{909E8E84-426E-40dd-AFC4-6F175D3DCCD1}">
-              <a14:hiddenFill xmlns:a14="http://schemas.microsoft.com/office/drawing/2010/main" xmlns="">
+              <a14:hiddenFill xmlns="" xmlns:a14="http://schemas.microsoft.com/office/drawing/2010/main">
                 <a:solidFill>
                   <a:srgbClr val="FFFFFF"/>
                 </a:solidFill>
               </a14:hiddenFill>
             </a:ext>
             <a:ext uri="{91240B29-F687-4f45-9708-019B960494DF}">
-              <a14:hiddenLine xmlns:a14="http://schemas.microsoft.com/office/drawing/2010/main" xmlns="" w="9525">
+              <a14:hiddenLine xmlns="" xmlns:a14="http://schemas.microsoft.com/office/drawing/2010/main" w="9525">
                 <a:solidFill>
                   <a:srgbClr val="000000"/>
                 </a:solidFill>
@@ -13710,14 +13710,14 @@
           </a:ln>
           <a:extLst>
             <a:ext uri="{909E8E84-426E-40dd-AFC4-6F175D3DCCD1}">
-              <a14:hiddenFill xmlns:a14="http://schemas.microsoft.com/office/drawing/2010/main" xmlns="">
+              <a14:hiddenFill xmlns="" xmlns:a14="http://schemas.microsoft.com/office/drawing/2010/main">
                 <a:solidFill>
                   <a:srgbClr val="FFFFFF"/>
                 </a:solidFill>
               </a14:hiddenFill>
             </a:ext>
             <a:ext uri="{91240B29-F687-4f45-9708-019B960494DF}">
-              <a14:hiddenLine xmlns:a14="http://schemas.microsoft.com/office/drawing/2010/main" xmlns="" w="9525">
+              <a14:hiddenLine xmlns="" xmlns:a14="http://schemas.microsoft.com/office/drawing/2010/main" w="9525">
                 <a:solidFill>
                   <a:srgbClr val="000000"/>
                 </a:solidFill>
@@ -13780,7 +13780,7 @@
           </a:ln>
           <a:extLst>
             <a:ext uri="{91240B29-F687-4f45-9708-019B960494DF}">
-              <a14:hiddenLine xmlns:a14="http://schemas.microsoft.com/office/drawing/2010/main" xmlns="" w="9525">
+              <a14:hiddenLine xmlns="" xmlns:a14="http://schemas.microsoft.com/office/drawing/2010/main" w="9525">
                 <a:solidFill>
                   <a:srgbClr val="000000"/>
                 </a:solidFill>
@@ -22087,7 +22087,7 @@
           <a:p>
             <a:r>
               <a:rPr lang="en-US" altLang="zh-TW" dirty="0"/>
-              <a:t>Diff =  0     1     2</a:t>
+              <a:t>Diff =  2     1     0</a:t>
             </a:r>
             <a:endParaRPr lang="zh-TW" altLang="en-US" dirty="0"/>
           </a:p>
@@ -25541,8 +25541,8 @@
         </p:nvCxnSpPr>
         <p:spPr bwMode="auto">
           <a:xfrm flipV="1">
-            <a:off x="5389788" y="5577471"/>
-            <a:ext cx="489873" cy="277026"/>
+            <a:off x="6045573" y="5583467"/>
+            <a:ext cx="2" cy="324276"/>
           </a:xfrm>
           <a:prstGeom prst="straightConnector1">
             <a:avLst/>
@@ -25574,10 +25574,10 @@
         </p:nvGrpSpPr>
         <p:grpSpPr>
           <a:xfrm>
-            <a:off x="4462974" y="4990231"/>
-            <a:ext cx="1943778" cy="1449041"/>
+            <a:off x="4628887" y="4996227"/>
+            <a:ext cx="2195670" cy="1496291"/>
             <a:chOff x="4890286" y="4797690"/>
-            <a:chExt cx="2127702" cy="1449041"/>
+            <a:chExt cx="2403428" cy="1496291"/>
           </a:xfrm>
         </p:grpSpPr>
         <p:pic>
@@ -25694,7 +25694,7 @@
           </p:nvSpPr>
           <p:spPr>
             <a:xfrm>
-              <a:off x="5052103" y="5661956"/>
+              <a:off x="5588327" y="5709206"/>
               <a:ext cx="1705387" cy="584775"/>
             </a:xfrm>
             <a:prstGeom prst="rect">
@@ -25742,8 +25742,8 @@
         </p:nvCxnSpPr>
         <p:spPr bwMode="auto">
           <a:xfrm flipV="1">
-            <a:off x="1164719" y="4341392"/>
-            <a:ext cx="249937" cy="1297679"/>
+            <a:off x="1164719" y="4821086"/>
+            <a:ext cx="526961" cy="817985"/>
           </a:xfrm>
           <a:prstGeom prst="straightConnector1">
             <a:avLst/>
@@ -25827,7 +25827,7 @@
         </p:nvSpPr>
         <p:spPr>
           <a:xfrm>
-            <a:off x="2231934" y="5639071"/>
+            <a:off x="2693596" y="5661521"/>
             <a:ext cx="2088230" cy="830997"/>
           </a:xfrm>
           <a:prstGeom prst="rect">
@@ -25882,8 +25882,8 @@
         </p:nvCxnSpPr>
         <p:spPr bwMode="auto">
           <a:xfrm flipV="1">
-            <a:off x="3276049" y="4380088"/>
-            <a:ext cx="189154" cy="1258983"/>
+            <a:off x="3737711" y="4870232"/>
+            <a:ext cx="0" cy="791289"/>
           </a:xfrm>
           <a:prstGeom prst="straightConnector1">
             <a:avLst/>
@@ -25901,6 +25901,50 @@
           <a:effectLst/>
         </p:spPr>
       </p:cxnSp>
+      <p:sp>
+        <p:nvSpPr>
+          <p:cNvPr id="6" name="文字方塊 5">
+            <a:extLst>
+              <a:ext uri="{FF2B5EF4-FFF2-40B4-BE49-F238E27FC236}">
+                <a16:creationId xmlns:a16="http://schemas.microsoft.com/office/drawing/2014/main" id="{DB044084-B4A0-0E81-E936-F7CA554AA0E9}"/>
+              </a:ext>
+            </a:extLst>
+          </p:cNvPr>
+          <p:cNvSpPr txBox="1"/>
+          <p:nvPr/>
+        </p:nvSpPr>
+        <p:spPr>
+          <a:xfrm>
+            <a:off x="1533253" y="4889212"/>
+            <a:ext cx="2088230" cy="584775"/>
+          </a:xfrm>
+          <a:prstGeom prst="rect">
+            <a:avLst/>
+          </a:prstGeom>
+          <a:noFill/>
+        </p:spPr>
+        <p:txBody>
+          <a:bodyPr wrap="square">
+            <a:spAutoFit/>
+          </a:bodyPr>
+          <a:lstStyle/>
+          <a:p>
+            <a:pPr algn="r"/>
+            <a:r>
+              <a:rPr lang="en-US" altLang="zh-TW" sz="1600" dirty="0"/>
+              <a:t>Match : small G</a:t>
+            </a:r>
+          </a:p>
+          <a:p>
+            <a:pPr algn="r"/>
+            <a:r>
+              <a:rPr lang="en-US" altLang="zh-TW" sz="1600" dirty="0"/>
+              <a:t>Mismatch : large G</a:t>
+            </a:r>
+            <a:endParaRPr lang="zh-TW" altLang="en-US" sz="1600" dirty="0"/>
+          </a:p>
+        </p:txBody>
+      </p:sp>
     </p:spTree>
     <p:extLst>
       <p:ext uri="{BB962C8B-B14F-4D97-AF65-F5344CB8AC3E}">
@@ -26149,8 +26193,8 @@
             <a:chExt cx="2182949" cy="1132403"/>
           </a:xfrm>
         </p:grpSpPr>
-        <mc:AlternateContent xmlns:mc="http://schemas.openxmlformats.org/markup-compatibility/2006">
-          <mc:Choice xmlns:a14="http://schemas.microsoft.com/office/drawing/2010/main" Requires="a14">
+        <mc:AlternateContent xmlns:mc="http://schemas.openxmlformats.org/markup-compatibility/2006" xmlns:a14="http://schemas.microsoft.com/office/drawing/2010/main">
+          <mc:Choice Requires="a14">
             <p:sp>
               <p:nvSpPr>
                 <p:cNvPr id="11" name="文字方塊 10">
@@ -26258,7 +26302,7 @@
               </p:txBody>
             </p:sp>
           </mc:Choice>
-          <mc:Fallback>
+          <mc:Fallback xmlns="">
             <p:sp>
               <p:nvSpPr>
                 <p:cNvPr id="11" name="文字方塊 10">

--- a/IMS_NEW.pptx
+++ b/IMS_NEW.pptx
@@ -229,7 +229,7 @@
           <a:p>
             <a:fld id="{FE9F37E1-976C-4D68-AAA1-E18BCAC423B3}" type="datetimeFigureOut">
               <a:rPr lang="zh-TW" altLang="en-US" smtClean="0"/>
-              <a:t>2025/3/20</a:t>
+              <a:t>2025/3/28</a:t>
             </a:fld>
             <a:endParaRPr lang="zh-TW" altLang="en-US"/>
           </a:p>
@@ -394,7 +394,7 @@
           <a:p>
             <a:fld id="{6F765A04-DEC0-490E-BE54-AD23B90E8F9F}" type="datetimeFigureOut">
               <a:rPr lang="zh-TW" altLang="en-US" smtClean="0"/>
-              <a:t>2025/3/20</a:t>
+              <a:t>2025/3/28</a:t>
             </a:fld>
             <a:endParaRPr lang="zh-TW" altLang="en-US"/>
           </a:p>
@@ -1526,7 +1526,7 @@
           </a:ln>
           <a:extLst>
             <a:ext uri="{91240B29-F687-4f45-9708-019B960494DF}">
-              <a14:hiddenLine xmlns="" xmlns:a14="http://schemas.microsoft.com/office/drawing/2010/main" w="9525">
+              <a14:hiddenLine xmlns:a14="http://schemas.microsoft.com/office/drawing/2010/main" xmlns="" w="9525">
                 <a:solidFill>
                   <a:srgbClr val="000000"/>
                 </a:solidFill>
@@ -1580,14 +1580,14 @@
           </a:ln>
           <a:extLst>
             <a:ext uri="{909E8E84-426E-40dd-AFC4-6F175D3DCCD1}">
-              <a14:hiddenFill xmlns="" xmlns:a14="http://schemas.microsoft.com/office/drawing/2010/main">
+              <a14:hiddenFill xmlns:a14="http://schemas.microsoft.com/office/drawing/2010/main" xmlns="">
                 <a:solidFill>
                   <a:srgbClr val="FFFFFF"/>
                 </a:solidFill>
               </a14:hiddenFill>
             </a:ext>
             <a:ext uri="{91240B29-F687-4f45-9708-019B960494DF}">
-              <a14:hiddenLine xmlns="" xmlns:a14="http://schemas.microsoft.com/office/drawing/2010/main" w="9525">
+              <a14:hiddenLine xmlns:a14="http://schemas.microsoft.com/office/drawing/2010/main" xmlns="" w="9525">
                 <a:solidFill>
                   <a:srgbClr val="000000"/>
                 </a:solidFill>
@@ -1623,7 +1623,7 @@
           </a:ln>
           <a:extLst>
             <a:ext uri="{91240B29-F687-4f45-9708-019B960494DF}">
-              <a14:hiddenLine xmlns="" xmlns:a14="http://schemas.microsoft.com/office/drawing/2010/main" w="9525">
+              <a14:hiddenLine xmlns:a14="http://schemas.microsoft.com/office/drawing/2010/main" xmlns="" w="9525">
                 <a:solidFill>
                   <a:srgbClr val="000000"/>
                 </a:solidFill>
@@ -1939,7 +1939,7 @@
           </a:ln>
           <a:extLst>
             <a:ext uri="{91240B29-F687-4f45-9708-019B960494DF}">
-              <a14:hiddenLine xmlns="" xmlns:a14="http://schemas.microsoft.com/office/drawing/2010/main" w="9525">
+              <a14:hiddenLine xmlns:a14="http://schemas.microsoft.com/office/drawing/2010/main" xmlns="" w="9525">
                 <a:solidFill>
                   <a:srgbClr val="000000"/>
                 </a:solidFill>
@@ -1990,7 +1990,7 @@
           </a:ln>
           <a:extLst>
             <a:ext uri="{91240B29-F687-4f45-9708-019B960494DF}">
-              <a14:hiddenLine xmlns="" xmlns:a14="http://schemas.microsoft.com/office/drawing/2010/main" w="9525">
+              <a14:hiddenLine xmlns:a14="http://schemas.microsoft.com/office/drawing/2010/main" xmlns="" w="9525">
                 <a:solidFill>
                   <a:srgbClr val="000000"/>
                 </a:solidFill>
@@ -13220,7 +13220,7 @@
           </a:ln>
           <a:extLst>
             <a:ext uri="{91240B29-F687-4f45-9708-019B960494DF}">
-              <a14:hiddenLine xmlns="" xmlns:a14="http://schemas.microsoft.com/office/drawing/2010/main" w="9525">
+              <a14:hiddenLine xmlns:a14="http://schemas.microsoft.com/office/drawing/2010/main" xmlns="" w="9525">
                 <a:solidFill>
                   <a:srgbClr val="000000"/>
                 </a:solidFill>
@@ -13549,14 +13549,14 @@
           </a:ln>
           <a:extLst>
             <a:ext uri="{909E8E84-426E-40dd-AFC4-6F175D3DCCD1}">
-              <a14:hiddenFill xmlns="" xmlns:a14="http://schemas.microsoft.com/office/drawing/2010/main">
+              <a14:hiddenFill xmlns:a14="http://schemas.microsoft.com/office/drawing/2010/main" xmlns="">
                 <a:solidFill>
                   <a:srgbClr val="FFFFFF"/>
                 </a:solidFill>
               </a14:hiddenFill>
             </a:ext>
             <a:ext uri="{91240B29-F687-4f45-9708-019B960494DF}">
-              <a14:hiddenLine xmlns="" xmlns:a14="http://schemas.microsoft.com/office/drawing/2010/main" w="9525">
+              <a14:hiddenLine xmlns:a14="http://schemas.microsoft.com/office/drawing/2010/main" xmlns="" w="9525">
                 <a:solidFill>
                   <a:srgbClr val="000000"/>
                 </a:solidFill>
@@ -13632,14 +13632,14 @@
           </a:ln>
           <a:extLst>
             <a:ext uri="{909E8E84-426E-40dd-AFC4-6F175D3DCCD1}">
-              <a14:hiddenFill xmlns="" xmlns:a14="http://schemas.microsoft.com/office/drawing/2010/main">
+              <a14:hiddenFill xmlns:a14="http://schemas.microsoft.com/office/drawing/2010/main" xmlns="">
                 <a:solidFill>
                   <a:srgbClr val="FFFFFF"/>
                 </a:solidFill>
               </a14:hiddenFill>
             </a:ext>
             <a:ext uri="{91240B29-F687-4f45-9708-019B960494DF}">
-              <a14:hiddenLine xmlns="" xmlns:a14="http://schemas.microsoft.com/office/drawing/2010/main" w="9525">
+              <a14:hiddenLine xmlns:a14="http://schemas.microsoft.com/office/drawing/2010/main" xmlns="" w="9525">
                 <a:solidFill>
                   <a:srgbClr val="000000"/>
                 </a:solidFill>
@@ -13710,14 +13710,14 @@
           </a:ln>
           <a:extLst>
             <a:ext uri="{909E8E84-426E-40dd-AFC4-6F175D3DCCD1}">
-              <a14:hiddenFill xmlns="" xmlns:a14="http://schemas.microsoft.com/office/drawing/2010/main">
+              <a14:hiddenFill xmlns:a14="http://schemas.microsoft.com/office/drawing/2010/main" xmlns="">
                 <a:solidFill>
                   <a:srgbClr val="FFFFFF"/>
                 </a:solidFill>
               </a14:hiddenFill>
             </a:ext>
             <a:ext uri="{91240B29-F687-4f45-9708-019B960494DF}">
-              <a14:hiddenLine xmlns="" xmlns:a14="http://schemas.microsoft.com/office/drawing/2010/main" w="9525">
+              <a14:hiddenLine xmlns:a14="http://schemas.microsoft.com/office/drawing/2010/main" xmlns="" w="9525">
                 <a:solidFill>
                   <a:srgbClr val="000000"/>
                 </a:solidFill>
@@ -13780,7 +13780,7 @@
           </a:ln>
           <a:extLst>
             <a:ext uri="{91240B29-F687-4f45-9708-019B960494DF}">
-              <a14:hiddenLine xmlns="" xmlns:a14="http://schemas.microsoft.com/office/drawing/2010/main" w="9525">
+              <a14:hiddenLine xmlns:a14="http://schemas.microsoft.com/office/drawing/2010/main" xmlns="" w="9525">
                 <a:solidFill>
                   <a:srgbClr val="000000"/>
                 </a:solidFill>
@@ -21405,13 +21405,14 @@
           </p:cNvPr>
           <p:cNvCxnSpPr>
             <a:cxnSpLocks/>
+            <a:stCxn id="79" idx="3"/>
           </p:cNvCxnSpPr>
           <p:nvPr/>
         </p:nvCxnSpPr>
         <p:spPr bwMode="auto">
-          <a:xfrm>
-            <a:off x="3199723" y="4003400"/>
-            <a:ext cx="992914" cy="0"/>
+          <a:xfrm flipV="1">
+            <a:off x="3644524" y="4343029"/>
+            <a:ext cx="582310" cy="3628"/>
           </a:xfrm>
           <a:prstGeom prst="line">
             <a:avLst/>
@@ -21452,8 +21453,8 @@
         </p:nvCxnSpPr>
         <p:spPr bwMode="auto">
           <a:xfrm flipV="1">
-            <a:off x="4210231" y="3474211"/>
-            <a:ext cx="0" cy="1080120"/>
+            <a:off x="4203105" y="3987502"/>
+            <a:ext cx="0" cy="686037"/>
           </a:xfrm>
           <a:prstGeom prst="line">
             <a:avLst/>
@@ -21492,8 +21493,8 @@
         </p:nvSpPr>
         <p:spPr bwMode="auto">
           <a:xfrm rot="5400000">
-            <a:off x="4654782" y="3163832"/>
-            <a:ext cx="720080" cy="620759"/>
+            <a:off x="4487627" y="3764590"/>
+            <a:ext cx="530880" cy="457654"/>
           </a:xfrm>
           <a:prstGeom prst="triangle">
             <a:avLst/>
@@ -21547,7 +21548,7 @@
               <a:buNone/>
               <a:tabLst/>
             </a:pPr>
-            <a:endParaRPr kumimoji="1" lang="zh-TW" altLang="en-US" sz="1100" b="0" i="0" u="none" strike="noStrike" cap="none" normalizeH="0" baseline="0" dirty="0">
+            <a:endParaRPr kumimoji="1" lang="zh-TW" altLang="en-US" sz="1050" b="0" i="0" u="none" strike="noStrike" cap="none" normalizeH="0" baseline="0" dirty="0">
               <a:ln>
                 <a:noFill/>
               </a:ln>
@@ -21578,8 +21579,8 @@
         </p:nvCxnSpPr>
         <p:spPr bwMode="auto">
           <a:xfrm>
-            <a:off x="4192637" y="3474211"/>
-            <a:ext cx="511806" cy="1"/>
+            <a:off x="4203105" y="3993417"/>
+            <a:ext cx="321135" cy="0"/>
           </a:xfrm>
           <a:prstGeom prst="line">
             <a:avLst/>
@@ -21618,8 +21619,8 @@
         </p:nvSpPr>
         <p:spPr bwMode="auto">
           <a:xfrm rot="5400000">
-            <a:off x="4661641" y="4227002"/>
-            <a:ext cx="720080" cy="620759"/>
+            <a:off x="4507931" y="4430067"/>
+            <a:ext cx="561726" cy="484246"/>
           </a:xfrm>
           <a:prstGeom prst="triangle">
             <a:avLst/>
@@ -21673,7 +21674,7 @@
               <a:buNone/>
               <a:tabLst/>
             </a:pPr>
-            <a:endParaRPr kumimoji="1" lang="zh-TW" altLang="en-US" sz="1100" b="0" i="0" u="none" strike="noStrike" cap="none" normalizeH="0" baseline="0" dirty="0">
+            <a:endParaRPr kumimoji="1" lang="zh-TW" altLang="en-US" sz="1050" b="0" i="0" u="none" strike="noStrike" cap="none" normalizeH="0" baseline="0" dirty="0">
               <a:ln>
                 <a:noFill/>
               </a:ln>
@@ -21704,8 +21705,8 @@
         </p:nvCxnSpPr>
         <p:spPr bwMode="auto">
           <a:xfrm>
-            <a:off x="4199496" y="4537381"/>
-            <a:ext cx="511806" cy="1"/>
+            <a:off x="4213566" y="4672190"/>
+            <a:ext cx="333105" cy="0"/>
           </a:xfrm>
           <a:prstGeom prst="line">
             <a:avLst/>
@@ -21744,8 +21745,8 @@
         </p:nvSpPr>
         <p:spPr>
           <a:xfrm>
-            <a:off x="3103066" y="3674718"/>
-            <a:ext cx="554662" cy="369332"/>
+            <a:off x="3089862" y="4177380"/>
+            <a:ext cx="554662" cy="338554"/>
           </a:xfrm>
           <a:prstGeom prst="rect">
             <a:avLst/>
@@ -21759,10 +21760,10 @@
           <a:lstStyle/>
           <a:p>
             <a:r>
-              <a:rPr lang="en-US" altLang="zh-TW" dirty="0"/>
+              <a:rPr lang="en-US" altLang="zh-TW" sz="1600" dirty="0"/>
               <a:t>V</a:t>
             </a:r>
-            <a:endParaRPr lang="zh-TW" altLang="en-US" dirty="0"/>
+            <a:endParaRPr lang="zh-TW" altLang="en-US" sz="1600" dirty="0"/>
           </a:p>
         </p:txBody>
       </p:sp>
@@ -21780,8 +21781,8 @@
         </p:nvSpPr>
         <p:spPr>
           <a:xfrm>
-            <a:off x="3698167" y="4910045"/>
-            <a:ext cx="2178954" cy="369332"/>
+            <a:off x="3691041" y="5029253"/>
+            <a:ext cx="2178954" cy="338554"/>
           </a:xfrm>
           <a:prstGeom prst="rect">
             <a:avLst/>
@@ -21795,7 +21796,7 @@
           <a:lstStyle/>
           <a:p>
             <a:r>
-              <a:rPr lang="en-US" altLang="zh-TW" b="1" dirty="0">
+              <a:rPr lang="en-US" altLang="zh-TW" sz="1600" b="1" dirty="0">
                 <a:solidFill>
                   <a:srgbClr val="00B0F0"/>
                 </a:solidFill>
@@ -21803,10 +21804,10 @@
               <a:t>Low Vt </a:t>
             </a:r>
             <a:r>
-              <a:rPr lang="en-US" altLang="zh-TW" dirty="0"/>
+              <a:rPr lang="en-US" altLang="zh-TW" sz="1600" dirty="0"/>
               <a:t>Sence Amp</a:t>
             </a:r>
-            <a:endParaRPr lang="zh-TW" altLang="en-US" dirty="0"/>
+            <a:endParaRPr lang="zh-TW" altLang="en-US" sz="1600" dirty="0"/>
           </a:p>
         </p:txBody>
       </p:sp>
@@ -21824,8 +21825,8 @@
         </p:nvSpPr>
         <p:spPr>
           <a:xfrm>
-            <a:off x="3696180" y="2755565"/>
-            <a:ext cx="2271644" cy="369332"/>
+            <a:off x="3548218" y="3321085"/>
+            <a:ext cx="2271644" cy="338554"/>
           </a:xfrm>
           <a:prstGeom prst="rect">
             <a:avLst/>
@@ -21839,7 +21840,7 @@
           <a:lstStyle/>
           <a:p>
             <a:r>
-              <a:rPr lang="en-US" altLang="zh-TW" b="1" dirty="0">
+              <a:rPr lang="en-US" altLang="zh-TW" sz="1600" b="1" dirty="0">
                 <a:solidFill>
                   <a:srgbClr val="FF0000"/>
                 </a:solidFill>
@@ -21847,10 +21848,10 @@
               <a:t>High Vt </a:t>
             </a:r>
             <a:r>
-              <a:rPr lang="en-US" altLang="zh-TW" dirty="0"/>
+              <a:rPr lang="en-US" altLang="zh-TW" sz="1600" dirty="0"/>
               <a:t>Sence Amp</a:t>
             </a:r>
-            <a:endParaRPr lang="zh-TW" altLang="en-US" dirty="0"/>
+            <a:endParaRPr lang="zh-TW" altLang="en-US" sz="1600" dirty="0"/>
           </a:p>
         </p:txBody>
       </p:sp>
@@ -21871,8 +21872,8 @@
         </p:nvCxnSpPr>
         <p:spPr bwMode="auto">
           <a:xfrm flipV="1">
-            <a:off x="5325202" y="3468297"/>
-            <a:ext cx="301432" cy="5915"/>
+            <a:off x="4981894" y="3987502"/>
+            <a:ext cx="382985" cy="5915"/>
           </a:xfrm>
           <a:prstGeom prst="line">
             <a:avLst/>
@@ -21914,8 +21915,8 @@
         </p:nvCxnSpPr>
         <p:spPr bwMode="auto">
           <a:xfrm>
-            <a:off x="5332061" y="4537382"/>
-            <a:ext cx="294573" cy="0"/>
+            <a:off x="5030917" y="4672190"/>
+            <a:ext cx="362830" cy="0"/>
           </a:xfrm>
           <a:prstGeom prst="line">
             <a:avLst/>
@@ -21954,8 +21955,8 @@
         </p:nvSpPr>
         <p:spPr>
           <a:xfrm>
-            <a:off x="5641665" y="3277297"/>
-            <a:ext cx="355494" cy="369332"/>
+            <a:off x="5467039" y="3800070"/>
+            <a:ext cx="355494" cy="338554"/>
           </a:xfrm>
           <a:prstGeom prst="rect">
             <a:avLst/>
@@ -21969,13 +21970,13 @@
           <a:lstStyle/>
           <a:p>
             <a:r>
-              <a:rPr kumimoji="1" lang="en-US" altLang="zh-TW" dirty="0">
+              <a:rPr kumimoji="1" lang="en-US" altLang="zh-TW" sz="1600" dirty="0">
                 <a:latin typeface="Arial" charset="0"/>
                 <a:ea typeface="新細明體" charset="-120"/>
               </a:rPr>
               <a:t>B</a:t>
             </a:r>
-            <a:endParaRPr lang="zh-TW" altLang="en-US" dirty="0"/>
+            <a:endParaRPr lang="zh-TW" altLang="en-US" sz="1600" dirty="0"/>
           </a:p>
         </p:txBody>
       </p:sp>
@@ -21993,8 +21994,8 @@
         </p:nvSpPr>
         <p:spPr>
           <a:xfrm>
-            <a:off x="5655383" y="4352715"/>
-            <a:ext cx="355494" cy="369332"/>
+            <a:off x="5479690" y="4473352"/>
+            <a:ext cx="355494" cy="338554"/>
           </a:xfrm>
           <a:prstGeom prst="rect">
             <a:avLst/>
@@ -22008,13 +22009,13 @@
           <a:lstStyle/>
           <a:p>
             <a:r>
-              <a:rPr kumimoji="1" lang="en-US" altLang="zh-TW" dirty="0">
+              <a:rPr kumimoji="1" lang="en-US" altLang="zh-TW" sz="1600" dirty="0">
                 <a:latin typeface="Arial" charset="0"/>
                 <a:ea typeface="新細明體" charset="-120"/>
               </a:rPr>
               <a:t>A</a:t>
             </a:r>
-            <a:endParaRPr lang="zh-TW" altLang="en-US" dirty="0"/>
+            <a:endParaRPr lang="zh-TW" altLang="en-US" sz="1600" dirty="0"/>
           </a:p>
         </p:txBody>
       </p:sp>
@@ -23811,8 +23812,8 @@
         </p:nvSpPr>
         <p:spPr>
           <a:xfrm>
-            <a:off x="5087810" y="1963390"/>
-            <a:ext cx="2502647" cy="369332"/>
+            <a:off x="4009080" y="2649583"/>
+            <a:ext cx="2076478" cy="369332"/>
           </a:xfrm>
           <a:prstGeom prst="rect">
             <a:avLst/>
@@ -23827,7 +23828,7 @@
           <a:p>
             <a:r>
               <a:rPr lang="en-US" altLang="zh-TW" dirty="0"/>
-              <a:t>Avoids the use of ADC</a:t>
+              <a:t>Avoids using ADC</a:t>
             </a:r>
             <a:endParaRPr lang="zh-TW" altLang="en-US" dirty="0"/>
           </a:p>
@@ -23851,8 +23852,8 @@
         </p:nvCxnSpPr>
         <p:spPr bwMode="auto">
           <a:xfrm flipV="1">
-            <a:off x="4832002" y="2332722"/>
-            <a:ext cx="1507132" cy="422843"/>
+            <a:off x="4684040" y="3018915"/>
+            <a:ext cx="363279" cy="302170"/>
           </a:xfrm>
           <a:prstGeom prst="straightConnector1">
             <a:avLst/>
@@ -25171,286 +25172,6 @@
           <a:chExt cx="0" cy="0"/>
         </a:xfrm>
       </p:grpSpPr>
-      <p:pic>
-        <p:nvPicPr>
-          <p:cNvPr id="66" name="圖片 65">
-            <a:extLst>
-              <a:ext uri="{FF2B5EF4-FFF2-40B4-BE49-F238E27FC236}">
-                <a16:creationId xmlns:a16="http://schemas.microsoft.com/office/drawing/2014/main" id="{F89E699E-31EE-F32F-1BCC-BCD216640662}"/>
-              </a:ext>
-            </a:extLst>
-          </p:cNvPr>
-          <p:cNvPicPr>
-            <a:picLocks noChangeAspect="1"/>
-          </p:cNvPicPr>
-          <p:nvPr/>
-        </p:nvPicPr>
-        <p:blipFill>
-          <a:blip r:embed="rId3" cstate="print">
-            <a:extLst>
-              <a:ext uri="{28A0092B-C50C-407E-A947-70E740481C1C}">
-                <a14:useLocalDpi xmlns:a14="http://schemas.microsoft.com/office/drawing/2010/main" val="0"/>
-              </a:ext>
-            </a:extLst>
-          </a:blip>
-          <a:stretch>
-            <a:fillRect/>
-          </a:stretch>
-        </p:blipFill>
-        <p:spPr>
-          <a:xfrm>
-            <a:off x="6151835" y="2760387"/>
-            <a:ext cx="2909854" cy="2644605"/>
-          </a:xfrm>
-          <a:prstGeom prst="rect">
-            <a:avLst/>
-          </a:prstGeom>
-        </p:spPr>
-      </p:pic>
-      <p:grpSp>
-        <p:nvGrpSpPr>
-          <p:cNvPr id="68" name="群組 67">
-            <a:extLst>
-              <a:ext uri="{FF2B5EF4-FFF2-40B4-BE49-F238E27FC236}">
-                <a16:creationId xmlns:a16="http://schemas.microsoft.com/office/drawing/2014/main" id="{012421D6-ACA9-E920-DCC6-EDB5BC5D3D4C}"/>
-              </a:ext>
-            </a:extLst>
-          </p:cNvPr>
-          <p:cNvGrpSpPr/>
-          <p:nvPr/>
-        </p:nvGrpSpPr>
-        <p:grpSpPr>
-          <a:xfrm>
-            <a:off x="4610" y="2842246"/>
-            <a:ext cx="5929032" cy="1978840"/>
-            <a:chOff x="2640257" y="2841067"/>
-            <a:chExt cx="5929032" cy="1978840"/>
-          </a:xfrm>
-        </p:grpSpPr>
-        <p:pic>
-          <p:nvPicPr>
-            <p:cNvPr id="58" name="圖片 57">
-              <a:extLst>
-                <a:ext uri="{FF2B5EF4-FFF2-40B4-BE49-F238E27FC236}">
-                  <a16:creationId xmlns:a16="http://schemas.microsoft.com/office/drawing/2014/main" id="{BFB39345-4C84-4372-8721-441CE6A0E86F}"/>
-                </a:ext>
-              </a:extLst>
-            </p:cNvPr>
-            <p:cNvPicPr>
-              <a:picLocks noChangeAspect="1"/>
-            </p:cNvPicPr>
-            <p:nvPr/>
-          </p:nvPicPr>
-          <p:blipFill>
-            <a:blip r:embed="rId4"/>
-            <a:stretch>
-              <a:fillRect/>
-            </a:stretch>
-          </p:blipFill>
-          <p:spPr>
-            <a:xfrm>
-              <a:off x="4139951" y="3736621"/>
-              <a:ext cx="3649760" cy="1083286"/>
-            </a:xfrm>
-            <a:prstGeom prst="rect">
-              <a:avLst/>
-            </a:prstGeom>
-          </p:spPr>
-        </p:pic>
-        <p:pic>
-          <p:nvPicPr>
-            <p:cNvPr id="60" name="圖片 59">
-              <a:extLst>
-                <a:ext uri="{FF2B5EF4-FFF2-40B4-BE49-F238E27FC236}">
-                  <a16:creationId xmlns:a16="http://schemas.microsoft.com/office/drawing/2014/main" id="{9E4F46B5-8405-1923-7871-1EC2B5F31731}"/>
-                </a:ext>
-              </a:extLst>
-            </p:cNvPr>
-            <p:cNvPicPr>
-              <a:picLocks noChangeAspect="1"/>
-            </p:cNvPicPr>
-            <p:nvPr/>
-          </p:nvPicPr>
-          <p:blipFill>
-            <a:blip r:embed="rId5"/>
-            <a:srcRect r="51176"/>
-            <a:stretch/>
-          </p:blipFill>
-          <p:spPr>
-            <a:xfrm>
-              <a:off x="4139952" y="2966133"/>
-              <a:ext cx="3649761" cy="786531"/>
-            </a:xfrm>
-            <a:prstGeom prst="rect">
-              <a:avLst/>
-            </a:prstGeom>
-          </p:spPr>
-        </p:pic>
-        <p:sp>
-          <p:nvSpPr>
-            <p:cNvPr id="61" name="文字方塊 60">
-              <a:extLst>
-                <a:ext uri="{FF2B5EF4-FFF2-40B4-BE49-F238E27FC236}">
-                  <a16:creationId xmlns:a16="http://schemas.microsoft.com/office/drawing/2014/main" id="{0EB4818D-86CC-2B14-EBAB-C4147C536E9A}"/>
-                </a:ext>
-              </a:extLst>
-            </p:cNvPr>
-            <p:cNvSpPr txBox="1"/>
-            <p:nvPr/>
-          </p:nvSpPr>
-          <p:spPr>
-            <a:xfrm>
-              <a:off x="2899470" y="3253655"/>
-              <a:ext cx="1234913" cy="338554"/>
-            </a:xfrm>
-            <a:prstGeom prst="rect">
-              <a:avLst/>
-            </a:prstGeom>
-            <a:noFill/>
-          </p:spPr>
-          <p:txBody>
-            <a:bodyPr wrap="square">
-              <a:spAutoFit/>
-            </a:bodyPr>
-            <a:lstStyle/>
-            <a:p>
-              <a:r>
-                <a:rPr lang="en-US" altLang="zh-TW" sz="1600" dirty="0"/>
-                <a:t>RAM</a:t>
-              </a:r>
-              <a:r>
-                <a:rPr lang="zh-TW" altLang="en-US" sz="1600" dirty="0"/>
-                <a:t> </a:t>
-              </a:r>
-              <a:r>
-                <a:rPr lang="en-US" altLang="zh-TW" sz="1600" dirty="0"/>
-                <a:t>array</a:t>
-              </a:r>
-              <a:endParaRPr lang="zh-TW" altLang="en-US" sz="1600" dirty="0"/>
-            </a:p>
-          </p:txBody>
-        </p:sp>
-        <p:sp>
-          <p:nvSpPr>
-            <p:cNvPr id="62" name="文字方塊 61">
-              <a:extLst>
-                <a:ext uri="{FF2B5EF4-FFF2-40B4-BE49-F238E27FC236}">
-                  <a16:creationId xmlns:a16="http://schemas.microsoft.com/office/drawing/2014/main" id="{D560F4C1-3719-398E-BF5C-40C167339015}"/>
-                </a:ext>
-              </a:extLst>
-            </p:cNvPr>
-            <p:cNvSpPr txBox="1"/>
-            <p:nvPr/>
-          </p:nvSpPr>
-          <p:spPr>
-            <a:xfrm>
-              <a:off x="2640257" y="4097178"/>
-              <a:ext cx="1494126" cy="338554"/>
-            </a:xfrm>
-            <a:prstGeom prst="rect">
-              <a:avLst/>
-            </a:prstGeom>
-            <a:noFill/>
-          </p:spPr>
-          <p:txBody>
-            <a:bodyPr wrap="square">
-              <a:spAutoFit/>
-            </a:bodyPr>
-            <a:lstStyle/>
-            <a:p>
-              <a:r>
-                <a:rPr lang="en-US" altLang="zh-TW" sz="1600" dirty="0"/>
-                <a:t>Eq. </a:t>
-              </a:r>
-              <a:r>
-                <a:rPr lang="en-US" altLang="zh-TW" sz="1600" dirty="0" err="1"/>
-                <a:t>ckt</a:t>
-              </a:r>
-              <a:r>
-                <a:rPr lang="en-US" altLang="zh-TW" sz="1600" dirty="0"/>
-                <a:t> model</a:t>
-              </a:r>
-              <a:endParaRPr lang="zh-TW" altLang="en-US" sz="1600" dirty="0"/>
-            </a:p>
-          </p:txBody>
-        </p:sp>
-        <p:sp>
-          <p:nvSpPr>
-            <p:cNvPr id="59" name="文字方塊 58">
-              <a:extLst>
-                <a:ext uri="{FF2B5EF4-FFF2-40B4-BE49-F238E27FC236}">
-                  <a16:creationId xmlns:a16="http://schemas.microsoft.com/office/drawing/2014/main" id="{C467F149-5A80-F8C5-DEFD-FE502F498F84}"/>
-                </a:ext>
-              </a:extLst>
-            </p:cNvPr>
-            <p:cNvSpPr txBox="1"/>
-            <p:nvPr/>
-          </p:nvSpPr>
-          <p:spPr>
-            <a:xfrm>
-              <a:off x="7571732" y="2841067"/>
-              <a:ext cx="997557" cy="307777"/>
-            </a:xfrm>
-            <a:prstGeom prst="rect">
-              <a:avLst/>
-            </a:prstGeom>
-            <a:solidFill>
-              <a:schemeClr val="bg1"/>
-            </a:solidFill>
-          </p:spPr>
-          <p:txBody>
-            <a:bodyPr wrap="square">
-              <a:spAutoFit/>
-            </a:bodyPr>
-            <a:lstStyle/>
-            <a:p>
-              <a:r>
-                <a:rPr lang="en-US" altLang="zh-TW" sz="1400" dirty="0"/>
-                <a:t>To ADC</a:t>
-              </a:r>
-              <a:endParaRPr lang="zh-TW" altLang="en-US" sz="1400" dirty="0"/>
-            </a:p>
-          </p:txBody>
-        </p:sp>
-        <p:sp>
-          <p:nvSpPr>
-            <p:cNvPr id="63" name="文字方塊 62">
-              <a:extLst>
-                <a:ext uri="{FF2B5EF4-FFF2-40B4-BE49-F238E27FC236}">
-                  <a16:creationId xmlns:a16="http://schemas.microsoft.com/office/drawing/2014/main" id="{88BE1FC9-FC16-F899-ADD5-5C87BCC378D0}"/>
-                </a:ext>
-              </a:extLst>
-            </p:cNvPr>
-            <p:cNvSpPr txBox="1"/>
-            <p:nvPr/>
-          </p:nvSpPr>
-          <p:spPr>
-            <a:xfrm>
-              <a:off x="3688932" y="2874982"/>
-              <a:ext cx="445451" cy="307777"/>
-            </a:xfrm>
-            <a:prstGeom prst="rect">
-              <a:avLst/>
-            </a:prstGeom>
-            <a:solidFill>
-              <a:schemeClr val="bg1"/>
-            </a:solidFill>
-          </p:spPr>
-          <p:txBody>
-            <a:bodyPr wrap="square">
-              <a:spAutoFit/>
-            </a:bodyPr>
-            <a:lstStyle/>
-            <a:p>
-              <a:r>
-                <a:rPr lang="en-US" altLang="zh-TW" sz="1400" dirty="0"/>
-                <a:t>ML</a:t>
-              </a:r>
-              <a:endParaRPr lang="zh-TW" altLang="en-US" sz="1400" dirty="0"/>
-            </a:p>
-          </p:txBody>
-        </p:sp>
-      </p:grpSp>
       <p:sp>
         <p:nvSpPr>
           <p:cNvPr id="2" name="標題 1">
@@ -25541,7 +25262,7 @@
         </p:nvCxnSpPr>
         <p:spPr bwMode="auto">
           <a:xfrm flipV="1">
-            <a:off x="6045573" y="5583467"/>
+            <a:off x="7454011" y="3424235"/>
             <a:ext cx="2" cy="324276"/>
           </a:xfrm>
           <a:prstGeom prst="straightConnector1">
@@ -25574,7 +25295,7 @@
         </p:nvGrpSpPr>
         <p:grpSpPr>
           <a:xfrm>
-            <a:off x="4628887" y="4996227"/>
+            <a:off x="6037325" y="2836995"/>
             <a:ext cx="2195670" cy="1496291"/>
             <a:chOff x="4890286" y="4797690"/>
             <a:chExt cx="2403428" cy="1496291"/>
@@ -25595,7 +25316,7 @@
             <p:nvPr/>
           </p:nvPicPr>
           <p:blipFill>
-            <a:blip r:embed="rId6"/>
+            <a:blip r:embed="rId3"/>
             <a:stretch>
               <a:fillRect/>
             </a:stretch>
@@ -25796,7 +25517,7 @@
             </a:r>
             <a:r>
               <a:rPr lang="en-US" altLang="zh-TW" sz="1600" b="1" dirty="0"/>
-              <a:t>more </a:t>
+              <a:t>less </a:t>
             </a:r>
             <a:r>
               <a:rPr lang="en-US" altLang="zh-TW" sz="1600" dirty="0"/>
@@ -25807,7 +25528,7 @@
             <a:pPr algn="ctr"/>
             <a:r>
               <a:rPr lang="en-US" altLang="zh-TW" sz="1600" dirty="0"/>
-              <a:t>( small denominator )</a:t>
+              <a:t>( large denominator )</a:t>
             </a:r>
             <a:endParaRPr lang="zh-TW" altLang="en-US" sz="1600" dirty="0"/>
           </a:p>
@@ -25827,7 +25548,7 @@
         </p:nvSpPr>
         <p:spPr>
           <a:xfrm>
-            <a:off x="2693596" y="5661521"/>
+            <a:off x="2392864" y="5673547"/>
             <a:ext cx="2088230" cy="830997"/>
           </a:xfrm>
           <a:prstGeom prst="rect">
@@ -25848,7 +25569,7 @@
             </a:r>
             <a:r>
               <a:rPr lang="en-US" altLang="zh-TW" sz="1600" b="1" dirty="0"/>
-              <a:t>less</a:t>
+              <a:t>more</a:t>
             </a:r>
             <a:r>
               <a:rPr lang="en-US" altLang="zh-TW" sz="1600" dirty="0"/>
@@ -25859,7 +25580,7 @@
             <a:pPr algn="ctr"/>
             <a:r>
               <a:rPr lang="en-US" altLang="zh-TW" sz="1600" dirty="0"/>
-              <a:t>( large denominator)</a:t>
+              <a:t>( small denominator)</a:t>
             </a:r>
             <a:endParaRPr lang="zh-TW" altLang="en-US" sz="1600" dirty="0"/>
           </a:p>
@@ -25882,8 +25603,8 @@
         </p:nvCxnSpPr>
         <p:spPr bwMode="auto">
           <a:xfrm flipV="1">
-            <a:off x="3737711" y="4870232"/>
-            <a:ext cx="0" cy="791289"/>
+            <a:off x="3436979" y="4952950"/>
+            <a:ext cx="330772" cy="720597"/>
           </a:xfrm>
           <a:prstGeom prst="straightConnector1">
             <a:avLst/>
@@ -25915,7 +25636,7 @@
         </p:nvSpPr>
         <p:spPr>
           <a:xfrm>
-            <a:off x="1533253" y="4889212"/>
+            <a:off x="1351692" y="4952950"/>
             <a:ext cx="2088230" cy="584775"/>
           </a:xfrm>
           <a:prstGeom prst="rect">
@@ -25945,6 +25666,339 @@
           </a:p>
         </p:txBody>
       </p:sp>
+      <p:pic>
+        <p:nvPicPr>
+          <p:cNvPr id="5" name="圖片 4">
+            <a:extLst>
+              <a:ext uri="{FF2B5EF4-FFF2-40B4-BE49-F238E27FC236}">
+                <a16:creationId xmlns:a16="http://schemas.microsoft.com/office/drawing/2014/main" id="{DCD85756-7C9A-6DAD-0AA0-499A4FFDADE6}"/>
+              </a:ext>
+            </a:extLst>
+          </p:cNvPr>
+          <p:cNvPicPr>
+            <a:picLocks noChangeAspect="1"/>
+          </p:cNvPicPr>
+          <p:nvPr/>
+        </p:nvPicPr>
+        <p:blipFill>
+          <a:blip r:embed="rId4"/>
+          <a:stretch>
+            <a:fillRect/>
+          </a:stretch>
+        </p:blipFill>
+        <p:spPr>
+          <a:xfrm>
+            <a:off x="4479111" y="4524331"/>
+            <a:ext cx="4569066" cy="2014359"/>
+          </a:xfrm>
+          <a:prstGeom prst="rect">
+            <a:avLst/>
+          </a:prstGeom>
+        </p:spPr>
+      </p:pic>
+      <p:grpSp>
+        <p:nvGrpSpPr>
+          <p:cNvPr id="14" name="群組 13">
+            <a:extLst>
+              <a:ext uri="{FF2B5EF4-FFF2-40B4-BE49-F238E27FC236}">
+                <a16:creationId xmlns:a16="http://schemas.microsoft.com/office/drawing/2014/main" id="{58B77336-F700-016D-D83E-4C9C4DA5F972}"/>
+              </a:ext>
+            </a:extLst>
+          </p:cNvPr>
+          <p:cNvGrpSpPr/>
+          <p:nvPr/>
+        </p:nvGrpSpPr>
+        <p:grpSpPr>
+          <a:xfrm>
+            <a:off x="4610" y="2842246"/>
+            <a:ext cx="5929032" cy="1908954"/>
+            <a:chOff x="4610" y="2842246"/>
+            <a:chExt cx="5929032" cy="1908954"/>
+          </a:xfrm>
+        </p:grpSpPr>
+        <p:grpSp>
+          <p:nvGrpSpPr>
+            <p:cNvPr id="68" name="群組 67">
+              <a:extLst>
+                <a:ext uri="{FF2B5EF4-FFF2-40B4-BE49-F238E27FC236}">
+                  <a16:creationId xmlns:a16="http://schemas.microsoft.com/office/drawing/2014/main" id="{012421D6-ACA9-E920-DCC6-EDB5BC5D3D4C}"/>
+                </a:ext>
+              </a:extLst>
+            </p:cNvPr>
+            <p:cNvGrpSpPr/>
+            <p:nvPr/>
+          </p:nvGrpSpPr>
+          <p:grpSpPr>
+            <a:xfrm>
+              <a:off x="4610" y="2842246"/>
+              <a:ext cx="5929032" cy="1594665"/>
+              <a:chOff x="2640257" y="2841067"/>
+              <a:chExt cx="5929032" cy="1594665"/>
+            </a:xfrm>
+          </p:grpSpPr>
+          <p:pic>
+            <p:nvPicPr>
+              <p:cNvPr id="60" name="圖片 59">
+                <a:extLst>
+                  <a:ext uri="{FF2B5EF4-FFF2-40B4-BE49-F238E27FC236}">
+                    <a16:creationId xmlns:a16="http://schemas.microsoft.com/office/drawing/2014/main" id="{9E4F46B5-8405-1923-7871-1EC2B5F31731}"/>
+                  </a:ext>
+                </a:extLst>
+              </p:cNvPr>
+              <p:cNvPicPr>
+                <a:picLocks noChangeAspect="1"/>
+              </p:cNvPicPr>
+              <p:nvPr/>
+            </p:nvPicPr>
+            <p:blipFill>
+              <a:blip r:embed="rId5"/>
+              <a:srcRect r="51176"/>
+              <a:stretch/>
+            </p:blipFill>
+            <p:spPr>
+              <a:xfrm>
+                <a:off x="4139952" y="2966133"/>
+                <a:ext cx="3649761" cy="786531"/>
+              </a:xfrm>
+              <a:prstGeom prst="rect">
+                <a:avLst/>
+              </a:prstGeom>
+            </p:spPr>
+          </p:pic>
+          <p:sp>
+            <p:nvSpPr>
+              <p:cNvPr id="61" name="文字方塊 60">
+                <a:extLst>
+                  <a:ext uri="{FF2B5EF4-FFF2-40B4-BE49-F238E27FC236}">
+                    <a16:creationId xmlns:a16="http://schemas.microsoft.com/office/drawing/2014/main" id="{0EB4818D-86CC-2B14-EBAB-C4147C536E9A}"/>
+                  </a:ext>
+                </a:extLst>
+              </p:cNvPr>
+              <p:cNvSpPr txBox="1"/>
+              <p:nvPr/>
+            </p:nvSpPr>
+            <p:spPr>
+              <a:xfrm>
+                <a:off x="2899470" y="3253655"/>
+                <a:ext cx="1234913" cy="338554"/>
+              </a:xfrm>
+              <a:prstGeom prst="rect">
+                <a:avLst/>
+              </a:prstGeom>
+              <a:noFill/>
+            </p:spPr>
+            <p:txBody>
+              <a:bodyPr wrap="square">
+                <a:spAutoFit/>
+              </a:bodyPr>
+              <a:lstStyle/>
+              <a:p>
+                <a:r>
+                  <a:rPr lang="en-US" altLang="zh-TW" sz="1600" dirty="0"/>
+                  <a:t>RAM</a:t>
+                </a:r>
+                <a:r>
+                  <a:rPr lang="zh-TW" altLang="en-US" sz="1600" dirty="0"/>
+                  <a:t> </a:t>
+                </a:r>
+                <a:r>
+                  <a:rPr lang="en-US" altLang="zh-TW" sz="1600" dirty="0"/>
+                  <a:t>array</a:t>
+                </a:r>
+                <a:endParaRPr lang="zh-TW" altLang="en-US" sz="1600" dirty="0"/>
+              </a:p>
+            </p:txBody>
+          </p:sp>
+          <p:sp>
+            <p:nvSpPr>
+              <p:cNvPr id="62" name="文字方塊 61">
+                <a:extLst>
+                  <a:ext uri="{FF2B5EF4-FFF2-40B4-BE49-F238E27FC236}">
+                    <a16:creationId xmlns:a16="http://schemas.microsoft.com/office/drawing/2014/main" id="{D560F4C1-3719-398E-BF5C-40C167339015}"/>
+                  </a:ext>
+                </a:extLst>
+              </p:cNvPr>
+              <p:cNvSpPr txBox="1"/>
+              <p:nvPr/>
+            </p:nvSpPr>
+            <p:spPr>
+              <a:xfrm>
+                <a:off x="2640257" y="4097178"/>
+                <a:ext cx="1494126" cy="338554"/>
+              </a:xfrm>
+              <a:prstGeom prst="rect">
+                <a:avLst/>
+              </a:prstGeom>
+              <a:noFill/>
+            </p:spPr>
+            <p:txBody>
+              <a:bodyPr wrap="square">
+                <a:spAutoFit/>
+              </a:bodyPr>
+              <a:lstStyle/>
+              <a:p>
+                <a:r>
+                  <a:rPr lang="en-US" altLang="zh-TW" sz="1600" dirty="0"/>
+                  <a:t>Eq. </a:t>
+                </a:r>
+                <a:r>
+                  <a:rPr lang="en-US" altLang="zh-TW" sz="1600" dirty="0" err="1"/>
+                  <a:t>ckt</a:t>
+                </a:r>
+                <a:r>
+                  <a:rPr lang="en-US" altLang="zh-TW" sz="1600" dirty="0"/>
+                  <a:t> model</a:t>
+                </a:r>
+                <a:endParaRPr lang="zh-TW" altLang="en-US" sz="1600" dirty="0"/>
+              </a:p>
+            </p:txBody>
+          </p:sp>
+          <p:sp>
+            <p:nvSpPr>
+              <p:cNvPr id="59" name="文字方塊 58">
+                <a:extLst>
+                  <a:ext uri="{FF2B5EF4-FFF2-40B4-BE49-F238E27FC236}">
+                    <a16:creationId xmlns:a16="http://schemas.microsoft.com/office/drawing/2014/main" id="{C467F149-5A80-F8C5-DEFD-FE502F498F84}"/>
+                  </a:ext>
+                </a:extLst>
+              </p:cNvPr>
+              <p:cNvSpPr txBox="1"/>
+              <p:nvPr/>
+            </p:nvSpPr>
+            <p:spPr>
+              <a:xfrm>
+                <a:off x="7571732" y="2841067"/>
+                <a:ext cx="997557" cy="307777"/>
+              </a:xfrm>
+              <a:prstGeom prst="rect">
+                <a:avLst/>
+              </a:prstGeom>
+              <a:solidFill>
+                <a:schemeClr val="bg1"/>
+              </a:solidFill>
+            </p:spPr>
+            <p:txBody>
+              <a:bodyPr wrap="square">
+                <a:spAutoFit/>
+              </a:bodyPr>
+              <a:lstStyle/>
+              <a:p>
+                <a:r>
+                  <a:rPr lang="en-US" altLang="zh-TW" sz="1400" dirty="0"/>
+                  <a:t>To ADC</a:t>
+                </a:r>
+                <a:endParaRPr lang="zh-TW" altLang="en-US" sz="1400" dirty="0"/>
+              </a:p>
+            </p:txBody>
+          </p:sp>
+          <p:sp>
+            <p:nvSpPr>
+              <p:cNvPr id="63" name="文字方塊 62">
+                <a:extLst>
+                  <a:ext uri="{FF2B5EF4-FFF2-40B4-BE49-F238E27FC236}">
+                    <a16:creationId xmlns:a16="http://schemas.microsoft.com/office/drawing/2014/main" id="{88BE1FC9-FC16-F899-ADD5-5C87BCC378D0}"/>
+                  </a:ext>
+                </a:extLst>
+              </p:cNvPr>
+              <p:cNvSpPr txBox="1"/>
+              <p:nvPr/>
+            </p:nvSpPr>
+            <p:spPr>
+              <a:xfrm>
+                <a:off x="3688932" y="2874982"/>
+                <a:ext cx="445451" cy="307777"/>
+              </a:xfrm>
+              <a:prstGeom prst="rect">
+                <a:avLst/>
+              </a:prstGeom>
+              <a:solidFill>
+                <a:schemeClr val="bg1"/>
+              </a:solidFill>
+            </p:spPr>
+            <p:txBody>
+              <a:bodyPr wrap="square">
+                <a:spAutoFit/>
+              </a:bodyPr>
+              <a:lstStyle/>
+              <a:p>
+                <a:r>
+                  <a:rPr lang="en-US" altLang="zh-TW" sz="1400" dirty="0"/>
+                  <a:t>ML</a:t>
+                </a:r>
+                <a:endParaRPr lang="zh-TW" altLang="en-US" sz="1400" dirty="0"/>
+              </a:p>
+            </p:txBody>
+          </p:sp>
+        </p:grpSp>
+        <p:pic>
+          <p:nvPicPr>
+            <p:cNvPr id="11" name="圖片 10">
+              <a:extLst>
+                <a:ext uri="{FF2B5EF4-FFF2-40B4-BE49-F238E27FC236}">
+                  <a16:creationId xmlns:a16="http://schemas.microsoft.com/office/drawing/2014/main" id="{EE94E24E-A2C7-D23F-77B0-C318846331B6}"/>
+                </a:ext>
+              </a:extLst>
+            </p:cNvPr>
+            <p:cNvPicPr>
+              <a:picLocks noChangeAspect="1"/>
+            </p:cNvPicPr>
+            <p:nvPr/>
+          </p:nvPicPr>
+          <p:blipFill>
+            <a:blip r:embed="rId6"/>
+            <a:stretch>
+              <a:fillRect/>
+            </a:stretch>
+          </p:blipFill>
+          <p:spPr>
+            <a:xfrm>
+              <a:off x="1411907" y="3753843"/>
+              <a:ext cx="3459857" cy="997357"/>
+            </a:xfrm>
+            <a:prstGeom prst="rect">
+              <a:avLst/>
+            </a:prstGeom>
+          </p:spPr>
+        </p:pic>
+        <p:sp>
+          <p:nvSpPr>
+            <p:cNvPr id="12" name="文字方塊 11">
+              <a:extLst>
+                <a:ext uri="{FF2B5EF4-FFF2-40B4-BE49-F238E27FC236}">
+                  <a16:creationId xmlns:a16="http://schemas.microsoft.com/office/drawing/2014/main" id="{3D063D00-770F-EF82-4112-151C04BDFD07}"/>
+                </a:ext>
+              </a:extLst>
+            </p:cNvPr>
+            <p:cNvSpPr txBox="1"/>
+            <p:nvPr/>
+          </p:nvSpPr>
+          <p:spPr>
+            <a:xfrm>
+              <a:off x="4655287" y="3782665"/>
+              <a:ext cx="997557" cy="307777"/>
+            </a:xfrm>
+            <a:prstGeom prst="rect">
+              <a:avLst/>
+            </a:prstGeom>
+            <a:solidFill>
+              <a:schemeClr val="bg1"/>
+            </a:solidFill>
+          </p:spPr>
+          <p:txBody>
+            <a:bodyPr wrap="square">
+              <a:spAutoFit/>
+            </a:bodyPr>
+            <a:lstStyle/>
+            <a:p>
+              <a:r>
+                <a:rPr lang="en-US" altLang="zh-TW" sz="1400" dirty="0"/>
+                <a:t>To ADC</a:t>
+              </a:r>
+              <a:endParaRPr lang="zh-TW" altLang="en-US" sz="1400" dirty="0"/>
+            </a:p>
+          </p:txBody>
+        </p:sp>
+      </p:grpSp>
     </p:spTree>
     <p:extLst>
       <p:ext uri="{BB962C8B-B14F-4D97-AF65-F5344CB8AC3E}">
@@ -43898,8 +43952,8 @@
           </a:p>
         </p:txBody>
       </p:sp>
-      <mc:AlternateContent xmlns:mc="http://schemas.openxmlformats.org/markup-compatibility/2006" xmlns:a14="http://schemas.microsoft.com/office/drawing/2010/main">
-        <mc:Choice Requires="a14">
+      <mc:AlternateContent xmlns:mc="http://schemas.openxmlformats.org/markup-compatibility/2006">
+        <mc:Choice xmlns:a14="http://schemas.microsoft.com/office/drawing/2010/main" Requires="a14">
           <p:sp>
             <p:nvSpPr>
               <p:cNvPr id="3" name="內容版面配置區 2">
@@ -43968,6 +44022,21 @@
                 </a:r>
                 <a14:m>
                   <m:oMath xmlns:m="http://schemas.openxmlformats.org/officeDocument/2006/math">
+                    <m:r>
+                      <m:rPr>
+                        <m:sty m:val="p"/>
+                      </m:rPr>
+                      <a:rPr lang="en-US" altLang="zh-TW" sz="1400" b="0" i="0" kern="0" smtClean="0">
+                        <a:latin typeface="Cambria Math" panose="02040503050406030204" pitchFamily="18" charset="0"/>
+                      </a:rPr>
+                      <m:t>a</m:t>
+                    </m:r>
+                    <m:r>
+                      <a:rPr lang="en-US" altLang="zh-TW" sz="1400" b="0" i="1" kern="0" smtClean="0">
+                        <a:latin typeface="Cambria Math" panose="02040503050406030204" pitchFamily="18" charset="0"/>
+                      </a:rPr>
+                      <m:t>⋅</m:t>
+                    </m:r>
                     <m:sSup>
                       <m:sSupPr>
                         <m:ctrlPr>
@@ -44032,7 +44101,25 @@
                           <a:rPr lang="en-US" altLang="zh-TW" sz="1400" b="0" i="0" kern="0" smtClean="0">
                             <a:latin typeface="Cambria Math" panose="02040503050406030204" pitchFamily="18" charset="0"/>
                           </a:rPr>
-                          <m:t>k</m:t>
+                          <m:t>n</m:t>
+                        </m:r>
+                        <m:r>
+                          <a:rPr lang="en-US" altLang="zh-TW" sz="1400" b="0" i="1" kern="0" smtClean="0">
+                            <a:latin typeface="Cambria Math" panose="02040503050406030204" pitchFamily="18" charset="0"/>
+                          </a:rPr>
+                          <m:t> (</m:t>
+                        </m:r>
+                        <m:r>
+                          <a:rPr lang="en-US" altLang="zh-TW" sz="1400" b="0" i="1" kern="0" smtClean="0">
+                            <a:latin typeface="Cambria Math" panose="02040503050406030204" pitchFamily="18" charset="0"/>
+                          </a:rPr>
+                          <m:t>𝑜𝑟</m:t>
+                        </m:r>
+                        <m:r>
+                          <a:rPr lang="en-US" altLang="zh-TW" sz="1400" b="0" i="1" kern="0" smtClean="0">
+                            <a:latin typeface="Cambria Math" panose="02040503050406030204" pitchFamily="18" charset="0"/>
+                          </a:rPr>
+                          <m:t> +1)</m:t>
                         </m:r>
                       </m:sup>
                     </m:sSup>
@@ -44049,7 +44136,7 @@
                       <a:rPr lang="en-US" altLang="zh-TW" sz="1400" b="0" i="0" kern="0" smtClean="0">
                         <a:latin typeface="Cambria Math" panose="02040503050406030204" pitchFamily="18" charset="0"/>
                       </a:rPr>
-                      <m:t>k</m:t>
+                      <m:t>n</m:t>
                     </m:r>
                     <m:r>
                       <a:rPr lang="en-US" altLang="zh-TW" sz="1400" b="0" i="0" kern="0" smtClean="0">
@@ -44103,7 +44190,7 @@
             </p:txBody>
           </p:sp>
         </mc:Choice>
-        <mc:Fallback xmlns="">
+        <mc:Fallback>
           <p:sp>
             <p:nvSpPr>
               <p:cNvPr id="3" name="內容版面配置區 2">

--- a/IMS_NEW.pptx
+++ b/IMS_NEW.pptx
@@ -229,7 +229,7 @@
           <a:p>
             <a:fld id="{FE9F37E1-976C-4D68-AAA1-E18BCAC423B3}" type="datetimeFigureOut">
               <a:rPr lang="zh-TW" altLang="en-US" smtClean="0"/>
-              <a:t>2025/3/28</a:t>
+              <a:t>2025/4/2</a:t>
             </a:fld>
             <a:endParaRPr lang="zh-TW" altLang="en-US"/>
           </a:p>
@@ -394,7 +394,7 @@
           <a:p>
             <a:fld id="{6F765A04-DEC0-490E-BE54-AD23B90E8F9F}" type="datetimeFigureOut">
               <a:rPr lang="zh-TW" altLang="en-US" smtClean="0"/>
-              <a:t>2025/3/28</a:t>
+              <a:t>2025/4/2</a:t>
             </a:fld>
             <a:endParaRPr lang="zh-TW" altLang="en-US"/>
           </a:p>
@@ -1526,7 +1526,7 @@
           </a:ln>
           <a:extLst>
             <a:ext uri="{91240B29-F687-4f45-9708-019B960494DF}">
-              <a14:hiddenLine xmlns:a14="http://schemas.microsoft.com/office/drawing/2010/main" xmlns="" w="9525">
+              <a14:hiddenLine xmlns="" xmlns:a14="http://schemas.microsoft.com/office/drawing/2010/main" w="9525">
                 <a:solidFill>
                   <a:srgbClr val="000000"/>
                 </a:solidFill>
@@ -1580,14 +1580,14 @@
           </a:ln>
           <a:extLst>
             <a:ext uri="{909E8E84-426E-40dd-AFC4-6F175D3DCCD1}">
-              <a14:hiddenFill xmlns:a14="http://schemas.microsoft.com/office/drawing/2010/main" xmlns="">
+              <a14:hiddenFill xmlns="" xmlns:a14="http://schemas.microsoft.com/office/drawing/2010/main">
                 <a:solidFill>
                   <a:srgbClr val="FFFFFF"/>
                 </a:solidFill>
               </a14:hiddenFill>
             </a:ext>
             <a:ext uri="{91240B29-F687-4f45-9708-019B960494DF}">
-              <a14:hiddenLine xmlns:a14="http://schemas.microsoft.com/office/drawing/2010/main" xmlns="" w="9525">
+              <a14:hiddenLine xmlns="" xmlns:a14="http://schemas.microsoft.com/office/drawing/2010/main" w="9525">
                 <a:solidFill>
                   <a:srgbClr val="000000"/>
                 </a:solidFill>
@@ -1623,7 +1623,7 @@
           </a:ln>
           <a:extLst>
             <a:ext uri="{91240B29-F687-4f45-9708-019B960494DF}">
-              <a14:hiddenLine xmlns:a14="http://schemas.microsoft.com/office/drawing/2010/main" xmlns="" w="9525">
+              <a14:hiddenLine xmlns="" xmlns:a14="http://schemas.microsoft.com/office/drawing/2010/main" w="9525">
                 <a:solidFill>
                   <a:srgbClr val="000000"/>
                 </a:solidFill>
@@ -1939,7 +1939,7 @@
           </a:ln>
           <a:extLst>
             <a:ext uri="{91240B29-F687-4f45-9708-019B960494DF}">
-              <a14:hiddenLine xmlns:a14="http://schemas.microsoft.com/office/drawing/2010/main" xmlns="" w="9525">
+              <a14:hiddenLine xmlns="" xmlns:a14="http://schemas.microsoft.com/office/drawing/2010/main" w="9525">
                 <a:solidFill>
                   <a:srgbClr val="000000"/>
                 </a:solidFill>
@@ -1990,7 +1990,7 @@
           </a:ln>
           <a:extLst>
             <a:ext uri="{91240B29-F687-4f45-9708-019B960494DF}">
-              <a14:hiddenLine xmlns:a14="http://schemas.microsoft.com/office/drawing/2010/main" xmlns="" w="9525">
+              <a14:hiddenLine xmlns="" xmlns:a14="http://schemas.microsoft.com/office/drawing/2010/main" w="9525">
                 <a:solidFill>
                   <a:srgbClr val="000000"/>
                 </a:solidFill>
@@ -13220,7 +13220,7 @@
           </a:ln>
           <a:extLst>
             <a:ext uri="{91240B29-F687-4f45-9708-019B960494DF}">
-              <a14:hiddenLine xmlns:a14="http://schemas.microsoft.com/office/drawing/2010/main" xmlns="" w="9525">
+              <a14:hiddenLine xmlns="" xmlns:a14="http://schemas.microsoft.com/office/drawing/2010/main" w="9525">
                 <a:solidFill>
                   <a:srgbClr val="000000"/>
                 </a:solidFill>
@@ -13549,14 +13549,14 @@
           </a:ln>
           <a:extLst>
             <a:ext uri="{909E8E84-426E-40dd-AFC4-6F175D3DCCD1}">
-              <a14:hiddenFill xmlns:a14="http://schemas.microsoft.com/office/drawing/2010/main" xmlns="">
+              <a14:hiddenFill xmlns="" xmlns:a14="http://schemas.microsoft.com/office/drawing/2010/main">
                 <a:solidFill>
                   <a:srgbClr val="FFFFFF"/>
                 </a:solidFill>
               </a14:hiddenFill>
             </a:ext>
             <a:ext uri="{91240B29-F687-4f45-9708-019B960494DF}">
-              <a14:hiddenLine xmlns:a14="http://schemas.microsoft.com/office/drawing/2010/main" xmlns="" w="9525">
+              <a14:hiddenLine xmlns="" xmlns:a14="http://schemas.microsoft.com/office/drawing/2010/main" w="9525">
                 <a:solidFill>
                   <a:srgbClr val="000000"/>
                 </a:solidFill>
@@ -13632,14 +13632,14 @@
           </a:ln>
           <a:extLst>
             <a:ext uri="{909E8E84-426E-40dd-AFC4-6F175D3DCCD1}">
-              <a14:hiddenFill xmlns:a14="http://schemas.microsoft.com/office/drawing/2010/main" xmlns="">
+              <a14:hiddenFill xmlns="" xmlns:a14="http://schemas.microsoft.com/office/drawing/2010/main">
                 <a:solidFill>
                   <a:srgbClr val="FFFFFF"/>
                 </a:solidFill>
               </a14:hiddenFill>
             </a:ext>
             <a:ext uri="{91240B29-F687-4f45-9708-019B960494DF}">
-              <a14:hiddenLine xmlns:a14="http://schemas.microsoft.com/office/drawing/2010/main" xmlns="" w="9525">
+              <a14:hiddenLine xmlns="" xmlns:a14="http://schemas.microsoft.com/office/drawing/2010/main" w="9525">
                 <a:solidFill>
                   <a:srgbClr val="000000"/>
                 </a:solidFill>
@@ -13710,14 +13710,14 @@
           </a:ln>
           <a:extLst>
             <a:ext uri="{909E8E84-426E-40dd-AFC4-6F175D3DCCD1}">
-              <a14:hiddenFill xmlns:a14="http://schemas.microsoft.com/office/drawing/2010/main" xmlns="">
+              <a14:hiddenFill xmlns="" xmlns:a14="http://schemas.microsoft.com/office/drawing/2010/main">
                 <a:solidFill>
                   <a:srgbClr val="FFFFFF"/>
                 </a:solidFill>
               </a14:hiddenFill>
             </a:ext>
             <a:ext uri="{91240B29-F687-4f45-9708-019B960494DF}">
-              <a14:hiddenLine xmlns:a14="http://schemas.microsoft.com/office/drawing/2010/main" xmlns="" w="9525">
+              <a14:hiddenLine xmlns="" xmlns:a14="http://schemas.microsoft.com/office/drawing/2010/main" w="9525">
                 <a:solidFill>
                   <a:srgbClr val="000000"/>
                 </a:solidFill>
@@ -13780,7 +13780,7 @@
           </a:ln>
           <a:extLst>
             <a:ext uri="{91240B29-F687-4f45-9708-019B960494DF}">
-              <a14:hiddenLine xmlns:a14="http://schemas.microsoft.com/office/drawing/2010/main" xmlns="" w="9525">
+              <a14:hiddenLine xmlns="" xmlns:a14="http://schemas.microsoft.com/office/drawing/2010/main" w="9525">
                 <a:solidFill>
                   <a:srgbClr val="000000"/>
                 </a:solidFill>
@@ -36858,7 +36858,7 @@
         </p:blipFill>
         <p:spPr>
           <a:xfrm>
-            <a:off x="669250" y="2542339"/>
+            <a:off x="637411" y="2281925"/>
             <a:ext cx="4871192" cy="555671"/>
           </a:xfrm>
           <a:prstGeom prst="rect">
@@ -36878,13 +36878,14 @@
           <p:cNvCxnSpPr>
             <a:cxnSpLocks/>
             <a:stCxn id="21" idx="1"/>
+            <a:endCxn id="16" idx="3"/>
           </p:cNvCxnSpPr>
           <p:nvPr/>
         </p:nvCxnSpPr>
         <p:spPr bwMode="auto">
           <a:xfrm flipH="1" flipV="1">
-            <a:off x="5710449" y="2825147"/>
-            <a:ext cx="529578" cy="1"/>
+            <a:off x="5508603" y="2559761"/>
+            <a:ext cx="699585" cy="4973"/>
           </a:xfrm>
           <a:prstGeom prst="straightConnector1">
             <a:avLst/>
@@ -36923,7 +36924,7 @@
         </p:nvSpPr>
         <p:spPr>
           <a:xfrm>
-            <a:off x="6240027" y="2501982"/>
+            <a:off x="6208188" y="2241568"/>
             <a:ext cx="2782789" cy="646331"/>
           </a:xfrm>
           <a:prstGeom prst="rect">
@@ -36940,40 +36941,11 @@
             <a:pPr algn="ctr"/>
             <a:r>
               <a:rPr lang="en-US" altLang="zh-TW" dirty="0"/>
-              <a:t>Not friendly for direct hardware implementation</a:t>
+              <a:t>Compute floating-point value is costly</a:t>
             </a:r>
           </a:p>
         </p:txBody>
       </p:sp>
-      <p:pic>
-        <p:nvPicPr>
-          <p:cNvPr id="25" name="圖片 24">
-            <a:extLst>
-              <a:ext uri="{FF2B5EF4-FFF2-40B4-BE49-F238E27FC236}">
-                <a16:creationId xmlns:a16="http://schemas.microsoft.com/office/drawing/2014/main" id="{05488130-5569-D381-3499-25443267D5A9}"/>
-              </a:ext>
-            </a:extLst>
-          </p:cNvPr>
-          <p:cNvPicPr>
-            <a:picLocks noChangeAspect="1"/>
-          </p:cNvPicPr>
-          <p:nvPr/>
-        </p:nvPicPr>
-        <p:blipFill>
-          <a:blip r:embed="rId5"/>
-          <a:srcRect l="6688" t="33200" r="5900" b="44400"/>
-          <a:stretch/>
-        </p:blipFill>
-        <p:spPr>
-          <a:xfrm>
-            <a:off x="1578191" y="3536089"/>
-            <a:ext cx="2293958" cy="330661"/>
-          </a:xfrm>
-          <a:prstGeom prst="rect">
-            <a:avLst/>
-          </a:prstGeom>
-        </p:spPr>
-      </p:pic>
       <p:sp>
         <p:nvSpPr>
           <p:cNvPr id="27" name="文字方塊 26">
@@ -36988,8 +36960,8 @@
         </p:nvSpPr>
         <p:spPr>
           <a:xfrm>
-            <a:off x="4318734" y="3233219"/>
-            <a:ext cx="3997681" cy="923330"/>
+            <a:off x="6193697" y="3236132"/>
+            <a:ext cx="2782789" cy="646331"/>
           </a:xfrm>
           <a:prstGeom prst="rect">
             <a:avLst/>
@@ -37005,21 +36977,14 @@
             <a:pPr algn="ctr"/>
             <a:r>
               <a:rPr lang="en-US" altLang="zh-TW" dirty="0"/>
-              <a:t>Binary data possess spatial info</a:t>
+              <a:t>Quantize the model to int</a:t>
             </a:r>
           </a:p>
           <a:p>
             <a:pPr algn="ctr"/>
             <a:r>
               <a:rPr lang="en-US" altLang="zh-TW" dirty="0"/>
-              <a:t>Not angular info</a:t>
-            </a:r>
-          </a:p>
-          <a:p>
-            <a:pPr algn="ctr"/>
-            <a:r>
-              <a:rPr lang="en-US" altLang="zh-TW" dirty="0"/>
-              <a:t>Spatial metric may be binary-friendly</a:t>
+              <a:t>Easier to do computation </a:t>
             </a:r>
           </a:p>
         </p:txBody>
@@ -37036,14 +37001,14 @@
           <p:cNvCxnSpPr>
             <a:cxnSpLocks/>
             <a:stCxn id="27" idx="1"/>
-            <a:endCxn id="25" idx="3"/>
+            <a:endCxn id="17" idx="2"/>
           </p:cNvCxnSpPr>
           <p:nvPr/>
         </p:nvCxnSpPr>
         <p:spPr bwMode="auto">
           <a:xfrm flipH="1">
-            <a:off x="3872149" y="3694884"/>
-            <a:ext cx="446585" cy="6536"/>
+            <a:off x="5242391" y="3559298"/>
+            <a:ext cx="951306" cy="1826"/>
           </a:xfrm>
           <a:prstGeom prst="straightConnector1">
             <a:avLst/>
@@ -37082,8 +37047,8 @@
         </p:nvSpPr>
         <p:spPr>
           <a:xfrm>
-            <a:off x="5255675" y="4812794"/>
-            <a:ext cx="2521279" cy="923330"/>
+            <a:off x="4940607" y="4439383"/>
+            <a:ext cx="3060740" cy="1200329"/>
           </a:xfrm>
           <a:prstGeom prst="rect">
             <a:avLst/>
@@ -37095,6 +37060,13 @@
             <a:spAutoFit/>
           </a:bodyPr>
           <a:lstStyle/>
+          <a:p>
+            <a:pPr algn="ctr"/>
+            <a:r>
+              <a:rPr lang="en-US" altLang="zh-TW" dirty="0"/>
+              <a:t>Use distance metric for int</a:t>
+            </a:r>
+          </a:p>
           <a:p>
             <a:pPr algn="ctr"/>
             <a:r>
@@ -37374,8 +37346,8 @@
         </p:nvCxnSpPr>
         <p:spPr bwMode="auto">
           <a:xfrm flipH="1">
-            <a:off x="3515905" y="5274459"/>
-            <a:ext cx="1739770" cy="0"/>
+            <a:off x="3379277" y="5039548"/>
+            <a:ext cx="1561330" cy="0"/>
           </a:xfrm>
           <a:prstGeom prst="straightConnector1">
             <a:avLst/>
@@ -37400,6 +37372,152 @@
           </a:fontRef>
         </p:style>
       </p:cxnSp>
+      <p:grpSp>
+        <p:nvGrpSpPr>
+          <p:cNvPr id="20" name="群組 19">
+            <a:extLst>
+              <a:ext uri="{FF2B5EF4-FFF2-40B4-BE49-F238E27FC236}">
+                <a16:creationId xmlns:a16="http://schemas.microsoft.com/office/drawing/2014/main" id="{F46AB729-F531-6442-2166-3B207BB93B9D}"/>
+              </a:ext>
+            </a:extLst>
+          </p:cNvPr>
+          <p:cNvGrpSpPr/>
+          <p:nvPr/>
+        </p:nvGrpSpPr>
+        <p:grpSpPr>
+          <a:xfrm>
+            <a:off x="2852935" y="3191792"/>
+            <a:ext cx="2607729" cy="525889"/>
+            <a:chOff x="1319982" y="3193561"/>
+            <a:chExt cx="2607729" cy="525889"/>
+          </a:xfrm>
+        </p:grpSpPr>
+        <p:pic>
+          <p:nvPicPr>
+            <p:cNvPr id="25" name="圖片 24">
+              <a:extLst>
+                <a:ext uri="{FF2B5EF4-FFF2-40B4-BE49-F238E27FC236}">
+                  <a16:creationId xmlns:a16="http://schemas.microsoft.com/office/drawing/2014/main" id="{05488130-5569-D381-3499-25443267D5A9}"/>
+                </a:ext>
+              </a:extLst>
+            </p:cNvPr>
+            <p:cNvPicPr>
+              <a:picLocks noChangeAspect="1"/>
+            </p:cNvPicPr>
+            <p:nvPr/>
+          </p:nvPicPr>
+          <p:blipFill>
+            <a:blip r:embed="rId5"/>
+            <a:srcRect l="6688" t="33200" r="5900" b="44400"/>
+            <a:stretch/>
+          </p:blipFill>
+          <p:spPr>
+            <a:xfrm>
+              <a:off x="1319982" y="3388789"/>
+              <a:ext cx="2293958" cy="330661"/>
+            </a:xfrm>
+            <a:prstGeom prst="rect">
+              <a:avLst/>
+            </a:prstGeom>
+          </p:spPr>
+        </p:pic>
+        <mc:AlternateContent xmlns:mc="http://schemas.openxmlformats.org/markup-compatibility/2006">
+          <mc:Choice xmlns:a14="http://schemas.microsoft.com/office/drawing/2010/main" Requires="a14">
+            <p:sp>
+              <p:nvSpPr>
+                <p:cNvPr id="17" name="文字方塊 16">
+                  <a:extLst>
+                    <a:ext uri="{FF2B5EF4-FFF2-40B4-BE49-F238E27FC236}">
+                      <a16:creationId xmlns:a16="http://schemas.microsoft.com/office/drawing/2014/main" id="{5102C58C-7F57-2E68-4C6D-89E856E072CE}"/>
+                    </a:ext>
+                  </a:extLst>
+                </p:cNvPr>
+                <p:cNvSpPr txBox="1"/>
+                <p:nvPr/>
+              </p:nvSpPr>
+              <p:spPr>
+                <a:xfrm>
+                  <a:off x="3491165" y="3193561"/>
+                  <a:ext cx="436546" cy="369332"/>
+                </a:xfrm>
+                <a:prstGeom prst="rect">
+                  <a:avLst/>
+                </a:prstGeom>
+                <a:noFill/>
+              </p:spPr>
+              <p:txBody>
+                <a:bodyPr wrap="square">
+                  <a:spAutoFit/>
+                </a:bodyPr>
+                <a:lstStyle/>
+                <a:p>
+                  <a:pPr/>
+                  <a14:m>
+                    <m:oMathPara xmlns:m="http://schemas.openxmlformats.org/officeDocument/2006/math">
+                      <m:oMathParaPr>
+                        <m:jc m:val="centerGroup"/>
+                      </m:oMathParaPr>
+                      <m:oMath xmlns:m="http://schemas.openxmlformats.org/officeDocument/2006/math">
+                        <m:r>
+                          <a:rPr lang="en-US" altLang="zh-TW" b="0" i="1" smtClean="0">
+                            <a:latin typeface="Cambria Math" panose="02040503050406030204" pitchFamily="18" charset="0"/>
+                          </a:rPr>
+                          <m:t>𝐷</m:t>
+                        </m:r>
+                      </m:oMath>
+                    </m:oMathPara>
+                  </a14:m>
+                  <a:endParaRPr lang="zh-TW" altLang="en-US" dirty="0"/>
+                </a:p>
+              </p:txBody>
+            </p:sp>
+          </mc:Choice>
+          <mc:Fallback>
+            <p:sp>
+              <p:nvSpPr>
+                <p:cNvPr id="17" name="文字方塊 16">
+                  <a:extLst>
+                    <a:ext uri="{FF2B5EF4-FFF2-40B4-BE49-F238E27FC236}">
+                      <a16:creationId xmlns:a16="http://schemas.microsoft.com/office/drawing/2014/main" id="{5102C58C-7F57-2E68-4C6D-89E856E072CE}"/>
+                    </a:ext>
+                  </a:extLst>
+                </p:cNvPr>
+                <p:cNvSpPr txBox="1">
+                  <a:spLocks noRot="1" noChangeAspect="1" noMove="1" noResize="1" noEditPoints="1" noAdjustHandles="1" noChangeArrowheads="1" noChangeShapeType="1" noTextEdit="1"/>
+                </p:cNvSpPr>
+                <p:nvPr/>
+              </p:nvSpPr>
+              <p:spPr>
+                <a:xfrm>
+                  <a:off x="3491165" y="3193561"/>
+                  <a:ext cx="436546" cy="369332"/>
+                </a:xfrm>
+                <a:prstGeom prst="rect">
+                  <a:avLst/>
+                </a:prstGeom>
+                <a:blipFill>
+                  <a:blip r:embed="rId6"/>
+                  <a:stretch>
+                    <a:fillRect/>
+                  </a:stretch>
+                </a:blipFill>
+              </p:spPr>
+              <p:txBody>
+                <a:bodyPr/>
+                <a:lstStyle/>
+                <a:p>
+                  <a:r>
+                    <a:rPr lang="zh-TW" altLang="en-US">
+                      <a:noFill/>
+                    </a:rPr>
+                    <a:t> </a:t>
+                  </a:r>
+                </a:p>
+              </p:txBody>
+            </p:sp>
+          </mc:Fallback>
+        </mc:AlternateContent>
+      </p:grpSp>
     </p:spTree>
     <p:extLst>
       <p:ext uri="{BB962C8B-B14F-4D97-AF65-F5344CB8AC3E}">
@@ -37459,8 +37577,8 @@
           </a:p>
         </p:txBody>
       </p:sp>
-      <mc:AlternateContent xmlns:mc="http://schemas.openxmlformats.org/markup-compatibility/2006" xmlns:a14="http://schemas.microsoft.com/office/drawing/2010/main">
-        <mc:Choice Requires="a14">
+      <mc:AlternateContent xmlns:mc="http://schemas.openxmlformats.org/markup-compatibility/2006">
+        <mc:Choice xmlns:a14="http://schemas.microsoft.com/office/drawing/2010/main" Requires="a14">
           <p:sp>
             <p:nvSpPr>
               <p:cNvPr id="3" name="內容版面配置區 2">
@@ -37573,7 +37691,7 @@
             </p:txBody>
           </p:sp>
         </mc:Choice>
-        <mc:Fallback xmlns="">
+        <mc:Fallback>
           <p:sp>
             <p:nvSpPr>
               <p:cNvPr id="3" name="內容版面配置區 2">
@@ -38144,7 +38262,7 @@
         </p:nvSpPr>
         <p:spPr bwMode="auto">
           <a:xfrm>
-            <a:off x="4644008" y="4942944"/>
+            <a:off x="4703210" y="4934772"/>
             <a:ext cx="2628459" cy="313733"/>
           </a:xfrm>
           <a:prstGeom prst="rect">
@@ -38368,8 +38486,8 @@
         </p:nvSpPr>
         <p:spPr bwMode="auto">
           <a:xfrm>
-            <a:off x="6042382" y="3149849"/>
-            <a:ext cx="2289552" cy="307588"/>
+            <a:off x="6041577" y="2673639"/>
+            <a:ext cx="2289552" cy="621670"/>
           </a:xfrm>
           <a:prstGeom prst="rect">
             <a:avLst/>
@@ -38567,6 +38685,15 @@
               </a:defRPr>
             </a:lvl9pPr>
           </a:lstStyle>
+          <a:p>
+            <a:pPr marL="0" indent="0" algn="ctr">
+              <a:buNone/>
+            </a:pPr>
+            <a:r>
+              <a:rPr lang="en-US" altLang="zh-TW" sz="1600" b="0" dirty="0"/>
+              <a:t>Iterative !</a:t>
+            </a:r>
+          </a:p>
           <a:p>
             <a:pPr marL="0" indent="0" algn="ctr">
               <a:buNone/>
@@ -41854,8 +41981,8 @@
           </a:p>
         </p:txBody>
       </p:sp>
-      <mc:AlternateContent xmlns:mc="http://schemas.openxmlformats.org/markup-compatibility/2006" xmlns:a14="http://schemas.microsoft.com/office/drawing/2010/main">
-        <mc:Choice Requires="a14">
+      <mc:AlternateContent xmlns:mc="http://schemas.openxmlformats.org/markup-compatibility/2006">
+        <mc:Choice xmlns:a14="http://schemas.microsoft.com/office/drawing/2010/main" Requires="a14">
           <p:sp>
             <p:nvSpPr>
               <p:cNvPr id="86" name="文字方塊 85">
@@ -41870,8 +41997,8 @@
             </p:nvSpPr>
             <p:spPr>
               <a:xfrm>
-                <a:off x="3413087" y="4113697"/>
-                <a:ext cx="4687305" cy="338554"/>
+                <a:off x="3408830" y="4098965"/>
+                <a:ext cx="4544116" cy="338554"/>
               </a:xfrm>
               <a:prstGeom prst="rect">
                 <a:avLst/>
@@ -42129,7 +42256,7 @@
                                       </a:solidFill>
                                       <a:latin typeface="Cambria Math" panose="02040503050406030204" pitchFamily="18" charset="0"/>
                                     </a:rPr>
-                                    <m:t>−1</m:t>
+                                    <m:t>0</m:t>
                                   </m:r>
                                   <m:r>
                                     <a:rPr lang="en-US" altLang="zh-TW" sz="1600">
@@ -42224,7 +42351,7 @@
             </p:txBody>
           </p:sp>
         </mc:Choice>
-        <mc:Fallback xmlns="">
+        <mc:Fallback>
           <p:sp>
             <p:nvSpPr>
               <p:cNvPr id="86" name="文字方塊 85">
@@ -42241,8 +42368,8 @@
             </p:nvSpPr>
             <p:spPr>
               <a:xfrm>
-                <a:off x="3413087" y="4113697"/>
-                <a:ext cx="4687305" cy="338554"/>
+                <a:off x="3408830" y="4098965"/>
+                <a:ext cx="4544116" cy="338554"/>
               </a:xfrm>
               <a:prstGeom prst="rect">
                 <a:avLst/>
@@ -42666,8 +42793,8 @@
         </p:nvCxnSpPr>
         <p:spPr bwMode="auto">
           <a:xfrm flipV="1">
-            <a:off x="6619298" y="3457437"/>
-            <a:ext cx="567860" cy="286560"/>
+            <a:off x="6619298" y="3295309"/>
+            <a:ext cx="567055" cy="448688"/>
           </a:xfrm>
           <a:prstGeom prst="straightConnector1">
             <a:avLst/>
@@ -42704,7 +42831,7 @@
         <p:spPr bwMode="auto">
           <a:xfrm>
             <a:off x="5684318" y="4760015"/>
-            <a:ext cx="273920" cy="182929"/>
+            <a:ext cx="333122" cy="174757"/>
           </a:xfrm>
           <a:prstGeom prst="straightConnector1">
             <a:avLst/>
@@ -43887,6 +44014,482 @@
           <a:effectLst/>
         </p:spPr>
       </p:cxnSp>
+      <p:sp>
+        <p:nvSpPr>
+          <p:cNvPr id="4" name="內容版面配置區 2">
+            <a:extLst>
+              <a:ext uri="{FF2B5EF4-FFF2-40B4-BE49-F238E27FC236}">
+                <a16:creationId xmlns:a16="http://schemas.microsoft.com/office/drawing/2014/main" id="{CD575DBF-2EC5-14F8-7592-25B8917B5B6B}"/>
+              </a:ext>
+            </a:extLst>
+          </p:cNvPr>
+          <p:cNvSpPr txBox="1">
+            <a:spLocks/>
+          </p:cNvSpPr>
+          <p:nvPr/>
+        </p:nvSpPr>
+        <p:spPr bwMode="auto">
+          <a:xfrm>
+            <a:off x="7715075" y="3754512"/>
+            <a:ext cx="1232108" cy="535441"/>
+          </a:xfrm>
+          <a:prstGeom prst="rect">
+            <a:avLst/>
+          </a:prstGeom>
+          <a:noFill/>
+          <a:ln>
+            <a:noFill/>
+          </a:ln>
+          <a:effectLst/>
+        </p:spPr>
+        <p:txBody>
+          <a:bodyPr vert="horz" wrap="square" lIns="91440" tIns="45720" rIns="91440" bIns="45720" numCol="1" anchor="t" anchorCtr="0" compatLnSpc="1">
+            <a:prstTxWarp prst="textNoShape">
+              <a:avLst/>
+            </a:prstTxWarp>
+          </a:bodyPr>
+          <a:lstStyle>
+            <a:lvl1pPr marL="342900" indent="-342900" algn="l" rtl="0" eaLnBrk="0" fontAlgn="base" hangingPunct="0">
+              <a:spcBef>
+                <a:spcPct val="20000"/>
+              </a:spcBef>
+              <a:spcAft>
+                <a:spcPct val="0"/>
+              </a:spcAft>
+              <a:buClr>
+                <a:srgbClr val="669900"/>
+              </a:buClr>
+              <a:buFont typeface="Wingdings" panose="05000000000000000000" pitchFamily="2" charset="2"/>
+              <a:buChar char="p"/>
+              <a:defRPr kumimoji="1" sz="2800" kern="1200">
+                <a:solidFill>
+                  <a:schemeClr val="tx1"/>
+                </a:solidFill>
+                <a:latin typeface="+mn-lt"/>
+                <a:ea typeface="+mn-ea"/>
+                <a:cs typeface="+mn-cs"/>
+              </a:defRPr>
+            </a:lvl1pPr>
+            <a:lvl2pPr marL="742950" indent="-285750" algn="l" rtl="0" eaLnBrk="0" fontAlgn="base" hangingPunct="0">
+              <a:spcBef>
+                <a:spcPct val="20000"/>
+              </a:spcBef>
+              <a:spcAft>
+                <a:spcPct val="0"/>
+              </a:spcAft>
+              <a:buClr>
+                <a:srgbClr val="669900"/>
+              </a:buClr>
+              <a:buFont typeface="Wingdings" panose="05000000000000000000" pitchFamily="2" charset="2"/>
+              <a:buChar char="n"/>
+              <a:defRPr kumimoji="1" sz="2400" kern="1200">
+                <a:solidFill>
+                  <a:schemeClr val="tx1"/>
+                </a:solidFill>
+                <a:latin typeface="+mn-lt"/>
+                <a:ea typeface="+mn-ea"/>
+                <a:cs typeface="+mn-cs"/>
+              </a:defRPr>
+            </a:lvl2pPr>
+            <a:lvl3pPr marL="1143000" indent="-228600" algn="l" rtl="0" eaLnBrk="0" fontAlgn="base" hangingPunct="0">
+              <a:spcBef>
+                <a:spcPct val="20000"/>
+              </a:spcBef>
+              <a:spcAft>
+                <a:spcPct val="0"/>
+              </a:spcAft>
+              <a:buClr>
+                <a:srgbClr val="669900"/>
+              </a:buClr>
+              <a:buFont typeface="Wingdings" panose="05000000000000000000" pitchFamily="2" charset="2"/>
+              <a:buChar char="p"/>
+              <a:defRPr kumimoji="1" sz="2000" kern="1200">
+                <a:solidFill>
+                  <a:schemeClr val="tx1"/>
+                </a:solidFill>
+                <a:latin typeface="+mn-lt"/>
+                <a:ea typeface="+mn-ea"/>
+                <a:cs typeface="+mn-cs"/>
+              </a:defRPr>
+            </a:lvl3pPr>
+            <a:lvl4pPr marL="1600200" indent="-228600" algn="l" rtl="0" eaLnBrk="0" fontAlgn="base" hangingPunct="0">
+              <a:spcBef>
+                <a:spcPct val="20000"/>
+              </a:spcBef>
+              <a:spcAft>
+                <a:spcPct val="0"/>
+              </a:spcAft>
+              <a:buClr>
+                <a:srgbClr val="669900"/>
+              </a:buClr>
+              <a:buFont typeface="Wingdings" panose="05000000000000000000" pitchFamily="2" charset="2"/>
+              <a:buChar char="§"/>
+              <a:defRPr kumimoji="1" kern="1200">
+                <a:solidFill>
+                  <a:schemeClr val="tx1"/>
+                </a:solidFill>
+                <a:latin typeface="+mn-lt"/>
+                <a:ea typeface="+mn-ea"/>
+                <a:cs typeface="+mn-cs"/>
+              </a:defRPr>
+            </a:lvl4pPr>
+            <a:lvl5pPr marL="2057400" indent="-228600" algn="l" rtl="0" eaLnBrk="0" fontAlgn="base" hangingPunct="0">
+              <a:spcBef>
+                <a:spcPct val="20000"/>
+              </a:spcBef>
+              <a:spcAft>
+                <a:spcPct val="0"/>
+              </a:spcAft>
+              <a:buClr>
+                <a:srgbClr val="669900"/>
+              </a:buClr>
+              <a:buFont typeface="Wingdings" panose="05000000000000000000" pitchFamily="2" charset="2"/>
+              <a:buChar char="§"/>
+              <a:defRPr kumimoji="1" kern="1200">
+                <a:solidFill>
+                  <a:schemeClr val="tx1"/>
+                </a:solidFill>
+                <a:latin typeface="+mn-lt"/>
+                <a:ea typeface="+mn-ea"/>
+                <a:cs typeface="+mn-cs"/>
+              </a:defRPr>
+            </a:lvl5pPr>
+            <a:lvl6pPr marL="2514600" indent="-228600" algn="l" defTabSz="914400" rtl="0" eaLnBrk="1" latinLnBrk="0" hangingPunct="1">
+              <a:lnSpc>
+                <a:spcPct val="90000"/>
+              </a:lnSpc>
+              <a:spcBef>
+                <a:spcPts val="500"/>
+              </a:spcBef>
+              <a:buFont typeface="Arial" panose="020B0604020202020204" pitchFamily="34" charset="0"/>
+              <a:buChar char="•"/>
+              <a:defRPr sz="1800" kern="1200">
+                <a:solidFill>
+                  <a:schemeClr val="tx1"/>
+                </a:solidFill>
+                <a:latin typeface="+mn-lt"/>
+                <a:ea typeface="+mn-ea"/>
+                <a:cs typeface="+mn-cs"/>
+              </a:defRPr>
+            </a:lvl6pPr>
+            <a:lvl7pPr marL="2971800" indent="-228600" algn="l" defTabSz="914400" rtl="0" eaLnBrk="1" latinLnBrk="0" hangingPunct="1">
+              <a:lnSpc>
+                <a:spcPct val="90000"/>
+              </a:lnSpc>
+              <a:spcBef>
+                <a:spcPts val="500"/>
+              </a:spcBef>
+              <a:buFont typeface="Arial" panose="020B0604020202020204" pitchFamily="34" charset="0"/>
+              <a:buChar char="•"/>
+              <a:defRPr sz="1800" kern="1200">
+                <a:solidFill>
+                  <a:schemeClr val="tx1"/>
+                </a:solidFill>
+                <a:latin typeface="+mn-lt"/>
+                <a:ea typeface="+mn-ea"/>
+                <a:cs typeface="+mn-cs"/>
+              </a:defRPr>
+            </a:lvl7pPr>
+            <a:lvl8pPr marL="3429000" indent="-228600" algn="l" defTabSz="914400" rtl="0" eaLnBrk="1" latinLnBrk="0" hangingPunct="1">
+              <a:lnSpc>
+                <a:spcPct val="90000"/>
+              </a:lnSpc>
+              <a:spcBef>
+                <a:spcPts val="500"/>
+              </a:spcBef>
+              <a:buFont typeface="Arial" panose="020B0604020202020204" pitchFamily="34" charset="0"/>
+              <a:buChar char="•"/>
+              <a:defRPr sz="1800" kern="1200">
+                <a:solidFill>
+                  <a:schemeClr val="tx1"/>
+                </a:solidFill>
+                <a:latin typeface="+mn-lt"/>
+                <a:ea typeface="+mn-ea"/>
+                <a:cs typeface="+mn-cs"/>
+              </a:defRPr>
+            </a:lvl8pPr>
+            <a:lvl9pPr marL="3886200" indent="-228600" algn="l" defTabSz="914400" rtl="0" eaLnBrk="1" latinLnBrk="0" hangingPunct="1">
+              <a:lnSpc>
+                <a:spcPct val="90000"/>
+              </a:lnSpc>
+              <a:spcBef>
+                <a:spcPts val="500"/>
+              </a:spcBef>
+              <a:buFont typeface="Arial" panose="020B0604020202020204" pitchFamily="34" charset="0"/>
+              <a:buChar char="•"/>
+              <a:defRPr sz="1800" kern="1200">
+                <a:solidFill>
+                  <a:schemeClr val="tx1"/>
+                </a:solidFill>
+                <a:latin typeface="+mn-lt"/>
+                <a:ea typeface="+mn-ea"/>
+                <a:cs typeface="+mn-cs"/>
+              </a:defRPr>
+            </a:lvl9pPr>
+          </a:lstStyle>
+          <a:p>
+            <a:pPr marL="0" indent="0" algn="ctr">
+              <a:buNone/>
+            </a:pPr>
+            <a:r>
+              <a:rPr lang="en-US" altLang="zh-TW" sz="1600" b="0" dirty="0"/>
+              <a:t>Boundary condition!</a:t>
+            </a:r>
+          </a:p>
+        </p:txBody>
+      </p:sp>
+      <p:cxnSp>
+        <p:nvCxnSpPr>
+          <p:cNvPr id="5" name="直線單箭頭接點 4">
+            <a:extLst>
+              <a:ext uri="{FF2B5EF4-FFF2-40B4-BE49-F238E27FC236}">
+                <a16:creationId xmlns:a16="http://schemas.microsoft.com/office/drawing/2014/main" id="{EEA43B0C-3ECB-A2C1-4F9E-7E779C6C1CD4}"/>
+              </a:ext>
+            </a:extLst>
+          </p:cNvPr>
+          <p:cNvCxnSpPr>
+            <a:cxnSpLocks/>
+            <a:endCxn id="4" idx="1"/>
+          </p:cNvCxnSpPr>
+          <p:nvPr/>
+        </p:nvCxnSpPr>
+        <p:spPr bwMode="auto">
+          <a:xfrm flipV="1">
+            <a:off x="6948264" y="4022233"/>
+            <a:ext cx="766811" cy="137148"/>
+          </a:xfrm>
+          <a:prstGeom prst="straightConnector1">
+            <a:avLst/>
+          </a:prstGeom>
+          <a:noFill/>
+          <a:ln w="28575" cap="flat" cmpd="sng" algn="ctr">
+            <a:solidFill>
+              <a:schemeClr val="tx1"/>
+            </a:solidFill>
+            <a:prstDash val="solid"/>
+            <a:round/>
+            <a:headEnd type="none" w="med" len="med"/>
+            <a:tailEnd type="triangle"/>
+          </a:ln>
+          <a:effectLst/>
+        </p:spPr>
+      </p:cxnSp>
+      <p:sp>
+        <p:nvSpPr>
+          <p:cNvPr id="53" name="文字方塊 52">
+            <a:extLst>
+              <a:ext uri="{FF2B5EF4-FFF2-40B4-BE49-F238E27FC236}">
+                <a16:creationId xmlns:a16="http://schemas.microsoft.com/office/drawing/2014/main" id="{8E2B9858-E84B-72FB-D46D-492CA596C83B}"/>
+              </a:ext>
+            </a:extLst>
+          </p:cNvPr>
+          <p:cNvSpPr txBox="1"/>
+          <p:nvPr/>
+        </p:nvSpPr>
+        <p:spPr>
+          <a:xfrm>
+            <a:off x="2391727" y="3342932"/>
+            <a:ext cx="178938" cy="253916"/>
+          </a:xfrm>
+          <a:prstGeom prst="rect">
+            <a:avLst/>
+          </a:prstGeom>
+          <a:noFill/>
+        </p:spPr>
+        <p:txBody>
+          <a:bodyPr wrap="square">
+            <a:spAutoFit/>
+          </a:bodyPr>
+          <a:lstStyle/>
+          <a:p>
+            <a:r>
+              <a:rPr lang="en-US" altLang="zh-TW" sz="1050" dirty="0"/>
+              <a:t>1</a:t>
+            </a:r>
+            <a:endParaRPr lang="zh-TW" altLang="en-US" sz="1050" dirty="0"/>
+          </a:p>
+        </p:txBody>
+      </p:sp>
+      <p:sp>
+        <p:nvSpPr>
+          <p:cNvPr id="57" name="文字方塊 56">
+            <a:extLst>
+              <a:ext uri="{FF2B5EF4-FFF2-40B4-BE49-F238E27FC236}">
+                <a16:creationId xmlns:a16="http://schemas.microsoft.com/office/drawing/2014/main" id="{CCB771E7-551A-5870-DF36-960AC32107AC}"/>
+              </a:ext>
+            </a:extLst>
+          </p:cNvPr>
+          <p:cNvSpPr txBox="1"/>
+          <p:nvPr/>
+        </p:nvSpPr>
+        <p:spPr>
+          <a:xfrm>
+            <a:off x="2223201" y="3483979"/>
+            <a:ext cx="178938" cy="253916"/>
+          </a:xfrm>
+          <a:prstGeom prst="rect">
+            <a:avLst/>
+          </a:prstGeom>
+          <a:noFill/>
+        </p:spPr>
+        <p:txBody>
+          <a:bodyPr wrap="square">
+            <a:spAutoFit/>
+          </a:bodyPr>
+          <a:lstStyle/>
+          <a:p>
+            <a:r>
+              <a:rPr lang="en-US" altLang="zh-TW" sz="1050" dirty="0"/>
+              <a:t>2</a:t>
+            </a:r>
+            <a:endParaRPr lang="zh-TW" altLang="en-US" sz="1050" dirty="0"/>
+          </a:p>
+        </p:txBody>
+      </p:sp>
+      <p:sp>
+        <p:nvSpPr>
+          <p:cNvPr id="58" name="文字方塊 57">
+            <a:extLst>
+              <a:ext uri="{FF2B5EF4-FFF2-40B4-BE49-F238E27FC236}">
+                <a16:creationId xmlns:a16="http://schemas.microsoft.com/office/drawing/2014/main" id="{14F3F58D-4761-0B43-8F97-D4F7E24A9A41}"/>
+              </a:ext>
+            </a:extLst>
+          </p:cNvPr>
+          <p:cNvSpPr txBox="1"/>
+          <p:nvPr/>
+        </p:nvSpPr>
+        <p:spPr>
+          <a:xfrm>
+            <a:off x="2021152" y="3608773"/>
+            <a:ext cx="178938" cy="253916"/>
+          </a:xfrm>
+          <a:prstGeom prst="rect">
+            <a:avLst/>
+          </a:prstGeom>
+          <a:noFill/>
+        </p:spPr>
+        <p:txBody>
+          <a:bodyPr wrap="square">
+            <a:spAutoFit/>
+          </a:bodyPr>
+          <a:lstStyle/>
+          <a:p>
+            <a:r>
+              <a:rPr lang="en-US" altLang="zh-TW" sz="1050" dirty="0"/>
+              <a:t>3</a:t>
+            </a:r>
+            <a:endParaRPr lang="zh-TW" altLang="en-US" sz="1050" dirty="0"/>
+          </a:p>
+        </p:txBody>
+      </p:sp>
+      <p:sp>
+        <p:nvSpPr>
+          <p:cNvPr id="59" name="文字方塊 58">
+            <a:extLst>
+              <a:ext uri="{FF2B5EF4-FFF2-40B4-BE49-F238E27FC236}">
+                <a16:creationId xmlns:a16="http://schemas.microsoft.com/office/drawing/2014/main" id="{7327794F-5E08-545C-A05A-8222B82415AB}"/>
+              </a:ext>
+            </a:extLst>
+          </p:cNvPr>
+          <p:cNvSpPr txBox="1"/>
+          <p:nvPr/>
+        </p:nvSpPr>
+        <p:spPr>
+          <a:xfrm>
+            <a:off x="2423016" y="5761557"/>
+            <a:ext cx="178938" cy="253916"/>
+          </a:xfrm>
+          <a:prstGeom prst="rect">
+            <a:avLst/>
+          </a:prstGeom>
+          <a:noFill/>
+        </p:spPr>
+        <p:txBody>
+          <a:bodyPr wrap="square">
+            <a:spAutoFit/>
+          </a:bodyPr>
+          <a:lstStyle/>
+          <a:p>
+            <a:r>
+              <a:rPr lang="en-US" altLang="zh-TW" sz="1050" dirty="0"/>
+              <a:t>1</a:t>
+            </a:r>
+            <a:endParaRPr lang="zh-TW" altLang="en-US" sz="1050" dirty="0"/>
+          </a:p>
+        </p:txBody>
+      </p:sp>
+      <p:sp>
+        <p:nvSpPr>
+          <p:cNvPr id="60" name="文字方塊 59">
+            <a:extLst>
+              <a:ext uri="{FF2B5EF4-FFF2-40B4-BE49-F238E27FC236}">
+                <a16:creationId xmlns:a16="http://schemas.microsoft.com/office/drawing/2014/main" id="{C98F6425-8410-767F-E6D8-40CC1E547364}"/>
+              </a:ext>
+            </a:extLst>
+          </p:cNvPr>
+          <p:cNvSpPr txBox="1"/>
+          <p:nvPr/>
+        </p:nvSpPr>
+        <p:spPr>
+          <a:xfrm>
+            <a:off x="2254490" y="5902604"/>
+            <a:ext cx="178938" cy="253916"/>
+          </a:xfrm>
+          <a:prstGeom prst="rect">
+            <a:avLst/>
+          </a:prstGeom>
+          <a:noFill/>
+        </p:spPr>
+        <p:txBody>
+          <a:bodyPr wrap="square">
+            <a:spAutoFit/>
+          </a:bodyPr>
+          <a:lstStyle/>
+          <a:p>
+            <a:r>
+              <a:rPr lang="en-US" altLang="zh-TW" sz="1050" dirty="0"/>
+              <a:t>2</a:t>
+            </a:r>
+            <a:endParaRPr lang="zh-TW" altLang="en-US" sz="1050" dirty="0"/>
+          </a:p>
+        </p:txBody>
+      </p:sp>
+      <p:sp>
+        <p:nvSpPr>
+          <p:cNvPr id="61" name="文字方塊 60">
+            <a:extLst>
+              <a:ext uri="{FF2B5EF4-FFF2-40B4-BE49-F238E27FC236}">
+                <a16:creationId xmlns:a16="http://schemas.microsoft.com/office/drawing/2014/main" id="{08593414-1760-624D-916D-50946590D47A}"/>
+              </a:ext>
+            </a:extLst>
+          </p:cNvPr>
+          <p:cNvSpPr txBox="1"/>
+          <p:nvPr/>
+        </p:nvSpPr>
+        <p:spPr>
+          <a:xfrm>
+            <a:off x="2363683" y="4639406"/>
+            <a:ext cx="178938" cy="253916"/>
+          </a:xfrm>
+          <a:prstGeom prst="rect">
+            <a:avLst/>
+          </a:prstGeom>
+          <a:noFill/>
+        </p:spPr>
+        <p:txBody>
+          <a:bodyPr wrap="square">
+            <a:spAutoFit/>
+          </a:bodyPr>
+          <a:lstStyle/>
+          <a:p>
+            <a:r>
+              <a:rPr lang="en-US" altLang="zh-TW" sz="1050" dirty="0"/>
+              <a:t>1</a:t>
+            </a:r>
+            <a:endParaRPr lang="zh-TW" altLang="en-US" sz="1050" dirty="0"/>
+          </a:p>
+        </p:txBody>
+      </p:sp>
     </p:spTree>
     <p:extLst>
       <p:ext uri="{BB962C8B-B14F-4D97-AF65-F5344CB8AC3E}">
@@ -43952,8 +44555,8 @@
           </a:p>
         </p:txBody>
       </p:sp>
-      <mc:AlternateContent xmlns:mc="http://schemas.openxmlformats.org/markup-compatibility/2006">
-        <mc:Choice xmlns:a14="http://schemas.microsoft.com/office/drawing/2010/main" Requires="a14">
+      <mc:AlternateContent xmlns:mc="http://schemas.openxmlformats.org/markup-compatibility/2006" xmlns:a14="http://schemas.microsoft.com/office/drawing/2010/main">
+        <mc:Choice Requires="a14">
           <p:sp>
             <p:nvSpPr>
               <p:cNvPr id="3" name="內容版面配置區 2">
@@ -44190,7 +44793,7 @@
             </p:txBody>
           </p:sp>
         </mc:Choice>
-        <mc:Fallback>
+        <mc:Fallback xmlns="">
           <p:sp>
             <p:nvSpPr>
               <p:cNvPr id="3" name="內容版面配置區 2">

--- a/IMS_NEW.pptx
+++ b/IMS_NEW.pptx
@@ -229,7 +229,7 @@
           <a:p>
             <a:fld id="{FE9F37E1-976C-4D68-AAA1-E18BCAC423B3}" type="datetimeFigureOut">
               <a:rPr lang="zh-TW" altLang="en-US" smtClean="0"/>
-              <a:t>2025/4/2</a:t>
+              <a:t>2025/4/9</a:t>
             </a:fld>
             <a:endParaRPr lang="zh-TW" altLang="en-US"/>
           </a:p>
@@ -394,7 +394,7 @@
           <a:p>
             <a:fld id="{6F765A04-DEC0-490E-BE54-AD23B90E8F9F}" type="datetimeFigureOut">
               <a:rPr lang="zh-TW" altLang="en-US" smtClean="0"/>
-              <a:t>2025/4/2</a:t>
+              <a:t>2025/4/9</a:t>
             </a:fld>
             <a:endParaRPr lang="zh-TW" altLang="en-US"/>
           </a:p>
@@ -1526,7 +1526,7 @@
           </a:ln>
           <a:extLst>
             <a:ext uri="{91240B29-F687-4f45-9708-019B960494DF}">
-              <a14:hiddenLine xmlns="" xmlns:a14="http://schemas.microsoft.com/office/drawing/2010/main" w="9525">
+              <a14:hiddenLine xmlns:a14="http://schemas.microsoft.com/office/drawing/2010/main" xmlns="" w="9525">
                 <a:solidFill>
                   <a:srgbClr val="000000"/>
                 </a:solidFill>
@@ -1580,14 +1580,14 @@
           </a:ln>
           <a:extLst>
             <a:ext uri="{909E8E84-426E-40dd-AFC4-6F175D3DCCD1}">
-              <a14:hiddenFill xmlns="" xmlns:a14="http://schemas.microsoft.com/office/drawing/2010/main">
+              <a14:hiddenFill xmlns:a14="http://schemas.microsoft.com/office/drawing/2010/main" xmlns="">
                 <a:solidFill>
                   <a:srgbClr val="FFFFFF"/>
                 </a:solidFill>
               </a14:hiddenFill>
             </a:ext>
             <a:ext uri="{91240B29-F687-4f45-9708-019B960494DF}">
-              <a14:hiddenLine xmlns="" xmlns:a14="http://schemas.microsoft.com/office/drawing/2010/main" w="9525">
+              <a14:hiddenLine xmlns:a14="http://schemas.microsoft.com/office/drawing/2010/main" xmlns="" w="9525">
                 <a:solidFill>
                   <a:srgbClr val="000000"/>
                 </a:solidFill>
@@ -1623,7 +1623,7 @@
           </a:ln>
           <a:extLst>
             <a:ext uri="{91240B29-F687-4f45-9708-019B960494DF}">
-              <a14:hiddenLine xmlns="" xmlns:a14="http://schemas.microsoft.com/office/drawing/2010/main" w="9525">
+              <a14:hiddenLine xmlns:a14="http://schemas.microsoft.com/office/drawing/2010/main" xmlns="" w="9525">
                 <a:solidFill>
                   <a:srgbClr val="000000"/>
                 </a:solidFill>
@@ -1939,7 +1939,7 @@
           </a:ln>
           <a:extLst>
             <a:ext uri="{91240B29-F687-4f45-9708-019B960494DF}">
-              <a14:hiddenLine xmlns="" xmlns:a14="http://schemas.microsoft.com/office/drawing/2010/main" w="9525">
+              <a14:hiddenLine xmlns:a14="http://schemas.microsoft.com/office/drawing/2010/main" xmlns="" w="9525">
                 <a:solidFill>
                   <a:srgbClr val="000000"/>
                 </a:solidFill>
@@ -1990,7 +1990,7 @@
           </a:ln>
           <a:extLst>
             <a:ext uri="{91240B29-F687-4f45-9708-019B960494DF}">
-              <a14:hiddenLine xmlns="" xmlns:a14="http://schemas.microsoft.com/office/drawing/2010/main" w="9525">
+              <a14:hiddenLine xmlns:a14="http://schemas.microsoft.com/office/drawing/2010/main" xmlns="" w="9525">
                 <a:solidFill>
                   <a:srgbClr val="000000"/>
                 </a:solidFill>
@@ -13220,7 +13220,7 @@
           </a:ln>
           <a:extLst>
             <a:ext uri="{91240B29-F687-4f45-9708-019B960494DF}">
-              <a14:hiddenLine xmlns="" xmlns:a14="http://schemas.microsoft.com/office/drawing/2010/main" w="9525">
+              <a14:hiddenLine xmlns:a14="http://schemas.microsoft.com/office/drawing/2010/main" xmlns="" w="9525">
                 <a:solidFill>
                   <a:srgbClr val="000000"/>
                 </a:solidFill>
@@ -13549,14 +13549,14 @@
           </a:ln>
           <a:extLst>
             <a:ext uri="{909E8E84-426E-40dd-AFC4-6F175D3DCCD1}">
-              <a14:hiddenFill xmlns="" xmlns:a14="http://schemas.microsoft.com/office/drawing/2010/main">
+              <a14:hiddenFill xmlns:a14="http://schemas.microsoft.com/office/drawing/2010/main" xmlns="">
                 <a:solidFill>
                   <a:srgbClr val="FFFFFF"/>
                 </a:solidFill>
               </a14:hiddenFill>
             </a:ext>
             <a:ext uri="{91240B29-F687-4f45-9708-019B960494DF}">
-              <a14:hiddenLine xmlns="" xmlns:a14="http://schemas.microsoft.com/office/drawing/2010/main" w="9525">
+              <a14:hiddenLine xmlns:a14="http://schemas.microsoft.com/office/drawing/2010/main" xmlns="" w="9525">
                 <a:solidFill>
                   <a:srgbClr val="000000"/>
                 </a:solidFill>
@@ -13632,14 +13632,14 @@
           </a:ln>
           <a:extLst>
             <a:ext uri="{909E8E84-426E-40dd-AFC4-6F175D3DCCD1}">
-              <a14:hiddenFill xmlns="" xmlns:a14="http://schemas.microsoft.com/office/drawing/2010/main">
+              <a14:hiddenFill xmlns:a14="http://schemas.microsoft.com/office/drawing/2010/main" xmlns="">
                 <a:solidFill>
                   <a:srgbClr val="FFFFFF"/>
                 </a:solidFill>
               </a14:hiddenFill>
             </a:ext>
             <a:ext uri="{91240B29-F687-4f45-9708-019B960494DF}">
-              <a14:hiddenLine xmlns="" xmlns:a14="http://schemas.microsoft.com/office/drawing/2010/main" w="9525">
+              <a14:hiddenLine xmlns:a14="http://schemas.microsoft.com/office/drawing/2010/main" xmlns="" w="9525">
                 <a:solidFill>
                   <a:srgbClr val="000000"/>
                 </a:solidFill>
@@ -13710,14 +13710,14 @@
           </a:ln>
           <a:extLst>
             <a:ext uri="{909E8E84-426E-40dd-AFC4-6F175D3DCCD1}">
-              <a14:hiddenFill xmlns="" xmlns:a14="http://schemas.microsoft.com/office/drawing/2010/main">
+              <a14:hiddenFill xmlns:a14="http://schemas.microsoft.com/office/drawing/2010/main" xmlns="">
                 <a:solidFill>
                   <a:srgbClr val="FFFFFF"/>
                 </a:solidFill>
               </a14:hiddenFill>
             </a:ext>
             <a:ext uri="{91240B29-F687-4f45-9708-019B960494DF}">
-              <a14:hiddenLine xmlns="" xmlns:a14="http://schemas.microsoft.com/office/drawing/2010/main" w="9525">
+              <a14:hiddenLine xmlns:a14="http://schemas.microsoft.com/office/drawing/2010/main" xmlns="" w="9525">
                 <a:solidFill>
                   <a:srgbClr val="000000"/>
                 </a:solidFill>
@@ -13780,7 +13780,7 @@
           </a:ln>
           <a:extLst>
             <a:ext uri="{91240B29-F687-4f45-9708-019B960494DF}">
-              <a14:hiddenLine xmlns="" xmlns:a14="http://schemas.microsoft.com/office/drawing/2010/main" w="9525">
+              <a14:hiddenLine xmlns:a14="http://schemas.microsoft.com/office/drawing/2010/main" xmlns="" w="9525">
                 <a:solidFill>
                   <a:srgbClr val="000000"/>
                 </a:solidFill>
@@ -21619,7 +21619,7 @@
         </p:nvSpPr>
         <p:spPr bwMode="auto">
           <a:xfrm rot="5400000">
-            <a:off x="4507931" y="4430067"/>
+            <a:off x="4485500" y="4430067"/>
             <a:ext cx="561726" cy="484246"/>
           </a:xfrm>
           <a:prstGeom prst="triangle">
@@ -21705,7 +21705,7 @@
         </p:nvCxnSpPr>
         <p:spPr bwMode="auto">
           <a:xfrm>
-            <a:off x="4213566" y="4672190"/>
+            <a:off x="4191135" y="4672190"/>
             <a:ext cx="333105" cy="0"/>
           </a:xfrm>
           <a:prstGeom prst="line">
@@ -21915,8 +21915,8 @@
         </p:nvCxnSpPr>
         <p:spPr bwMode="auto">
           <a:xfrm>
-            <a:off x="5030917" y="4672190"/>
-            <a:ext cx="362830" cy="0"/>
+            <a:off x="5008486" y="4672190"/>
+            <a:ext cx="356393" cy="0"/>
           </a:xfrm>
           <a:prstGeom prst="line">
             <a:avLst/>
@@ -36946,49 +36946,119 @@
           </a:p>
         </p:txBody>
       </p:sp>
-      <p:sp>
-        <p:nvSpPr>
-          <p:cNvPr id="27" name="文字方塊 26">
-            <a:extLst>
-              <a:ext uri="{FF2B5EF4-FFF2-40B4-BE49-F238E27FC236}">
-                <a16:creationId xmlns:a16="http://schemas.microsoft.com/office/drawing/2014/main" id="{55B13F11-4BA3-5B6B-7754-08DBBB001769}"/>
-              </a:ext>
-            </a:extLst>
-          </p:cNvPr>
-          <p:cNvSpPr txBox="1"/>
-          <p:nvPr/>
-        </p:nvSpPr>
-        <p:spPr>
-          <a:xfrm>
-            <a:off x="6193697" y="3236132"/>
-            <a:ext cx="2782789" cy="646331"/>
-          </a:xfrm>
-          <a:prstGeom prst="rect">
-            <a:avLst/>
-          </a:prstGeom>
-          <a:noFill/>
-        </p:spPr>
-        <p:txBody>
-          <a:bodyPr wrap="square">
-            <a:spAutoFit/>
-          </a:bodyPr>
-          <a:lstStyle/>
-          <a:p>
-            <a:pPr algn="ctr"/>
-            <a:r>
-              <a:rPr lang="en-US" altLang="zh-TW" dirty="0"/>
-              <a:t>Quantize the model to int</a:t>
-            </a:r>
-          </a:p>
-          <a:p>
-            <a:pPr algn="ctr"/>
-            <a:r>
-              <a:rPr lang="en-US" altLang="zh-TW" dirty="0"/>
-              <a:t>Easier to do computation </a:t>
-            </a:r>
-          </a:p>
-        </p:txBody>
-      </p:sp>
+      <mc:AlternateContent xmlns:mc="http://schemas.openxmlformats.org/markup-compatibility/2006">
+        <mc:Choice xmlns:a14="http://schemas.microsoft.com/office/drawing/2010/main" Requires="a14">
+          <p:sp>
+            <p:nvSpPr>
+              <p:cNvPr id="27" name="文字方塊 26">
+                <a:extLst>
+                  <a:ext uri="{FF2B5EF4-FFF2-40B4-BE49-F238E27FC236}">
+                    <a16:creationId xmlns:a16="http://schemas.microsoft.com/office/drawing/2014/main" id="{55B13F11-4BA3-5B6B-7754-08DBBB001769}"/>
+                  </a:ext>
+                </a:extLst>
+              </p:cNvPr>
+              <p:cNvSpPr txBox="1"/>
+              <p:nvPr/>
+            </p:nvSpPr>
+            <p:spPr>
+              <a:xfrm>
+                <a:off x="6193697" y="3236132"/>
+                <a:ext cx="2782789" cy="646331"/>
+              </a:xfrm>
+              <a:prstGeom prst="rect">
+                <a:avLst/>
+              </a:prstGeom>
+              <a:noFill/>
+            </p:spPr>
+            <p:txBody>
+              <a:bodyPr wrap="square">
+                <a:spAutoFit/>
+              </a:bodyPr>
+              <a:lstStyle/>
+              <a:p>
+                <a:pPr algn="ctr"/>
+                <a:r>
+                  <a:rPr lang="en-US" altLang="zh-TW" dirty="0"/>
+                  <a:t>Quantize the model to int</a:t>
+                </a:r>
+              </a:p>
+              <a:p>
+                <a:pPr algn="ctr"/>
+                <a:r>
+                  <a:rPr lang="en-US" altLang="zh-TW" dirty="0"/>
+                  <a:t>Computation</a:t>
+                </a:r>
+                <a:r>
+                  <a:rPr lang="zh-TW" altLang="en-US" dirty="0"/>
+                  <a:t> </a:t>
+                </a:r>
+                <a:r>
+                  <a:rPr lang="en-US" altLang="zh-TW" dirty="0"/>
+                  <a:t>cost </a:t>
+                </a:r>
+                <a14:m>
+                  <m:oMath xmlns:m="http://schemas.openxmlformats.org/officeDocument/2006/math">
+                    <m:r>
+                      <a:rPr lang="en-US" altLang="zh-TW" b="0" i="1" smtClean="0">
+                        <a:latin typeface="Cambria Math" panose="02040503050406030204" pitchFamily="18" charset="0"/>
+                      </a:rPr>
+                      <m:t>↓</m:t>
+                    </m:r>
+                  </m:oMath>
+                </a14:m>
+                <a:r>
+                  <a:rPr lang="en-US" altLang="zh-TW" dirty="0"/>
+                  <a:t> </a:t>
+                </a:r>
+              </a:p>
+            </p:txBody>
+          </p:sp>
+        </mc:Choice>
+        <mc:Fallback>
+          <p:sp>
+            <p:nvSpPr>
+              <p:cNvPr id="27" name="文字方塊 26">
+                <a:extLst>
+                  <a:ext uri="{FF2B5EF4-FFF2-40B4-BE49-F238E27FC236}">
+                    <a16:creationId xmlns:a16="http://schemas.microsoft.com/office/drawing/2014/main" id="{55B13F11-4BA3-5B6B-7754-08DBBB001769}"/>
+                  </a:ext>
+                </a:extLst>
+              </p:cNvPr>
+              <p:cNvSpPr txBox="1">
+                <a:spLocks noRot="1" noChangeAspect="1" noMove="1" noResize="1" noEditPoints="1" noAdjustHandles="1" noChangeArrowheads="1" noChangeShapeType="1" noTextEdit="1"/>
+              </p:cNvSpPr>
+              <p:nvPr/>
+            </p:nvSpPr>
+            <p:spPr>
+              <a:xfrm>
+                <a:off x="6193697" y="3236132"/>
+                <a:ext cx="2782789" cy="646331"/>
+              </a:xfrm>
+              <a:prstGeom prst="rect">
+                <a:avLst/>
+              </a:prstGeom>
+              <a:blipFill>
+                <a:blip r:embed="rId5"/>
+                <a:stretch>
+                  <a:fillRect l="-875" t="-5660" r="-875" b="-14151"/>
+                </a:stretch>
+              </a:blipFill>
+            </p:spPr>
+            <p:txBody>
+              <a:bodyPr/>
+              <a:lstStyle/>
+              <a:p>
+                <a:r>
+                  <a:rPr lang="zh-TW" altLang="en-US">
+                    <a:noFill/>
+                  </a:rPr>
+                  <a:t> </a:t>
+                </a:r>
+              </a:p>
+            </p:txBody>
+          </p:sp>
+        </mc:Fallback>
+      </mc:AlternateContent>
       <p:cxnSp>
         <p:nvCxnSpPr>
           <p:cNvPr id="28" name="直線單箭頭接點 27">
@@ -37407,7 +37477,7 @@
             <p:nvPr/>
           </p:nvPicPr>
           <p:blipFill>
-            <a:blip r:embed="rId5"/>
+            <a:blip r:embed="rId6"/>
             <a:srcRect l="6688" t="33200" r="5900" b="44400"/>
             <a:stretch/>
           </p:blipFill>
@@ -37421,8 +37491,8 @@
             </a:prstGeom>
           </p:spPr>
         </p:pic>
-        <mc:AlternateContent xmlns:mc="http://schemas.openxmlformats.org/markup-compatibility/2006">
-          <mc:Choice xmlns:a14="http://schemas.microsoft.com/office/drawing/2010/main" Requires="a14">
+        <mc:AlternateContent xmlns:mc="http://schemas.openxmlformats.org/markup-compatibility/2006" xmlns:a14="http://schemas.microsoft.com/office/drawing/2010/main">
+          <mc:Choice Requires="a14">
             <p:sp>
               <p:nvSpPr>
                 <p:cNvPr id="17" name="文字方塊 16">
@@ -37472,7 +37542,7 @@
               </p:txBody>
             </p:sp>
           </mc:Choice>
-          <mc:Fallback>
+          <mc:Fallback xmlns="">
             <p:sp>
               <p:nvSpPr>
                 <p:cNvPr id="17" name="文字方塊 16">
@@ -37496,7 +37566,7 @@
                   <a:avLst/>
                 </a:prstGeom>
                 <a:blipFill>
-                  <a:blip r:embed="rId6"/>
+                  <a:blip r:embed="rId7"/>
                   <a:stretch>
                     <a:fillRect/>
                   </a:stretch>
@@ -37577,8 +37647,8 @@
           </a:p>
         </p:txBody>
       </p:sp>
-      <mc:AlternateContent xmlns:mc="http://schemas.openxmlformats.org/markup-compatibility/2006">
-        <mc:Choice xmlns:a14="http://schemas.microsoft.com/office/drawing/2010/main" Requires="a14">
+      <mc:AlternateContent xmlns:mc="http://schemas.openxmlformats.org/markup-compatibility/2006" xmlns:a14="http://schemas.microsoft.com/office/drawing/2010/main">
+        <mc:Choice Requires="a14">
           <p:sp>
             <p:nvSpPr>
               <p:cNvPr id="3" name="內容版面配置區 2">
@@ -37691,7 +37761,7 @@
             </p:txBody>
           </p:sp>
         </mc:Choice>
-        <mc:Fallback>
+        <mc:Fallback xmlns="">
           <p:sp>
             <p:nvSpPr>
               <p:cNvPr id="3" name="內容版面配置區 2">
@@ -41981,8 +42051,8 @@
           </a:p>
         </p:txBody>
       </p:sp>
-      <mc:AlternateContent xmlns:mc="http://schemas.openxmlformats.org/markup-compatibility/2006">
-        <mc:Choice xmlns:a14="http://schemas.microsoft.com/office/drawing/2010/main" Requires="a14">
+      <mc:AlternateContent xmlns:mc="http://schemas.openxmlformats.org/markup-compatibility/2006" xmlns:a14="http://schemas.microsoft.com/office/drawing/2010/main">
+        <mc:Choice Requires="a14">
           <p:sp>
             <p:nvSpPr>
               <p:cNvPr id="86" name="文字方塊 85">
@@ -42351,7 +42421,7 @@
             </p:txBody>
           </p:sp>
         </mc:Choice>
-        <mc:Fallback>
+        <mc:Fallback xmlns="">
           <p:sp>
             <p:nvSpPr>
               <p:cNvPr id="86" name="文字方塊 85">

--- a/IMS_NEW.pptx
+++ b/IMS_NEW.pptx
@@ -229,7 +229,7 @@
           <a:p>
             <a:fld id="{FE9F37E1-976C-4D68-AAA1-E18BCAC423B3}" type="datetimeFigureOut">
               <a:rPr lang="zh-TW" altLang="en-US" smtClean="0"/>
-              <a:t>2025/4/9</a:t>
+              <a:t>2025/4/25</a:t>
             </a:fld>
             <a:endParaRPr lang="zh-TW" altLang="en-US"/>
           </a:p>
@@ -394,7 +394,7 @@
           <a:p>
             <a:fld id="{6F765A04-DEC0-490E-BE54-AD23B90E8F9F}" type="datetimeFigureOut">
               <a:rPr lang="zh-TW" altLang="en-US" smtClean="0"/>
-              <a:t>2025/4/9</a:t>
+              <a:t>2025/4/25</a:t>
             </a:fld>
             <a:endParaRPr lang="zh-TW" altLang="en-US"/>
           </a:p>
@@ -1526,7 +1526,7 @@
           </a:ln>
           <a:extLst>
             <a:ext uri="{91240B29-F687-4f45-9708-019B960494DF}">
-              <a14:hiddenLine xmlns:a14="http://schemas.microsoft.com/office/drawing/2010/main" xmlns="" w="9525">
+              <a14:hiddenLine xmlns="" xmlns:a14="http://schemas.microsoft.com/office/drawing/2010/main" w="9525">
                 <a:solidFill>
                   <a:srgbClr val="000000"/>
                 </a:solidFill>
@@ -1580,14 +1580,14 @@
           </a:ln>
           <a:extLst>
             <a:ext uri="{909E8E84-426E-40dd-AFC4-6F175D3DCCD1}">
-              <a14:hiddenFill xmlns:a14="http://schemas.microsoft.com/office/drawing/2010/main" xmlns="">
+              <a14:hiddenFill xmlns="" xmlns:a14="http://schemas.microsoft.com/office/drawing/2010/main">
                 <a:solidFill>
                   <a:srgbClr val="FFFFFF"/>
                 </a:solidFill>
               </a14:hiddenFill>
             </a:ext>
             <a:ext uri="{91240B29-F687-4f45-9708-019B960494DF}">
-              <a14:hiddenLine xmlns:a14="http://schemas.microsoft.com/office/drawing/2010/main" xmlns="" w="9525">
+              <a14:hiddenLine xmlns="" xmlns:a14="http://schemas.microsoft.com/office/drawing/2010/main" w="9525">
                 <a:solidFill>
                   <a:srgbClr val="000000"/>
                 </a:solidFill>
@@ -1623,7 +1623,7 @@
           </a:ln>
           <a:extLst>
             <a:ext uri="{91240B29-F687-4f45-9708-019B960494DF}">
-              <a14:hiddenLine xmlns:a14="http://schemas.microsoft.com/office/drawing/2010/main" xmlns="" w="9525">
+              <a14:hiddenLine xmlns="" xmlns:a14="http://schemas.microsoft.com/office/drawing/2010/main" w="9525">
                 <a:solidFill>
                   <a:srgbClr val="000000"/>
                 </a:solidFill>
@@ -1939,7 +1939,7 @@
           </a:ln>
           <a:extLst>
             <a:ext uri="{91240B29-F687-4f45-9708-019B960494DF}">
-              <a14:hiddenLine xmlns:a14="http://schemas.microsoft.com/office/drawing/2010/main" xmlns="" w="9525">
+              <a14:hiddenLine xmlns="" xmlns:a14="http://schemas.microsoft.com/office/drawing/2010/main" w="9525">
                 <a:solidFill>
                   <a:srgbClr val="000000"/>
                 </a:solidFill>
@@ -1990,7 +1990,7 @@
           </a:ln>
           <a:extLst>
             <a:ext uri="{91240B29-F687-4f45-9708-019B960494DF}">
-              <a14:hiddenLine xmlns:a14="http://schemas.microsoft.com/office/drawing/2010/main" xmlns="" w="9525">
+              <a14:hiddenLine xmlns="" xmlns:a14="http://schemas.microsoft.com/office/drawing/2010/main" w="9525">
                 <a:solidFill>
                   <a:srgbClr val="000000"/>
                 </a:solidFill>
@@ -13220,7 +13220,7 @@
           </a:ln>
           <a:extLst>
             <a:ext uri="{91240B29-F687-4f45-9708-019B960494DF}">
-              <a14:hiddenLine xmlns:a14="http://schemas.microsoft.com/office/drawing/2010/main" xmlns="" w="9525">
+              <a14:hiddenLine xmlns="" xmlns:a14="http://schemas.microsoft.com/office/drawing/2010/main" w="9525">
                 <a:solidFill>
                   <a:srgbClr val="000000"/>
                 </a:solidFill>
@@ -13549,14 +13549,14 @@
           </a:ln>
           <a:extLst>
             <a:ext uri="{909E8E84-426E-40dd-AFC4-6F175D3DCCD1}">
-              <a14:hiddenFill xmlns:a14="http://schemas.microsoft.com/office/drawing/2010/main" xmlns="">
+              <a14:hiddenFill xmlns="" xmlns:a14="http://schemas.microsoft.com/office/drawing/2010/main">
                 <a:solidFill>
                   <a:srgbClr val="FFFFFF"/>
                 </a:solidFill>
               </a14:hiddenFill>
             </a:ext>
             <a:ext uri="{91240B29-F687-4f45-9708-019B960494DF}">
-              <a14:hiddenLine xmlns:a14="http://schemas.microsoft.com/office/drawing/2010/main" xmlns="" w="9525">
+              <a14:hiddenLine xmlns="" xmlns:a14="http://schemas.microsoft.com/office/drawing/2010/main" w="9525">
                 <a:solidFill>
                   <a:srgbClr val="000000"/>
                 </a:solidFill>
@@ -13632,14 +13632,14 @@
           </a:ln>
           <a:extLst>
             <a:ext uri="{909E8E84-426E-40dd-AFC4-6F175D3DCCD1}">
-              <a14:hiddenFill xmlns:a14="http://schemas.microsoft.com/office/drawing/2010/main" xmlns="">
+              <a14:hiddenFill xmlns="" xmlns:a14="http://schemas.microsoft.com/office/drawing/2010/main">
                 <a:solidFill>
                   <a:srgbClr val="FFFFFF"/>
                 </a:solidFill>
               </a14:hiddenFill>
             </a:ext>
             <a:ext uri="{91240B29-F687-4f45-9708-019B960494DF}">
-              <a14:hiddenLine xmlns:a14="http://schemas.microsoft.com/office/drawing/2010/main" xmlns="" w="9525">
+              <a14:hiddenLine xmlns="" xmlns:a14="http://schemas.microsoft.com/office/drawing/2010/main" w="9525">
                 <a:solidFill>
                   <a:srgbClr val="000000"/>
                 </a:solidFill>
@@ -13710,14 +13710,14 @@
           </a:ln>
           <a:extLst>
             <a:ext uri="{909E8E84-426E-40dd-AFC4-6F175D3DCCD1}">
-              <a14:hiddenFill xmlns:a14="http://schemas.microsoft.com/office/drawing/2010/main" xmlns="">
+              <a14:hiddenFill xmlns="" xmlns:a14="http://schemas.microsoft.com/office/drawing/2010/main">
                 <a:solidFill>
                   <a:srgbClr val="FFFFFF"/>
                 </a:solidFill>
               </a14:hiddenFill>
             </a:ext>
             <a:ext uri="{91240B29-F687-4f45-9708-019B960494DF}">
-              <a14:hiddenLine xmlns:a14="http://schemas.microsoft.com/office/drawing/2010/main" xmlns="" w="9525">
+              <a14:hiddenLine xmlns="" xmlns:a14="http://schemas.microsoft.com/office/drawing/2010/main" w="9525">
                 <a:solidFill>
                   <a:srgbClr val="000000"/>
                 </a:solidFill>
@@ -13780,7 +13780,7 @@
           </a:ln>
           <a:extLst>
             <a:ext uri="{91240B29-F687-4f45-9708-019B960494DF}">
-              <a14:hiddenLine xmlns:a14="http://schemas.microsoft.com/office/drawing/2010/main" xmlns="" w="9525">
+              <a14:hiddenLine xmlns="" xmlns:a14="http://schemas.microsoft.com/office/drawing/2010/main" w="9525">
                 <a:solidFill>
                   <a:srgbClr val="000000"/>
                 </a:solidFill>
@@ -36946,8 +36946,8 @@
           </a:p>
         </p:txBody>
       </p:sp>
-      <mc:AlternateContent xmlns:mc="http://schemas.openxmlformats.org/markup-compatibility/2006">
-        <mc:Choice xmlns:a14="http://schemas.microsoft.com/office/drawing/2010/main" Requires="a14">
+      <mc:AlternateContent xmlns:mc="http://schemas.openxmlformats.org/markup-compatibility/2006" xmlns:a14="http://schemas.microsoft.com/office/drawing/2010/main">
+        <mc:Choice Requires="a14">
           <p:sp>
             <p:nvSpPr>
               <p:cNvPr id="27" name="文字方塊 26">
@@ -37014,7 +37014,7 @@
             </p:txBody>
           </p:sp>
         </mc:Choice>
-        <mc:Fallback>
+        <mc:Fallback xmlns="">
           <p:sp>
             <p:nvSpPr>
               <p:cNvPr id="27" name="文字方塊 26">

--- a/IMS_NEW.pptx
+++ b/IMS_NEW.pptx
@@ -229,7 +229,7 @@
           <a:p>
             <a:fld id="{FE9F37E1-976C-4D68-AAA1-E18BCAC423B3}" type="datetimeFigureOut">
               <a:rPr lang="zh-TW" altLang="en-US" smtClean="0"/>
-              <a:t>2025/4/25</a:t>
+              <a:t>2025/4/29</a:t>
             </a:fld>
             <a:endParaRPr lang="zh-TW" altLang="en-US"/>
           </a:p>
@@ -394,7 +394,7 @@
           <a:p>
             <a:fld id="{6F765A04-DEC0-490E-BE54-AD23B90E8F9F}" type="datetimeFigureOut">
               <a:rPr lang="zh-TW" altLang="en-US" smtClean="0"/>
-              <a:t>2025/4/25</a:t>
+              <a:t>2025/4/29</a:t>
             </a:fld>
             <a:endParaRPr lang="zh-TW" altLang="en-US"/>
           </a:p>
@@ -26979,7 +26979,15 @@
             <a:pPr lvl="1"/>
             <a:r>
               <a:rPr lang="en-US" altLang="zh-TW" sz="2200" dirty="0"/>
-              <a:t>Methods in CIM to tackle analog noises</a:t>
+              <a:t>Methods in CIM </a:t>
+            </a:r>
+            <a:r>
+              <a:rPr lang="en-US" altLang="zh-TW" sz="2200"/>
+              <a:t>to overcome </a:t>
+            </a:r>
+            <a:r>
+              <a:rPr lang="en-US" altLang="zh-TW" sz="2200" dirty="0"/>
+              <a:t>analog noises</a:t>
             </a:r>
           </a:p>
           <a:p>

--- a/IMS_NEW.pptx
+++ b/IMS_NEW.pptx
@@ -229,7 +229,7 @@
           <a:p>
             <a:fld id="{FE9F37E1-976C-4D68-AAA1-E18BCAC423B3}" type="datetimeFigureOut">
               <a:rPr lang="zh-TW" altLang="en-US" smtClean="0"/>
-              <a:t>2025/4/29</a:t>
+              <a:t>2025/4/30</a:t>
             </a:fld>
             <a:endParaRPr lang="zh-TW" altLang="en-US"/>
           </a:p>
@@ -394,7 +394,7 @@
           <a:p>
             <a:fld id="{6F765A04-DEC0-490E-BE54-AD23B90E8F9F}" type="datetimeFigureOut">
               <a:rPr lang="zh-TW" altLang="en-US" smtClean="0"/>
-              <a:t>2025/4/29</a:t>
+              <a:t>2025/4/30</a:t>
             </a:fld>
             <a:endParaRPr lang="zh-TW" altLang="en-US"/>
           </a:p>
@@ -1526,7 +1526,7 @@
           </a:ln>
           <a:extLst>
             <a:ext uri="{91240B29-F687-4f45-9708-019B960494DF}">
-              <a14:hiddenLine xmlns="" xmlns:a14="http://schemas.microsoft.com/office/drawing/2010/main" w="9525">
+              <a14:hiddenLine xmlns:a14="http://schemas.microsoft.com/office/drawing/2010/main" xmlns="" w="9525">
                 <a:solidFill>
                   <a:srgbClr val="000000"/>
                 </a:solidFill>
@@ -1580,14 +1580,14 @@
           </a:ln>
           <a:extLst>
             <a:ext uri="{909E8E84-426E-40dd-AFC4-6F175D3DCCD1}">
-              <a14:hiddenFill xmlns="" xmlns:a14="http://schemas.microsoft.com/office/drawing/2010/main">
+              <a14:hiddenFill xmlns:a14="http://schemas.microsoft.com/office/drawing/2010/main" xmlns="">
                 <a:solidFill>
                   <a:srgbClr val="FFFFFF"/>
                 </a:solidFill>
               </a14:hiddenFill>
             </a:ext>
             <a:ext uri="{91240B29-F687-4f45-9708-019B960494DF}">
-              <a14:hiddenLine xmlns="" xmlns:a14="http://schemas.microsoft.com/office/drawing/2010/main" w="9525">
+              <a14:hiddenLine xmlns:a14="http://schemas.microsoft.com/office/drawing/2010/main" xmlns="" w="9525">
                 <a:solidFill>
                   <a:srgbClr val="000000"/>
                 </a:solidFill>
@@ -1623,7 +1623,7 @@
           </a:ln>
           <a:extLst>
             <a:ext uri="{91240B29-F687-4f45-9708-019B960494DF}">
-              <a14:hiddenLine xmlns="" xmlns:a14="http://schemas.microsoft.com/office/drawing/2010/main" w="9525">
+              <a14:hiddenLine xmlns:a14="http://schemas.microsoft.com/office/drawing/2010/main" xmlns="" w="9525">
                 <a:solidFill>
                   <a:srgbClr val="000000"/>
                 </a:solidFill>
@@ -1939,7 +1939,7 @@
           </a:ln>
           <a:extLst>
             <a:ext uri="{91240B29-F687-4f45-9708-019B960494DF}">
-              <a14:hiddenLine xmlns="" xmlns:a14="http://schemas.microsoft.com/office/drawing/2010/main" w="9525">
+              <a14:hiddenLine xmlns:a14="http://schemas.microsoft.com/office/drawing/2010/main" xmlns="" w="9525">
                 <a:solidFill>
                   <a:srgbClr val="000000"/>
                 </a:solidFill>
@@ -1990,7 +1990,7 @@
           </a:ln>
           <a:extLst>
             <a:ext uri="{91240B29-F687-4f45-9708-019B960494DF}">
-              <a14:hiddenLine xmlns="" xmlns:a14="http://schemas.microsoft.com/office/drawing/2010/main" w="9525">
+              <a14:hiddenLine xmlns:a14="http://schemas.microsoft.com/office/drawing/2010/main" xmlns="" w="9525">
                 <a:solidFill>
                   <a:srgbClr val="000000"/>
                 </a:solidFill>
@@ -13220,7 +13220,7 @@
           </a:ln>
           <a:extLst>
             <a:ext uri="{91240B29-F687-4f45-9708-019B960494DF}">
-              <a14:hiddenLine xmlns="" xmlns:a14="http://schemas.microsoft.com/office/drawing/2010/main" w="9525">
+              <a14:hiddenLine xmlns:a14="http://schemas.microsoft.com/office/drawing/2010/main" xmlns="" w="9525">
                 <a:solidFill>
                   <a:srgbClr val="000000"/>
                 </a:solidFill>
@@ -13549,14 +13549,14 @@
           </a:ln>
           <a:extLst>
             <a:ext uri="{909E8E84-426E-40dd-AFC4-6F175D3DCCD1}">
-              <a14:hiddenFill xmlns="" xmlns:a14="http://schemas.microsoft.com/office/drawing/2010/main">
+              <a14:hiddenFill xmlns:a14="http://schemas.microsoft.com/office/drawing/2010/main" xmlns="">
                 <a:solidFill>
                   <a:srgbClr val="FFFFFF"/>
                 </a:solidFill>
               </a14:hiddenFill>
             </a:ext>
             <a:ext uri="{91240B29-F687-4f45-9708-019B960494DF}">
-              <a14:hiddenLine xmlns="" xmlns:a14="http://schemas.microsoft.com/office/drawing/2010/main" w="9525">
+              <a14:hiddenLine xmlns:a14="http://schemas.microsoft.com/office/drawing/2010/main" xmlns="" w="9525">
                 <a:solidFill>
                   <a:srgbClr val="000000"/>
                 </a:solidFill>
@@ -13632,14 +13632,14 @@
           </a:ln>
           <a:extLst>
             <a:ext uri="{909E8E84-426E-40dd-AFC4-6F175D3DCCD1}">
-              <a14:hiddenFill xmlns="" xmlns:a14="http://schemas.microsoft.com/office/drawing/2010/main">
+              <a14:hiddenFill xmlns:a14="http://schemas.microsoft.com/office/drawing/2010/main" xmlns="">
                 <a:solidFill>
                   <a:srgbClr val="FFFFFF"/>
                 </a:solidFill>
               </a14:hiddenFill>
             </a:ext>
             <a:ext uri="{91240B29-F687-4f45-9708-019B960494DF}">
-              <a14:hiddenLine xmlns="" xmlns:a14="http://schemas.microsoft.com/office/drawing/2010/main" w="9525">
+              <a14:hiddenLine xmlns:a14="http://schemas.microsoft.com/office/drawing/2010/main" xmlns="" w="9525">
                 <a:solidFill>
                   <a:srgbClr val="000000"/>
                 </a:solidFill>
@@ -13710,14 +13710,14 @@
           </a:ln>
           <a:extLst>
             <a:ext uri="{909E8E84-426E-40dd-AFC4-6F175D3DCCD1}">
-              <a14:hiddenFill xmlns="" xmlns:a14="http://schemas.microsoft.com/office/drawing/2010/main">
+              <a14:hiddenFill xmlns:a14="http://schemas.microsoft.com/office/drawing/2010/main" xmlns="">
                 <a:solidFill>
                   <a:srgbClr val="FFFFFF"/>
                 </a:solidFill>
               </a14:hiddenFill>
             </a:ext>
             <a:ext uri="{91240B29-F687-4f45-9708-019B960494DF}">
-              <a14:hiddenLine xmlns="" xmlns:a14="http://schemas.microsoft.com/office/drawing/2010/main" w="9525">
+              <a14:hiddenLine xmlns:a14="http://schemas.microsoft.com/office/drawing/2010/main" xmlns="" w="9525">
                 <a:solidFill>
                   <a:srgbClr val="000000"/>
                 </a:solidFill>
@@ -13780,7 +13780,7 @@
           </a:ln>
           <a:extLst>
             <a:ext uri="{91240B29-F687-4f45-9708-019B960494DF}">
-              <a14:hiddenLine xmlns="" xmlns:a14="http://schemas.microsoft.com/office/drawing/2010/main" w="9525">
+              <a14:hiddenLine xmlns:a14="http://schemas.microsoft.com/office/drawing/2010/main" xmlns="" w="9525">
                 <a:solidFill>
                   <a:srgbClr val="000000"/>
                 </a:solidFill>
@@ -21378,7 +21378,15 @@
           <a:p>
             <a:r>
               <a:rPr lang="en-US" altLang="zh-TW" dirty="0"/>
-              <a:t>L-1 norm ( Hamming distance)</a:t>
+              <a:t>L-1 norm ( Hamming distance) –</a:t>
+            </a:r>
+            <a:r>
+              <a:rPr lang="zh-TW" altLang="en-US" dirty="0"/>
+              <a:t> </a:t>
+            </a:r>
+            <a:r>
+              <a:rPr lang="en-US" altLang="zh-TW" dirty="0"/>
+              <a:t>Using best-match search</a:t>
             </a:r>
           </a:p>
           <a:p>
@@ -37655,8 +37663,8 @@
           </a:p>
         </p:txBody>
       </p:sp>
-      <mc:AlternateContent xmlns:mc="http://schemas.openxmlformats.org/markup-compatibility/2006" xmlns:a14="http://schemas.microsoft.com/office/drawing/2010/main">
-        <mc:Choice Requires="a14">
+      <mc:AlternateContent xmlns:mc="http://schemas.openxmlformats.org/markup-compatibility/2006">
+        <mc:Choice xmlns:a14="http://schemas.microsoft.com/office/drawing/2010/main" Requires="a14">
           <p:sp>
             <p:nvSpPr>
               <p:cNvPr id="3" name="內容版面配置區 2">
@@ -37681,6 +37689,22 @@
                 <a:r>
                   <a:rPr lang="en-US" altLang="zh-TW" dirty="0"/>
                   <a:t>L-infinity norm</a:t>
+                </a:r>
+                <a:r>
+                  <a:rPr lang="zh-TW" altLang="en-US" dirty="0"/>
+                  <a:t> </a:t>
+                </a:r>
+                <a:r>
+                  <a:rPr lang="en-US" altLang="zh-TW" dirty="0"/>
+                  <a:t>–</a:t>
+                </a:r>
+                <a:r>
+                  <a:rPr lang="zh-TW" altLang="en-US" dirty="0"/>
+                  <a:t> </a:t>
+                </a:r>
+                <a:r>
+                  <a:rPr lang="en-US" altLang="zh-TW" dirty="0"/>
+                  <a:t>Using exact-match search</a:t>
                 </a:r>
               </a:p>
               <a:p>
@@ -37769,7 +37793,7 @@
             </p:txBody>
           </p:sp>
         </mc:Choice>
-        <mc:Fallback xmlns="">
+        <mc:Fallback>
           <p:sp>
             <p:nvSpPr>
               <p:cNvPr id="3" name="內容版面配置區 2">
@@ -44633,8 +44657,8 @@
           </a:p>
         </p:txBody>
       </p:sp>
-      <mc:AlternateContent xmlns:mc="http://schemas.openxmlformats.org/markup-compatibility/2006" xmlns:a14="http://schemas.microsoft.com/office/drawing/2010/main">
-        <mc:Choice Requires="a14">
+      <mc:AlternateContent xmlns:mc="http://schemas.openxmlformats.org/markup-compatibility/2006">
+        <mc:Choice xmlns:a14="http://schemas.microsoft.com/office/drawing/2010/main" Requires="a14">
           <p:sp>
             <p:nvSpPr>
               <p:cNvPr id="3" name="內容版面配置區 2">
@@ -44658,7 +44682,15 @@
               <a:p>
                 <a:r>
                   <a:rPr lang="en-US" altLang="zh-TW" dirty="0"/>
-                  <a:t>L-infinity norm</a:t>
+                  <a:t>L-infinity norm –</a:t>
+                </a:r>
+                <a:r>
+                  <a:rPr lang="zh-TW" altLang="en-US" dirty="0"/>
+                  <a:t> </a:t>
+                </a:r>
+                <a:r>
+                  <a:rPr lang="en-US" altLang="zh-TW" dirty="0"/>
+                  <a:t>Using exact-match search</a:t>
                 </a:r>
               </a:p>
               <a:p>
@@ -44871,7 +44903,7 @@
             </p:txBody>
           </p:sp>
         </mc:Choice>
-        <mc:Fallback xmlns="">
+        <mc:Fallback>
           <p:sp>
             <p:nvSpPr>
               <p:cNvPr id="3" name="內容版面配置區 2">

--- a/IMS_NEW.pptx
+++ b/IMS_NEW.pptx
@@ -1526,7 +1526,7 @@
           </a:ln>
           <a:extLst>
             <a:ext uri="{91240B29-F687-4f45-9708-019B960494DF}">
-              <a14:hiddenLine xmlns:a14="http://schemas.microsoft.com/office/drawing/2010/main" xmlns="" w="9525">
+              <a14:hiddenLine xmlns="" xmlns:a14="http://schemas.microsoft.com/office/drawing/2010/main" w="9525">
                 <a:solidFill>
                   <a:srgbClr val="000000"/>
                 </a:solidFill>
@@ -1580,14 +1580,14 @@
           </a:ln>
           <a:extLst>
             <a:ext uri="{909E8E84-426E-40dd-AFC4-6F175D3DCCD1}">
-              <a14:hiddenFill xmlns:a14="http://schemas.microsoft.com/office/drawing/2010/main" xmlns="">
+              <a14:hiddenFill xmlns="" xmlns:a14="http://schemas.microsoft.com/office/drawing/2010/main">
                 <a:solidFill>
                   <a:srgbClr val="FFFFFF"/>
                 </a:solidFill>
               </a14:hiddenFill>
             </a:ext>
             <a:ext uri="{91240B29-F687-4f45-9708-019B960494DF}">
-              <a14:hiddenLine xmlns:a14="http://schemas.microsoft.com/office/drawing/2010/main" xmlns="" w="9525">
+              <a14:hiddenLine xmlns="" xmlns:a14="http://schemas.microsoft.com/office/drawing/2010/main" w="9525">
                 <a:solidFill>
                   <a:srgbClr val="000000"/>
                 </a:solidFill>
@@ -1623,7 +1623,7 @@
           </a:ln>
           <a:extLst>
             <a:ext uri="{91240B29-F687-4f45-9708-019B960494DF}">
-              <a14:hiddenLine xmlns:a14="http://schemas.microsoft.com/office/drawing/2010/main" xmlns="" w="9525">
+              <a14:hiddenLine xmlns="" xmlns:a14="http://schemas.microsoft.com/office/drawing/2010/main" w="9525">
                 <a:solidFill>
                   <a:srgbClr val="000000"/>
                 </a:solidFill>
@@ -1939,7 +1939,7 @@
           </a:ln>
           <a:extLst>
             <a:ext uri="{91240B29-F687-4f45-9708-019B960494DF}">
-              <a14:hiddenLine xmlns:a14="http://schemas.microsoft.com/office/drawing/2010/main" xmlns="" w="9525">
+              <a14:hiddenLine xmlns="" xmlns:a14="http://schemas.microsoft.com/office/drawing/2010/main" w="9525">
                 <a:solidFill>
                   <a:srgbClr val="000000"/>
                 </a:solidFill>
@@ -1990,7 +1990,7 @@
           </a:ln>
           <a:extLst>
             <a:ext uri="{91240B29-F687-4f45-9708-019B960494DF}">
-              <a14:hiddenLine xmlns:a14="http://schemas.microsoft.com/office/drawing/2010/main" xmlns="" w="9525">
+              <a14:hiddenLine xmlns="" xmlns:a14="http://schemas.microsoft.com/office/drawing/2010/main" w="9525">
                 <a:solidFill>
                   <a:srgbClr val="000000"/>
                 </a:solidFill>
@@ -13220,7 +13220,7 @@
           </a:ln>
           <a:extLst>
             <a:ext uri="{91240B29-F687-4f45-9708-019B960494DF}">
-              <a14:hiddenLine xmlns:a14="http://schemas.microsoft.com/office/drawing/2010/main" xmlns="" w="9525">
+              <a14:hiddenLine xmlns="" xmlns:a14="http://schemas.microsoft.com/office/drawing/2010/main" w="9525">
                 <a:solidFill>
                   <a:srgbClr val="000000"/>
                 </a:solidFill>
@@ -13549,14 +13549,14 @@
           </a:ln>
           <a:extLst>
             <a:ext uri="{909E8E84-426E-40dd-AFC4-6F175D3DCCD1}">
-              <a14:hiddenFill xmlns:a14="http://schemas.microsoft.com/office/drawing/2010/main" xmlns="">
+              <a14:hiddenFill xmlns="" xmlns:a14="http://schemas.microsoft.com/office/drawing/2010/main">
                 <a:solidFill>
                   <a:srgbClr val="FFFFFF"/>
                 </a:solidFill>
               </a14:hiddenFill>
             </a:ext>
             <a:ext uri="{91240B29-F687-4f45-9708-019B960494DF}">
-              <a14:hiddenLine xmlns:a14="http://schemas.microsoft.com/office/drawing/2010/main" xmlns="" w="9525">
+              <a14:hiddenLine xmlns="" xmlns:a14="http://schemas.microsoft.com/office/drawing/2010/main" w="9525">
                 <a:solidFill>
                   <a:srgbClr val="000000"/>
                 </a:solidFill>
@@ -13632,14 +13632,14 @@
           </a:ln>
           <a:extLst>
             <a:ext uri="{909E8E84-426E-40dd-AFC4-6F175D3DCCD1}">
-              <a14:hiddenFill xmlns:a14="http://schemas.microsoft.com/office/drawing/2010/main" xmlns="">
+              <a14:hiddenFill xmlns="" xmlns:a14="http://schemas.microsoft.com/office/drawing/2010/main">
                 <a:solidFill>
                   <a:srgbClr val="FFFFFF"/>
                 </a:solidFill>
               </a14:hiddenFill>
             </a:ext>
             <a:ext uri="{91240B29-F687-4f45-9708-019B960494DF}">
-              <a14:hiddenLine xmlns:a14="http://schemas.microsoft.com/office/drawing/2010/main" xmlns="" w="9525">
+              <a14:hiddenLine xmlns="" xmlns:a14="http://schemas.microsoft.com/office/drawing/2010/main" w="9525">
                 <a:solidFill>
                   <a:srgbClr val="000000"/>
                 </a:solidFill>
@@ -13710,14 +13710,14 @@
           </a:ln>
           <a:extLst>
             <a:ext uri="{909E8E84-426E-40dd-AFC4-6F175D3DCCD1}">
-              <a14:hiddenFill xmlns:a14="http://schemas.microsoft.com/office/drawing/2010/main" xmlns="">
+              <a14:hiddenFill xmlns="" xmlns:a14="http://schemas.microsoft.com/office/drawing/2010/main">
                 <a:solidFill>
                   <a:srgbClr val="FFFFFF"/>
                 </a:solidFill>
               </a14:hiddenFill>
             </a:ext>
             <a:ext uri="{91240B29-F687-4f45-9708-019B960494DF}">
-              <a14:hiddenLine xmlns:a14="http://schemas.microsoft.com/office/drawing/2010/main" xmlns="" w="9525">
+              <a14:hiddenLine xmlns="" xmlns:a14="http://schemas.microsoft.com/office/drawing/2010/main" w="9525">
                 <a:solidFill>
                   <a:srgbClr val="000000"/>
                 </a:solidFill>
@@ -13780,7 +13780,7 @@
           </a:ln>
           <a:extLst>
             <a:ext uri="{91240B29-F687-4f45-9708-019B960494DF}">
-              <a14:hiddenLine xmlns:a14="http://schemas.microsoft.com/office/drawing/2010/main" xmlns="" w="9525">
+              <a14:hiddenLine xmlns="" xmlns:a14="http://schemas.microsoft.com/office/drawing/2010/main" w="9525">
                 <a:solidFill>
                   <a:srgbClr val="000000"/>
                 </a:solidFill>
@@ -21349,7 +21349,7 @@
           <a:p>
             <a:r>
               <a:rPr lang="en-US" altLang="zh-TW" dirty="0"/>
-              <a:t>Distance metric</a:t>
+              <a:t>Distance Metric</a:t>
             </a:r>
             <a:endParaRPr lang="zh-TW" altLang="en-US" dirty="0"/>
           </a:p>
@@ -26892,118 +26892,224 @@
           </a:p>
         </p:txBody>
       </p:sp>
-      <p:sp>
-        <p:nvSpPr>
-          <p:cNvPr id="3" name="內容版面配置區 2">
-            <a:extLst>
-              <a:ext uri="{FF2B5EF4-FFF2-40B4-BE49-F238E27FC236}">
-                <a16:creationId xmlns:a16="http://schemas.microsoft.com/office/drawing/2014/main" id="{7E7F710D-9324-9990-BA9E-93FCAFCC0DF1}"/>
-              </a:ext>
-            </a:extLst>
-          </p:cNvPr>
-          <p:cNvSpPr>
-            <a:spLocks noGrp="1"/>
-          </p:cNvSpPr>
-          <p:nvPr>
-            <p:ph idx="1"/>
-          </p:nvPr>
-        </p:nvSpPr>
-        <p:spPr/>
-        <p:txBody>
-          <a:bodyPr/>
-          <a:lstStyle/>
-          <a:p>
-            <a:r>
-              <a:rPr lang="en-US" altLang="zh-TW" sz="2200" dirty="0"/>
-              <a:t>Introduction to few-shot learning</a:t>
-            </a:r>
-          </a:p>
-          <a:p>
-            <a:r>
-              <a:rPr lang="en-US" altLang="zh-TW" sz="2200" dirty="0"/>
-              <a:t>Traditional computer architecture vs In-memory searching</a:t>
-            </a:r>
-          </a:p>
-          <a:p>
-            <a:r>
-              <a:rPr lang="en-US" altLang="zh-TW" sz="2200" dirty="0"/>
-              <a:t>Choices of memory</a:t>
-            </a:r>
-          </a:p>
-          <a:p>
-            <a:pPr lvl="1"/>
-            <a:r>
-              <a:rPr lang="en-US" altLang="zh-TW" sz="2200" dirty="0"/>
-              <a:t>Volatile vs Non-volatile</a:t>
-            </a:r>
-          </a:p>
-          <a:p>
-            <a:r>
-              <a:rPr lang="en-US" altLang="zh-TW" sz="2200" dirty="0"/>
-              <a:t>Searching methods</a:t>
-            </a:r>
-          </a:p>
-          <a:p>
-            <a:pPr lvl="1"/>
-            <a:r>
-              <a:rPr lang="en-US" altLang="zh-TW" sz="2200" dirty="0"/>
-              <a:t>Exact-Match vs Best-Match</a:t>
-            </a:r>
-          </a:p>
-          <a:p>
-            <a:r>
-              <a:rPr lang="en-US" altLang="zh-TW" sz="2200" dirty="0"/>
-              <a:t>Distance metrics and its realization </a:t>
-            </a:r>
-          </a:p>
-          <a:p>
-            <a:pPr lvl="1"/>
-            <a:r>
-              <a:rPr lang="en-US" altLang="zh-TW" sz="2200" dirty="0"/>
-              <a:t>L-infinity norm</a:t>
-            </a:r>
-          </a:p>
-          <a:p>
-            <a:pPr lvl="1"/>
-            <a:r>
-              <a:rPr lang="en-US" altLang="zh-TW" sz="2200" dirty="0"/>
-              <a:t>L-1 norm</a:t>
-            </a:r>
-          </a:p>
-          <a:p>
-            <a:r>
-              <a:rPr lang="en-US" altLang="zh-TW" sz="2200" dirty="0"/>
-              <a:t>Difficulties of Best-Match searching method</a:t>
-            </a:r>
-          </a:p>
-          <a:p>
-            <a:pPr lvl="1"/>
-            <a:r>
-              <a:rPr lang="en-US" altLang="zh-TW" sz="2200" dirty="0"/>
-              <a:t>Sources of analog non-idealities</a:t>
-            </a:r>
-          </a:p>
-          <a:p>
-            <a:pPr lvl="1"/>
-            <a:r>
-              <a:rPr lang="en-US" altLang="zh-TW" sz="2200" dirty="0"/>
-              <a:t>Methods in CIM </a:t>
-            </a:r>
-            <a:r>
-              <a:rPr lang="en-US" altLang="zh-TW" sz="2200"/>
-              <a:t>to overcome </a:t>
-            </a:r>
-            <a:r>
-              <a:rPr lang="en-US" altLang="zh-TW" sz="2200" dirty="0"/>
-              <a:t>analog noises</a:t>
-            </a:r>
-          </a:p>
-          <a:p>
-            <a:pPr lvl="1"/>
-            <a:endParaRPr lang="zh-TW" altLang="en-US" sz="2200" dirty="0"/>
-          </a:p>
-        </p:txBody>
-      </p:sp>
+      <mc:AlternateContent xmlns:mc="http://schemas.openxmlformats.org/markup-compatibility/2006">
+        <mc:Choice xmlns:a14="http://schemas.microsoft.com/office/drawing/2010/main" Requires="a14">
+          <p:sp>
+            <p:nvSpPr>
+              <p:cNvPr id="3" name="內容版面配置區 2">
+                <a:extLst>
+                  <a:ext uri="{FF2B5EF4-FFF2-40B4-BE49-F238E27FC236}">
+                    <a16:creationId xmlns:a16="http://schemas.microsoft.com/office/drawing/2014/main" id="{7E7F710D-9324-9990-BA9E-93FCAFCC0DF1}"/>
+                  </a:ext>
+                </a:extLst>
+              </p:cNvPr>
+              <p:cNvSpPr>
+                <a:spLocks noGrp="1"/>
+              </p:cNvSpPr>
+              <p:nvPr>
+                <p:ph idx="1"/>
+              </p:nvPr>
+            </p:nvSpPr>
+            <p:spPr/>
+            <p:txBody>
+              <a:bodyPr/>
+              <a:lstStyle/>
+              <a:p>
+                <a:r>
+                  <a:rPr lang="en-US" altLang="zh-TW" sz="2200" dirty="0"/>
+                  <a:t>Introduction to few-shot learning</a:t>
+                </a:r>
+              </a:p>
+              <a:p>
+                <a:r>
+                  <a:rPr lang="en-US" altLang="zh-TW" sz="2200" dirty="0"/>
+                  <a:t>von Neumann architecture vs In-memory </a:t>
+                </a:r>
+                <a:r>
+                  <a:rPr lang="en-US" altLang="zh-TW" sz="2200" dirty="0" err="1"/>
+                  <a:t>architechure</a:t>
+                </a:r>
+                <a:endParaRPr lang="en-US" altLang="zh-TW" sz="2200" dirty="0"/>
+              </a:p>
+              <a:p>
+                <a:r>
+                  <a:rPr lang="en-US" altLang="zh-TW" sz="2200" dirty="0"/>
+                  <a:t>Choices of memory</a:t>
+                </a:r>
+              </a:p>
+              <a:p>
+                <a:pPr lvl="1"/>
+                <a:r>
+                  <a:rPr lang="en-US" altLang="zh-TW" sz="2200" dirty="0"/>
+                  <a:t>Volatile vs Non-volatile</a:t>
+                </a:r>
+              </a:p>
+              <a:p>
+                <a:r>
+                  <a:rPr lang="en-US" altLang="zh-TW" sz="2200" dirty="0"/>
+                  <a:t>Searching methods</a:t>
+                </a:r>
+              </a:p>
+              <a:p>
+                <a:pPr lvl="1"/>
+                <a:r>
+                  <a:rPr lang="en-US" altLang="zh-TW" sz="2200" dirty="0"/>
+                  <a:t>Exact-Match vs Best-Match</a:t>
+                </a:r>
+              </a:p>
+              <a:p>
+                <a:r>
+                  <a:rPr lang="en-US" altLang="zh-TW" sz="2200" dirty="0"/>
+                  <a:t>Distance metrics and its realization </a:t>
+                </a:r>
+              </a:p>
+              <a:p>
+                <a:pPr lvl="1"/>
+                <a14:m>
+                  <m:oMath xmlns:m="http://schemas.openxmlformats.org/officeDocument/2006/math">
+                    <m:sSub>
+                      <m:sSubPr>
+                        <m:ctrlPr>
+                          <a:rPr lang="en-US" altLang="zh-TW" sz="2200" i="1" dirty="0" smtClean="0">
+                            <a:latin typeface="Cambria Math" panose="02040503050406030204" pitchFamily="18" charset="0"/>
+                          </a:rPr>
+                        </m:ctrlPr>
+                      </m:sSubPr>
+                      <m:e>
+                        <m:r>
+                          <a:rPr lang="en-US" altLang="zh-TW" sz="2200" i="1" dirty="0" smtClean="0">
+                            <a:latin typeface="Cambria Math" panose="02040503050406030204" pitchFamily="18" charset="0"/>
+                          </a:rPr>
+                          <m:t>𝐿</m:t>
+                        </m:r>
+                      </m:e>
+                      <m:sub>
+                        <m:r>
+                          <a:rPr lang="en-US" altLang="zh-TW" sz="2200" i="1" dirty="0">
+                            <a:latin typeface="Cambria Math" panose="02040503050406030204" pitchFamily="18" charset="0"/>
+                            <a:ea typeface="Cambria Math" panose="02040503050406030204" pitchFamily="18" charset="0"/>
+                          </a:rPr>
+                          <m:t>∞</m:t>
+                        </m:r>
+                      </m:sub>
+                    </m:sSub>
+                    <m:r>
+                      <a:rPr lang="zh-TW" altLang="en-US" sz="2200" i="1" dirty="0">
+                        <a:latin typeface="Cambria Math" panose="02040503050406030204" pitchFamily="18" charset="0"/>
+                        <a:ea typeface="Cambria Math" panose="02040503050406030204" pitchFamily="18" charset="0"/>
+                      </a:rPr>
+                      <m:t> </m:t>
+                    </m:r>
+                  </m:oMath>
+                </a14:m>
+                <a:r>
+                  <a:rPr lang="en-US" altLang="zh-TW" sz="2200" dirty="0"/>
+                  <a:t>Norm</a:t>
+                </a:r>
+              </a:p>
+              <a:p>
+                <a:pPr lvl="1"/>
+                <a14:m>
+                  <m:oMath xmlns:m="http://schemas.openxmlformats.org/officeDocument/2006/math">
+                    <m:sSub>
+                      <m:sSubPr>
+                        <m:ctrlPr>
+                          <a:rPr lang="en-US" altLang="zh-TW" sz="2200" b="0" i="1" dirty="0" smtClean="0">
+                            <a:latin typeface="Cambria Math" panose="02040503050406030204" pitchFamily="18" charset="0"/>
+                          </a:rPr>
+                        </m:ctrlPr>
+                      </m:sSubPr>
+                      <m:e>
+                        <m:r>
+                          <a:rPr lang="en-US" altLang="zh-TW" sz="2200" i="1" dirty="0" smtClean="0">
+                            <a:latin typeface="Cambria Math" panose="02040503050406030204" pitchFamily="18" charset="0"/>
+                          </a:rPr>
+                          <m:t>𝐿</m:t>
+                        </m:r>
+                      </m:e>
+                      <m:sub>
+                        <m:r>
+                          <a:rPr lang="en-US" altLang="zh-TW" sz="2200" b="0" i="1" dirty="0" smtClean="0">
+                            <a:latin typeface="Cambria Math" panose="02040503050406030204" pitchFamily="18" charset="0"/>
+                          </a:rPr>
+                          <m:t>1</m:t>
+                        </m:r>
+                      </m:sub>
+                    </m:sSub>
+                  </m:oMath>
+                </a14:m>
+                <a:r>
+                  <a:rPr lang="en-US" altLang="zh-TW" sz="2200" dirty="0"/>
+                  <a:t>  Norm</a:t>
+                </a:r>
+              </a:p>
+              <a:p>
+                <a:r>
+                  <a:rPr lang="en-US" altLang="zh-TW" sz="2200" dirty="0"/>
+                  <a:t>Difficulties of Best-Match searching method</a:t>
+                </a:r>
+              </a:p>
+              <a:p>
+                <a:pPr lvl="1"/>
+                <a:r>
+                  <a:rPr lang="en-US" altLang="zh-TW" sz="2200" dirty="0"/>
+                  <a:t>Sources of analog non-idealities</a:t>
+                </a:r>
+              </a:p>
+              <a:p>
+                <a:pPr lvl="1"/>
+                <a:r>
+                  <a:rPr lang="en-US" altLang="zh-TW" sz="2200" dirty="0"/>
+                  <a:t>Methods in CIM to overcome analog noises</a:t>
+                </a:r>
+              </a:p>
+              <a:p>
+                <a:pPr lvl="1"/>
+                <a:endParaRPr lang="zh-TW" altLang="en-US" sz="2200" dirty="0"/>
+              </a:p>
+            </p:txBody>
+          </p:sp>
+        </mc:Choice>
+        <mc:Fallback>
+          <p:sp>
+            <p:nvSpPr>
+              <p:cNvPr id="3" name="內容版面配置區 2">
+                <a:extLst>
+                  <a:ext uri="{FF2B5EF4-FFF2-40B4-BE49-F238E27FC236}">
+                    <a16:creationId xmlns:a16="http://schemas.microsoft.com/office/drawing/2014/main" id="{7E7F710D-9324-9990-BA9E-93FCAFCC0DF1}"/>
+                  </a:ext>
+                </a:extLst>
+              </p:cNvPr>
+              <p:cNvSpPr>
+                <a:spLocks noGrp="1" noRot="1" noChangeAspect="1" noMove="1" noResize="1" noEditPoints="1" noAdjustHandles="1" noChangeArrowheads="1" noChangeShapeType="1" noTextEdit="1"/>
+              </p:cNvSpPr>
+              <p:nvPr>
+                <p:ph idx="1"/>
+              </p:nvPr>
+            </p:nvSpPr>
+            <p:spPr>
+              <a:blipFill>
+                <a:blip r:embed="rId2"/>
+                <a:stretch>
+                  <a:fillRect l="-873" t="-761" b="-3680"/>
+                </a:stretch>
+              </a:blipFill>
+            </p:spPr>
+            <p:txBody>
+              <a:bodyPr/>
+              <a:lstStyle/>
+              <a:p>
+                <a:r>
+                  <a:rPr lang="zh-TW" altLang="en-US">
+                    <a:noFill/>
+                  </a:rPr>
+                  <a:t> </a:t>
+                </a:r>
+              </a:p>
+            </p:txBody>
+          </p:sp>
+        </mc:Fallback>
+      </mc:AlternateContent>
     </p:spTree>
     <p:extLst>
       <p:ext uri="{BB962C8B-B14F-4D97-AF65-F5344CB8AC3E}">
@@ -27057,7 +27163,7 @@
           <a:p>
             <a:r>
               <a:rPr lang="en-US" altLang="zh-TW" dirty="0"/>
-              <a:t>Few/One Shot Learning</a:t>
+              <a:t>Few Shot Learning</a:t>
             </a:r>
             <a:endParaRPr lang="zh-TW" altLang="en-US" dirty="0"/>
           </a:p>
@@ -28074,6 +28180,44 @@
           </a:p>
         </p:txBody>
       </p:sp>
+      <p:sp>
+        <p:nvSpPr>
+          <p:cNvPr id="25" name="文字方塊 24">
+            <a:extLst>
+              <a:ext uri="{FF2B5EF4-FFF2-40B4-BE49-F238E27FC236}">
+                <a16:creationId xmlns:a16="http://schemas.microsoft.com/office/drawing/2014/main" id="{B3BD9DBF-72E1-D3A1-F3E8-891E5FECE6B2}"/>
+              </a:ext>
+            </a:extLst>
+          </p:cNvPr>
+          <p:cNvSpPr txBox="1"/>
+          <p:nvPr/>
+        </p:nvSpPr>
+        <p:spPr>
+          <a:xfrm>
+            <a:off x="7452320" y="5653885"/>
+            <a:ext cx="1178799" cy="253916"/>
+          </a:xfrm>
+          <a:prstGeom prst="rect">
+            <a:avLst/>
+          </a:prstGeom>
+          <a:solidFill>
+            <a:schemeClr val="bg1"/>
+          </a:solidFill>
+        </p:spPr>
+        <p:txBody>
+          <a:bodyPr wrap="square" rtlCol="0">
+            <a:spAutoFit/>
+          </a:bodyPr>
+          <a:lstStyle/>
+          <a:p>
+            <a:r>
+              <a:rPr lang="en-US" altLang="zh-TW" sz="1050" dirty="0"/>
+              <a:t>Cosine similarity</a:t>
+            </a:r>
+            <a:endParaRPr lang="zh-TW" altLang="en-US" sz="1050" dirty="0"/>
+          </a:p>
+        </p:txBody>
+      </p:sp>
     </p:spTree>
     <p:extLst>
       <p:ext uri="{BB962C8B-B14F-4D97-AF65-F5344CB8AC3E}">
@@ -28127,7 +28271,7 @@
           <a:p>
             <a:r>
               <a:rPr lang="en-US" altLang="zh-TW" dirty="0"/>
-              <a:t>Traditional computer architecture</a:t>
+              <a:t>Von Neumann Architecture</a:t>
             </a:r>
             <a:endParaRPr lang="zh-TW" altLang="en-US" dirty="0"/>
           </a:p>
@@ -30722,8 +30866,24 @@
           <a:lstStyle/>
           <a:p>
             <a:r>
+              <a:rPr lang="en-US" altLang="zh-TW" b="0" dirty="0">
+                <a:solidFill>
+                  <a:srgbClr val="019901"/>
+                </a:solidFill>
+              </a:rPr>
+              <a:t>Volatile</a:t>
+            </a:r>
+            <a:r>
               <a:rPr lang="en-US" altLang="zh-TW" b="0" dirty="0"/>
-              <a:t>Volatile vs Non-Volatile</a:t>
+              <a:t> vs </a:t>
+            </a:r>
+            <a:r>
+              <a:rPr lang="en-US" altLang="zh-TW" b="0" dirty="0">
+                <a:solidFill>
+                  <a:srgbClr val="0000FF"/>
+                </a:solidFill>
+              </a:rPr>
+              <a:t>Non-Volatile</a:t>
             </a:r>
           </a:p>
           <a:p>
@@ -31007,13 +31167,21 @@
               <a:buNone/>
             </a:pPr>
             <a:r>
-              <a:rPr lang="en-US" altLang="zh-TW" sz="1800" b="0" dirty="0"/>
+              <a:rPr lang="en-US" altLang="zh-TW" sz="1800" b="0" dirty="0">
+                <a:solidFill>
+                  <a:srgbClr val="019901"/>
+                </a:solidFill>
+              </a:rPr>
               <a:t>16T CMOS</a:t>
             </a:r>
           </a:p>
           <a:p>
             <a:pPr lvl="1"/>
-            <a:endParaRPr lang="en-US" altLang="zh-TW" sz="1600" b="0" dirty="0"/>
+            <a:endParaRPr lang="en-US" altLang="zh-TW" sz="1600" b="0" dirty="0">
+              <a:solidFill>
+                <a:srgbClr val="019901"/>
+              </a:solidFill>
+            </a:endParaRPr>
           </a:p>
         </p:txBody>
       </p:sp>
@@ -31563,18 +31731,34 @@
               <a:buNone/>
             </a:pPr>
             <a:r>
-              <a:rPr lang="en-US" altLang="zh-TW" sz="1800" b="0" dirty="0"/>
+              <a:rPr lang="en-US" altLang="zh-TW" sz="1800" b="0" dirty="0">
+                <a:solidFill>
+                  <a:srgbClr val="0000FF"/>
+                </a:solidFill>
+              </a:rPr>
               <a:t>2T Flash/</a:t>
             </a:r>
             <a:r>
-              <a:rPr lang="en-US" altLang="zh-TW" sz="1800" b="0" dirty="0" err="1"/>
+              <a:rPr lang="en-US" altLang="zh-TW" sz="1800" b="0" dirty="0" err="1">
+                <a:solidFill>
+                  <a:srgbClr val="0000FF"/>
+                </a:solidFill>
+              </a:rPr>
               <a:t>FeFET</a:t>
             </a:r>
-            <a:endParaRPr lang="en-US" altLang="zh-TW" sz="1800" b="0" dirty="0"/>
+            <a:endParaRPr lang="en-US" altLang="zh-TW" sz="1800" b="0" dirty="0">
+              <a:solidFill>
+                <a:srgbClr val="0000FF"/>
+              </a:solidFill>
+            </a:endParaRPr>
           </a:p>
           <a:p>
             <a:pPr lvl="1"/>
-            <a:endParaRPr lang="en-US" altLang="zh-TW" sz="1600" b="0" dirty="0"/>
+            <a:endParaRPr lang="en-US" altLang="zh-TW" sz="1600" b="0" dirty="0">
+              <a:solidFill>
+                <a:srgbClr val="0000FF"/>
+              </a:solidFill>
+            </a:endParaRPr>
           </a:p>
         </p:txBody>
       </p:sp>
@@ -32207,13 +32391,21 @@
               <a:buNone/>
             </a:pPr>
             <a:r>
-              <a:rPr lang="en-US" altLang="zh-TW" sz="1800" b="0" dirty="0"/>
+              <a:rPr lang="en-US" altLang="zh-TW" sz="1800" b="0" dirty="0">
+                <a:solidFill>
+                  <a:srgbClr val="0000FF"/>
+                </a:solidFill>
+              </a:rPr>
               <a:t>2T RRAM Crossbar</a:t>
             </a:r>
           </a:p>
           <a:p>
             <a:pPr lvl="1"/>
-            <a:endParaRPr lang="en-US" altLang="zh-TW" sz="1600" b="0" dirty="0"/>
+            <a:endParaRPr lang="en-US" altLang="zh-TW" sz="1600" b="0" dirty="0">
+              <a:solidFill>
+                <a:srgbClr val="0000FF"/>
+              </a:solidFill>
+            </a:endParaRPr>
           </a:p>
         </p:txBody>
       </p:sp>
@@ -36505,7 +36697,7 @@
           <a:p>
             <a:r>
               <a:rPr lang="en-US" altLang="zh-TW" dirty="0"/>
-              <a:t>Distance metric</a:t>
+              <a:t>From Angular to Distance Metric</a:t>
             </a:r>
             <a:endParaRPr lang="zh-TW" altLang="en-US" dirty="0"/>
           </a:p>
@@ -37087,14 +37279,13 @@
           <p:cNvCxnSpPr>
             <a:cxnSpLocks/>
             <a:stCxn id="27" idx="1"/>
-            <a:endCxn id="17" idx="2"/>
           </p:cNvCxnSpPr>
           <p:nvPr/>
         </p:nvCxnSpPr>
         <p:spPr bwMode="auto">
           <a:xfrm flipH="1">
-            <a:off x="5242391" y="3559298"/>
-            <a:ext cx="951306" cy="1826"/>
+            <a:off x="5364088" y="3559298"/>
+            <a:ext cx="829609" cy="11530"/>
           </a:xfrm>
           <a:prstGeom prst="straightConnector1">
             <a:avLst/>
@@ -37279,6 +37470,7 @@
             <a:solidFill>
               <a:schemeClr val="accent1"/>
             </a:solidFill>
+            <a:prstDash val="sysDash"/>
             <a:headEnd type="none" w="med" len="med"/>
             <a:tailEnd type="none" w="med" len="med"/>
           </a:ln>
@@ -37324,6 +37516,7 @@
             <a:solidFill>
               <a:schemeClr val="accent1"/>
             </a:solidFill>
+            <a:prstDash val="sysDash"/>
             <a:headEnd type="none" w="med" len="med"/>
             <a:tailEnd type="none" w="med" len="med"/>
           </a:ln>
@@ -37472,10 +37665,10 @@
         </p:nvGrpSpPr>
         <p:grpSpPr>
           <a:xfrm>
-            <a:off x="2852935" y="3191792"/>
-            <a:ext cx="2607729" cy="525889"/>
-            <a:chOff x="1319982" y="3193561"/>
-            <a:chExt cx="2607729" cy="525889"/>
+            <a:off x="2589851" y="3051466"/>
+            <a:ext cx="2733685" cy="623910"/>
+            <a:chOff x="1319982" y="3095540"/>
+            <a:chExt cx="2733685" cy="623910"/>
           </a:xfrm>
         </p:grpSpPr>
         <p:pic>
@@ -37507,8 +37700,8 @@
             </a:prstGeom>
           </p:spPr>
         </p:pic>
-        <mc:AlternateContent xmlns:mc="http://schemas.openxmlformats.org/markup-compatibility/2006" xmlns:a14="http://schemas.microsoft.com/office/drawing/2010/main">
-          <mc:Choice Requires="a14">
+        <mc:AlternateContent xmlns:mc="http://schemas.openxmlformats.org/markup-compatibility/2006">
+          <mc:Choice xmlns:a14="http://schemas.microsoft.com/office/drawing/2010/main" Requires="a14">
             <p:sp>
               <p:nvSpPr>
                 <p:cNvPr id="17" name="文字方塊 16">
@@ -37523,7 +37716,7 @@
               </p:nvSpPr>
               <p:spPr>
                 <a:xfrm>
-                  <a:off x="3491165" y="3193561"/>
+                  <a:off x="3617121" y="3095540"/>
                   <a:ext cx="436546" cy="369332"/>
                 </a:xfrm>
                 <a:prstGeom prst="rect">
@@ -37558,7 +37751,7 @@
               </p:txBody>
             </p:sp>
           </mc:Choice>
-          <mc:Fallback xmlns="">
+          <mc:Fallback>
             <p:sp>
               <p:nvSpPr>
                 <p:cNvPr id="17" name="文字方塊 16">
@@ -37575,7 +37768,7 @@
               </p:nvSpPr>
               <p:spPr>
                 <a:xfrm>
-                  <a:off x="3491165" y="3193561"/>
+                  <a:off x="3617121" y="3095540"/>
                   <a:ext cx="436546" cy="369332"/>
                 </a:xfrm>
                 <a:prstGeom prst="rect">
@@ -37604,6 +37797,198 @@
           </mc:Fallback>
         </mc:AlternateContent>
       </p:grpSp>
+      <mc:AlternateContent xmlns:mc="http://schemas.openxmlformats.org/markup-compatibility/2006">
+        <mc:Choice xmlns:a14="http://schemas.microsoft.com/office/drawing/2010/main" Requires="a14">
+          <p:sp>
+            <p:nvSpPr>
+              <p:cNvPr id="4" name="文字方塊 3">
+                <a:extLst>
+                  <a:ext uri="{FF2B5EF4-FFF2-40B4-BE49-F238E27FC236}">
+                    <a16:creationId xmlns:a16="http://schemas.microsoft.com/office/drawing/2014/main" id="{3ECA464F-A9D4-E62A-26D0-DC48694BC993}"/>
+                  </a:ext>
+                </a:extLst>
+              </p:cNvPr>
+              <p:cNvSpPr txBox="1"/>
+              <p:nvPr/>
+            </p:nvSpPr>
+            <p:spPr>
+              <a:xfrm>
+                <a:off x="2308312" y="3306295"/>
+                <a:ext cx="436546" cy="369332"/>
+              </a:xfrm>
+              <a:prstGeom prst="rect">
+                <a:avLst/>
+              </a:prstGeom>
+              <a:noFill/>
+            </p:spPr>
+            <p:txBody>
+              <a:bodyPr wrap="square">
+                <a:spAutoFit/>
+              </a:bodyPr>
+              <a:lstStyle/>
+              <a:p>
+                <a:pPr/>
+                <a14:m>
+                  <m:oMathPara xmlns:m="http://schemas.openxmlformats.org/officeDocument/2006/math">
+                    <m:oMathParaPr>
+                      <m:jc m:val="centerGroup"/>
+                    </m:oMathParaPr>
+                    <m:oMath xmlns:m="http://schemas.openxmlformats.org/officeDocument/2006/math">
+                      <m:r>
+                        <a:rPr lang="en-US" altLang="zh-TW" i="1">
+                          <a:latin typeface="Cambria Math" panose="02040503050406030204" pitchFamily="18" charset="0"/>
+                        </a:rPr>
+                        <m:t>{</m:t>
+                      </m:r>
+                    </m:oMath>
+                  </m:oMathPara>
+                </a14:m>
+                <a:endParaRPr lang="zh-TW" altLang="en-US" dirty="0"/>
+              </a:p>
+            </p:txBody>
+          </p:sp>
+        </mc:Choice>
+        <mc:Fallback>
+          <p:sp>
+            <p:nvSpPr>
+              <p:cNvPr id="4" name="文字方塊 3">
+                <a:extLst>
+                  <a:ext uri="{FF2B5EF4-FFF2-40B4-BE49-F238E27FC236}">
+                    <a16:creationId xmlns:a16="http://schemas.microsoft.com/office/drawing/2014/main" id="{3ECA464F-A9D4-E62A-26D0-DC48694BC993}"/>
+                  </a:ext>
+                </a:extLst>
+              </p:cNvPr>
+              <p:cNvSpPr txBox="1">
+                <a:spLocks noRot="1" noChangeAspect="1" noMove="1" noResize="1" noEditPoints="1" noAdjustHandles="1" noChangeArrowheads="1" noChangeShapeType="1" noTextEdit="1"/>
+              </p:cNvSpPr>
+              <p:nvPr/>
+            </p:nvSpPr>
+            <p:spPr>
+              <a:xfrm>
+                <a:off x="2308312" y="3306295"/>
+                <a:ext cx="436546" cy="369332"/>
+              </a:xfrm>
+              <a:prstGeom prst="rect">
+                <a:avLst/>
+              </a:prstGeom>
+              <a:blipFill>
+                <a:blip r:embed="rId8"/>
+                <a:stretch>
+                  <a:fillRect b="-16393"/>
+                </a:stretch>
+              </a:blipFill>
+            </p:spPr>
+            <p:txBody>
+              <a:bodyPr/>
+              <a:lstStyle/>
+              <a:p>
+                <a:r>
+                  <a:rPr lang="zh-TW" altLang="en-US">
+                    <a:noFill/>
+                  </a:rPr>
+                  <a:t> </a:t>
+                </a:r>
+              </a:p>
+            </p:txBody>
+          </p:sp>
+        </mc:Fallback>
+      </mc:AlternateContent>
+      <mc:AlternateContent xmlns:mc="http://schemas.openxmlformats.org/markup-compatibility/2006">
+        <mc:Choice xmlns:a14="http://schemas.microsoft.com/office/drawing/2010/main" Requires="a14">
+          <p:sp>
+            <p:nvSpPr>
+              <p:cNvPr id="9" name="文字方塊 8">
+                <a:extLst>
+                  <a:ext uri="{FF2B5EF4-FFF2-40B4-BE49-F238E27FC236}">
+                    <a16:creationId xmlns:a16="http://schemas.microsoft.com/office/drawing/2014/main" id="{A3BF0B40-A9C5-1FF2-10E5-045C1AAD3D9D}"/>
+                  </a:ext>
+                </a:extLst>
+              </p:cNvPr>
+              <p:cNvSpPr txBox="1"/>
+              <p:nvPr/>
+            </p:nvSpPr>
+            <p:spPr>
+              <a:xfrm>
+                <a:off x="4754791" y="3277639"/>
+                <a:ext cx="436546" cy="369332"/>
+              </a:xfrm>
+              <a:prstGeom prst="rect">
+                <a:avLst/>
+              </a:prstGeom>
+              <a:noFill/>
+            </p:spPr>
+            <p:txBody>
+              <a:bodyPr wrap="square">
+                <a:spAutoFit/>
+              </a:bodyPr>
+              <a:lstStyle/>
+              <a:p>
+                <a:pPr/>
+                <a14:m>
+                  <m:oMathPara xmlns:m="http://schemas.openxmlformats.org/officeDocument/2006/math">
+                    <m:oMathParaPr>
+                      <m:jc m:val="centerGroup"/>
+                    </m:oMathParaPr>
+                    <m:oMath xmlns:m="http://schemas.openxmlformats.org/officeDocument/2006/math">
+                      <m:r>
+                        <a:rPr lang="en-US" altLang="zh-TW" i="1" smtClean="0">
+                          <a:latin typeface="Cambria Math" panose="02040503050406030204" pitchFamily="18" charset="0"/>
+                        </a:rPr>
+                        <m:t>}</m:t>
+                      </m:r>
+                    </m:oMath>
+                  </m:oMathPara>
+                </a14:m>
+                <a:endParaRPr lang="zh-TW" altLang="en-US" dirty="0"/>
+              </a:p>
+            </p:txBody>
+          </p:sp>
+        </mc:Choice>
+        <mc:Fallback>
+          <p:sp>
+            <p:nvSpPr>
+              <p:cNvPr id="9" name="文字方塊 8">
+                <a:extLst>
+                  <a:ext uri="{FF2B5EF4-FFF2-40B4-BE49-F238E27FC236}">
+                    <a16:creationId xmlns:a16="http://schemas.microsoft.com/office/drawing/2014/main" id="{A3BF0B40-A9C5-1FF2-10E5-045C1AAD3D9D}"/>
+                  </a:ext>
+                </a:extLst>
+              </p:cNvPr>
+              <p:cNvSpPr txBox="1">
+                <a:spLocks noRot="1" noChangeAspect="1" noMove="1" noResize="1" noEditPoints="1" noAdjustHandles="1" noChangeArrowheads="1" noChangeShapeType="1" noTextEdit="1"/>
+              </p:cNvSpPr>
+              <p:nvPr/>
+            </p:nvSpPr>
+            <p:spPr>
+              <a:xfrm>
+                <a:off x="4754791" y="3277639"/>
+                <a:ext cx="436546" cy="369332"/>
+              </a:xfrm>
+              <a:prstGeom prst="rect">
+                <a:avLst/>
+              </a:prstGeom>
+              <a:blipFill>
+                <a:blip r:embed="rId9"/>
+                <a:stretch>
+                  <a:fillRect b="-18333"/>
+                </a:stretch>
+              </a:blipFill>
+            </p:spPr>
+            <p:txBody>
+              <a:bodyPr/>
+              <a:lstStyle/>
+              <a:p>
+                <a:r>
+                  <a:rPr lang="zh-TW" altLang="en-US">
+                    <a:noFill/>
+                  </a:rPr>
+                  <a:t> </a:t>
+                </a:r>
+              </a:p>
+            </p:txBody>
+          </p:sp>
+        </mc:Fallback>
+      </mc:AlternateContent>
     </p:spTree>
     <p:extLst>
       <p:ext uri="{BB962C8B-B14F-4D97-AF65-F5344CB8AC3E}">
@@ -37657,14 +38042,14 @@
           <a:p>
             <a:r>
               <a:rPr lang="en-US" altLang="zh-TW" dirty="0"/>
-              <a:t>Distance metric</a:t>
+              <a:t>Distance Metric</a:t>
             </a:r>
             <a:endParaRPr lang="zh-TW" altLang="en-US" dirty="0"/>
           </a:p>
         </p:txBody>
       </p:sp>
-      <mc:AlternateContent xmlns:mc="http://schemas.openxmlformats.org/markup-compatibility/2006">
-        <mc:Choice xmlns:a14="http://schemas.microsoft.com/office/drawing/2010/main" Requires="a14">
+      <mc:AlternateContent xmlns:mc="http://schemas.openxmlformats.org/markup-compatibility/2006" xmlns:a14="http://schemas.microsoft.com/office/drawing/2010/main">
+        <mc:Choice Requires="a14">
           <p:sp>
             <p:nvSpPr>
               <p:cNvPr id="3" name="內容版面配置區 2">
@@ -37793,7 +38178,7 @@
             </p:txBody>
           </p:sp>
         </mc:Choice>
-        <mc:Fallback>
+        <mc:Fallback xmlns="">
           <p:sp>
             <p:nvSpPr>
               <p:cNvPr id="3" name="內容版面配置區 2">
@@ -42083,8 +42468,8 @@
           </a:p>
         </p:txBody>
       </p:sp>
-      <mc:AlternateContent xmlns:mc="http://schemas.openxmlformats.org/markup-compatibility/2006" xmlns:a14="http://schemas.microsoft.com/office/drawing/2010/main">
-        <mc:Choice Requires="a14">
+      <mc:AlternateContent xmlns:mc="http://schemas.openxmlformats.org/markup-compatibility/2006">
+        <mc:Choice xmlns:a14="http://schemas.microsoft.com/office/drawing/2010/main" Requires="a14">
           <p:sp>
             <p:nvSpPr>
               <p:cNvPr id="86" name="文字方塊 85">
@@ -42321,7 +42706,7 @@
                               <m:ctrlPr>
                                 <a:rPr lang="en-US" altLang="zh-TW" sz="1600" i="1" smtClean="0">
                                   <a:solidFill>
-                                    <a:srgbClr val="FF0000"/>
+                                    <a:schemeClr val="tx1"/>
                                   </a:solidFill>
                                   <a:latin typeface="Cambria Math" panose="02040503050406030204" pitchFamily="18" charset="0"/>
                                 </a:rPr>
@@ -42331,7 +42716,7 @@
                               <m:r>
                                 <a:rPr lang="en-US" altLang="zh-TW" sz="1600" smtClean="0">
                                   <a:solidFill>
-                                    <a:srgbClr val="FF0000"/>
+                                    <a:schemeClr val="tx1"/>
                                   </a:solidFill>
                                   <a:latin typeface="Cambria Math" panose="02040503050406030204" pitchFamily="18" charset="0"/>
                                 </a:rPr>
@@ -42344,7 +42729,7 @@
                                   <m:ctrlPr>
                                     <a:rPr lang="en-US" altLang="zh-TW" sz="1600" i="1">
                                       <a:solidFill>
-                                        <a:srgbClr val="FF0000"/>
+                                        <a:schemeClr val="tx1"/>
                                       </a:solidFill>
                                       <a:latin typeface="Cambria Math" panose="02040503050406030204" pitchFamily="18" charset="0"/>
                                     </a:rPr>
@@ -42354,7 +42739,7 @@
                                   <m:r>
                                     <a:rPr lang="en-US" altLang="zh-TW" sz="1600" b="0" i="0" smtClean="0">
                                       <a:solidFill>
-                                        <a:srgbClr val="FF0000"/>
+                                        <a:schemeClr val="tx1"/>
                                       </a:solidFill>
                                       <a:latin typeface="Cambria Math" panose="02040503050406030204" pitchFamily="18" charset="0"/>
                                     </a:rPr>
@@ -42363,7 +42748,7 @@
                                   <m:r>
                                     <a:rPr lang="en-US" altLang="zh-TW" sz="1600">
                                       <a:solidFill>
-                                        <a:srgbClr val="FF0000"/>
+                                        <a:schemeClr val="tx1"/>
                                       </a:solidFill>
                                       <a:latin typeface="Cambria Math" panose="02040503050406030204" pitchFamily="18" charset="0"/>
                                     </a:rPr>
@@ -42372,7 +42757,7 @@
                                   <m:r>
                                     <a:rPr lang="en-US" altLang="zh-TW" sz="1600" b="0" i="1" smtClean="0">
                                       <a:solidFill>
-                                        <a:srgbClr val="FF0000"/>
+                                        <a:schemeClr val="tx1"/>
                                       </a:solidFill>
                                       <a:latin typeface="Cambria Math" panose="02040503050406030204" pitchFamily="18" charset="0"/>
                                     </a:rPr>
@@ -42383,7 +42768,7 @@
                               <m:r>
                                 <a:rPr lang="en-US" altLang="zh-TW" sz="1600">
                                   <a:solidFill>
-                                    <a:srgbClr val="FF0000"/>
+                                    <a:schemeClr val="tx1"/>
                                   </a:solidFill>
                                   <a:latin typeface="Cambria Math" panose="02040503050406030204" pitchFamily="18" charset="0"/>
                                 </a:rPr>
@@ -42396,7 +42781,7 @@
                                   <m:ctrlPr>
                                     <a:rPr lang="en-US" altLang="zh-TW" sz="1600" i="1">
                                       <a:solidFill>
-                                        <a:srgbClr val="FF0000"/>
+                                        <a:schemeClr val="tx1"/>
                                       </a:solidFill>
                                       <a:latin typeface="Cambria Math" panose="02040503050406030204" pitchFamily="18" charset="0"/>
                                     </a:rPr>
@@ -42406,7 +42791,7 @@
                                   <m:r>
                                     <a:rPr lang="en-US" altLang="zh-TW" sz="1600" b="0" i="0" smtClean="0">
                                       <a:solidFill>
-                                        <a:srgbClr val="FF0000"/>
+                                        <a:schemeClr val="tx1"/>
                                       </a:solidFill>
                                       <a:latin typeface="Cambria Math" panose="02040503050406030204" pitchFamily="18" charset="0"/>
                                     </a:rPr>
@@ -42415,7 +42800,7 @@
                                   <m:r>
                                     <a:rPr lang="en-US" altLang="zh-TW" sz="1600">
                                       <a:solidFill>
-                                        <a:srgbClr val="FF0000"/>
+                                        <a:schemeClr val="tx1"/>
                                       </a:solidFill>
                                       <a:latin typeface="Cambria Math" panose="02040503050406030204" pitchFamily="18" charset="0"/>
                                     </a:rPr>
@@ -42424,7 +42809,7 @@
                                   <m:r>
                                     <a:rPr lang="en-US" altLang="zh-TW" sz="1600" b="0" i="0" smtClean="0">
                                       <a:solidFill>
-                                        <a:srgbClr val="FF0000"/>
+                                        <a:schemeClr val="tx1"/>
                                       </a:solidFill>
                                       <a:latin typeface="Cambria Math" panose="02040503050406030204" pitchFamily="18" charset="0"/>
                                     </a:rPr>
@@ -42435,7 +42820,7 @@
                               <m:r>
                                 <a:rPr lang="en-US" altLang="zh-TW" sz="1600" smtClean="0">
                                   <a:solidFill>
-                                    <a:srgbClr val="FF0000"/>
+                                    <a:schemeClr val="tx1"/>
                                   </a:solidFill>
                                   <a:latin typeface="Cambria Math" panose="02040503050406030204" pitchFamily="18" charset="0"/>
                                 </a:rPr>
@@ -42453,7 +42838,7 @@
             </p:txBody>
           </p:sp>
         </mc:Choice>
-        <mc:Fallback xmlns="">
+        <mc:Fallback>
           <p:sp>
             <p:nvSpPr>
               <p:cNvPr id="86" name="文字方塊 85">
@@ -44118,266 +44503,6 @@
       </p:cxnSp>
       <p:sp>
         <p:nvSpPr>
-          <p:cNvPr id="4" name="內容版面配置區 2">
-            <a:extLst>
-              <a:ext uri="{FF2B5EF4-FFF2-40B4-BE49-F238E27FC236}">
-                <a16:creationId xmlns:a16="http://schemas.microsoft.com/office/drawing/2014/main" id="{CD575DBF-2EC5-14F8-7592-25B8917B5B6B}"/>
-              </a:ext>
-            </a:extLst>
-          </p:cNvPr>
-          <p:cNvSpPr txBox="1">
-            <a:spLocks/>
-          </p:cNvSpPr>
-          <p:nvPr/>
-        </p:nvSpPr>
-        <p:spPr bwMode="auto">
-          <a:xfrm>
-            <a:off x="7715075" y="3754512"/>
-            <a:ext cx="1232108" cy="535441"/>
-          </a:xfrm>
-          <a:prstGeom prst="rect">
-            <a:avLst/>
-          </a:prstGeom>
-          <a:noFill/>
-          <a:ln>
-            <a:noFill/>
-          </a:ln>
-          <a:effectLst/>
-        </p:spPr>
-        <p:txBody>
-          <a:bodyPr vert="horz" wrap="square" lIns="91440" tIns="45720" rIns="91440" bIns="45720" numCol="1" anchor="t" anchorCtr="0" compatLnSpc="1">
-            <a:prstTxWarp prst="textNoShape">
-              <a:avLst/>
-            </a:prstTxWarp>
-          </a:bodyPr>
-          <a:lstStyle>
-            <a:lvl1pPr marL="342900" indent="-342900" algn="l" rtl="0" eaLnBrk="0" fontAlgn="base" hangingPunct="0">
-              <a:spcBef>
-                <a:spcPct val="20000"/>
-              </a:spcBef>
-              <a:spcAft>
-                <a:spcPct val="0"/>
-              </a:spcAft>
-              <a:buClr>
-                <a:srgbClr val="669900"/>
-              </a:buClr>
-              <a:buFont typeface="Wingdings" panose="05000000000000000000" pitchFamily="2" charset="2"/>
-              <a:buChar char="p"/>
-              <a:defRPr kumimoji="1" sz="2800" kern="1200">
-                <a:solidFill>
-                  <a:schemeClr val="tx1"/>
-                </a:solidFill>
-                <a:latin typeface="+mn-lt"/>
-                <a:ea typeface="+mn-ea"/>
-                <a:cs typeface="+mn-cs"/>
-              </a:defRPr>
-            </a:lvl1pPr>
-            <a:lvl2pPr marL="742950" indent="-285750" algn="l" rtl="0" eaLnBrk="0" fontAlgn="base" hangingPunct="0">
-              <a:spcBef>
-                <a:spcPct val="20000"/>
-              </a:spcBef>
-              <a:spcAft>
-                <a:spcPct val="0"/>
-              </a:spcAft>
-              <a:buClr>
-                <a:srgbClr val="669900"/>
-              </a:buClr>
-              <a:buFont typeface="Wingdings" panose="05000000000000000000" pitchFamily="2" charset="2"/>
-              <a:buChar char="n"/>
-              <a:defRPr kumimoji="1" sz="2400" kern="1200">
-                <a:solidFill>
-                  <a:schemeClr val="tx1"/>
-                </a:solidFill>
-                <a:latin typeface="+mn-lt"/>
-                <a:ea typeface="+mn-ea"/>
-                <a:cs typeface="+mn-cs"/>
-              </a:defRPr>
-            </a:lvl2pPr>
-            <a:lvl3pPr marL="1143000" indent="-228600" algn="l" rtl="0" eaLnBrk="0" fontAlgn="base" hangingPunct="0">
-              <a:spcBef>
-                <a:spcPct val="20000"/>
-              </a:spcBef>
-              <a:spcAft>
-                <a:spcPct val="0"/>
-              </a:spcAft>
-              <a:buClr>
-                <a:srgbClr val="669900"/>
-              </a:buClr>
-              <a:buFont typeface="Wingdings" panose="05000000000000000000" pitchFamily="2" charset="2"/>
-              <a:buChar char="p"/>
-              <a:defRPr kumimoji="1" sz="2000" kern="1200">
-                <a:solidFill>
-                  <a:schemeClr val="tx1"/>
-                </a:solidFill>
-                <a:latin typeface="+mn-lt"/>
-                <a:ea typeface="+mn-ea"/>
-                <a:cs typeface="+mn-cs"/>
-              </a:defRPr>
-            </a:lvl3pPr>
-            <a:lvl4pPr marL="1600200" indent="-228600" algn="l" rtl="0" eaLnBrk="0" fontAlgn="base" hangingPunct="0">
-              <a:spcBef>
-                <a:spcPct val="20000"/>
-              </a:spcBef>
-              <a:spcAft>
-                <a:spcPct val="0"/>
-              </a:spcAft>
-              <a:buClr>
-                <a:srgbClr val="669900"/>
-              </a:buClr>
-              <a:buFont typeface="Wingdings" panose="05000000000000000000" pitchFamily="2" charset="2"/>
-              <a:buChar char="§"/>
-              <a:defRPr kumimoji="1" kern="1200">
-                <a:solidFill>
-                  <a:schemeClr val="tx1"/>
-                </a:solidFill>
-                <a:latin typeface="+mn-lt"/>
-                <a:ea typeface="+mn-ea"/>
-                <a:cs typeface="+mn-cs"/>
-              </a:defRPr>
-            </a:lvl4pPr>
-            <a:lvl5pPr marL="2057400" indent="-228600" algn="l" rtl="0" eaLnBrk="0" fontAlgn="base" hangingPunct="0">
-              <a:spcBef>
-                <a:spcPct val="20000"/>
-              </a:spcBef>
-              <a:spcAft>
-                <a:spcPct val="0"/>
-              </a:spcAft>
-              <a:buClr>
-                <a:srgbClr val="669900"/>
-              </a:buClr>
-              <a:buFont typeface="Wingdings" panose="05000000000000000000" pitchFamily="2" charset="2"/>
-              <a:buChar char="§"/>
-              <a:defRPr kumimoji="1" kern="1200">
-                <a:solidFill>
-                  <a:schemeClr val="tx1"/>
-                </a:solidFill>
-                <a:latin typeface="+mn-lt"/>
-                <a:ea typeface="+mn-ea"/>
-                <a:cs typeface="+mn-cs"/>
-              </a:defRPr>
-            </a:lvl5pPr>
-            <a:lvl6pPr marL="2514600" indent="-228600" algn="l" defTabSz="914400" rtl="0" eaLnBrk="1" latinLnBrk="0" hangingPunct="1">
-              <a:lnSpc>
-                <a:spcPct val="90000"/>
-              </a:lnSpc>
-              <a:spcBef>
-                <a:spcPts val="500"/>
-              </a:spcBef>
-              <a:buFont typeface="Arial" panose="020B0604020202020204" pitchFamily="34" charset="0"/>
-              <a:buChar char="•"/>
-              <a:defRPr sz="1800" kern="1200">
-                <a:solidFill>
-                  <a:schemeClr val="tx1"/>
-                </a:solidFill>
-                <a:latin typeface="+mn-lt"/>
-                <a:ea typeface="+mn-ea"/>
-                <a:cs typeface="+mn-cs"/>
-              </a:defRPr>
-            </a:lvl6pPr>
-            <a:lvl7pPr marL="2971800" indent="-228600" algn="l" defTabSz="914400" rtl="0" eaLnBrk="1" latinLnBrk="0" hangingPunct="1">
-              <a:lnSpc>
-                <a:spcPct val="90000"/>
-              </a:lnSpc>
-              <a:spcBef>
-                <a:spcPts val="500"/>
-              </a:spcBef>
-              <a:buFont typeface="Arial" panose="020B0604020202020204" pitchFamily="34" charset="0"/>
-              <a:buChar char="•"/>
-              <a:defRPr sz="1800" kern="1200">
-                <a:solidFill>
-                  <a:schemeClr val="tx1"/>
-                </a:solidFill>
-                <a:latin typeface="+mn-lt"/>
-                <a:ea typeface="+mn-ea"/>
-                <a:cs typeface="+mn-cs"/>
-              </a:defRPr>
-            </a:lvl7pPr>
-            <a:lvl8pPr marL="3429000" indent="-228600" algn="l" defTabSz="914400" rtl="0" eaLnBrk="1" latinLnBrk="0" hangingPunct="1">
-              <a:lnSpc>
-                <a:spcPct val="90000"/>
-              </a:lnSpc>
-              <a:spcBef>
-                <a:spcPts val="500"/>
-              </a:spcBef>
-              <a:buFont typeface="Arial" panose="020B0604020202020204" pitchFamily="34" charset="0"/>
-              <a:buChar char="•"/>
-              <a:defRPr sz="1800" kern="1200">
-                <a:solidFill>
-                  <a:schemeClr val="tx1"/>
-                </a:solidFill>
-                <a:latin typeface="+mn-lt"/>
-                <a:ea typeface="+mn-ea"/>
-                <a:cs typeface="+mn-cs"/>
-              </a:defRPr>
-            </a:lvl8pPr>
-            <a:lvl9pPr marL="3886200" indent="-228600" algn="l" defTabSz="914400" rtl="0" eaLnBrk="1" latinLnBrk="0" hangingPunct="1">
-              <a:lnSpc>
-                <a:spcPct val="90000"/>
-              </a:lnSpc>
-              <a:spcBef>
-                <a:spcPts val="500"/>
-              </a:spcBef>
-              <a:buFont typeface="Arial" panose="020B0604020202020204" pitchFamily="34" charset="0"/>
-              <a:buChar char="•"/>
-              <a:defRPr sz="1800" kern="1200">
-                <a:solidFill>
-                  <a:schemeClr val="tx1"/>
-                </a:solidFill>
-                <a:latin typeface="+mn-lt"/>
-                <a:ea typeface="+mn-ea"/>
-                <a:cs typeface="+mn-cs"/>
-              </a:defRPr>
-            </a:lvl9pPr>
-          </a:lstStyle>
-          <a:p>
-            <a:pPr marL="0" indent="0" algn="ctr">
-              <a:buNone/>
-            </a:pPr>
-            <a:r>
-              <a:rPr lang="en-US" altLang="zh-TW" sz="1600" b="0" dirty="0"/>
-              <a:t>Boundary condition!</a:t>
-            </a:r>
-          </a:p>
-        </p:txBody>
-      </p:sp>
-      <p:cxnSp>
-        <p:nvCxnSpPr>
-          <p:cNvPr id="5" name="直線單箭頭接點 4">
-            <a:extLst>
-              <a:ext uri="{FF2B5EF4-FFF2-40B4-BE49-F238E27FC236}">
-                <a16:creationId xmlns:a16="http://schemas.microsoft.com/office/drawing/2014/main" id="{EEA43B0C-3ECB-A2C1-4F9E-7E779C6C1CD4}"/>
-              </a:ext>
-            </a:extLst>
-          </p:cNvPr>
-          <p:cNvCxnSpPr>
-            <a:cxnSpLocks/>
-            <a:endCxn id="4" idx="1"/>
-          </p:cNvCxnSpPr>
-          <p:nvPr/>
-        </p:nvCxnSpPr>
-        <p:spPr bwMode="auto">
-          <a:xfrm flipV="1">
-            <a:off x="6948264" y="4022233"/>
-            <a:ext cx="766811" cy="137148"/>
-          </a:xfrm>
-          <a:prstGeom prst="straightConnector1">
-            <a:avLst/>
-          </a:prstGeom>
-          <a:noFill/>
-          <a:ln w="28575" cap="flat" cmpd="sng" algn="ctr">
-            <a:solidFill>
-              <a:schemeClr val="tx1"/>
-            </a:solidFill>
-            <a:prstDash val="solid"/>
-            <a:round/>
-            <a:headEnd type="none" w="med" len="med"/>
-            <a:tailEnd type="triangle"/>
-          </a:ln>
-          <a:effectLst/>
-        </p:spPr>
-      </p:cxnSp>
-      <p:sp>
-        <p:nvSpPr>
           <p:cNvPr id="53" name="文字方塊 52">
             <a:extLst>
               <a:ext uri="{FF2B5EF4-FFF2-40B4-BE49-F238E27FC236}">
@@ -44651,14 +44776,14 @@
           <a:p>
             <a:r>
               <a:rPr lang="en-US" altLang="zh-TW" dirty="0"/>
-              <a:t>Distance metric</a:t>
+              <a:t>Distance Metric</a:t>
             </a:r>
             <a:endParaRPr lang="zh-TW" altLang="en-US" dirty="0"/>
           </a:p>
         </p:txBody>
       </p:sp>
-      <mc:AlternateContent xmlns:mc="http://schemas.openxmlformats.org/markup-compatibility/2006">
-        <mc:Choice xmlns:a14="http://schemas.microsoft.com/office/drawing/2010/main" Requires="a14">
+      <mc:AlternateContent xmlns:mc="http://schemas.openxmlformats.org/markup-compatibility/2006" xmlns:a14="http://schemas.microsoft.com/office/drawing/2010/main">
+        <mc:Choice Requires="a14">
           <p:sp>
             <p:nvSpPr>
               <p:cNvPr id="3" name="內容版面配置區 2">
@@ -44903,7 +45028,7 @@
             </p:txBody>
           </p:sp>
         </mc:Choice>
-        <mc:Fallback>
+        <mc:Fallback xmlns="">
           <p:sp>
             <p:nvSpPr>
               <p:cNvPr id="3" name="內容版面配置區 2">
